--- a/vortrag/ba_seminar_presentation.pptx
+++ b/vortrag/ba_seminar_presentation.pptx
@@ -5,16 +5,19 @@
     <p:sldMasterId id="2147483648" r:id="rId1"/>
   </p:sldMasterIdLst>
   <p:notesMasterIdLst>
-    <p:notesMasterId r:id="rId9"/>
+    <p:notesMasterId r:id="rId12"/>
   </p:notesMasterIdLst>
   <p:sldIdLst>
     <p:sldId id="256" r:id="rId2"/>
     <p:sldId id="257" r:id="rId3"/>
     <p:sldId id="258" r:id="rId4"/>
-    <p:sldId id="259" r:id="rId5"/>
-    <p:sldId id="261" r:id="rId6"/>
-    <p:sldId id="262" r:id="rId7"/>
-    <p:sldId id="260" r:id="rId8"/>
+    <p:sldId id="263" r:id="rId5"/>
+    <p:sldId id="264" r:id="rId6"/>
+    <p:sldId id="259" r:id="rId7"/>
+    <p:sldId id="262" r:id="rId8"/>
+    <p:sldId id="260" r:id="rId9"/>
+    <p:sldId id="266" r:id="rId10"/>
+    <p:sldId id="265" r:id="rId11"/>
   </p:sldIdLst>
   <p:sldSz cx="9144000" cy="6858000" type="screen4x3"/>
   <p:notesSz cx="6858000" cy="9144000"/>
@@ -113,6 +116,11 @@
       </a:defRPr>
     </a:lvl9pPr>
   </p:defaultTextStyle>
+  <p:extLst>
+    <p:ext uri="{EFAFB233-063F-42B5-8137-9DF3F51BA10A}">
+      <p15:sldGuideLst xmlns:p15="http://schemas.microsoft.com/office/powerpoint/2012/main"/>
+    </p:ext>
+  </p:extLst>
 </p:presentation>
 </file>
 
@@ -198,7 +206,7 @@
           <a:p>
             <a:fld id="{02DEFC3C-AF63-412B-984B-9E1D725FE3B8}" type="datetimeFigureOut">
               <a:rPr lang="de-DE" smtClean="0"/>
-              <a:t>22.09.2018</a:t>
+              <a:t>23.09.2018</a:t>
             </a:fld>
             <a:endParaRPr lang="de-DE"/>
           </a:p>
@@ -494,8 +502,8 @@
         </p:nvSpPr>
         <p:spPr/>
       </p:sp>
-      <mc:AlternateContent xmlns:mc="http://schemas.openxmlformats.org/markup-compatibility/2006">
-        <mc:Choice xmlns:a14="http://schemas.microsoft.com/office/drawing/2010/main" Requires="a14">
+      <mc:AlternateContent xmlns:mc="http://schemas.openxmlformats.org/markup-compatibility/2006" xmlns:a14="http://schemas.microsoft.com/office/drawing/2010/main">
+        <mc:Choice Requires="a14">
           <p:sp>
             <p:nvSpPr>
               <p:cNvPr id="3" name="Notizenplatzhalter 2"/>
@@ -557,7 +565,7 @@
             </p:txBody>
           </p:sp>
         </mc:Choice>
-        <mc:Fallback>
+        <mc:Fallback xmlns="">
           <p:sp>
             <p:nvSpPr>
               <p:cNvPr id="3" name="Notizenplatzhalter 2"/>
@@ -614,7 +622,7 @@
           <a:p>
             <a:fld id="{416FB7CF-276F-45FE-92E9-289D7174B126}" type="slidenum">
               <a:rPr lang="de-DE" smtClean="0"/>
-              <a:t>6</a:t>
+              <a:t>7</a:t>
             </a:fld>
             <a:endParaRPr lang="de-DE"/>
           </a:p>
@@ -780,7 +788,7 @@
           <a:p>
             <a:fld id="{0B3785B8-7845-4E22-917D-860CEDD8A158}" type="datetime1">
               <a:rPr lang="de-DE" smtClean="0"/>
-              <a:t>22.09.2018</a:t>
+              <a:t>23.09.2018</a:t>
             </a:fld>
             <a:endParaRPr lang="de-DE"/>
           </a:p>
@@ -978,7 +986,7 @@
           <a:p>
             <a:fld id="{3251938C-2909-4BAA-BC07-22B60A122E43}" type="datetime1">
               <a:rPr lang="de-DE" smtClean="0"/>
-              <a:t>22.09.2018</a:t>
+              <a:t>23.09.2018</a:t>
             </a:fld>
             <a:endParaRPr lang="de-DE"/>
           </a:p>
@@ -1186,7 +1194,7 @@
           <a:p>
             <a:fld id="{D187C8ED-4DEB-41FB-A851-C9EF06EC7D47}" type="datetime1">
               <a:rPr lang="de-DE" smtClean="0"/>
-              <a:t>22.09.2018</a:t>
+              <a:t>23.09.2018</a:t>
             </a:fld>
             <a:endParaRPr lang="de-DE"/>
           </a:p>
@@ -1384,7 +1392,7 @@
           <a:p>
             <a:fld id="{97AF0FDE-A463-47AC-AC43-1CDDF8F73A3C}" type="datetime1">
               <a:rPr lang="de-DE" smtClean="0"/>
-              <a:t>22.09.2018</a:t>
+              <a:t>23.09.2018</a:t>
             </a:fld>
             <a:endParaRPr lang="de-DE"/>
           </a:p>
@@ -1659,7 +1667,7 @@
           <a:p>
             <a:fld id="{8AA0F461-126D-497C-998A-502AB75AD3BE}" type="datetime1">
               <a:rPr lang="de-DE" smtClean="0"/>
-              <a:t>22.09.2018</a:t>
+              <a:t>23.09.2018</a:t>
             </a:fld>
             <a:endParaRPr lang="de-DE"/>
           </a:p>
@@ -1924,7 +1932,7 @@
           <a:p>
             <a:fld id="{F72D3A86-22DE-4E91-BF14-9DEAA66C31B9}" type="datetime1">
               <a:rPr lang="de-DE" smtClean="0"/>
-              <a:t>22.09.2018</a:t>
+              <a:t>23.09.2018</a:t>
             </a:fld>
             <a:endParaRPr lang="de-DE"/>
           </a:p>
@@ -2336,7 +2344,7 @@
           <a:p>
             <a:fld id="{39B9B465-A058-4BD0-860F-D81B0F9FBEF4}" type="datetime1">
               <a:rPr lang="de-DE" smtClean="0"/>
-              <a:t>22.09.2018</a:t>
+              <a:t>23.09.2018</a:t>
             </a:fld>
             <a:endParaRPr lang="de-DE"/>
           </a:p>
@@ -2477,7 +2485,7 @@
           <a:p>
             <a:fld id="{A5D87DB6-0037-410E-8516-CB9FDC85B00F}" type="datetime1">
               <a:rPr lang="de-DE" smtClean="0"/>
-              <a:t>22.09.2018</a:t>
+              <a:t>23.09.2018</a:t>
             </a:fld>
             <a:endParaRPr lang="de-DE"/>
           </a:p>
@@ -2590,7 +2598,7 @@
           <a:p>
             <a:fld id="{69BBDC03-799D-4EC8-8311-1AB5FC4EEE0C}" type="datetime1">
               <a:rPr lang="de-DE" smtClean="0"/>
-              <a:t>22.09.2018</a:t>
+              <a:t>23.09.2018</a:t>
             </a:fld>
             <a:endParaRPr lang="de-DE"/>
           </a:p>
@@ -2901,7 +2909,7 @@
           <a:p>
             <a:fld id="{924C3D6F-889B-4CB3-AB5C-6E3290D337C5}" type="datetime1">
               <a:rPr lang="de-DE" smtClean="0"/>
-              <a:t>22.09.2018</a:t>
+              <a:t>23.09.2018</a:t>
             </a:fld>
             <a:endParaRPr lang="de-DE"/>
           </a:p>
@@ -3189,7 +3197,7 @@
           <a:p>
             <a:fld id="{8D06413E-5BD4-4FFF-8354-255E6D3C998B}" type="datetime1">
               <a:rPr lang="de-DE" smtClean="0"/>
-              <a:t>22.09.2018</a:t>
+              <a:t>23.09.2018</a:t>
             </a:fld>
             <a:endParaRPr lang="de-DE"/>
           </a:p>
@@ -3430,7 +3438,7 @@
           <a:p>
             <a:fld id="{96478762-7B63-411B-A736-55CDCD2A8D1A}" type="datetime1">
               <a:rPr lang="de-DE" smtClean="0"/>
-              <a:t>22.09.2018</a:t>
+              <a:t>23.09.2018</a:t>
             </a:fld>
             <a:endParaRPr lang="de-DE"/>
           </a:p>
@@ -3943,6 +3951,578 @@
 </p:sld>
 </file>
 
+<file path=ppt/slides/slide10.xml><?xml version="1.0" encoding="utf-8"?>
+<p:sld xmlns:a="http://schemas.openxmlformats.org/drawingml/2006/main" xmlns:r="http://schemas.openxmlformats.org/officeDocument/2006/relationships" xmlns:p="http://schemas.openxmlformats.org/presentationml/2006/main">
+  <p:cSld>
+    <p:spTree>
+      <p:nvGrpSpPr>
+        <p:cNvPr id="1" name=""/>
+        <p:cNvGrpSpPr/>
+        <p:nvPr/>
+      </p:nvGrpSpPr>
+      <p:grpSpPr>
+        <a:xfrm>
+          <a:off x="0" y="0"/>
+          <a:ext cx="0" cy="0"/>
+          <a:chOff x="0" y="0"/>
+          <a:chExt cx="0" cy="0"/>
+        </a:xfrm>
+      </p:grpSpPr>
+      <p:sp>
+        <p:nvSpPr>
+          <p:cNvPr id="2" name="Titel 1">
+            <a:extLst>
+              <a:ext uri="{FF2B5EF4-FFF2-40B4-BE49-F238E27FC236}">
+                <a16:creationId xmlns:a16="http://schemas.microsoft.com/office/drawing/2014/main" id="{05F9BAA4-7E2C-49B0-A8A8-D436EB0C28B8}"/>
+              </a:ext>
+            </a:extLst>
+          </p:cNvPr>
+          <p:cNvSpPr>
+            <a:spLocks noGrp="1"/>
+          </p:cNvSpPr>
+          <p:nvPr>
+            <p:ph type="title"/>
+          </p:nvPr>
+        </p:nvSpPr>
+        <p:spPr>
+          <a:xfrm>
+            <a:off x="0" y="18255"/>
+            <a:ext cx="9144000" cy="1056401"/>
+          </a:xfrm>
+        </p:spPr>
+        <p:txBody>
+          <a:bodyPr>
+            <a:normAutofit/>
+          </a:bodyPr>
+          <a:lstStyle/>
+          <a:p>
+            <a:pPr algn="ctr"/>
+            <a:r>
+              <a:rPr lang="de-DE" sz="5400"/>
+              <a:t>Kalman-Filter</a:t>
+            </a:r>
+          </a:p>
+        </p:txBody>
+      </p:sp>
+      <p:cxnSp>
+        <p:nvCxnSpPr>
+          <p:cNvPr id="5" name="Gerader Verbinder 4">
+            <a:extLst>
+              <a:ext uri="{FF2B5EF4-FFF2-40B4-BE49-F238E27FC236}">
+                <a16:creationId xmlns:a16="http://schemas.microsoft.com/office/drawing/2014/main" id="{1892A047-1063-4568-A9A5-DA40684BA449}"/>
+              </a:ext>
+            </a:extLst>
+          </p:cNvPr>
+          <p:cNvCxnSpPr/>
+          <p:nvPr/>
+        </p:nvCxnSpPr>
+        <p:spPr>
+          <a:xfrm>
+            <a:off x="0" y="1065231"/>
+            <a:ext cx="9144000" cy="0"/>
+          </a:xfrm>
+          <a:prstGeom prst="line">
+            <a:avLst/>
+          </a:prstGeom>
+        </p:spPr>
+        <p:style>
+          <a:lnRef idx="1">
+            <a:schemeClr val="accent1"/>
+          </a:lnRef>
+          <a:fillRef idx="0">
+            <a:schemeClr val="accent1"/>
+          </a:fillRef>
+          <a:effectRef idx="0">
+            <a:schemeClr val="accent1"/>
+          </a:effectRef>
+          <a:fontRef idx="minor">
+            <a:schemeClr val="tx1"/>
+          </a:fontRef>
+        </p:style>
+      </p:cxnSp>
+      <p:sp>
+        <p:nvSpPr>
+          <p:cNvPr id="6" name="Foliennummernplatzhalter 5">
+            <a:extLst>
+              <a:ext uri="{FF2B5EF4-FFF2-40B4-BE49-F238E27FC236}">
+                <a16:creationId xmlns:a16="http://schemas.microsoft.com/office/drawing/2014/main" id="{5140CF2F-6F7F-44F0-8F3E-6C2234A57167}"/>
+              </a:ext>
+            </a:extLst>
+          </p:cNvPr>
+          <p:cNvSpPr>
+            <a:spLocks noGrp="1"/>
+          </p:cNvSpPr>
+          <p:nvPr>
+            <p:ph type="sldNum" sz="quarter" idx="12"/>
+          </p:nvPr>
+        </p:nvSpPr>
+        <p:spPr/>
+        <p:txBody>
+          <a:bodyPr/>
+          <a:lstStyle/>
+          <a:p>
+            <a:fld id="{0696A970-E1A0-4FA3-8434-947DF6AD858B}" type="slidenum">
+              <a:rPr lang="de-DE" smtClean="0"/>
+              <a:t>10</a:t>
+            </a:fld>
+            <a:endParaRPr lang="de-DE"/>
+          </a:p>
+        </p:txBody>
+      </p:sp>
+      <p:sp>
+        <p:nvSpPr>
+          <p:cNvPr id="4" name="Rechteck: abgerundete Ecken 3">
+            <a:extLst>
+              <a:ext uri="{FF2B5EF4-FFF2-40B4-BE49-F238E27FC236}">
+                <a16:creationId xmlns:a16="http://schemas.microsoft.com/office/drawing/2014/main" id="{47758687-F3FE-4A85-A7AE-CFA8CD719E23}"/>
+              </a:ext>
+            </a:extLst>
+          </p:cNvPr>
+          <p:cNvSpPr/>
+          <p:nvPr/>
+        </p:nvSpPr>
+        <p:spPr>
+          <a:xfrm>
+            <a:off x="628650" y="2510314"/>
+            <a:ext cx="1819910" cy="918686"/>
+          </a:xfrm>
+          <a:prstGeom prst="roundRect">
+            <a:avLst/>
+          </a:prstGeom>
+          <a:ln>
+            <a:noFill/>
+          </a:ln>
+        </p:spPr>
+        <p:style>
+          <a:lnRef idx="2">
+            <a:schemeClr val="accent1">
+              <a:shade val="50000"/>
+            </a:schemeClr>
+          </a:lnRef>
+          <a:fillRef idx="1">
+            <a:schemeClr val="accent1"/>
+          </a:fillRef>
+          <a:effectRef idx="0">
+            <a:schemeClr val="accent1"/>
+          </a:effectRef>
+          <a:fontRef idx="minor">
+            <a:schemeClr val="lt1"/>
+          </a:fontRef>
+        </p:style>
+        <p:txBody>
+          <a:bodyPr rtlCol="0" anchor="ctr"/>
+          <a:lstStyle/>
+          <a:p>
+            <a:pPr algn="ctr"/>
+            <a:r>
+              <a:rPr lang="de-DE"/>
+              <a:t>past state</a:t>
+            </a:r>
+          </a:p>
+        </p:txBody>
+      </p:sp>
+      <p:sp>
+        <p:nvSpPr>
+          <p:cNvPr id="7" name="Rechteck: abgerundete Ecken 6">
+            <a:extLst>
+              <a:ext uri="{FF2B5EF4-FFF2-40B4-BE49-F238E27FC236}">
+                <a16:creationId xmlns:a16="http://schemas.microsoft.com/office/drawing/2014/main" id="{FA442E37-F9B9-4845-ACFD-34AED2889B5A}"/>
+              </a:ext>
+            </a:extLst>
+          </p:cNvPr>
+          <p:cNvSpPr/>
+          <p:nvPr/>
+        </p:nvSpPr>
+        <p:spPr>
+          <a:xfrm>
+            <a:off x="628650" y="4485401"/>
+            <a:ext cx="1819910" cy="918686"/>
+          </a:xfrm>
+          <a:prstGeom prst="roundRect">
+            <a:avLst/>
+          </a:prstGeom>
+          <a:solidFill>
+            <a:schemeClr val="accent2"/>
+          </a:solidFill>
+          <a:ln>
+            <a:noFill/>
+          </a:ln>
+        </p:spPr>
+        <p:style>
+          <a:lnRef idx="2">
+            <a:schemeClr val="accent1">
+              <a:shade val="50000"/>
+            </a:schemeClr>
+          </a:lnRef>
+          <a:fillRef idx="1">
+            <a:schemeClr val="accent1"/>
+          </a:fillRef>
+          <a:effectRef idx="0">
+            <a:schemeClr val="accent1"/>
+          </a:effectRef>
+          <a:fontRef idx="minor">
+            <a:schemeClr val="lt1"/>
+          </a:fontRef>
+        </p:style>
+        <p:txBody>
+          <a:bodyPr rtlCol="0" anchor="ctr"/>
+          <a:lstStyle/>
+          <a:p>
+            <a:pPr algn="ctr"/>
+            <a:r>
+              <a:rPr lang="de-DE"/>
+              <a:t>sensor readings</a:t>
+            </a:r>
+          </a:p>
+        </p:txBody>
+      </p:sp>
+      <p:sp>
+        <p:nvSpPr>
+          <p:cNvPr id="8" name="Rechteck: abgerundete Ecken 7">
+            <a:extLst>
+              <a:ext uri="{FF2B5EF4-FFF2-40B4-BE49-F238E27FC236}">
+                <a16:creationId xmlns:a16="http://schemas.microsoft.com/office/drawing/2014/main" id="{FCFD7E92-E227-4F7F-8BD4-B9A9F75AA2A2}"/>
+              </a:ext>
+            </a:extLst>
+          </p:cNvPr>
+          <p:cNvSpPr/>
+          <p:nvPr/>
+        </p:nvSpPr>
+        <p:spPr>
+          <a:xfrm>
+            <a:off x="2752090" y="2510314"/>
+            <a:ext cx="1819910" cy="918686"/>
+          </a:xfrm>
+          <a:prstGeom prst="roundRect">
+            <a:avLst/>
+          </a:prstGeom>
+          <a:ln>
+            <a:noFill/>
+          </a:ln>
+        </p:spPr>
+        <p:style>
+          <a:lnRef idx="2">
+            <a:schemeClr val="accent1">
+              <a:shade val="50000"/>
+            </a:schemeClr>
+          </a:lnRef>
+          <a:fillRef idx="1">
+            <a:schemeClr val="accent1"/>
+          </a:fillRef>
+          <a:effectRef idx="0">
+            <a:schemeClr val="accent1"/>
+          </a:effectRef>
+          <a:fontRef idx="minor">
+            <a:schemeClr val="lt1"/>
+          </a:fontRef>
+        </p:style>
+        <p:txBody>
+          <a:bodyPr rtlCol="0" anchor="ctr"/>
+          <a:lstStyle/>
+          <a:p>
+            <a:pPr algn="ctr"/>
+            <a:r>
+              <a:rPr lang="de-DE"/>
+              <a:t>prediction</a:t>
+            </a:r>
+          </a:p>
+        </p:txBody>
+      </p:sp>
+      <p:cxnSp>
+        <p:nvCxnSpPr>
+          <p:cNvPr id="19" name="Gerade Verbindung mit Pfeil 18">
+            <a:extLst>
+              <a:ext uri="{FF2B5EF4-FFF2-40B4-BE49-F238E27FC236}">
+                <a16:creationId xmlns:a16="http://schemas.microsoft.com/office/drawing/2014/main" id="{B6F04D0E-1BA0-43CA-9CBB-09F0A8FB4A37}"/>
+              </a:ext>
+            </a:extLst>
+          </p:cNvPr>
+          <p:cNvCxnSpPr>
+            <a:stCxn id="4" idx="3"/>
+            <a:endCxn id="8" idx="1"/>
+          </p:cNvCxnSpPr>
+          <p:nvPr/>
+        </p:nvCxnSpPr>
+        <p:spPr>
+          <a:xfrm>
+            <a:off x="2448560" y="2969657"/>
+            <a:ext cx="303530" cy="0"/>
+          </a:xfrm>
+          <a:prstGeom prst="straightConnector1">
+            <a:avLst/>
+          </a:prstGeom>
+          <a:ln>
+            <a:headEnd w="lg" len="lg"/>
+            <a:tailEnd type="triangle" w="lg" len="lg"/>
+          </a:ln>
+        </p:spPr>
+        <p:style>
+          <a:lnRef idx="1">
+            <a:schemeClr val="accent1"/>
+          </a:lnRef>
+          <a:fillRef idx="0">
+            <a:schemeClr val="accent1"/>
+          </a:fillRef>
+          <a:effectRef idx="0">
+            <a:schemeClr val="accent1"/>
+          </a:effectRef>
+          <a:fontRef idx="minor">
+            <a:schemeClr val="tx1"/>
+          </a:fontRef>
+        </p:style>
+      </p:cxnSp>
+      <p:sp>
+        <p:nvSpPr>
+          <p:cNvPr id="27" name="Raute 26">
+            <a:extLst>
+              <a:ext uri="{FF2B5EF4-FFF2-40B4-BE49-F238E27FC236}">
+                <a16:creationId xmlns:a16="http://schemas.microsoft.com/office/drawing/2014/main" id="{DDCDDE14-93BE-4543-8A03-93F381497677}"/>
+              </a:ext>
+            </a:extLst>
+          </p:cNvPr>
+          <p:cNvSpPr/>
+          <p:nvPr/>
+        </p:nvSpPr>
+        <p:spPr>
+          <a:xfrm>
+            <a:off x="4572000" y="3429000"/>
+            <a:ext cx="1717042" cy="1056401"/>
+          </a:xfrm>
+          <a:prstGeom prst="diamond">
+            <a:avLst/>
+          </a:prstGeom>
+          <a:solidFill>
+            <a:schemeClr val="tx1"/>
+          </a:solidFill>
+          <a:ln>
+            <a:noFill/>
+          </a:ln>
+        </p:spPr>
+        <p:style>
+          <a:lnRef idx="2">
+            <a:schemeClr val="accent1">
+              <a:shade val="50000"/>
+            </a:schemeClr>
+          </a:lnRef>
+          <a:fillRef idx="1">
+            <a:schemeClr val="accent1"/>
+          </a:fillRef>
+          <a:effectRef idx="0">
+            <a:schemeClr val="accent1"/>
+          </a:effectRef>
+          <a:fontRef idx="minor">
+            <a:schemeClr val="lt1"/>
+          </a:fontRef>
+        </p:style>
+        <p:txBody>
+          <a:bodyPr rtlCol="0" anchor="ctr"/>
+          <a:lstStyle/>
+          <a:p>
+            <a:pPr algn="ctr"/>
+            <a:r>
+              <a:rPr lang="de-DE"/>
+              <a:t>weight</a:t>
+            </a:r>
+          </a:p>
+        </p:txBody>
+      </p:sp>
+      <p:cxnSp>
+        <p:nvCxnSpPr>
+          <p:cNvPr id="31" name="Verbinder: gewinkelt 30">
+            <a:extLst>
+              <a:ext uri="{FF2B5EF4-FFF2-40B4-BE49-F238E27FC236}">
+                <a16:creationId xmlns:a16="http://schemas.microsoft.com/office/drawing/2014/main" id="{96391CBD-3C2A-4297-BDD8-F452101FABFE}"/>
+              </a:ext>
+            </a:extLst>
+          </p:cNvPr>
+          <p:cNvCxnSpPr>
+            <a:stCxn id="7" idx="3"/>
+            <a:endCxn id="27" idx="2"/>
+          </p:cNvCxnSpPr>
+          <p:nvPr/>
+        </p:nvCxnSpPr>
+        <p:spPr>
+          <a:xfrm flipV="1">
+            <a:off x="2448560" y="4485401"/>
+            <a:ext cx="2981961" cy="459343"/>
+          </a:xfrm>
+          <a:prstGeom prst="bentConnector2">
+            <a:avLst/>
+          </a:prstGeom>
+          <a:ln>
+            <a:headEnd w="lg" len="lg"/>
+            <a:tailEnd type="triangle" w="lg" len="lg"/>
+          </a:ln>
+        </p:spPr>
+        <p:style>
+          <a:lnRef idx="1">
+            <a:schemeClr val="accent1"/>
+          </a:lnRef>
+          <a:fillRef idx="0">
+            <a:schemeClr val="accent1"/>
+          </a:fillRef>
+          <a:effectRef idx="0">
+            <a:schemeClr val="accent1"/>
+          </a:effectRef>
+          <a:fontRef idx="minor">
+            <a:schemeClr val="tx1"/>
+          </a:fontRef>
+        </p:style>
+      </p:cxnSp>
+      <p:cxnSp>
+        <p:nvCxnSpPr>
+          <p:cNvPr id="33" name="Verbinder: gewinkelt 32">
+            <a:extLst>
+              <a:ext uri="{FF2B5EF4-FFF2-40B4-BE49-F238E27FC236}">
+                <a16:creationId xmlns:a16="http://schemas.microsoft.com/office/drawing/2014/main" id="{598E5C07-D174-4D8E-B242-9BA60EF30B73}"/>
+              </a:ext>
+            </a:extLst>
+          </p:cNvPr>
+          <p:cNvCxnSpPr>
+            <a:stCxn id="8" idx="3"/>
+            <a:endCxn id="27" idx="0"/>
+          </p:cNvCxnSpPr>
+          <p:nvPr/>
+        </p:nvCxnSpPr>
+        <p:spPr>
+          <a:xfrm>
+            <a:off x="4572000" y="2969657"/>
+            <a:ext cx="858521" cy="459343"/>
+          </a:xfrm>
+          <a:prstGeom prst="bentConnector2">
+            <a:avLst/>
+          </a:prstGeom>
+          <a:ln>
+            <a:headEnd w="lg" len="lg"/>
+            <a:tailEnd type="triangle" w="lg" len="lg"/>
+          </a:ln>
+        </p:spPr>
+        <p:style>
+          <a:lnRef idx="1">
+            <a:schemeClr val="accent1"/>
+          </a:lnRef>
+          <a:fillRef idx="0">
+            <a:schemeClr val="accent1"/>
+          </a:fillRef>
+          <a:effectRef idx="0">
+            <a:schemeClr val="accent1"/>
+          </a:effectRef>
+          <a:fontRef idx="minor">
+            <a:schemeClr val="tx1"/>
+          </a:fontRef>
+        </p:style>
+      </p:cxnSp>
+      <p:sp>
+        <p:nvSpPr>
+          <p:cNvPr id="34" name="Rechteck: abgerundete Ecken 33">
+            <a:extLst>
+              <a:ext uri="{FF2B5EF4-FFF2-40B4-BE49-F238E27FC236}">
+                <a16:creationId xmlns:a16="http://schemas.microsoft.com/office/drawing/2014/main" id="{F2FC3924-A510-4630-8D2C-8F3E8CCF2149}"/>
+              </a:ext>
+            </a:extLst>
+          </p:cNvPr>
+          <p:cNvSpPr/>
+          <p:nvPr/>
+        </p:nvSpPr>
+        <p:spPr>
+          <a:xfrm>
+            <a:off x="6695440" y="3497857"/>
+            <a:ext cx="1819910" cy="918686"/>
+          </a:xfrm>
+          <a:prstGeom prst="roundRect">
+            <a:avLst/>
+          </a:prstGeom>
+          <a:solidFill>
+            <a:schemeClr val="accent6"/>
+          </a:solidFill>
+          <a:ln>
+            <a:noFill/>
+          </a:ln>
+        </p:spPr>
+        <p:style>
+          <a:lnRef idx="2">
+            <a:schemeClr val="accent1">
+              <a:shade val="50000"/>
+            </a:schemeClr>
+          </a:lnRef>
+          <a:fillRef idx="1">
+            <a:schemeClr val="accent1"/>
+          </a:fillRef>
+          <a:effectRef idx="0">
+            <a:schemeClr val="accent1"/>
+          </a:effectRef>
+          <a:fontRef idx="minor">
+            <a:schemeClr val="lt1"/>
+          </a:fontRef>
+        </p:style>
+        <p:txBody>
+          <a:bodyPr rtlCol="0" anchor="ctr"/>
+          <a:lstStyle/>
+          <a:p>
+            <a:pPr algn="ctr"/>
+            <a:r>
+              <a:rPr lang="de-DE"/>
+              <a:t>best estimate</a:t>
+            </a:r>
+          </a:p>
+        </p:txBody>
+      </p:sp>
+      <p:cxnSp>
+        <p:nvCxnSpPr>
+          <p:cNvPr id="43" name="Gerader Verbinder 42">
+            <a:extLst>
+              <a:ext uri="{FF2B5EF4-FFF2-40B4-BE49-F238E27FC236}">
+                <a16:creationId xmlns:a16="http://schemas.microsoft.com/office/drawing/2014/main" id="{2C5080FA-9FDF-482D-B64F-9D2044092326}"/>
+              </a:ext>
+            </a:extLst>
+          </p:cNvPr>
+          <p:cNvCxnSpPr>
+            <a:stCxn id="27" idx="3"/>
+            <a:endCxn id="34" idx="1"/>
+          </p:cNvCxnSpPr>
+          <p:nvPr/>
+        </p:nvCxnSpPr>
+        <p:spPr>
+          <a:xfrm flipV="1">
+            <a:off x="6289042" y="3957200"/>
+            <a:ext cx="406398" cy="1"/>
+          </a:xfrm>
+          <a:prstGeom prst="line">
+            <a:avLst/>
+          </a:prstGeom>
+          <a:ln>
+            <a:headEnd w="lg" len="lg"/>
+            <a:tailEnd type="triangle" w="lg" len="lg"/>
+          </a:ln>
+        </p:spPr>
+        <p:style>
+          <a:lnRef idx="1">
+            <a:schemeClr val="accent1"/>
+          </a:lnRef>
+          <a:fillRef idx="0">
+            <a:schemeClr val="accent1"/>
+          </a:fillRef>
+          <a:effectRef idx="0">
+            <a:schemeClr val="accent1"/>
+          </a:effectRef>
+          <a:fontRef idx="minor">
+            <a:schemeClr val="tx1"/>
+          </a:fontRef>
+        </p:style>
+      </p:cxnSp>
+    </p:spTree>
+    <p:extLst>
+      <p:ext uri="{BB962C8B-B14F-4D97-AF65-F5344CB8AC3E}">
+        <p14:creationId xmlns:p14="http://schemas.microsoft.com/office/powerpoint/2010/main" val="1214660825"/>
+      </p:ext>
+    </p:extLst>
+  </p:cSld>
+  <p:clrMapOvr>
+    <a:masterClrMapping/>
+  </p:clrMapOvr>
+</p:sld>
+</file>
+
 <file path=ppt/slides/slide2.xml><?xml version="1.0" encoding="utf-8"?>
 <p:sld xmlns:a="http://schemas.openxmlformats.org/drawingml/2006/main" xmlns:r="http://schemas.openxmlformats.org/officeDocument/2006/relationships" xmlns:p="http://schemas.openxmlformats.org/presentationml/2006/main">
   <p:cSld>
@@ -4243,72 +4823,14 @@
           </a:bodyPr>
           <a:lstStyle/>
           <a:p>
-            <a:pPr marL="457200" indent="-457200">
-              <a:buFont typeface="+mj-lt"/>
-              <a:buAutoNum type="arabicPeriod"/>
+            <a:pPr marL="0" indent="0">
+              <a:buNone/>
             </a:pPr>
             <a:r>
               <a:rPr lang="de-DE" sz="2800">
                 <a:latin typeface="Corbel" panose="020B0503020204020204" pitchFamily="34" charset="0"/>
               </a:rPr>
-              <a:t>introduction</a:t>
-            </a:r>
-          </a:p>
-          <a:p>
-            <a:pPr marL="457200" indent="-457200">
-              <a:buFont typeface="+mj-lt"/>
-              <a:buAutoNum type="arabicPeriod"/>
-            </a:pPr>
-            <a:r>
-              <a:rPr lang="de-DE" sz="2800" i="1">
-                <a:latin typeface="Corbel" panose="020B0503020204020204" pitchFamily="34" charset="0"/>
-              </a:rPr>
-              <a:t>g-h-filter</a:t>
-            </a:r>
-          </a:p>
-          <a:p>
-            <a:pPr marL="457200" indent="-457200">
-              <a:buFont typeface="+mj-lt"/>
-              <a:buAutoNum type="arabicPeriod"/>
-            </a:pPr>
-            <a:r>
-              <a:rPr lang="de-DE" sz="2800" i="1">
-                <a:latin typeface="Corbel" panose="020B0503020204020204" pitchFamily="34" charset="0"/>
-              </a:rPr>
-              <a:t>kalman-filter</a:t>
-            </a:r>
-            <a:endParaRPr lang="de-DE" sz="2800">
-              <a:latin typeface="Corbel" panose="020B0503020204020204" pitchFamily="34" charset="0"/>
-            </a:endParaRPr>
-          </a:p>
-          <a:p>
-            <a:pPr marL="457200" indent="-457200">
-              <a:buFont typeface="+mj-lt"/>
-              <a:buAutoNum type="arabicPeriod"/>
-            </a:pPr>
-            <a:r>
-              <a:rPr lang="de-DE" sz="2800" i="1">
-                <a:latin typeface="Corbel" panose="020B0503020204020204" pitchFamily="34" charset="0"/>
-              </a:rPr>
-              <a:t>extended</a:t>
-            </a:r>
-            <a:r>
-              <a:rPr lang="de-DE" sz="2800">
-                <a:latin typeface="Corbel" panose="020B0503020204020204" pitchFamily="34" charset="0"/>
-              </a:rPr>
-              <a:t> and </a:t>
-            </a:r>
-            <a:r>
-              <a:rPr lang="de-DE" sz="2800" i="1">
-                <a:latin typeface="Corbel" panose="020B0503020204020204" pitchFamily="34" charset="0"/>
-              </a:rPr>
-              <a:t>unscented</a:t>
-            </a:r>
-            <a:r>
-              <a:rPr lang="de-DE" sz="2800">
-                <a:latin typeface="Corbel" panose="020B0503020204020204" pitchFamily="34" charset="0"/>
-              </a:rPr>
-              <a:t> kalman filters</a:t>
+              <a:t>EXAMPLE HERE</a:t>
             </a:r>
           </a:p>
         </p:txBody>
@@ -4444,6 +4966,1697 @@
           </a:p>
         </p:txBody>
       </p:sp>
+      <p:cxnSp>
+        <p:nvCxnSpPr>
+          <p:cNvPr id="5" name="Gerader Verbinder 4">
+            <a:extLst>
+              <a:ext uri="{FF2B5EF4-FFF2-40B4-BE49-F238E27FC236}">
+                <a16:creationId xmlns:a16="http://schemas.microsoft.com/office/drawing/2014/main" id="{1892A047-1063-4568-A9A5-DA40684BA449}"/>
+              </a:ext>
+            </a:extLst>
+          </p:cNvPr>
+          <p:cNvCxnSpPr/>
+          <p:nvPr/>
+        </p:nvCxnSpPr>
+        <p:spPr>
+          <a:xfrm>
+            <a:off x="0" y="1065231"/>
+            <a:ext cx="9144000" cy="0"/>
+          </a:xfrm>
+          <a:prstGeom prst="line">
+            <a:avLst/>
+          </a:prstGeom>
+        </p:spPr>
+        <p:style>
+          <a:lnRef idx="1">
+            <a:schemeClr val="accent1"/>
+          </a:lnRef>
+          <a:fillRef idx="0">
+            <a:schemeClr val="accent1"/>
+          </a:fillRef>
+          <a:effectRef idx="0">
+            <a:schemeClr val="accent1"/>
+          </a:effectRef>
+          <a:fontRef idx="minor">
+            <a:schemeClr val="tx1"/>
+          </a:fontRef>
+        </p:style>
+      </p:cxnSp>
+      <p:sp>
+        <p:nvSpPr>
+          <p:cNvPr id="6" name="Foliennummernplatzhalter 5">
+            <a:extLst>
+              <a:ext uri="{FF2B5EF4-FFF2-40B4-BE49-F238E27FC236}">
+                <a16:creationId xmlns:a16="http://schemas.microsoft.com/office/drawing/2014/main" id="{5140CF2F-6F7F-44F0-8F3E-6C2234A57167}"/>
+              </a:ext>
+            </a:extLst>
+          </p:cNvPr>
+          <p:cNvSpPr>
+            <a:spLocks noGrp="1"/>
+          </p:cNvSpPr>
+          <p:nvPr>
+            <p:ph type="sldNum" sz="quarter" idx="12"/>
+          </p:nvPr>
+        </p:nvSpPr>
+        <p:spPr/>
+        <p:txBody>
+          <a:bodyPr/>
+          <a:lstStyle/>
+          <a:p>
+            <a:fld id="{0696A970-E1A0-4FA3-8434-947DF6AD858B}" type="slidenum">
+              <a:rPr lang="de-DE" smtClean="0"/>
+              <a:t>4</a:t>
+            </a:fld>
+            <a:endParaRPr lang="de-DE"/>
+          </a:p>
+        </p:txBody>
+      </p:sp>
+      <p:sp>
+        <p:nvSpPr>
+          <p:cNvPr id="4" name="Rechteck: abgerundete Ecken 3">
+            <a:extLst>
+              <a:ext uri="{FF2B5EF4-FFF2-40B4-BE49-F238E27FC236}">
+                <a16:creationId xmlns:a16="http://schemas.microsoft.com/office/drawing/2014/main" id="{47758687-F3FE-4A85-A7AE-CFA8CD719E23}"/>
+              </a:ext>
+            </a:extLst>
+          </p:cNvPr>
+          <p:cNvSpPr/>
+          <p:nvPr/>
+        </p:nvSpPr>
+        <p:spPr>
+          <a:xfrm>
+            <a:off x="628650" y="2510314"/>
+            <a:ext cx="1819910" cy="918686"/>
+          </a:xfrm>
+          <a:prstGeom prst="roundRect">
+            <a:avLst/>
+          </a:prstGeom>
+          <a:ln>
+            <a:noFill/>
+          </a:ln>
+        </p:spPr>
+        <p:style>
+          <a:lnRef idx="2">
+            <a:schemeClr val="accent1">
+              <a:shade val="50000"/>
+            </a:schemeClr>
+          </a:lnRef>
+          <a:fillRef idx="1">
+            <a:schemeClr val="accent1"/>
+          </a:fillRef>
+          <a:effectRef idx="0">
+            <a:schemeClr val="accent1"/>
+          </a:effectRef>
+          <a:fontRef idx="minor">
+            <a:schemeClr val="lt1"/>
+          </a:fontRef>
+        </p:style>
+        <p:txBody>
+          <a:bodyPr rtlCol="0" anchor="ctr"/>
+          <a:lstStyle/>
+          <a:p>
+            <a:pPr algn="ctr"/>
+            <a:r>
+              <a:rPr lang="de-DE"/>
+              <a:t>past state</a:t>
+            </a:r>
+          </a:p>
+        </p:txBody>
+      </p:sp>
+      <p:sp>
+        <p:nvSpPr>
+          <p:cNvPr id="7" name="Rechteck: abgerundete Ecken 6">
+            <a:extLst>
+              <a:ext uri="{FF2B5EF4-FFF2-40B4-BE49-F238E27FC236}">
+                <a16:creationId xmlns:a16="http://schemas.microsoft.com/office/drawing/2014/main" id="{FA442E37-F9B9-4845-ACFD-34AED2889B5A}"/>
+              </a:ext>
+            </a:extLst>
+          </p:cNvPr>
+          <p:cNvSpPr/>
+          <p:nvPr/>
+        </p:nvSpPr>
+        <p:spPr>
+          <a:xfrm>
+            <a:off x="628650" y="4485401"/>
+            <a:ext cx="1819910" cy="918686"/>
+          </a:xfrm>
+          <a:prstGeom prst="roundRect">
+            <a:avLst/>
+          </a:prstGeom>
+          <a:solidFill>
+            <a:schemeClr val="accent2"/>
+          </a:solidFill>
+          <a:ln>
+            <a:noFill/>
+          </a:ln>
+        </p:spPr>
+        <p:style>
+          <a:lnRef idx="2">
+            <a:schemeClr val="accent1">
+              <a:shade val="50000"/>
+            </a:schemeClr>
+          </a:lnRef>
+          <a:fillRef idx="1">
+            <a:schemeClr val="accent1"/>
+          </a:fillRef>
+          <a:effectRef idx="0">
+            <a:schemeClr val="accent1"/>
+          </a:effectRef>
+          <a:fontRef idx="minor">
+            <a:schemeClr val="lt1"/>
+          </a:fontRef>
+        </p:style>
+        <p:txBody>
+          <a:bodyPr rtlCol="0" anchor="ctr"/>
+          <a:lstStyle/>
+          <a:p>
+            <a:pPr algn="ctr"/>
+            <a:r>
+              <a:rPr lang="de-DE"/>
+              <a:t>sensor readings</a:t>
+            </a:r>
+          </a:p>
+        </p:txBody>
+      </p:sp>
+      <p:sp>
+        <p:nvSpPr>
+          <p:cNvPr id="8" name="Rechteck: abgerundete Ecken 7">
+            <a:extLst>
+              <a:ext uri="{FF2B5EF4-FFF2-40B4-BE49-F238E27FC236}">
+                <a16:creationId xmlns:a16="http://schemas.microsoft.com/office/drawing/2014/main" id="{FCFD7E92-E227-4F7F-8BD4-B9A9F75AA2A2}"/>
+              </a:ext>
+            </a:extLst>
+          </p:cNvPr>
+          <p:cNvSpPr/>
+          <p:nvPr/>
+        </p:nvSpPr>
+        <p:spPr>
+          <a:xfrm>
+            <a:off x="2752090" y="2510314"/>
+            <a:ext cx="1819910" cy="918686"/>
+          </a:xfrm>
+          <a:prstGeom prst="roundRect">
+            <a:avLst/>
+          </a:prstGeom>
+          <a:ln>
+            <a:noFill/>
+          </a:ln>
+        </p:spPr>
+        <p:style>
+          <a:lnRef idx="2">
+            <a:schemeClr val="accent1">
+              <a:shade val="50000"/>
+            </a:schemeClr>
+          </a:lnRef>
+          <a:fillRef idx="1">
+            <a:schemeClr val="accent1"/>
+          </a:fillRef>
+          <a:effectRef idx="0">
+            <a:schemeClr val="accent1"/>
+          </a:effectRef>
+          <a:fontRef idx="minor">
+            <a:schemeClr val="lt1"/>
+          </a:fontRef>
+        </p:style>
+        <p:txBody>
+          <a:bodyPr rtlCol="0" anchor="ctr"/>
+          <a:lstStyle/>
+          <a:p>
+            <a:pPr algn="ctr"/>
+            <a:r>
+              <a:rPr lang="de-DE"/>
+              <a:t>prediction</a:t>
+            </a:r>
+          </a:p>
+        </p:txBody>
+      </p:sp>
+      <p:cxnSp>
+        <p:nvCxnSpPr>
+          <p:cNvPr id="19" name="Gerade Verbindung mit Pfeil 18">
+            <a:extLst>
+              <a:ext uri="{FF2B5EF4-FFF2-40B4-BE49-F238E27FC236}">
+                <a16:creationId xmlns:a16="http://schemas.microsoft.com/office/drawing/2014/main" id="{B6F04D0E-1BA0-43CA-9CBB-09F0A8FB4A37}"/>
+              </a:ext>
+            </a:extLst>
+          </p:cNvPr>
+          <p:cNvCxnSpPr>
+            <a:stCxn id="4" idx="3"/>
+            <a:endCxn id="8" idx="1"/>
+          </p:cNvCxnSpPr>
+          <p:nvPr/>
+        </p:nvCxnSpPr>
+        <p:spPr>
+          <a:xfrm>
+            <a:off x="2448560" y="2969657"/>
+            <a:ext cx="303530" cy="0"/>
+          </a:xfrm>
+          <a:prstGeom prst="straightConnector1">
+            <a:avLst/>
+          </a:prstGeom>
+          <a:ln>
+            <a:headEnd w="lg" len="lg"/>
+            <a:tailEnd type="triangle" w="lg" len="lg"/>
+          </a:ln>
+        </p:spPr>
+        <p:style>
+          <a:lnRef idx="1">
+            <a:schemeClr val="accent1"/>
+          </a:lnRef>
+          <a:fillRef idx="0">
+            <a:schemeClr val="accent1"/>
+          </a:fillRef>
+          <a:effectRef idx="0">
+            <a:schemeClr val="accent1"/>
+          </a:effectRef>
+          <a:fontRef idx="minor">
+            <a:schemeClr val="tx1"/>
+          </a:fontRef>
+        </p:style>
+      </p:cxnSp>
+      <p:sp>
+        <p:nvSpPr>
+          <p:cNvPr id="27" name="Raute 26">
+            <a:extLst>
+              <a:ext uri="{FF2B5EF4-FFF2-40B4-BE49-F238E27FC236}">
+                <a16:creationId xmlns:a16="http://schemas.microsoft.com/office/drawing/2014/main" id="{DDCDDE14-93BE-4543-8A03-93F381497677}"/>
+              </a:ext>
+            </a:extLst>
+          </p:cNvPr>
+          <p:cNvSpPr/>
+          <p:nvPr/>
+        </p:nvSpPr>
+        <p:spPr>
+          <a:xfrm>
+            <a:off x="4572000" y="3429000"/>
+            <a:ext cx="1717042" cy="1056401"/>
+          </a:xfrm>
+          <a:prstGeom prst="diamond">
+            <a:avLst/>
+          </a:prstGeom>
+          <a:solidFill>
+            <a:schemeClr val="tx1"/>
+          </a:solidFill>
+          <a:ln>
+            <a:noFill/>
+          </a:ln>
+        </p:spPr>
+        <p:style>
+          <a:lnRef idx="2">
+            <a:schemeClr val="accent1">
+              <a:shade val="50000"/>
+            </a:schemeClr>
+          </a:lnRef>
+          <a:fillRef idx="1">
+            <a:schemeClr val="accent1"/>
+          </a:fillRef>
+          <a:effectRef idx="0">
+            <a:schemeClr val="accent1"/>
+          </a:effectRef>
+          <a:fontRef idx="minor">
+            <a:schemeClr val="lt1"/>
+          </a:fontRef>
+        </p:style>
+        <p:txBody>
+          <a:bodyPr rtlCol="0" anchor="ctr"/>
+          <a:lstStyle/>
+          <a:p>
+            <a:pPr algn="ctr"/>
+            <a:r>
+              <a:rPr lang="de-DE"/>
+              <a:t>weight</a:t>
+            </a:r>
+          </a:p>
+        </p:txBody>
+      </p:sp>
+      <p:cxnSp>
+        <p:nvCxnSpPr>
+          <p:cNvPr id="31" name="Verbinder: gewinkelt 30">
+            <a:extLst>
+              <a:ext uri="{FF2B5EF4-FFF2-40B4-BE49-F238E27FC236}">
+                <a16:creationId xmlns:a16="http://schemas.microsoft.com/office/drawing/2014/main" id="{96391CBD-3C2A-4297-BDD8-F452101FABFE}"/>
+              </a:ext>
+            </a:extLst>
+          </p:cNvPr>
+          <p:cNvCxnSpPr>
+            <a:stCxn id="7" idx="3"/>
+            <a:endCxn id="27" idx="2"/>
+          </p:cNvCxnSpPr>
+          <p:nvPr/>
+        </p:nvCxnSpPr>
+        <p:spPr>
+          <a:xfrm flipV="1">
+            <a:off x="2448560" y="4485401"/>
+            <a:ext cx="2981961" cy="459343"/>
+          </a:xfrm>
+          <a:prstGeom prst="bentConnector2">
+            <a:avLst/>
+          </a:prstGeom>
+          <a:ln>
+            <a:headEnd w="lg" len="lg"/>
+            <a:tailEnd type="triangle" w="lg" len="lg"/>
+          </a:ln>
+        </p:spPr>
+        <p:style>
+          <a:lnRef idx="1">
+            <a:schemeClr val="accent1"/>
+          </a:lnRef>
+          <a:fillRef idx="0">
+            <a:schemeClr val="accent1"/>
+          </a:fillRef>
+          <a:effectRef idx="0">
+            <a:schemeClr val="accent1"/>
+          </a:effectRef>
+          <a:fontRef idx="minor">
+            <a:schemeClr val="tx1"/>
+          </a:fontRef>
+        </p:style>
+      </p:cxnSp>
+      <p:cxnSp>
+        <p:nvCxnSpPr>
+          <p:cNvPr id="33" name="Verbinder: gewinkelt 32">
+            <a:extLst>
+              <a:ext uri="{FF2B5EF4-FFF2-40B4-BE49-F238E27FC236}">
+                <a16:creationId xmlns:a16="http://schemas.microsoft.com/office/drawing/2014/main" id="{598E5C07-D174-4D8E-B242-9BA60EF30B73}"/>
+              </a:ext>
+            </a:extLst>
+          </p:cNvPr>
+          <p:cNvCxnSpPr>
+            <a:stCxn id="8" idx="3"/>
+            <a:endCxn id="27" idx="0"/>
+          </p:cNvCxnSpPr>
+          <p:nvPr/>
+        </p:nvCxnSpPr>
+        <p:spPr>
+          <a:xfrm>
+            <a:off x="4572000" y="2969657"/>
+            <a:ext cx="858521" cy="459343"/>
+          </a:xfrm>
+          <a:prstGeom prst="bentConnector2">
+            <a:avLst/>
+          </a:prstGeom>
+          <a:ln>
+            <a:headEnd w="lg" len="lg"/>
+            <a:tailEnd type="triangle" w="lg" len="lg"/>
+          </a:ln>
+        </p:spPr>
+        <p:style>
+          <a:lnRef idx="1">
+            <a:schemeClr val="accent1"/>
+          </a:lnRef>
+          <a:fillRef idx="0">
+            <a:schemeClr val="accent1"/>
+          </a:fillRef>
+          <a:effectRef idx="0">
+            <a:schemeClr val="accent1"/>
+          </a:effectRef>
+          <a:fontRef idx="minor">
+            <a:schemeClr val="tx1"/>
+          </a:fontRef>
+        </p:style>
+      </p:cxnSp>
+      <p:sp>
+        <p:nvSpPr>
+          <p:cNvPr id="34" name="Rechteck: abgerundete Ecken 33">
+            <a:extLst>
+              <a:ext uri="{FF2B5EF4-FFF2-40B4-BE49-F238E27FC236}">
+                <a16:creationId xmlns:a16="http://schemas.microsoft.com/office/drawing/2014/main" id="{F2FC3924-A510-4630-8D2C-8F3E8CCF2149}"/>
+              </a:ext>
+            </a:extLst>
+          </p:cNvPr>
+          <p:cNvSpPr/>
+          <p:nvPr/>
+        </p:nvSpPr>
+        <p:spPr>
+          <a:xfrm>
+            <a:off x="6695440" y="3497857"/>
+            <a:ext cx="1819910" cy="918686"/>
+          </a:xfrm>
+          <a:prstGeom prst="roundRect">
+            <a:avLst/>
+          </a:prstGeom>
+          <a:solidFill>
+            <a:schemeClr val="accent6"/>
+          </a:solidFill>
+          <a:ln>
+            <a:noFill/>
+          </a:ln>
+        </p:spPr>
+        <p:style>
+          <a:lnRef idx="2">
+            <a:schemeClr val="accent1">
+              <a:shade val="50000"/>
+            </a:schemeClr>
+          </a:lnRef>
+          <a:fillRef idx="1">
+            <a:schemeClr val="accent1"/>
+          </a:fillRef>
+          <a:effectRef idx="0">
+            <a:schemeClr val="accent1"/>
+          </a:effectRef>
+          <a:fontRef idx="minor">
+            <a:schemeClr val="lt1"/>
+          </a:fontRef>
+        </p:style>
+        <p:txBody>
+          <a:bodyPr rtlCol="0" anchor="ctr"/>
+          <a:lstStyle/>
+          <a:p>
+            <a:pPr algn="ctr"/>
+            <a:r>
+              <a:rPr lang="de-DE"/>
+              <a:t>best estimate</a:t>
+            </a:r>
+          </a:p>
+        </p:txBody>
+      </p:sp>
+      <p:cxnSp>
+        <p:nvCxnSpPr>
+          <p:cNvPr id="43" name="Gerader Verbinder 42">
+            <a:extLst>
+              <a:ext uri="{FF2B5EF4-FFF2-40B4-BE49-F238E27FC236}">
+                <a16:creationId xmlns:a16="http://schemas.microsoft.com/office/drawing/2014/main" id="{2C5080FA-9FDF-482D-B64F-9D2044092326}"/>
+              </a:ext>
+            </a:extLst>
+          </p:cNvPr>
+          <p:cNvCxnSpPr>
+            <a:stCxn id="27" idx="3"/>
+            <a:endCxn id="34" idx="1"/>
+          </p:cNvCxnSpPr>
+          <p:nvPr/>
+        </p:nvCxnSpPr>
+        <p:spPr>
+          <a:xfrm flipV="1">
+            <a:off x="6289042" y="3957200"/>
+            <a:ext cx="406398" cy="1"/>
+          </a:xfrm>
+          <a:prstGeom prst="line">
+            <a:avLst/>
+          </a:prstGeom>
+          <a:ln>
+            <a:headEnd w="lg" len="lg"/>
+            <a:tailEnd type="triangle" w="lg" len="lg"/>
+          </a:ln>
+        </p:spPr>
+        <p:style>
+          <a:lnRef idx="1">
+            <a:schemeClr val="accent1"/>
+          </a:lnRef>
+          <a:fillRef idx="0">
+            <a:schemeClr val="accent1"/>
+          </a:fillRef>
+          <a:effectRef idx="0">
+            <a:schemeClr val="accent1"/>
+          </a:effectRef>
+          <a:fontRef idx="minor">
+            <a:schemeClr val="tx1"/>
+          </a:fontRef>
+        </p:style>
+      </p:cxnSp>
+    </p:spTree>
+    <p:extLst>
+      <p:ext uri="{BB962C8B-B14F-4D97-AF65-F5344CB8AC3E}">
+        <p14:creationId xmlns:p14="http://schemas.microsoft.com/office/powerpoint/2010/main" val="2915261213"/>
+      </p:ext>
+    </p:extLst>
+  </p:cSld>
+  <p:clrMapOvr>
+    <a:masterClrMapping/>
+  </p:clrMapOvr>
+</p:sld>
+</file>
+
+<file path=ppt/slides/slide5.xml><?xml version="1.0" encoding="utf-8"?>
+<p:sld xmlns:a="http://schemas.openxmlformats.org/drawingml/2006/main" xmlns:r="http://schemas.openxmlformats.org/officeDocument/2006/relationships" xmlns:p="http://schemas.openxmlformats.org/presentationml/2006/main">
+  <p:cSld>
+    <p:spTree>
+      <p:nvGrpSpPr>
+        <p:cNvPr id="1" name=""/>
+        <p:cNvGrpSpPr/>
+        <p:nvPr/>
+      </p:nvGrpSpPr>
+      <p:grpSpPr>
+        <a:xfrm>
+          <a:off x="0" y="0"/>
+          <a:ext cx="0" cy="0"/>
+          <a:chOff x="0" y="0"/>
+          <a:chExt cx="0" cy="0"/>
+        </a:xfrm>
+      </p:grpSpPr>
+      <p:sp>
+        <p:nvSpPr>
+          <p:cNvPr id="2" name="Titel 1">
+            <a:extLst>
+              <a:ext uri="{FF2B5EF4-FFF2-40B4-BE49-F238E27FC236}">
+                <a16:creationId xmlns:a16="http://schemas.microsoft.com/office/drawing/2014/main" id="{05F9BAA4-7E2C-49B0-A8A8-D436EB0C28B8}"/>
+              </a:ext>
+            </a:extLst>
+          </p:cNvPr>
+          <p:cNvSpPr>
+            <a:spLocks noGrp="1"/>
+          </p:cNvSpPr>
+          <p:nvPr>
+            <p:ph type="title"/>
+          </p:nvPr>
+        </p:nvSpPr>
+        <p:spPr>
+          <a:xfrm>
+            <a:off x="0" y="18255"/>
+            <a:ext cx="9144000" cy="1056401"/>
+          </a:xfrm>
+        </p:spPr>
+        <p:txBody>
+          <a:bodyPr>
+            <a:normAutofit/>
+          </a:bodyPr>
+          <a:lstStyle/>
+          <a:p>
+            <a:pPr algn="ctr"/>
+            <a:r>
+              <a:rPr lang="de-DE" sz="5400"/>
+              <a:t>G-H-Filter</a:t>
+            </a:r>
+          </a:p>
+        </p:txBody>
+      </p:sp>
+      <p:cxnSp>
+        <p:nvCxnSpPr>
+          <p:cNvPr id="5" name="Gerader Verbinder 4">
+            <a:extLst>
+              <a:ext uri="{FF2B5EF4-FFF2-40B4-BE49-F238E27FC236}">
+                <a16:creationId xmlns:a16="http://schemas.microsoft.com/office/drawing/2014/main" id="{1892A047-1063-4568-A9A5-DA40684BA449}"/>
+              </a:ext>
+            </a:extLst>
+          </p:cNvPr>
+          <p:cNvCxnSpPr/>
+          <p:nvPr/>
+        </p:nvCxnSpPr>
+        <p:spPr>
+          <a:xfrm>
+            <a:off x="0" y="1065231"/>
+            <a:ext cx="9144000" cy="0"/>
+          </a:xfrm>
+          <a:prstGeom prst="line">
+            <a:avLst/>
+          </a:prstGeom>
+        </p:spPr>
+        <p:style>
+          <a:lnRef idx="1">
+            <a:schemeClr val="accent1"/>
+          </a:lnRef>
+          <a:fillRef idx="0">
+            <a:schemeClr val="accent1"/>
+          </a:fillRef>
+          <a:effectRef idx="0">
+            <a:schemeClr val="accent1"/>
+          </a:effectRef>
+          <a:fontRef idx="minor">
+            <a:schemeClr val="tx1"/>
+          </a:fontRef>
+        </p:style>
+      </p:cxnSp>
+      <p:sp>
+        <p:nvSpPr>
+          <p:cNvPr id="6" name="Foliennummernplatzhalter 5">
+            <a:extLst>
+              <a:ext uri="{FF2B5EF4-FFF2-40B4-BE49-F238E27FC236}">
+                <a16:creationId xmlns:a16="http://schemas.microsoft.com/office/drawing/2014/main" id="{5140CF2F-6F7F-44F0-8F3E-6C2234A57167}"/>
+              </a:ext>
+            </a:extLst>
+          </p:cNvPr>
+          <p:cNvSpPr>
+            <a:spLocks noGrp="1"/>
+          </p:cNvSpPr>
+          <p:nvPr>
+            <p:ph type="sldNum" sz="quarter" idx="12"/>
+          </p:nvPr>
+        </p:nvSpPr>
+        <p:spPr/>
+        <p:txBody>
+          <a:bodyPr/>
+          <a:lstStyle/>
+          <a:p>
+            <a:fld id="{0696A970-E1A0-4FA3-8434-947DF6AD858B}" type="slidenum">
+              <a:rPr lang="de-DE" smtClean="0"/>
+              <a:t>5</a:t>
+            </a:fld>
+            <a:endParaRPr lang="de-DE"/>
+          </a:p>
+        </p:txBody>
+      </p:sp>
+      <mc:AlternateContent xmlns:mc="http://schemas.openxmlformats.org/markup-compatibility/2006">
+        <mc:Choice xmlns:a14="http://schemas.microsoft.com/office/drawing/2010/main" Requires="a14">
+          <p:sp>
+            <p:nvSpPr>
+              <p:cNvPr id="4" name="Rechteck: abgerundete Ecken 3">
+                <a:extLst>
+                  <a:ext uri="{FF2B5EF4-FFF2-40B4-BE49-F238E27FC236}">
+                    <a16:creationId xmlns:a16="http://schemas.microsoft.com/office/drawing/2014/main" id="{47758687-F3FE-4A85-A7AE-CFA8CD719E23}"/>
+                  </a:ext>
+                </a:extLst>
+              </p:cNvPr>
+              <p:cNvSpPr/>
+              <p:nvPr/>
+            </p:nvSpPr>
+            <p:spPr>
+              <a:xfrm>
+                <a:off x="628650" y="2510314"/>
+                <a:ext cx="1819910" cy="918686"/>
+              </a:xfrm>
+              <a:prstGeom prst="roundRect">
+                <a:avLst/>
+              </a:prstGeom>
+              <a:ln>
+                <a:noFill/>
+              </a:ln>
+            </p:spPr>
+            <p:style>
+              <a:lnRef idx="2">
+                <a:schemeClr val="accent1">
+                  <a:shade val="50000"/>
+                </a:schemeClr>
+              </a:lnRef>
+              <a:fillRef idx="1">
+                <a:schemeClr val="accent1"/>
+              </a:fillRef>
+              <a:effectRef idx="0">
+                <a:schemeClr val="accent1"/>
+              </a:effectRef>
+              <a:fontRef idx="minor">
+                <a:schemeClr val="lt1"/>
+              </a:fontRef>
+            </p:style>
+            <p:txBody>
+              <a:bodyPr rtlCol="0" anchor="ctr"/>
+              <a:lstStyle/>
+              <a:p>
+                <a:pPr algn="ctr"/>
+                <a:r>
+                  <a:rPr lang="de-DE"/>
+                  <a:t>past state</a:t>
+                </a:r>
+              </a:p>
+              <a:p>
+                <a:pPr algn="ctr"/>
+                <a14:m>
+                  <m:oMath xmlns:m="http://schemas.openxmlformats.org/officeDocument/2006/math">
+                    <m:sSub>
+                      <m:sSubPr>
+                        <m:ctrlPr>
+                          <a:rPr lang="de-DE" b="0" i="1" smtClean="0">
+                            <a:latin typeface="Cambria Math" panose="02040503050406030204" pitchFamily="18" charset="0"/>
+                          </a:rPr>
+                        </m:ctrlPr>
+                      </m:sSubPr>
+                      <m:e>
+                        <m:r>
+                          <a:rPr lang="de-DE" b="0" i="1" smtClean="0">
+                            <a:latin typeface="Cambria Math" panose="02040503050406030204" pitchFamily="18" charset="0"/>
+                          </a:rPr>
+                          <m:t>𝑥</m:t>
+                        </m:r>
+                      </m:e>
+                      <m:sub>
+                        <m:r>
+                          <a:rPr lang="de-DE" b="0" i="1" smtClean="0">
+                            <a:latin typeface="Cambria Math" panose="02040503050406030204" pitchFamily="18" charset="0"/>
+                          </a:rPr>
+                          <m:t>𝑘</m:t>
+                        </m:r>
+                        <m:r>
+                          <a:rPr lang="de-DE" b="0" i="1" smtClean="0">
+                            <a:latin typeface="Cambria Math" panose="02040503050406030204" pitchFamily="18" charset="0"/>
+                          </a:rPr>
+                          <m:t>−1</m:t>
+                        </m:r>
+                      </m:sub>
+                    </m:sSub>
+                  </m:oMath>
+                </a14:m>
+                <a:r>
+                  <a:rPr lang="de-DE"/>
+                  <a:t> , </a:t>
+                </a:r>
+                <a14:m>
+                  <m:oMath xmlns:m="http://schemas.openxmlformats.org/officeDocument/2006/math">
+                    <m:sSub>
+                      <m:sSubPr>
+                        <m:ctrlPr>
+                          <a:rPr lang="de-DE" b="0" i="1" smtClean="0">
+                            <a:latin typeface="Cambria Math" panose="02040503050406030204" pitchFamily="18" charset="0"/>
+                          </a:rPr>
+                        </m:ctrlPr>
+                      </m:sSubPr>
+                      <m:e>
+                        <m:r>
+                          <a:rPr lang="de-DE" b="0" i="1" smtClean="0">
+                            <a:latin typeface="Cambria Math" panose="02040503050406030204" pitchFamily="18" charset="0"/>
+                          </a:rPr>
+                          <m:t>𝑣</m:t>
+                        </m:r>
+                      </m:e>
+                      <m:sub>
+                        <m:r>
+                          <a:rPr lang="de-DE" b="0" i="1" smtClean="0">
+                            <a:latin typeface="Cambria Math" panose="02040503050406030204" pitchFamily="18" charset="0"/>
+                          </a:rPr>
+                          <m:t>𝑘</m:t>
+                        </m:r>
+                        <m:r>
+                          <a:rPr lang="de-DE" b="0" i="1" smtClean="0">
+                            <a:latin typeface="Cambria Math" panose="02040503050406030204" pitchFamily="18" charset="0"/>
+                          </a:rPr>
+                          <m:t>−1</m:t>
+                        </m:r>
+                      </m:sub>
+                    </m:sSub>
+                  </m:oMath>
+                </a14:m>
+                <a:endParaRPr lang="de-DE"/>
+              </a:p>
+            </p:txBody>
+          </p:sp>
+        </mc:Choice>
+        <mc:Fallback>
+          <p:sp>
+            <p:nvSpPr>
+              <p:cNvPr id="4" name="Rechteck: abgerundete Ecken 3">
+                <a:extLst>
+                  <a:ext uri="{FF2B5EF4-FFF2-40B4-BE49-F238E27FC236}">
+                    <a16:creationId xmlns:a16="http://schemas.microsoft.com/office/drawing/2014/main" id="{47758687-F3FE-4A85-A7AE-CFA8CD719E23}"/>
+                  </a:ext>
+                </a:extLst>
+              </p:cNvPr>
+              <p:cNvSpPr>
+                <a:spLocks noRot="1" noChangeAspect="1" noMove="1" noResize="1" noEditPoints="1" noAdjustHandles="1" noChangeArrowheads="1" noChangeShapeType="1" noTextEdit="1"/>
+              </p:cNvSpPr>
+              <p:nvPr/>
+            </p:nvSpPr>
+            <p:spPr>
+              <a:xfrm>
+                <a:off x="628650" y="2510314"/>
+                <a:ext cx="1819910" cy="918686"/>
+              </a:xfrm>
+              <a:prstGeom prst="roundRect">
+                <a:avLst/>
+              </a:prstGeom>
+              <a:blipFill>
+                <a:blip r:embed="rId2"/>
+                <a:stretch>
+                  <a:fillRect/>
+                </a:stretch>
+              </a:blipFill>
+              <a:ln>
+                <a:noFill/>
+              </a:ln>
+            </p:spPr>
+            <p:txBody>
+              <a:bodyPr/>
+              <a:lstStyle/>
+              <a:p>
+                <a:r>
+                  <a:rPr lang="de-DE">
+                    <a:noFill/>
+                  </a:rPr>
+                  <a:t> </a:t>
+                </a:r>
+              </a:p>
+            </p:txBody>
+          </p:sp>
+        </mc:Fallback>
+      </mc:AlternateContent>
+      <mc:AlternateContent xmlns:mc="http://schemas.openxmlformats.org/markup-compatibility/2006">
+        <mc:Choice xmlns:a14="http://schemas.microsoft.com/office/drawing/2010/main" Requires="a14">
+          <p:sp>
+            <p:nvSpPr>
+              <p:cNvPr id="7" name="Rechteck: abgerundete Ecken 6">
+                <a:extLst>
+                  <a:ext uri="{FF2B5EF4-FFF2-40B4-BE49-F238E27FC236}">
+                    <a16:creationId xmlns:a16="http://schemas.microsoft.com/office/drawing/2014/main" id="{FA442E37-F9B9-4845-ACFD-34AED2889B5A}"/>
+                  </a:ext>
+                </a:extLst>
+              </p:cNvPr>
+              <p:cNvSpPr/>
+              <p:nvPr/>
+            </p:nvSpPr>
+            <p:spPr>
+              <a:xfrm>
+                <a:off x="628650" y="4485401"/>
+                <a:ext cx="1819910" cy="918686"/>
+              </a:xfrm>
+              <a:prstGeom prst="roundRect">
+                <a:avLst/>
+              </a:prstGeom>
+              <a:solidFill>
+                <a:schemeClr val="accent2"/>
+              </a:solidFill>
+              <a:ln>
+                <a:noFill/>
+              </a:ln>
+            </p:spPr>
+            <p:style>
+              <a:lnRef idx="2">
+                <a:schemeClr val="accent1">
+                  <a:shade val="50000"/>
+                </a:schemeClr>
+              </a:lnRef>
+              <a:fillRef idx="1">
+                <a:schemeClr val="accent1"/>
+              </a:fillRef>
+              <a:effectRef idx="0">
+                <a:schemeClr val="accent1"/>
+              </a:effectRef>
+              <a:fontRef idx="minor">
+                <a:schemeClr val="lt1"/>
+              </a:fontRef>
+            </p:style>
+            <p:txBody>
+              <a:bodyPr rtlCol="0" anchor="ctr"/>
+              <a:lstStyle/>
+              <a:p>
+                <a:pPr algn="ctr"/>
+                <a:r>
+                  <a:rPr lang="de-DE"/>
+                  <a:t>sensor readings</a:t>
+                </a:r>
+              </a:p>
+              <a:p>
+                <a:pPr algn="ctr"/>
+                <a14:m>
+                  <m:oMathPara xmlns:m="http://schemas.openxmlformats.org/officeDocument/2006/math">
+                    <m:oMathParaPr>
+                      <m:jc m:val="centerGroup"/>
+                    </m:oMathParaPr>
+                    <m:oMath xmlns:m="http://schemas.openxmlformats.org/officeDocument/2006/math">
+                      <m:sSub>
+                        <m:sSubPr>
+                          <m:ctrlPr>
+                            <a:rPr lang="de-DE" b="0" i="1" smtClean="0">
+                              <a:latin typeface="Cambria Math" panose="02040503050406030204" pitchFamily="18" charset="0"/>
+                            </a:rPr>
+                          </m:ctrlPr>
+                        </m:sSubPr>
+                        <m:e>
+                          <m:r>
+                            <a:rPr lang="de-DE" b="0" i="1" smtClean="0">
+                              <a:latin typeface="Cambria Math" panose="02040503050406030204" pitchFamily="18" charset="0"/>
+                            </a:rPr>
+                            <m:t>𝑧</m:t>
+                          </m:r>
+                        </m:e>
+                        <m:sub>
+                          <m:r>
+                            <a:rPr lang="de-DE" b="0" i="1" smtClean="0">
+                              <a:latin typeface="Cambria Math" panose="02040503050406030204" pitchFamily="18" charset="0"/>
+                            </a:rPr>
+                            <m:t>𝑘</m:t>
+                          </m:r>
+                        </m:sub>
+                      </m:sSub>
+                    </m:oMath>
+                  </m:oMathPara>
+                </a14:m>
+                <a:endParaRPr lang="de-DE"/>
+              </a:p>
+            </p:txBody>
+          </p:sp>
+        </mc:Choice>
+        <mc:Fallback>
+          <p:sp>
+            <p:nvSpPr>
+              <p:cNvPr id="7" name="Rechteck: abgerundete Ecken 6">
+                <a:extLst>
+                  <a:ext uri="{FF2B5EF4-FFF2-40B4-BE49-F238E27FC236}">
+                    <a16:creationId xmlns:a16="http://schemas.microsoft.com/office/drawing/2014/main" id="{FA442E37-F9B9-4845-ACFD-34AED2889B5A}"/>
+                  </a:ext>
+                </a:extLst>
+              </p:cNvPr>
+              <p:cNvSpPr>
+                <a:spLocks noRot="1" noChangeAspect="1" noMove="1" noResize="1" noEditPoints="1" noAdjustHandles="1" noChangeArrowheads="1" noChangeShapeType="1" noTextEdit="1"/>
+              </p:cNvSpPr>
+              <p:nvPr/>
+            </p:nvSpPr>
+            <p:spPr>
+              <a:xfrm>
+                <a:off x="628650" y="4485401"/>
+                <a:ext cx="1819910" cy="918686"/>
+              </a:xfrm>
+              <a:prstGeom prst="roundRect">
+                <a:avLst/>
+              </a:prstGeom>
+              <a:blipFill>
+                <a:blip r:embed="rId3"/>
+                <a:stretch>
+                  <a:fillRect/>
+                </a:stretch>
+              </a:blipFill>
+              <a:ln>
+                <a:noFill/>
+              </a:ln>
+            </p:spPr>
+            <p:txBody>
+              <a:bodyPr/>
+              <a:lstStyle/>
+              <a:p>
+                <a:r>
+                  <a:rPr lang="de-DE">
+                    <a:noFill/>
+                  </a:rPr>
+                  <a:t> </a:t>
+                </a:r>
+              </a:p>
+            </p:txBody>
+          </p:sp>
+        </mc:Fallback>
+      </mc:AlternateContent>
+      <mc:AlternateContent xmlns:mc="http://schemas.openxmlformats.org/markup-compatibility/2006">
+        <mc:Choice xmlns:a14="http://schemas.microsoft.com/office/drawing/2010/main" Requires="a14">
+          <p:sp>
+            <p:nvSpPr>
+              <p:cNvPr id="8" name="Rechteck: abgerundete Ecken 7">
+                <a:extLst>
+                  <a:ext uri="{FF2B5EF4-FFF2-40B4-BE49-F238E27FC236}">
+                    <a16:creationId xmlns:a16="http://schemas.microsoft.com/office/drawing/2014/main" id="{FCFD7E92-E227-4F7F-8BD4-B9A9F75AA2A2}"/>
+                  </a:ext>
+                </a:extLst>
+              </p:cNvPr>
+              <p:cNvSpPr/>
+              <p:nvPr/>
+            </p:nvSpPr>
+            <p:spPr>
+              <a:xfrm>
+                <a:off x="2752090" y="2510314"/>
+                <a:ext cx="1819910" cy="918686"/>
+              </a:xfrm>
+              <a:prstGeom prst="roundRect">
+                <a:avLst/>
+              </a:prstGeom>
+              <a:ln>
+                <a:noFill/>
+              </a:ln>
+            </p:spPr>
+            <p:style>
+              <a:lnRef idx="2">
+                <a:schemeClr val="accent1">
+                  <a:shade val="50000"/>
+                </a:schemeClr>
+              </a:lnRef>
+              <a:fillRef idx="1">
+                <a:schemeClr val="accent1"/>
+              </a:fillRef>
+              <a:effectRef idx="0">
+                <a:schemeClr val="accent1"/>
+              </a:effectRef>
+              <a:fontRef idx="minor">
+                <a:schemeClr val="lt1"/>
+              </a:fontRef>
+            </p:style>
+            <p:txBody>
+              <a:bodyPr rtlCol="0" anchor="ctr"/>
+              <a:lstStyle/>
+              <a:p>
+                <a:pPr algn="ctr"/>
+                <a:r>
+                  <a:rPr lang="de-DE"/>
+                  <a:t>prediction</a:t>
+                </a:r>
+              </a:p>
+              <a:p>
+                <a:pPr algn="ctr"/>
+                <a14:m>
+                  <m:oMath xmlns:m="http://schemas.openxmlformats.org/officeDocument/2006/math">
+                    <m:sSubSup>
+                      <m:sSubSupPr>
+                        <m:ctrlPr>
+                          <a:rPr lang="de-DE" b="0" i="1" smtClean="0">
+                            <a:latin typeface="Cambria Math" panose="02040503050406030204" pitchFamily="18" charset="0"/>
+                          </a:rPr>
+                        </m:ctrlPr>
+                      </m:sSubSupPr>
+                      <m:e>
+                        <m:r>
+                          <a:rPr lang="de-DE" b="0" i="1" smtClean="0">
+                            <a:latin typeface="Cambria Math" panose="02040503050406030204" pitchFamily="18" charset="0"/>
+                          </a:rPr>
+                          <m:t>𝑥</m:t>
+                        </m:r>
+                      </m:e>
+                      <m:sub>
+                        <m:r>
+                          <a:rPr lang="de-DE" b="0" i="1" smtClean="0">
+                            <a:latin typeface="Cambria Math" panose="02040503050406030204" pitchFamily="18" charset="0"/>
+                          </a:rPr>
+                          <m:t>𝑘</m:t>
+                        </m:r>
+                      </m:sub>
+                      <m:sup>
+                        <m:r>
+                          <a:rPr lang="de-DE" b="0" i="1" smtClean="0">
+                            <a:latin typeface="Cambria Math" panose="02040503050406030204" pitchFamily="18" charset="0"/>
+                          </a:rPr>
+                          <m:t>′</m:t>
+                        </m:r>
+                      </m:sup>
+                    </m:sSubSup>
+                  </m:oMath>
+                </a14:m>
+                <a:r>
+                  <a:rPr lang="de-DE"/>
+                  <a:t> , </a:t>
+                </a:r>
+                <a14:m>
+                  <m:oMath xmlns:m="http://schemas.openxmlformats.org/officeDocument/2006/math">
+                    <m:sSubSup>
+                      <m:sSubSupPr>
+                        <m:ctrlPr>
+                          <a:rPr lang="de-DE" b="0" i="1" smtClean="0">
+                            <a:latin typeface="Cambria Math" panose="02040503050406030204" pitchFamily="18" charset="0"/>
+                          </a:rPr>
+                        </m:ctrlPr>
+                      </m:sSubSupPr>
+                      <m:e>
+                        <m:r>
+                          <a:rPr lang="de-DE" b="0" i="1" smtClean="0">
+                            <a:latin typeface="Cambria Math" panose="02040503050406030204" pitchFamily="18" charset="0"/>
+                          </a:rPr>
+                          <m:t>𝑣</m:t>
+                        </m:r>
+                      </m:e>
+                      <m:sub>
+                        <m:r>
+                          <a:rPr lang="de-DE" b="0" i="1" smtClean="0">
+                            <a:latin typeface="Cambria Math" panose="02040503050406030204" pitchFamily="18" charset="0"/>
+                          </a:rPr>
+                          <m:t>𝑘</m:t>
+                        </m:r>
+                      </m:sub>
+                      <m:sup>
+                        <m:r>
+                          <a:rPr lang="de-DE" b="0" i="1" smtClean="0">
+                            <a:latin typeface="Cambria Math" panose="02040503050406030204" pitchFamily="18" charset="0"/>
+                          </a:rPr>
+                          <m:t>′</m:t>
+                        </m:r>
+                      </m:sup>
+                    </m:sSubSup>
+                  </m:oMath>
+                </a14:m>
+                <a:endParaRPr lang="de-DE"/>
+              </a:p>
+            </p:txBody>
+          </p:sp>
+        </mc:Choice>
+        <mc:Fallback>
+          <p:sp>
+            <p:nvSpPr>
+              <p:cNvPr id="8" name="Rechteck: abgerundete Ecken 7">
+                <a:extLst>
+                  <a:ext uri="{FF2B5EF4-FFF2-40B4-BE49-F238E27FC236}">
+                    <a16:creationId xmlns:a16="http://schemas.microsoft.com/office/drawing/2014/main" id="{FCFD7E92-E227-4F7F-8BD4-B9A9F75AA2A2}"/>
+                  </a:ext>
+                </a:extLst>
+              </p:cNvPr>
+              <p:cNvSpPr>
+                <a:spLocks noRot="1" noChangeAspect="1" noMove="1" noResize="1" noEditPoints="1" noAdjustHandles="1" noChangeArrowheads="1" noChangeShapeType="1" noTextEdit="1"/>
+              </p:cNvSpPr>
+              <p:nvPr/>
+            </p:nvSpPr>
+            <p:spPr>
+              <a:xfrm>
+                <a:off x="2752090" y="2510314"/>
+                <a:ext cx="1819910" cy="918686"/>
+              </a:xfrm>
+              <a:prstGeom prst="roundRect">
+                <a:avLst/>
+              </a:prstGeom>
+              <a:blipFill>
+                <a:blip r:embed="rId4"/>
+                <a:stretch>
+                  <a:fillRect/>
+                </a:stretch>
+              </a:blipFill>
+              <a:ln>
+                <a:noFill/>
+              </a:ln>
+            </p:spPr>
+            <p:txBody>
+              <a:bodyPr/>
+              <a:lstStyle/>
+              <a:p>
+                <a:r>
+                  <a:rPr lang="de-DE">
+                    <a:noFill/>
+                  </a:rPr>
+                  <a:t> </a:t>
+                </a:r>
+              </a:p>
+            </p:txBody>
+          </p:sp>
+        </mc:Fallback>
+      </mc:AlternateContent>
+      <p:cxnSp>
+        <p:nvCxnSpPr>
+          <p:cNvPr id="19" name="Gerade Verbindung mit Pfeil 18">
+            <a:extLst>
+              <a:ext uri="{FF2B5EF4-FFF2-40B4-BE49-F238E27FC236}">
+                <a16:creationId xmlns:a16="http://schemas.microsoft.com/office/drawing/2014/main" id="{B6F04D0E-1BA0-43CA-9CBB-09F0A8FB4A37}"/>
+              </a:ext>
+            </a:extLst>
+          </p:cNvPr>
+          <p:cNvCxnSpPr>
+            <a:stCxn id="4" idx="3"/>
+            <a:endCxn id="8" idx="1"/>
+          </p:cNvCxnSpPr>
+          <p:nvPr/>
+        </p:nvCxnSpPr>
+        <p:spPr>
+          <a:xfrm>
+            <a:off x="2448560" y="2969657"/>
+            <a:ext cx="303530" cy="0"/>
+          </a:xfrm>
+          <a:prstGeom prst="straightConnector1">
+            <a:avLst/>
+          </a:prstGeom>
+          <a:ln>
+            <a:headEnd w="lg" len="lg"/>
+            <a:tailEnd type="triangle" w="lg" len="lg"/>
+          </a:ln>
+        </p:spPr>
+        <p:style>
+          <a:lnRef idx="1">
+            <a:schemeClr val="accent1"/>
+          </a:lnRef>
+          <a:fillRef idx="0">
+            <a:schemeClr val="accent1"/>
+          </a:fillRef>
+          <a:effectRef idx="0">
+            <a:schemeClr val="accent1"/>
+          </a:effectRef>
+          <a:fontRef idx="minor">
+            <a:schemeClr val="tx1"/>
+          </a:fontRef>
+        </p:style>
+      </p:cxnSp>
+      <mc:AlternateContent xmlns:mc="http://schemas.openxmlformats.org/markup-compatibility/2006">
+        <mc:Choice xmlns:a14="http://schemas.microsoft.com/office/drawing/2010/main" Requires="a14">
+          <p:sp>
+            <p:nvSpPr>
+              <p:cNvPr id="27" name="Raute 26">
+                <a:extLst>
+                  <a:ext uri="{FF2B5EF4-FFF2-40B4-BE49-F238E27FC236}">
+                    <a16:creationId xmlns:a16="http://schemas.microsoft.com/office/drawing/2014/main" id="{DDCDDE14-93BE-4543-8A03-93F381497677}"/>
+                  </a:ext>
+                </a:extLst>
+              </p:cNvPr>
+              <p:cNvSpPr/>
+              <p:nvPr/>
+            </p:nvSpPr>
+            <p:spPr>
+              <a:xfrm>
+                <a:off x="4572000" y="3429000"/>
+                <a:ext cx="1717042" cy="1056401"/>
+              </a:xfrm>
+              <a:prstGeom prst="diamond">
+                <a:avLst/>
+              </a:prstGeom>
+              <a:solidFill>
+                <a:schemeClr val="tx1"/>
+              </a:solidFill>
+              <a:ln>
+                <a:noFill/>
+              </a:ln>
+            </p:spPr>
+            <p:style>
+              <a:lnRef idx="2">
+                <a:schemeClr val="accent1">
+                  <a:shade val="50000"/>
+                </a:schemeClr>
+              </a:lnRef>
+              <a:fillRef idx="1">
+                <a:schemeClr val="accent1"/>
+              </a:fillRef>
+              <a:effectRef idx="0">
+                <a:schemeClr val="accent1"/>
+              </a:effectRef>
+              <a:fontRef idx="minor">
+                <a:schemeClr val="lt1"/>
+              </a:fontRef>
+            </p:style>
+            <p:txBody>
+              <a:bodyPr rtlCol="0" anchor="ctr"/>
+              <a:lstStyle/>
+              <a:p>
+                <a:pPr algn="ctr"/>
+                <a:r>
+                  <a:rPr lang="de-DE"/>
+                  <a:t>weight</a:t>
+                </a:r>
+              </a:p>
+              <a:p>
+                <a:pPr algn="ctr"/>
+                <a14:m>
+                  <m:oMath xmlns:m="http://schemas.openxmlformats.org/officeDocument/2006/math">
+                    <m:r>
+                      <a:rPr lang="de-DE" b="0" i="1" smtClean="0">
+                        <a:latin typeface="Cambria Math" panose="02040503050406030204" pitchFamily="18" charset="0"/>
+                      </a:rPr>
+                      <m:t>𝑔</m:t>
+                    </m:r>
+                  </m:oMath>
+                </a14:m>
+                <a:r>
+                  <a:rPr lang="de-DE"/>
+                  <a:t> , </a:t>
+                </a:r>
+                <a14:m>
+                  <m:oMath xmlns:m="http://schemas.openxmlformats.org/officeDocument/2006/math">
+                    <m:r>
+                      <a:rPr lang="de-DE" b="0" i="1" smtClean="0">
+                        <a:latin typeface="Cambria Math" panose="02040503050406030204" pitchFamily="18" charset="0"/>
+                      </a:rPr>
+                      <m:t>h</m:t>
+                    </m:r>
+                  </m:oMath>
+                </a14:m>
+                <a:endParaRPr lang="de-DE"/>
+              </a:p>
+            </p:txBody>
+          </p:sp>
+        </mc:Choice>
+        <mc:Fallback>
+          <p:sp>
+            <p:nvSpPr>
+              <p:cNvPr id="27" name="Raute 26">
+                <a:extLst>
+                  <a:ext uri="{FF2B5EF4-FFF2-40B4-BE49-F238E27FC236}">
+                    <a16:creationId xmlns:a16="http://schemas.microsoft.com/office/drawing/2014/main" id="{DDCDDE14-93BE-4543-8A03-93F381497677}"/>
+                  </a:ext>
+                </a:extLst>
+              </p:cNvPr>
+              <p:cNvSpPr>
+                <a:spLocks noRot="1" noChangeAspect="1" noMove="1" noResize="1" noEditPoints="1" noAdjustHandles="1" noChangeArrowheads="1" noChangeShapeType="1" noTextEdit="1"/>
+              </p:cNvSpPr>
+              <p:nvPr/>
+            </p:nvSpPr>
+            <p:spPr>
+              <a:xfrm>
+                <a:off x="4572000" y="3429000"/>
+                <a:ext cx="1717042" cy="1056401"/>
+              </a:xfrm>
+              <a:prstGeom prst="diamond">
+                <a:avLst/>
+              </a:prstGeom>
+              <a:blipFill>
+                <a:blip r:embed="rId5"/>
+                <a:stretch>
+                  <a:fillRect/>
+                </a:stretch>
+              </a:blipFill>
+              <a:ln>
+                <a:noFill/>
+              </a:ln>
+            </p:spPr>
+            <p:txBody>
+              <a:bodyPr/>
+              <a:lstStyle/>
+              <a:p>
+                <a:r>
+                  <a:rPr lang="de-DE">
+                    <a:noFill/>
+                  </a:rPr>
+                  <a:t> </a:t>
+                </a:r>
+              </a:p>
+            </p:txBody>
+          </p:sp>
+        </mc:Fallback>
+      </mc:AlternateContent>
+      <p:cxnSp>
+        <p:nvCxnSpPr>
+          <p:cNvPr id="31" name="Verbinder: gewinkelt 30">
+            <a:extLst>
+              <a:ext uri="{FF2B5EF4-FFF2-40B4-BE49-F238E27FC236}">
+                <a16:creationId xmlns:a16="http://schemas.microsoft.com/office/drawing/2014/main" id="{96391CBD-3C2A-4297-BDD8-F452101FABFE}"/>
+              </a:ext>
+            </a:extLst>
+          </p:cNvPr>
+          <p:cNvCxnSpPr>
+            <a:stCxn id="7" idx="3"/>
+            <a:endCxn id="27" idx="2"/>
+          </p:cNvCxnSpPr>
+          <p:nvPr/>
+        </p:nvCxnSpPr>
+        <p:spPr>
+          <a:xfrm flipV="1">
+            <a:off x="2448560" y="4485401"/>
+            <a:ext cx="2981961" cy="459343"/>
+          </a:xfrm>
+          <a:prstGeom prst="bentConnector2">
+            <a:avLst/>
+          </a:prstGeom>
+          <a:ln>
+            <a:headEnd w="lg" len="lg"/>
+            <a:tailEnd type="triangle" w="lg" len="lg"/>
+          </a:ln>
+        </p:spPr>
+        <p:style>
+          <a:lnRef idx="1">
+            <a:schemeClr val="accent1"/>
+          </a:lnRef>
+          <a:fillRef idx="0">
+            <a:schemeClr val="accent1"/>
+          </a:fillRef>
+          <a:effectRef idx="0">
+            <a:schemeClr val="accent1"/>
+          </a:effectRef>
+          <a:fontRef idx="minor">
+            <a:schemeClr val="tx1"/>
+          </a:fontRef>
+        </p:style>
+      </p:cxnSp>
+      <p:cxnSp>
+        <p:nvCxnSpPr>
+          <p:cNvPr id="33" name="Verbinder: gewinkelt 32">
+            <a:extLst>
+              <a:ext uri="{FF2B5EF4-FFF2-40B4-BE49-F238E27FC236}">
+                <a16:creationId xmlns:a16="http://schemas.microsoft.com/office/drawing/2014/main" id="{598E5C07-D174-4D8E-B242-9BA60EF30B73}"/>
+              </a:ext>
+            </a:extLst>
+          </p:cNvPr>
+          <p:cNvCxnSpPr>
+            <a:stCxn id="8" idx="3"/>
+            <a:endCxn id="27" idx="0"/>
+          </p:cNvCxnSpPr>
+          <p:nvPr/>
+        </p:nvCxnSpPr>
+        <p:spPr>
+          <a:xfrm>
+            <a:off x="4572000" y="2969657"/>
+            <a:ext cx="858521" cy="459343"/>
+          </a:xfrm>
+          <a:prstGeom prst="bentConnector2">
+            <a:avLst/>
+          </a:prstGeom>
+          <a:ln>
+            <a:headEnd w="lg" len="lg"/>
+            <a:tailEnd type="triangle" w="lg" len="lg"/>
+          </a:ln>
+        </p:spPr>
+        <p:style>
+          <a:lnRef idx="1">
+            <a:schemeClr val="accent1"/>
+          </a:lnRef>
+          <a:fillRef idx="0">
+            <a:schemeClr val="accent1"/>
+          </a:fillRef>
+          <a:effectRef idx="0">
+            <a:schemeClr val="accent1"/>
+          </a:effectRef>
+          <a:fontRef idx="minor">
+            <a:schemeClr val="tx1"/>
+          </a:fontRef>
+        </p:style>
+      </p:cxnSp>
+      <mc:AlternateContent xmlns:mc="http://schemas.openxmlformats.org/markup-compatibility/2006">
+        <mc:Choice xmlns:a14="http://schemas.microsoft.com/office/drawing/2010/main" Requires="a14">
+          <p:sp>
+            <p:nvSpPr>
+              <p:cNvPr id="34" name="Rechteck: abgerundete Ecken 33">
+                <a:extLst>
+                  <a:ext uri="{FF2B5EF4-FFF2-40B4-BE49-F238E27FC236}">
+                    <a16:creationId xmlns:a16="http://schemas.microsoft.com/office/drawing/2014/main" id="{F2FC3924-A510-4630-8D2C-8F3E8CCF2149}"/>
+                  </a:ext>
+                </a:extLst>
+              </p:cNvPr>
+              <p:cNvSpPr/>
+              <p:nvPr/>
+            </p:nvSpPr>
+            <p:spPr>
+              <a:xfrm>
+                <a:off x="6695440" y="3497857"/>
+                <a:ext cx="1819910" cy="918686"/>
+              </a:xfrm>
+              <a:prstGeom prst="roundRect">
+                <a:avLst/>
+              </a:prstGeom>
+              <a:solidFill>
+                <a:schemeClr val="accent6"/>
+              </a:solidFill>
+              <a:ln>
+                <a:noFill/>
+              </a:ln>
+            </p:spPr>
+            <p:style>
+              <a:lnRef idx="2">
+                <a:schemeClr val="accent1">
+                  <a:shade val="50000"/>
+                </a:schemeClr>
+              </a:lnRef>
+              <a:fillRef idx="1">
+                <a:schemeClr val="accent1"/>
+              </a:fillRef>
+              <a:effectRef idx="0">
+                <a:schemeClr val="accent1"/>
+              </a:effectRef>
+              <a:fontRef idx="minor">
+                <a:schemeClr val="lt1"/>
+              </a:fontRef>
+            </p:style>
+            <p:txBody>
+              <a:bodyPr rtlCol="0" anchor="ctr"/>
+              <a:lstStyle/>
+              <a:p>
+                <a:pPr algn="ctr"/>
+                <a:r>
+                  <a:rPr lang="de-DE"/>
+                  <a:t>best estimate</a:t>
+                </a:r>
+              </a:p>
+              <a:p>
+                <a:pPr algn="ctr"/>
+                <a14:m>
+                  <m:oMath xmlns:m="http://schemas.openxmlformats.org/officeDocument/2006/math">
+                    <m:sSub>
+                      <m:sSubPr>
+                        <m:ctrlPr>
+                          <a:rPr lang="de-DE" b="0" i="1" smtClean="0">
+                            <a:latin typeface="Cambria Math" panose="02040503050406030204" pitchFamily="18" charset="0"/>
+                          </a:rPr>
+                        </m:ctrlPr>
+                      </m:sSubPr>
+                      <m:e>
+                        <m:r>
+                          <a:rPr lang="de-DE" b="0" i="1" smtClean="0">
+                            <a:latin typeface="Cambria Math" panose="02040503050406030204" pitchFamily="18" charset="0"/>
+                          </a:rPr>
+                          <m:t>𝑥</m:t>
+                        </m:r>
+                      </m:e>
+                      <m:sub>
+                        <m:r>
+                          <a:rPr lang="de-DE" b="0" i="1" smtClean="0">
+                            <a:latin typeface="Cambria Math" panose="02040503050406030204" pitchFamily="18" charset="0"/>
+                          </a:rPr>
+                          <m:t>𝑘</m:t>
+                        </m:r>
+                      </m:sub>
+                    </m:sSub>
+                  </m:oMath>
+                </a14:m>
+                <a:r>
+                  <a:rPr lang="de-DE"/>
+                  <a:t> , </a:t>
+                </a:r>
+                <a14:m>
+                  <m:oMath xmlns:m="http://schemas.openxmlformats.org/officeDocument/2006/math">
+                    <m:sSub>
+                      <m:sSubPr>
+                        <m:ctrlPr>
+                          <a:rPr lang="de-DE" b="0" i="1" smtClean="0">
+                            <a:latin typeface="Cambria Math" panose="02040503050406030204" pitchFamily="18" charset="0"/>
+                          </a:rPr>
+                        </m:ctrlPr>
+                      </m:sSubPr>
+                      <m:e>
+                        <m:r>
+                          <a:rPr lang="de-DE" b="0" i="1" smtClean="0">
+                            <a:latin typeface="Cambria Math" panose="02040503050406030204" pitchFamily="18" charset="0"/>
+                          </a:rPr>
+                          <m:t>𝑣</m:t>
+                        </m:r>
+                      </m:e>
+                      <m:sub>
+                        <m:r>
+                          <a:rPr lang="de-DE" b="0" i="1" smtClean="0">
+                            <a:latin typeface="Cambria Math" panose="02040503050406030204" pitchFamily="18" charset="0"/>
+                          </a:rPr>
+                          <m:t>𝑘</m:t>
+                        </m:r>
+                      </m:sub>
+                    </m:sSub>
+                  </m:oMath>
+                </a14:m>
+                <a:endParaRPr lang="de-DE"/>
+              </a:p>
+            </p:txBody>
+          </p:sp>
+        </mc:Choice>
+        <mc:Fallback>
+          <p:sp>
+            <p:nvSpPr>
+              <p:cNvPr id="34" name="Rechteck: abgerundete Ecken 33">
+                <a:extLst>
+                  <a:ext uri="{FF2B5EF4-FFF2-40B4-BE49-F238E27FC236}">
+                    <a16:creationId xmlns:a16="http://schemas.microsoft.com/office/drawing/2014/main" id="{F2FC3924-A510-4630-8D2C-8F3E8CCF2149}"/>
+                  </a:ext>
+                </a:extLst>
+              </p:cNvPr>
+              <p:cNvSpPr>
+                <a:spLocks noRot="1" noChangeAspect="1" noMove="1" noResize="1" noEditPoints="1" noAdjustHandles="1" noChangeArrowheads="1" noChangeShapeType="1" noTextEdit="1"/>
+              </p:cNvSpPr>
+              <p:nvPr/>
+            </p:nvSpPr>
+            <p:spPr>
+              <a:xfrm>
+                <a:off x="6695440" y="3497857"/>
+                <a:ext cx="1819910" cy="918686"/>
+              </a:xfrm>
+              <a:prstGeom prst="roundRect">
+                <a:avLst/>
+              </a:prstGeom>
+              <a:blipFill>
+                <a:blip r:embed="rId6"/>
+                <a:stretch>
+                  <a:fillRect/>
+                </a:stretch>
+              </a:blipFill>
+              <a:ln>
+                <a:noFill/>
+              </a:ln>
+            </p:spPr>
+            <p:txBody>
+              <a:bodyPr/>
+              <a:lstStyle/>
+              <a:p>
+                <a:r>
+                  <a:rPr lang="de-DE">
+                    <a:noFill/>
+                  </a:rPr>
+                  <a:t> </a:t>
+                </a:r>
+              </a:p>
+            </p:txBody>
+          </p:sp>
+        </mc:Fallback>
+      </mc:AlternateContent>
+      <p:cxnSp>
+        <p:nvCxnSpPr>
+          <p:cNvPr id="43" name="Gerader Verbinder 42">
+            <a:extLst>
+              <a:ext uri="{FF2B5EF4-FFF2-40B4-BE49-F238E27FC236}">
+                <a16:creationId xmlns:a16="http://schemas.microsoft.com/office/drawing/2014/main" id="{2C5080FA-9FDF-482D-B64F-9D2044092326}"/>
+              </a:ext>
+            </a:extLst>
+          </p:cNvPr>
+          <p:cNvCxnSpPr>
+            <a:stCxn id="27" idx="3"/>
+            <a:endCxn id="34" idx="1"/>
+          </p:cNvCxnSpPr>
+          <p:nvPr/>
+        </p:nvCxnSpPr>
+        <p:spPr>
+          <a:xfrm flipV="1">
+            <a:off x="6289042" y="3957200"/>
+            <a:ext cx="406398" cy="1"/>
+          </a:xfrm>
+          <a:prstGeom prst="line">
+            <a:avLst/>
+          </a:prstGeom>
+          <a:ln>
+            <a:headEnd w="lg" len="lg"/>
+            <a:tailEnd type="triangle" w="lg" len="lg"/>
+          </a:ln>
+        </p:spPr>
+        <p:style>
+          <a:lnRef idx="1">
+            <a:schemeClr val="accent1"/>
+          </a:lnRef>
+          <a:fillRef idx="0">
+            <a:schemeClr val="accent1"/>
+          </a:fillRef>
+          <a:effectRef idx="0">
+            <a:schemeClr val="accent1"/>
+          </a:effectRef>
+          <a:fontRef idx="minor">
+            <a:schemeClr val="tx1"/>
+          </a:fontRef>
+        </p:style>
+      </p:cxnSp>
+    </p:spTree>
+    <p:extLst>
+      <p:ext uri="{BB962C8B-B14F-4D97-AF65-F5344CB8AC3E}">
+        <p14:creationId xmlns:p14="http://schemas.microsoft.com/office/powerpoint/2010/main" val="2896069147"/>
+      </p:ext>
+    </p:extLst>
+  </p:cSld>
+  <p:clrMapOvr>
+    <a:masterClrMapping/>
+  </p:clrMapOvr>
+</p:sld>
+</file>
+
+<file path=ppt/slides/slide6.xml><?xml version="1.0" encoding="utf-8"?>
+<p:sld xmlns:a="http://schemas.openxmlformats.org/drawingml/2006/main" xmlns:r="http://schemas.openxmlformats.org/officeDocument/2006/relationships" xmlns:p="http://schemas.openxmlformats.org/presentationml/2006/main">
+  <p:cSld>
+    <p:spTree>
+      <p:nvGrpSpPr>
+        <p:cNvPr id="1" name=""/>
+        <p:cNvGrpSpPr/>
+        <p:nvPr/>
+      </p:nvGrpSpPr>
+      <p:grpSpPr>
+        <a:xfrm>
+          <a:off x="0" y="0"/>
+          <a:ext cx="0" cy="0"/>
+          <a:chOff x="0" y="0"/>
+          <a:chExt cx="0" cy="0"/>
+        </a:xfrm>
+      </p:grpSpPr>
+      <p:sp>
+        <p:nvSpPr>
+          <p:cNvPr id="2" name="Titel 1">
+            <a:extLst>
+              <a:ext uri="{FF2B5EF4-FFF2-40B4-BE49-F238E27FC236}">
+                <a16:creationId xmlns:a16="http://schemas.microsoft.com/office/drawing/2014/main" id="{05F9BAA4-7E2C-49B0-A8A8-D436EB0C28B8}"/>
+              </a:ext>
+            </a:extLst>
+          </p:cNvPr>
+          <p:cNvSpPr>
+            <a:spLocks noGrp="1"/>
+          </p:cNvSpPr>
+          <p:nvPr>
+            <p:ph type="title"/>
+          </p:nvPr>
+        </p:nvSpPr>
+        <p:spPr>
+          <a:xfrm>
+            <a:off x="0" y="18255"/>
+            <a:ext cx="9144000" cy="1056401"/>
+          </a:xfrm>
+        </p:spPr>
+        <p:txBody>
+          <a:bodyPr>
+            <a:normAutofit/>
+          </a:bodyPr>
+          <a:lstStyle/>
+          <a:p>
+            <a:pPr algn="ctr"/>
+            <a:r>
+              <a:rPr lang="de-DE" sz="5400"/>
+              <a:t>G-H-Filter</a:t>
+            </a:r>
+          </a:p>
+        </p:txBody>
+      </p:sp>
       <mc:AlternateContent xmlns:mc="http://schemas.openxmlformats.org/markup-compatibility/2006">
         <mc:Choice xmlns:a14="http://schemas.microsoft.com/office/drawing/2010/main" Requires="a14">
           <p:sp>
@@ -4462,10 +6675,15 @@
                 <p:ph idx="1"/>
               </p:nvPr>
             </p:nvSpPr>
-            <p:spPr/>
+            <p:spPr>
+              <a:xfrm>
+                <a:off x="628650" y="1825625"/>
+                <a:ext cx="7886700" cy="4521302"/>
+              </a:xfrm>
+            </p:spPr>
             <p:txBody>
               <a:bodyPr>
-                <a:normAutofit lnSpcReduction="10000"/>
+                <a:normAutofit fontScale="92500" lnSpcReduction="10000"/>
               </a:bodyPr>
               <a:lstStyle/>
               <a:p>
@@ -4476,12 +6694,15 @@
                   <a:rPr lang="de-DE" sz="2800">
                     <a:latin typeface="Corbel" panose="020B0503020204020204" pitchFamily="34" charset="0"/>
                   </a:rPr>
-                  <a:t>Current state : 	</a:t>
+                  <a:t>state : 	</a:t>
                 </a:r>
                 <a14:m>
                   <m:oMath xmlns:m="http://schemas.openxmlformats.org/officeDocument/2006/math">
                     <m:r>
                       <a:rPr lang="de-DE" sz="2800" b="0" i="1" smtClean="0">
+                        <a:solidFill>
+                          <a:schemeClr val="accent1"/>
+                        </a:solidFill>
                         <a:latin typeface="Cambria Math" panose="02040503050406030204" pitchFamily="18" charset="0"/>
                       </a:rPr>
                       <m:t>(</m:t>
@@ -4490,6 +6711,9 @@
                       <m:sSubPr>
                         <m:ctrlPr>
                           <a:rPr lang="de-DE" sz="2800" b="0" i="1" smtClean="0">
+                            <a:solidFill>
+                              <a:schemeClr val="accent1"/>
+                            </a:solidFill>
                             <a:latin typeface="Cambria Math" panose="02040503050406030204" pitchFamily="18" charset="0"/>
                           </a:rPr>
                         </m:ctrlPr>
@@ -4497,6 +6721,9 @@
                       <m:e>
                         <m:r>
                           <a:rPr lang="de-DE" sz="2800" b="0" i="1" smtClean="0">
+                            <a:solidFill>
+                              <a:schemeClr val="accent1"/>
+                            </a:solidFill>
                             <a:latin typeface="Cambria Math" panose="02040503050406030204" pitchFamily="18" charset="0"/>
                           </a:rPr>
                           <m:t>𝑥</m:t>
@@ -4505,12 +6732,18 @@
                       <m:sub>
                         <m:r>
                           <a:rPr lang="de-DE" sz="2800" b="0" i="1" smtClean="0">
+                            <a:solidFill>
+                              <a:schemeClr val="accent1"/>
+                            </a:solidFill>
                             <a:latin typeface="Cambria Math" panose="02040503050406030204" pitchFamily="18" charset="0"/>
                           </a:rPr>
-                          <m:t>𝑛</m:t>
+                          <m:t>𝑘</m:t>
                         </m:r>
                         <m:r>
                           <a:rPr lang="de-DE" sz="2800" b="0" i="1" smtClean="0">
+                            <a:solidFill>
+                              <a:schemeClr val="accent1"/>
+                            </a:solidFill>
                             <a:latin typeface="Cambria Math" panose="02040503050406030204" pitchFamily="18" charset="0"/>
                           </a:rPr>
                           <m:t>−1</m:t>
@@ -4519,6 +6752,9 @@
                     </m:sSub>
                     <m:r>
                       <a:rPr lang="de-DE" sz="2800" b="0" i="1" smtClean="0">
+                        <a:solidFill>
+                          <a:schemeClr val="accent1"/>
+                        </a:solidFill>
                         <a:latin typeface="Cambria Math" panose="02040503050406030204" pitchFamily="18" charset="0"/>
                       </a:rPr>
                       <m:t>,</m:t>
@@ -4527,6 +6763,9 @@
                       <m:sSubPr>
                         <m:ctrlPr>
                           <a:rPr lang="de-DE" sz="2800" b="0" i="1" smtClean="0">
+                            <a:solidFill>
+                              <a:schemeClr val="accent1"/>
+                            </a:solidFill>
                             <a:latin typeface="Cambria Math" panose="02040503050406030204" pitchFamily="18" charset="0"/>
                           </a:rPr>
                         </m:ctrlPr>
@@ -4534,6 +6773,9 @@
                       <m:e>
                         <m:r>
                           <a:rPr lang="de-DE" sz="2800" b="0" i="1" smtClean="0">
+                            <a:solidFill>
+                              <a:schemeClr val="accent1"/>
+                            </a:solidFill>
                             <a:latin typeface="Cambria Math" panose="02040503050406030204" pitchFamily="18" charset="0"/>
                           </a:rPr>
                           <m:t>𝑣</m:t>
@@ -4542,12 +6784,18 @@
                       <m:sub>
                         <m:r>
                           <a:rPr lang="de-DE" sz="2800" b="0" i="1" smtClean="0">
+                            <a:solidFill>
+                              <a:schemeClr val="accent1"/>
+                            </a:solidFill>
                             <a:latin typeface="Cambria Math" panose="02040503050406030204" pitchFamily="18" charset="0"/>
                           </a:rPr>
-                          <m:t>𝑛</m:t>
+                          <m:t>𝑘</m:t>
                         </m:r>
                         <m:r>
                           <a:rPr lang="de-DE" sz="2800" b="0" i="1" smtClean="0">
+                            <a:solidFill>
+                              <a:schemeClr val="accent1"/>
+                            </a:solidFill>
                             <a:latin typeface="Cambria Math" panose="02040503050406030204" pitchFamily="18" charset="0"/>
                           </a:rPr>
                           <m:t>−1</m:t>
@@ -4556,6 +6804,9 @@
                     </m:sSub>
                     <m:r>
                       <a:rPr lang="de-DE" sz="2800" b="0" i="1" smtClean="0">
+                        <a:solidFill>
+                          <a:schemeClr val="accent1"/>
+                        </a:solidFill>
                         <a:latin typeface="Cambria Math" panose="02040503050406030204" pitchFamily="18" charset="0"/>
                       </a:rPr>
                       <m:t>)</m:t>
@@ -4577,7 +6828,7 @@
                   <a:rPr lang="de-DE" sz="2800">
                     <a:latin typeface="Corbel" panose="020B0503020204020204" pitchFamily="34" charset="0"/>
                   </a:rPr>
-                  <a:t>Given : 			Measurement </a:t>
+                  <a:t>input : 	measurement </a:t>
                 </a:r>
                 <a14:m>
                   <m:oMath xmlns:m="http://schemas.openxmlformats.org/officeDocument/2006/math">
@@ -4585,6 +6836,9 @@
                       <m:sSubPr>
                         <m:ctrlPr>
                           <a:rPr lang="de-DE" sz="2800" b="0" i="1" smtClean="0">
+                            <a:solidFill>
+                              <a:schemeClr val="accent2"/>
+                            </a:solidFill>
                             <a:latin typeface="Cambria Math" panose="02040503050406030204" pitchFamily="18" charset="0"/>
                           </a:rPr>
                         </m:ctrlPr>
@@ -4592,6 +6846,9 @@
                       <m:e>
                         <m:r>
                           <a:rPr lang="de-DE" sz="2800" b="0" i="1" smtClean="0">
+                            <a:solidFill>
+                              <a:schemeClr val="accent2"/>
+                            </a:solidFill>
                             <a:latin typeface="Cambria Math" panose="02040503050406030204" pitchFamily="18" charset="0"/>
                           </a:rPr>
                           <m:t>𝑧</m:t>
@@ -4600,9 +6857,12 @@
                       <m:sub>
                         <m:r>
                           <a:rPr lang="de-DE" sz="2800" b="0" i="1" smtClean="0">
+                            <a:solidFill>
+                              <a:schemeClr val="accent2"/>
+                            </a:solidFill>
                             <a:latin typeface="Cambria Math" panose="02040503050406030204" pitchFamily="18" charset="0"/>
                           </a:rPr>
-                          <m:t>𝑛</m:t>
+                          <m:t>𝑘</m:t>
                         </m:r>
                       </m:sub>
                     </m:sSub>
@@ -4610,9 +6870,18 @@
                 </a14:m>
                 <a:r>
                   <a:rPr lang="de-DE" sz="2800">
+                    <a:solidFill>
+                      <a:schemeClr val="accent2"/>
+                    </a:solidFill>
                     <a:latin typeface="Corbel" panose="020B0503020204020204" pitchFamily="34" charset="0"/>
                   </a:rPr>
-                  <a:t> after Time </a:t>
+                  <a:t> </a:t>
+                </a:r>
+                <a:r>
+                  <a:rPr lang="de-DE" sz="2800">
+                    <a:latin typeface="Corbel" panose="020B0503020204020204" pitchFamily="34" charset="0"/>
+                  </a:rPr>
+                  <a:t>after time </a:t>
                 </a:r>
                 <a14:m>
                   <m:oMath xmlns:m="http://schemas.openxmlformats.org/officeDocument/2006/math">
@@ -4655,13 +6924,13 @@
                   <a:rPr lang="de-DE" sz="2800">
                     <a:latin typeface="Corbel" panose="020B0503020204020204" pitchFamily="34" charset="0"/>
                   </a:rPr>
-                  <a:t>Step 1: </a:t>
+                  <a:t>step 1: </a:t>
                 </a:r>
                 <a:r>
                   <a:rPr lang="de-DE" sz="2800" b="1">
                     <a:latin typeface="Corbel" panose="020B0503020204020204" pitchFamily="34" charset="0"/>
                   </a:rPr>
-                  <a:t>Prediction</a:t>
+                  <a:t>prediction</a:t>
                 </a:r>
                 <a:endParaRPr lang="de-DE" sz="2800">
                   <a:latin typeface="Corbel" panose="020B0503020204020204" pitchFamily="34" charset="0"/>
@@ -4695,7 +6964,7 @@
                           <a:rPr lang="de-DE" sz="2800" b="0" i="1" smtClean="0">
                             <a:latin typeface="Cambria Math" panose="02040503050406030204" pitchFamily="18" charset="0"/>
                           </a:rPr>
-                          <m:t>𝑛</m:t>
+                          <m:t>𝑘</m:t>
                         </m:r>
                       </m:sub>
                       <m:sup>
@@ -4717,6 +6986,9 @@
                       <m:sSubPr>
                         <m:ctrlPr>
                           <a:rPr lang="de-DE" sz="2800" b="0" i="1" smtClean="0">
+                            <a:solidFill>
+                              <a:schemeClr val="accent1"/>
+                            </a:solidFill>
                             <a:latin typeface="Cambria Math" panose="02040503050406030204" pitchFamily="18" charset="0"/>
                           </a:rPr>
                         </m:ctrlPr>
@@ -4724,6 +6996,9 @@
                       <m:e>
                         <m:r>
                           <a:rPr lang="de-DE" sz="2800" b="0" i="1" smtClean="0">
+                            <a:solidFill>
+                              <a:schemeClr val="accent1"/>
+                            </a:solidFill>
                             <a:latin typeface="Cambria Math" panose="02040503050406030204" pitchFamily="18" charset="0"/>
                           </a:rPr>
                           <m:t>𝑥</m:t>
@@ -4732,12 +7007,18 @@
                       <m:sub>
                         <m:r>
                           <a:rPr lang="de-DE" sz="2800" b="0" i="1" smtClean="0">
+                            <a:solidFill>
+                              <a:schemeClr val="accent1"/>
+                            </a:solidFill>
                             <a:latin typeface="Cambria Math" panose="02040503050406030204" pitchFamily="18" charset="0"/>
                           </a:rPr>
-                          <m:t>𝑛</m:t>
+                          <m:t>𝑘</m:t>
                         </m:r>
                         <m:r>
                           <a:rPr lang="de-DE" sz="2800" b="0" i="1" smtClean="0">
+                            <a:solidFill>
+                              <a:schemeClr val="accent1"/>
+                            </a:solidFill>
                             <a:latin typeface="Cambria Math" panose="02040503050406030204" pitchFamily="18" charset="0"/>
                           </a:rPr>
                           <m:t>−1</m:t>
@@ -4754,6 +7035,9 @@
                       <m:sSubPr>
                         <m:ctrlPr>
                           <a:rPr lang="de-DE" sz="2800" b="0" i="1" smtClean="0">
+                            <a:solidFill>
+                              <a:schemeClr val="accent1"/>
+                            </a:solidFill>
                             <a:latin typeface="Cambria Math" panose="02040503050406030204" pitchFamily="18" charset="0"/>
                           </a:rPr>
                         </m:ctrlPr>
@@ -4761,6 +7045,9 @@
                       <m:e>
                         <m:r>
                           <a:rPr lang="de-DE" sz="2800" b="0" i="1" smtClean="0">
+                            <a:solidFill>
+                              <a:schemeClr val="accent1"/>
+                            </a:solidFill>
                             <a:latin typeface="Cambria Math" panose="02040503050406030204" pitchFamily="18" charset="0"/>
                           </a:rPr>
                           <m:t>𝑣</m:t>
@@ -4769,12 +7056,18 @@
                       <m:sub>
                         <m:r>
                           <a:rPr lang="de-DE" sz="2800" b="0" i="1" smtClean="0">
+                            <a:solidFill>
+                              <a:schemeClr val="accent1"/>
+                            </a:solidFill>
                             <a:latin typeface="Cambria Math" panose="02040503050406030204" pitchFamily="18" charset="0"/>
                           </a:rPr>
-                          <m:t>𝑛</m:t>
+                          <m:t>𝑘</m:t>
                         </m:r>
                         <m:r>
                           <a:rPr lang="de-DE" sz="2800" b="0" i="1" smtClean="0">
+                            <a:solidFill>
+                              <a:schemeClr val="accent1"/>
+                            </a:solidFill>
                             <a:latin typeface="Cambria Math" panose="02040503050406030204" pitchFamily="18" charset="0"/>
                           </a:rPr>
                           <m:t>−1</m:t>
@@ -4836,7 +7129,7 @@
                           <a:rPr lang="de-DE" sz="2800" b="0" i="1" smtClean="0">
                             <a:latin typeface="Cambria Math" panose="02040503050406030204" pitchFamily="18" charset="0"/>
                           </a:rPr>
-                          <m:t>𝑛</m:t>
+                          <m:t>𝑘</m:t>
                         </m:r>
                       </m:sub>
                       <m:sup>
@@ -4858,6 +7151,9 @@
                       <m:sSubPr>
                         <m:ctrlPr>
                           <a:rPr lang="de-DE" sz="2800" b="0" i="1" smtClean="0">
+                            <a:solidFill>
+                              <a:schemeClr val="accent1"/>
+                            </a:solidFill>
                             <a:latin typeface="Cambria Math" panose="02040503050406030204" pitchFamily="18" charset="0"/>
                           </a:rPr>
                         </m:ctrlPr>
@@ -4865,6 +7161,9 @@
                       <m:e>
                         <m:r>
                           <a:rPr lang="de-DE" sz="2800" b="0" i="1" smtClean="0">
+                            <a:solidFill>
+                              <a:schemeClr val="accent1"/>
+                            </a:solidFill>
                             <a:latin typeface="Cambria Math" panose="02040503050406030204" pitchFamily="18" charset="0"/>
                           </a:rPr>
                           <m:t>𝑣</m:t>
@@ -4873,12 +7172,18 @@
                       <m:sub>
                         <m:r>
                           <a:rPr lang="de-DE" sz="2800" b="0" i="1" smtClean="0">
+                            <a:solidFill>
+                              <a:schemeClr val="accent1"/>
+                            </a:solidFill>
                             <a:latin typeface="Cambria Math" panose="02040503050406030204" pitchFamily="18" charset="0"/>
                           </a:rPr>
-                          <m:t>𝑛</m:t>
+                          <m:t>𝑘</m:t>
                         </m:r>
                         <m:r>
                           <a:rPr lang="de-DE" sz="2800" b="0" i="1" smtClean="0">
+                            <a:solidFill>
+                              <a:schemeClr val="accent1"/>
+                            </a:solidFill>
                             <a:latin typeface="Cambria Math" panose="02040503050406030204" pitchFamily="18" charset="0"/>
                           </a:rPr>
                           <m:t>−1</m:t>
@@ -4899,7 +7204,12 @@
                   </a:rPr>
                   <a:t>(velocity assumed constant)</a:t>
                 </a:r>
-                <a:endParaRPr lang="de-DE" sz="2800">
+              </a:p>
+              <a:p>
+                <a:pPr marL="0" indent="0">
+                  <a:buNone/>
+                </a:pPr>
+                <a:endParaRPr lang="de-DE" sz="1500">
                   <a:latin typeface="Corbel" panose="020B0503020204020204" pitchFamily="34" charset="0"/>
                 </a:endParaRPr>
               </a:p>
@@ -4911,17 +7221,183 @@
                   <a:rPr lang="de-DE" sz="2800">
                     <a:latin typeface="Corbel" panose="020B0503020204020204" pitchFamily="34" charset="0"/>
                   </a:rPr>
-                  <a:t>Step 2: </a:t>
+                  <a:t>step 2: </a:t>
                 </a:r>
                 <a:r>
                   <a:rPr lang="de-DE" sz="2800" b="1">
                     <a:latin typeface="Corbel" panose="020B0503020204020204" pitchFamily="34" charset="0"/>
                   </a:rPr>
-                  <a:t>Update</a:t>
+                  <a:t>update</a:t>
                 </a:r>
-                <a:endParaRPr lang="de-DE" sz="2800">
-                  <a:latin typeface="Corbel" panose="020B0503020204020204" pitchFamily="34" charset="0"/>
+                <a:endParaRPr lang="de-DE" sz="2800" b="0" i="1">
+                  <a:latin typeface="Cambria Math" panose="02040503050406030204" pitchFamily="18" charset="0"/>
                 </a:endParaRPr>
+              </a:p>
+              <a:p>
+                <a:pPr>
+                  <a:buFontTx/>
+                  <a:buChar char="-"/>
+                </a:pPr>
+                <a14:m>
+                  <m:oMath xmlns:m="http://schemas.openxmlformats.org/officeDocument/2006/math">
+                    <m:sSub>
+                      <m:sSubPr>
+                        <m:ctrlPr>
+                          <a:rPr lang="de-DE" sz="2800" i="1">
+                            <a:latin typeface="Cambria Math" panose="02040503050406030204" pitchFamily="18" charset="0"/>
+                          </a:rPr>
+                        </m:ctrlPr>
+                      </m:sSubPr>
+                      <m:e>
+                        <m:acc>
+                          <m:accPr>
+                            <m:chr m:val="̃"/>
+                            <m:ctrlPr>
+                              <a:rPr lang="de-DE" sz="2800" i="1">
+                                <a:latin typeface="Cambria Math" panose="02040503050406030204" pitchFamily="18" charset="0"/>
+                              </a:rPr>
+                            </m:ctrlPr>
+                          </m:accPr>
+                          <m:e>
+                            <m:r>
+                              <a:rPr lang="de-DE" sz="2800" i="1">
+                                <a:latin typeface="Cambria Math" panose="02040503050406030204" pitchFamily="18" charset="0"/>
+                              </a:rPr>
+                              <m:t>𝑦</m:t>
+                            </m:r>
+                          </m:e>
+                        </m:acc>
+                      </m:e>
+                      <m:sub>
+                        <m:r>
+                          <a:rPr lang="de-DE" sz="2800" i="1">
+                            <a:latin typeface="Cambria Math" panose="02040503050406030204" pitchFamily="18" charset="0"/>
+                          </a:rPr>
+                          <m:t>𝑘</m:t>
+                        </m:r>
+                      </m:sub>
+                    </m:sSub>
+                    <m:r>
+                      <a:rPr lang="de-DE" sz="2800" i="1">
+                        <a:latin typeface="Cambria Math" panose="02040503050406030204" pitchFamily="18" charset="0"/>
+                      </a:rPr>
+                      <m:t>=</m:t>
+                    </m:r>
+                  </m:oMath>
+                </a14:m>
+                <a:r>
+                  <a:rPr lang="de-DE" sz="2800"/>
+                  <a:t> </a:t>
+                </a:r>
+                <a14:m>
+                  <m:oMath xmlns:m="http://schemas.openxmlformats.org/officeDocument/2006/math">
+                    <m:d>
+                      <m:dPr>
+                        <m:ctrlPr>
+                          <a:rPr lang="de-DE" sz="2800" i="1">
+                            <a:latin typeface="Cambria Math" panose="02040503050406030204" pitchFamily="18" charset="0"/>
+                          </a:rPr>
+                        </m:ctrlPr>
+                      </m:dPr>
+                      <m:e>
+                        <m:sSub>
+                          <m:sSubPr>
+                            <m:ctrlPr>
+                              <a:rPr lang="de-DE" sz="2800" i="1">
+                                <a:solidFill>
+                                  <a:schemeClr val="accent2"/>
+                                </a:solidFill>
+                                <a:latin typeface="Cambria Math" panose="02040503050406030204" pitchFamily="18" charset="0"/>
+                              </a:rPr>
+                            </m:ctrlPr>
+                          </m:sSubPr>
+                          <m:e>
+                            <m:r>
+                              <a:rPr lang="de-DE" sz="2800" i="1">
+                                <a:solidFill>
+                                  <a:schemeClr val="accent2"/>
+                                </a:solidFill>
+                                <a:latin typeface="Cambria Math" panose="02040503050406030204" pitchFamily="18" charset="0"/>
+                              </a:rPr>
+                              <m:t>𝑧</m:t>
+                            </m:r>
+                          </m:e>
+                          <m:sub>
+                            <m:r>
+                              <a:rPr lang="de-DE" sz="2800" i="1">
+                                <a:solidFill>
+                                  <a:schemeClr val="accent2"/>
+                                </a:solidFill>
+                                <a:latin typeface="Cambria Math" panose="02040503050406030204" pitchFamily="18" charset="0"/>
+                              </a:rPr>
+                              <m:t>𝑘</m:t>
+                            </m:r>
+                          </m:sub>
+                        </m:sSub>
+                        <m:r>
+                          <a:rPr lang="de-DE" sz="2800" i="1">
+                            <a:latin typeface="Cambria Math" panose="02040503050406030204" pitchFamily="18" charset="0"/>
+                          </a:rPr>
+                          <m:t>−</m:t>
+                        </m:r>
+                        <m:sSubSup>
+                          <m:sSubSupPr>
+                            <m:ctrlPr>
+                              <a:rPr lang="de-DE" sz="2800" i="1">
+                                <a:latin typeface="Cambria Math" panose="02040503050406030204" pitchFamily="18" charset="0"/>
+                              </a:rPr>
+                            </m:ctrlPr>
+                          </m:sSubSupPr>
+                          <m:e>
+                            <m:r>
+                              <a:rPr lang="de-DE" sz="2800" i="1">
+                                <a:latin typeface="Cambria Math" panose="02040503050406030204" pitchFamily="18" charset="0"/>
+                              </a:rPr>
+                              <m:t>𝑥</m:t>
+                            </m:r>
+                          </m:e>
+                          <m:sub>
+                            <m:r>
+                              <a:rPr lang="de-DE" sz="2800" i="1">
+                                <a:latin typeface="Cambria Math" panose="02040503050406030204" pitchFamily="18" charset="0"/>
+                              </a:rPr>
+                              <m:t>𝑘</m:t>
+                            </m:r>
+                          </m:sub>
+                          <m:sup>
+                            <m:r>
+                              <a:rPr lang="de-DE" sz="2800" i="1">
+                                <a:latin typeface="Cambria Math" panose="02040503050406030204" pitchFamily="18" charset="0"/>
+                              </a:rPr>
+                              <m:t>′</m:t>
+                            </m:r>
+                          </m:sup>
+                        </m:sSubSup>
+                      </m:e>
+                    </m:d>
+                  </m:oMath>
+                </a14:m>
+                <a:r>
+                  <a:rPr lang="de-DE" sz="2800" b="0"/>
+                  <a:t> : </a:t>
+                </a:r>
+                <a:r>
+                  <a:rPr lang="de-DE" sz="2800" u="sng"/>
+                  <a:t>innovation</a:t>
+                </a:r>
+                <a:r>
+                  <a:rPr lang="de-DE" sz="2800"/>
+                  <a:t> / </a:t>
+                </a:r>
+                <a:r>
+                  <a:rPr lang="de-DE" sz="2200"/>
+                  <a:t>pre-fit </a:t>
+                </a:r>
+                <a:r>
+                  <a:rPr lang="de-DE" sz="2200" u="sng"/>
+                  <a:t>residual</a:t>
+                </a:r>
+                <a:endParaRPr lang="de-DE" sz="2800" b="0" u="sng"/>
               </a:p>
               <a:p>
                 <a:pPr>
@@ -4951,7 +7427,7 @@
                           <a:rPr lang="de-DE" sz="2800" b="0" i="1" smtClean="0">
                             <a:latin typeface="Cambria Math" panose="02040503050406030204" pitchFamily="18" charset="0"/>
                           </a:rPr>
-                          <m:t>𝑛</m:t>
+                          <m:t>𝑘</m:t>
                         </m:r>
                       </m:sub>
                     </m:sSub>
@@ -4982,7 +7458,7 @@
                           <a:rPr lang="de-DE" sz="2800" b="0" i="1" smtClean="0">
                             <a:latin typeface="Cambria Math" panose="02040503050406030204" pitchFamily="18" charset="0"/>
                           </a:rPr>
-                          <m:t>𝑛</m:t>
+                          <m:t>𝑘</m:t>
                         </m:r>
                       </m:sub>
                       <m:sup>
@@ -5001,98 +7477,74 @@
                       <m:t>+</m:t>
                     </m:r>
                     <m:r>
-                      <a:rPr lang="de-DE" sz="2800" b="0" i="1" smtClean="0">
+                      <a:rPr lang="de-DE" sz="2800" b="1" i="1" smtClean="0">
                         <a:solidFill>
-                          <a:srgbClr val="FF0000"/>
+                          <a:schemeClr val="tx1"/>
                         </a:solidFill>
                         <a:latin typeface="Cambria Math" panose="02040503050406030204" pitchFamily="18" charset="0"/>
                       </a:rPr>
-                      <m:t>𝑔</m:t>
+                      <m:t>𝒈</m:t>
                     </m:r>
                     <m:r>
                       <a:rPr lang="de-DE" sz="2800" b="0" i="1" smtClean="0">
+                        <a:solidFill>
+                          <a:schemeClr val="tx1"/>
+                        </a:solidFill>
                         <a:latin typeface="Cambria Math" panose="02040503050406030204" pitchFamily="18" charset="0"/>
                       </a:rPr>
                       <m:t>⋅</m:t>
                     </m:r>
-                    <m:d>
-                      <m:dPr>
+                  </m:oMath>
+                </a14:m>
+                <a:r>
+                  <a:rPr lang="de-DE" sz="2800"/>
+                  <a:t> </a:t>
+                </a:r>
+                <a14:m>
+                  <m:oMath xmlns:m="http://schemas.openxmlformats.org/officeDocument/2006/math">
+                    <m:sSub>
+                      <m:sSubPr>
                         <m:ctrlPr>
-                          <a:rPr lang="de-DE" sz="2800" b="0" i="1" smtClean="0">
+                          <a:rPr lang="de-DE" sz="2800" i="1">
                             <a:latin typeface="Cambria Math" panose="02040503050406030204" pitchFamily="18" charset="0"/>
                           </a:rPr>
                         </m:ctrlPr>
-                      </m:dPr>
+                      </m:sSubPr>
                       <m:e>
-                        <m:sSub>
-                          <m:sSubPr>
+                        <m:acc>
+                          <m:accPr>
+                            <m:chr m:val="̃"/>
                             <m:ctrlPr>
-                              <a:rPr lang="de-DE" sz="2800" b="0" i="1" smtClean="0">
+                              <a:rPr lang="de-DE" sz="2800" i="1">
                                 <a:latin typeface="Cambria Math" panose="02040503050406030204" pitchFamily="18" charset="0"/>
                               </a:rPr>
                             </m:ctrlPr>
-                          </m:sSubPr>
+                          </m:accPr>
                           <m:e>
                             <m:r>
-                              <a:rPr lang="de-DE" sz="2800" b="0" i="1" smtClean="0">
+                              <a:rPr lang="de-DE" sz="2800" i="1">
                                 <a:latin typeface="Cambria Math" panose="02040503050406030204" pitchFamily="18" charset="0"/>
                               </a:rPr>
-                              <m:t>𝑧</m:t>
+                              <m:t>𝑦</m:t>
                             </m:r>
                           </m:e>
-                          <m:sub>
-                            <m:r>
-                              <a:rPr lang="de-DE" sz="2800" b="0" i="1" smtClean="0">
-                                <a:latin typeface="Cambria Math" panose="02040503050406030204" pitchFamily="18" charset="0"/>
-                              </a:rPr>
-                              <m:t>𝑛</m:t>
-                            </m:r>
-                          </m:sub>
-                        </m:sSub>
+                        </m:acc>
+                      </m:e>
+                      <m:sub>
                         <m:r>
-                          <a:rPr lang="de-DE" sz="2800" b="0" i="1" smtClean="0">
+                          <a:rPr lang="de-DE" sz="2800" i="1">
                             <a:latin typeface="Cambria Math" panose="02040503050406030204" pitchFamily="18" charset="0"/>
                           </a:rPr>
-                          <m:t>−</m:t>
+                          <m:t>𝑘</m:t>
                         </m:r>
-                        <m:sSubSup>
-                          <m:sSubSupPr>
-                            <m:ctrlPr>
-                              <a:rPr lang="de-DE" sz="2800" b="0" i="1" smtClean="0">
-                                <a:latin typeface="Cambria Math" panose="02040503050406030204" pitchFamily="18" charset="0"/>
-                              </a:rPr>
-                            </m:ctrlPr>
-                          </m:sSubSupPr>
-                          <m:e>
-                            <m:r>
-                              <a:rPr lang="de-DE" sz="2800" b="0" i="1" smtClean="0">
-                                <a:latin typeface="Cambria Math" panose="02040503050406030204" pitchFamily="18" charset="0"/>
-                              </a:rPr>
-                              <m:t>𝑥</m:t>
-                            </m:r>
-                          </m:e>
-                          <m:sub>
-                            <m:r>
-                              <a:rPr lang="de-DE" sz="2800" b="0" i="1" smtClean="0">
-                                <a:latin typeface="Cambria Math" panose="02040503050406030204" pitchFamily="18" charset="0"/>
-                              </a:rPr>
-                              <m:t>𝑛</m:t>
-                            </m:r>
-                          </m:sub>
-                          <m:sup>
-                            <m:r>
-                              <a:rPr lang="de-DE" sz="2800" b="0" i="1" smtClean="0">
-                                <a:latin typeface="Cambria Math" panose="02040503050406030204" pitchFamily="18" charset="0"/>
-                              </a:rPr>
-                              <m:t>′</m:t>
-                            </m:r>
-                          </m:sup>
-                        </m:sSubSup>
-                      </m:e>
-                    </m:d>
+                      </m:sub>
+                    </m:sSub>
                   </m:oMath>
                 </a14:m>
                 <a:endParaRPr lang="de-DE" sz="2800" b="0">
+                  <a:solidFill>
+                    <a:schemeClr val="tx1"/>
+                  </a:solidFill>
                   <a:latin typeface="Corbel" panose="020B0503020204020204" pitchFamily="34" charset="0"/>
                 </a:endParaRPr>
               </a:p>
@@ -5107,6 +7559,9 @@
                       <m:sSubPr>
                         <m:ctrlPr>
                           <a:rPr lang="de-DE" sz="2800" b="0" i="1" smtClean="0">
+                            <a:solidFill>
+                              <a:schemeClr val="tx1"/>
+                            </a:solidFill>
                             <a:latin typeface="Cambria Math" panose="02040503050406030204" pitchFamily="18" charset="0"/>
                           </a:rPr>
                         </m:ctrlPr>
@@ -5114,6 +7569,9 @@
                       <m:e>
                         <m:r>
                           <a:rPr lang="de-DE" sz="2800" b="0" i="1" smtClean="0">
+                            <a:solidFill>
+                              <a:schemeClr val="tx1"/>
+                            </a:solidFill>
                             <a:latin typeface="Cambria Math" panose="02040503050406030204" pitchFamily="18" charset="0"/>
                           </a:rPr>
                           <m:t>𝑣</m:t>
@@ -5122,14 +7580,20 @@
                       <m:sub>
                         <m:r>
                           <a:rPr lang="de-DE" sz="2800" b="0" i="1" smtClean="0">
+                            <a:solidFill>
+                              <a:schemeClr val="tx1"/>
+                            </a:solidFill>
                             <a:latin typeface="Cambria Math" panose="02040503050406030204" pitchFamily="18" charset="0"/>
                           </a:rPr>
-                          <m:t>𝑛</m:t>
+                          <m:t>𝑘</m:t>
                         </m:r>
                       </m:sub>
                     </m:sSub>
                     <m:r>
                       <a:rPr lang="de-DE" sz="2800" b="0" i="1" smtClean="0">
+                        <a:solidFill>
+                          <a:schemeClr val="tx1"/>
+                        </a:solidFill>
                         <a:latin typeface="Cambria Math" panose="02040503050406030204" pitchFamily="18" charset="0"/>
                       </a:rPr>
                       <m:t>=</m:t>
@@ -5138,6 +7602,9 @@
                       <m:sSubSupPr>
                         <m:ctrlPr>
                           <a:rPr lang="de-DE" sz="2800" b="0" i="1" smtClean="0">
+                            <a:solidFill>
+                              <a:schemeClr val="tx1"/>
+                            </a:solidFill>
                             <a:latin typeface="Cambria Math" panose="02040503050406030204" pitchFamily="18" charset="0"/>
                           </a:rPr>
                         </m:ctrlPr>
@@ -5145,6 +7612,9 @@
                       <m:e>
                         <m:r>
                           <a:rPr lang="de-DE" sz="2800" b="0" i="1" smtClean="0">
+                            <a:solidFill>
+                              <a:schemeClr val="tx1"/>
+                            </a:solidFill>
                             <a:latin typeface="Cambria Math" panose="02040503050406030204" pitchFamily="18" charset="0"/>
                           </a:rPr>
                           <m:t>𝑣</m:t>
@@ -5153,14 +7623,20 @@
                       <m:sub>
                         <m:r>
                           <a:rPr lang="de-DE" sz="2800" b="0" i="1" smtClean="0">
+                            <a:solidFill>
+                              <a:schemeClr val="tx1"/>
+                            </a:solidFill>
                             <a:latin typeface="Cambria Math" panose="02040503050406030204" pitchFamily="18" charset="0"/>
                           </a:rPr>
-                          <m:t>𝑛</m:t>
+                          <m:t>𝑘</m:t>
                         </m:r>
                       </m:sub>
                       <m:sup>
                         <m:r>
                           <a:rPr lang="de-DE" sz="2800" b="0" i="1" smtClean="0">
+                            <a:solidFill>
+                              <a:schemeClr val="tx1"/>
+                            </a:solidFill>
                             <a:latin typeface="Cambria Math" panose="02040503050406030204" pitchFamily="18" charset="0"/>
                           </a:rPr>
                           <m:t>′</m:t>
@@ -5169,95 +7645,65 @@
                     </m:sSubSup>
                     <m:r>
                       <a:rPr lang="de-DE" sz="2800" b="0" i="1" smtClean="0">
+                        <a:solidFill>
+                          <a:schemeClr val="tx1"/>
+                        </a:solidFill>
                         <a:latin typeface="Cambria Math" panose="02040503050406030204" pitchFamily="18" charset="0"/>
                       </a:rPr>
                       <m:t>+</m:t>
                     </m:r>
                     <m:r>
-                      <a:rPr lang="de-DE" sz="2800" b="0" i="1" smtClean="0">
+                      <a:rPr lang="de-DE" sz="2800" b="1" i="1" smtClean="0">
                         <a:solidFill>
-                          <a:srgbClr val="FF0000"/>
+                          <a:schemeClr val="tx1"/>
                         </a:solidFill>
                         <a:latin typeface="Cambria Math" panose="02040503050406030204" pitchFamily="18" charset="0"/>
                       </a:rPr>
-                      <m:t>h</m:t>
+                      <m:t>𝒉</m:t>
                     </m:r>
                     <m:r>
                       <a:rPr lang="de-DE" sz="2800" b="0" i="1" smtClean="0">
                         <a:latin typeface="Cambria Math" panose="02040503050406030204" pitchFamily="18" charset="0"/>
                       </a:rPr>
-                      <m:t>⋅(</m:t>
+                      <m:t>⋅</m:t>
                     </m:r>
                     <m:sSub>
                       <m:sSubPr>
                         <m:ctrlPr>
-                          <a:rPr lang="de-DE" sz="2800" b="0" i="1" smtClean="0">
+                          <a:rPr lang="de-DE" sz="2800" i="1">
                             <a:latin typeface="Cambria Math" panose="02040503050406030204" pitchFamily="18" charset="0"/>
                           </a:rPr>
                         </m:ctrlPr>
                       </m:sSubPr>
                       <m:e>
-                        <m:r>
-                          <a:rPr lang="de-DE" sz="2800" b="0" i="1" smtClean="0">
-                            <a:latin typeface="Cambria Math" panose="02040503050406030204" pitchFamily="18" charset="0"/>
-                          </a:rPr>
-                          <m:t>𝑧</m:t>
-                        </m:r>
+                        <m:acc>
+                          <m:accPr>
+                            <m:chr m:val="̃"/>
+                            <m:ctrlPr>
+                              <a:rPr lang="de-DE" sz="2800" i="1">
+                                <a:latin typeface="Cambria Math" panose="02040503050406030204" pitchFamily="18" charset="0"/>
+                              </a:rPr>
+                            </m:ctrlPr>
+                          </m:accPr>
+                          <m:e>
+                            <m:r>
+                              <a:rPr lang="de-DE" sz="2800" i="1">
+                                <a:latin typeface="Cambria Math" panose="02040503050406030204" pitchFamily="18" charset="0"/>
+                              </a:rPr>
+                              <m:t>𝑦</m:t>
+                            </m:r>
+                          </m:e>
+                        </m:acc>
                       </m:e>
                       <m:sub>
                         <m:r>
-                          <a:rPr lang="de-DE" sz="2800" b="0" i="1" smtClean="0">
+                          <a:rPr lang="de-DE" sz="2800" i="1">
                             <a:latin typeface="Cambria Math" panose="02040503050406030204" pitchFamily="18" charset="0"/>
                           </a:rPr>
-                          <m:t>𝑛</m:t>
+                          <m:t>𝑘</m:t>
                         </m:r>
                       </m:sub>
                     </m:sSub>
-                    <m:r>
-                      <a:rPr lang="de-DE" sz="2800" b="0" i="1" smtClean="0">
-                        <a:latin typeface="Cambria Math" panose="02040503050406030204" pitchFamily="18" charset="0"/>
-                      </a:rPr>
-                      <m:t>−</m:t>
-                    </m:r>
-                    <m:sSubSup>
-                      <m:sSubSupPr>
-                        <m:ctrlPr>
-                          <a:rPr lang="de-DE" sz="2800" b="0" i="1" smtClean="0">
-                            <a:latin typeface="Cambria Math" panose="02040503050406030204" pitchFamily="18" charset="0"/>
-                          </a:rPr>
-                        </m:ctrlPr>
-                      </m:sSubSupPr>
-                      <m:e>
-                        <m:r>
-                          <a:rPr lang="de-DE" sz="2800" b="0" i="1" smtClean="0">
-                            <a:latin typeface="Cambria Math" panose="02040503050406030204" pitchFamily="18" charset="0"/>
-                          </a:rPr>
-                          <m:t>𝑥</m:t>
-                        </m:r>
-                      </m:e>
-                      <m:sub>
-                        <m:r>
-                          <a:rPr lang="de-DE" sz="2800" b="0" i="1" smtClean="0">
-                            <a:latin typeface="Cambria Math" panose="02040503050406030204" pitchFamily="18" charset="0"/>
-                          </a:rPr>
-                          <m:t>𝑛</m:t>
-                        </m:r>
-                      </m:sub>
-                      <m:sup>
-                        <m:r>
-                          <a:rPr lang="de-DE" sz="2800" b="0" i="1" smtClean="0">
-                            <a:latin typeface="Cambria Math" panose="02040503050406030204" pitchFamily="18" charset="0"/>
-                          </a:rPr>
-                          <m:t>′</m:t>
-                        </m:r>
-                      </m:sup>
-                    </m:sSubSup>
-                    <m:r>
-                      <a:rPr lang="de-DE" sz="2800" b="0" i="1" smtClean="0">
-                        <a:latin typeface="Cambria Math" panose="02040503050406030204" pitchFamily="18" charset="0"/>
-                      </a:rPr>
-                      <m:t>)</m:t>
-                    </m:r>
                   </m:oMath>
                 </a14:m>
                 <a:endParaRPr lang="de-DE" sz="2800">
@@ -5285,10 +7731,14 @@
               </p:nvPr>
             </p:nvSpPr>
             <p:spPr>
+              <a:xfrm>
+                <a:off x="628650" y="1825625"/>
+                <a:ext cx="7886700" cy="4521302"/>
+              </a:xfrm>
               <a:blipFill>
                 <a:blip r:embed="rId2"/>
                 <a:stretch>
-                  <a:fillRect l="-1546" t="-3081"/>
+                  <a:fillRect l="-1391" t="-2695"/>
                 </a:stretch>
               </a:blipFill>
             </p:spPr>
@@ -5366,7 +7816,7 @@
           <a:p>
             <a:fld id="{0696A970-E1A0-4FA3-8434-947DF6AD858B}" type="slidenum">
               <a:rPr lang="de-DE" smtClean="0"/>
-              <a:t>4</a:t>
+              <a:t>6</a:t>
             </a:fld>
             <a:endParaRPr lang="de-DE"/>
           </a:p>
@@ -5385,7 +7835,7 @@
 </p:sld>
 </file>
 
-<file path=ppt/slides/slide5.xml><?xml version="1.0" encoding="utf-8"?>
+<file path=ppt/slides/slide7.xml><?xml version="1.0" encoding="utf-8"?>
 <p:sld xmlns:a="http://schemas.openxmlformats.org/drawingml/2006/main" xmlns:r="http://schemas.openxmlformats.org/officeDocument/2006/relationships" xmlns:p="http://schemas.openxmlformats.org/presentationml/2006/main">
   <p:cSld>
     <p:spTree>
@@ -5433,170 +7883,7 @@
             <a:pPr algn="ctr"/>
             <a:r>
               <a:rPr lang="de-DE" sz="5400"/>
-              <a:t>Kalman-Filter</a:t>
-            </a:r>
-          </a:p>
-        </p:txBody>
-      </p:sp>
-      <p:sp>
-        <p:nvSpPr>
-          <p:cNvPr id="3" name="Inhaltsplatzhalter 2">
-            <a:extLst>
-              <a:ext uri="{FF2B5EF4-FFF2-40B4-BE49-F238E27FC236}">
-                <a16:creationId xmlns:a16="http://schemas.microsoft.com/office/drawing/2014/main" id="{9962D4C6-1989-457F-A5DB-9CC2C96CDAE3}"/>
-              </a:ext>
-            </a:extLst>
-          </p:cNvPr>
-          <p:cNvSpPr>
-            <a:spLocks noGrp="1"/>
-          </p:cNvSpPr>
-          <p:nvPr>
-            <p:ph idx="1"/>
-          </p:nvPr>
-        </p:nvSpPr>
-        <p:spPr/>
-        <p:txBody>
-          <a:bodyPr>
-            <a:normAutofit/>
-          </a:bodyPr>
-          <a:lstStyle/>
-          <a:p>
-            <a:pPr marL="0" indent="0">
-              <a:buNone/>
-            </a:pPr>
-            <a:endParaRPr lang="de-DE" sz="2800">
-              <a:latin typeface="Corbel" panose="020B0503020204020204" pitchFamily="34" charset="0"/>
-            </a:endParaRPr>
-          </a:p>
-        </p:txBody>
-      </p:sp>
-      <p:cxnSp>
-        <p:nvCxnSpPr>
-          <p:cNvPr id="5" name="Gerader Verbinder 4">
-            <a:extLst>
-              <a:ext uri="{FF2B5EF4-FFF2-40B4-BE49-F238E27FC236}">
-                <a16:creationId xmlns:a16="http://schemas.microsoft.com/office/drawing/2014/main" id="{1892A047-1063-4568-A9A5-DA40684BA449}"/>
-              </a:ext>
-            </a:extLst>
-          </p:cNvPr>
-          <p:cNvCxnSpPr/>
-          <p:nvPr/>
-        </p:nvCxnSpPr>
-        <p:spPr>
-          <a:xfrm>
-            <a:off x="0" y="1065231"/>
-            <a:ext cx="9144000" cy="0"/>
-          </a:xfrm>
-          <a:prstGeom prst="line">
-            <a:avLst/>
-          </a:prstGeom>
-        </p:spPr>
-        <p:style>
-          <a:lnRef idx="1">
-            <a:schemeClr val="accent1"/>
-          </a:lnRef>
-          <a:fillRef idx="0">
-            <a:schemeClr val="accent1"/>
-          </a:fillRef>
-          <a:effectRef idx="0">
-            <a:schemeClr val="accent1"/>
-          </a:effectRef>
-          <a:fontRef idx="minor">
-            <a:schemeClr val="tx1"/>
-          </a:fontRef>
-        </p:style>
-      </p:cxnSp>
-      <p:sp>
-        <p:nvSpPr>
-          <p:cNvPr id="6" name="Foliennummernplatzhalter 5">
-            <a:extLst>
-              <a:ext uri="{FF2B5EF4-FFF2-40B4-BE49-F238E27FC236}">
-                <a16:creationId xmlns:a16="http://schemas.microsoft.com/office/drawing/2014/main" id="{5140CF2F-6F7F-44F0-8F3E-6C2234A57167}"/>
-              </a:ext>
-            </a:extLst>
-          </p:cNvPr>
-          <p:cNvSpPr>
-            <a:spLocks noGrp="1"/>
-          </p:cNvSpPr>
-          <p:nvPr>
-            <p:ph type="sldNum" sz="quarter" idx="12"/>
-          </p:nvPr>
-        </p:nvSpPr>
-        <p:spPr/>
-        <p:txBody>
-          <a:bodyPr/>
-          <a:lstStyle/>
-          <a:p>
-            <a:fld id="{0696A970-E1A0-4FA3-8434-947DF6AD858B}" type="slidenum">
-              <a:rPr lang="de-DE" smtClean="0"/>
-              <a:t>5</a:t>
-            </a:fld>
-            <a:endParaRPr lang="de-DE"/>
-          </a:p>
-        </p:txBody>
-      </p:sp>
-    </p:spTree>
-    <p:extLst>
-      <p:ext uri="{BB962C8B-B14F-4D97-AF65-F5344CB8AC3E}">
-        <p14:creationId xmlns:p14="http://schemas.microsoft.com/office/powerpoint/2010/main" val="2376441202"/>
-      </p:ext>
-    </p:extLst>
-  </p:cSld>
-  <p:clrMapOvr>
-    <a:masterClrMapping/>
-  </p:clrMapOvr>
-</p:sld>
-</file>
-
-<file path=ppt/slides/slide6.xml><?xml version="1.0" encoding="utf-8"?>
-<p:sld xmlns:a="http://schemas.openxmlformats.org/drawingml/2006/main" xmlns:r="http://schemas.openxmlformats.org/officeDocument/2006/relationships" xmlns:p="http://schemas.openxmlformats.org/presentationml/2006/main">
-  <p:cSld>
-    <p:spTree>
-      <p:nvGrpSpPr>
-        <p:cNvPr id="1" name=""/>
-        <p:cNvGrpSpPr/>
-        <p:nvPr/>
-      </p:nvGrpSpPr>
-      <p:grpSpPr>
-        <a:xfrm>
-          <a:off x="0" y="0"/>
-          <a:ext cx="0" cy="0"/>
-          <a:chOff x="0" y="0"/>
-          <a:chExt cx="0" cy="0"/>
-        </a:xfrm>
-      </p:grpSpPr>
-      <p:sp>
-        <p:nvSpPr>
-          <p:cNvPr id="2" name="Titel 1">
-            <a:extLst>
-              <a:ext uri="{FF2B5EF4-FFF2-40B4-BE49-F238E27FC236}">
-                <a16:creationId xmlns:a16="http://schemas.microsoft.com/office/drawing/2014/main" id="{05F9BAA4-7E2C-49B0-A8A8-D436EB0C28B8}"/>
-              </a:ext>
-            </a:extLst>
-          </p:cNvPr>
-          <p:cNvSpPr>
-            <a:spLocks noGrp="1"/>
-          </p:cNvSpPr>
-          <p:nvPr>
-            <p:ph type="title"/>
-          </p:nvPr>
-        </p:nvSpPr>
-        <p:spPr>
-          <a:xfrm>
-            <a:off x="0" y="18255"/>
-            <a:ext cx="9144000" cy="1056401"/>
-          </a:xfrm>
-        </p:spPr>
-        <p:txBody>
-          <a:bodyPr>
-            <a:normAutofit/>
-          </a:bodyPr>
-          <a:lstStyle/>
-          <a:p>
-            <a:pPr algn="ctr"/>
-            <a:r>
-              <a:rPr lang="de-DE" sz="5400"/>
-              <a:t>World model</a:t>
+              <a:t>World Model</a:t>
             </a:r>
           </a:p>
         </p:txBody>
@@ -5633,7 +7920,7 @@
                   <a:rPr lang="de-DE" sz="2800">
                     <a:latin typeface="Corbel" panose="020B0503020204020204" pitchFamily="34" charset="0"/>
                   </a:rPr>
-                  <a:t>The Kalman Filter assumes the following state progression (based on former state </a:t>
+                  <a:t>the kalman-filter assumes the following state progression (based on former state </a:t>
                 </a:r>
                 <a14:m>
                   <m:oMath xmlns:m="http://schemas.openxmlformats.org/officeDocument/2006/math">
@@ -5922,10 +8209,13 @@
                   <a:rPr lang="de-DE" sz="2800">
                     <a:latin typeface="Corbel" panose="020B0503020204020204" pitchFamily="34" charset="0"/>
                   </a:rPr>
-                  <a:t> : state-transition model </a:t>
+                  <a:t> : state-transition model  </a:t>
                 </a:r>
                 <a:r>
                   <a:rPr lang="de-DE" sz="2400">
+                    <a:solidFill>
+                      <a:schemeClr val="accent3"/>
+                    </a:solidFill>
                     <a:latin typeface="Corbel" panose="020B0503020204020204" pitchFamily="34" charset="0"/>
                   </a:rPr>
                   <a:t>(e.g. classical mechanics)</a:t>
@@ -5969,10 +8259,13 @@
                   <a:rPr lang="de-DE" sz="2800">
                     <a:latin typeface="Corbel" panose="020B0503020204020204" pitchFamily="34" charset="0"/>
                   </a:rPr>
-                  <a:t> : control-input model </a:t>
+                  <a:t> : control-input model  </a:t>
                 </a:r>
                 <a:r>
                   <a:rPr lang="de-DE" sz="2400">
+                    <a:solidFill>
+                      <a:schemeClr val="accent3"/>
+                    </a:solidFill>
                     <a:latin typeface="Corbel" panose="020B0503020204020204" pitchFamily="34" charset="0"/>
                   </a:rPr>
                   <a:t>(e.g. motor affects position)</a:t>
@@ -6016,10 +8309,13 @@
                   <a:rPr lang="de-DE" sz="2800">
                     <a:latin typeface="Corbel" panose="020B0503020204020204" pitchFamily="34" charset="0"/>
                   </a:rPr>
-                  <a:t> : control vector </a:t>
+                  <a:t> : control vector  </a:t>
                 </a:r>
                 <a:r>
                   <a:rPr lang="de-DE" sz="2400">
+                    <a:solidFill>
+                      <a:schemeClr val="accent3"/>
+                    </a:solidFill>
                     <a:latin typeface="Corbel" panose="020B0503020204020204" pitchFamily="34" charset="0"/>
                   </a:rPr>
                   <a:t>(e.g. how much the motor is driven)</a:t>
@@ -6230,7 +8526,7 @@
           <a:p>
             <a:fld id="{0696A970-E1A0-4FA3-8434-947DF6AD858B}" type="slidenum">
               <a:rPr lang="de-DE" smtClean="0"/>
-              <a:t>6</a:t>
+              <a:t>7</a:t>
             </a:fld>
             <a:endParaRPr lang="de-DE"/>
           </a:p>
@@ -6249,7 +8545,7 @@
 </p:sld>
 </file>
 
-<file path=ppt/slides/slide7.xml><?xml version="1.0" encoding="utf-8"?>
+<file path=ppt/slides/slide8.xml><?xml version="1.0" encoding="utf-8"?>
 <p:sld xmlns:a="http://schemas.openxmlformats.org/drawingml/2006/main" xmlns:r="http://schemas.openxmlformats.org/officeDocument/2006/relationships" xmlns:p="http://schemas.openxmlformats.org/presentationml/2006/main">
   <p:cSld>
     <p:spTree>
@@ -6334,7 +8630,7 @@
                   <a:rPr lang="de-DE" sz="2800">
                     <a:latin typeface="Corbel" panose="020B0503020204020204" pitchFamily="34" charset="0"/>
                   </a:rPr>
-                  <a:t>An observation (measurement) </a:t>
+                  <a:t>an observation (measurement) </a:t>
                 </a:r>
                 <a14:m>
                   <m:oMath xmlns:m="http://schemas.openxmlformats.org/officeDocument/2006/math">
@@ -6406,6 +8702,14 @@
                   </a:rPr>
                   <a:t> is modeled as</a:t>
                 </a:r>
+              </a:p>
+              <a:p>
+                <a:pPr marL="0" indent="0">
+                  <a:buNone/>
+                </a:pPr>
+                <a:endParaRPr lang="de-DE" sz="2800">
+                  <a:latin typeface="Corbel" panose="020B0503020204020204" pitchFamily="34" charset="0"/>
+                </a:endParaRPr>
               </a:p>
               <a:p>
                 <a:pPr marL="0" indent="0">
@@ -6537,6 +8841,14 @@
                 </a:endParaRPr>
               </a:p>
               <a:p>
+                <a:pPr marL="0" indent="0">
+                  <a:buNone/>
+                </a:pPr>
+                <a:endParaRPr lang="de-DE" sz="2800">
+                  <a:latin typeface="Corbel" panose="020B0503020204020204" pitchFamily="34" charset="0"/>
+                </a:endParaRPr>
+              </a:p>
+              <a:p>
                 <a:pPr>
                   <a:buFontTx/>
                   <a:buChar char="-"/>
@@ -6574,8 +8886,17 @@
                   <a:rPr lang="de-DE" sz="2800">
                     <a:latin typeface="Corbel" panose="020B0503020204020204" pitchFamily="34" charset="0"/>
                   </a:rPr>
-                  <a:t> : Observation Model (state-space -&gt; observe-space)</a:t>
+                  <a:t> : observation model </a:t>
                 </a:r>
+                <a:r>
+                  <a:rPr lang="de-DE" sz="2400">
+                    <a:latin typeface="Corbel" panose="020B0503020204020204" pitchFamily="34" charset="0"/>
+                  </a:rPr>
+                  <a:t>(state-space -&gt; observe-space)</a:t>
+                </a:r>
+                <a:endParaRPr lang="de-DE" sz="2800">
+                  <a:latin typeface="Corbel" panose="020B0503020204020204" pitchFamily="34" charset="0"/>
+                </a:endParaRPr>
               </a:p>
               <a:p>
                 <a:pPr>
@@ -6674,7 +8995,7 @@
               <a:blipFill>
                 <a:blip r:embed="rId2"/>
                 <a:stretch>
-                  <a:fillRect l="-1546" t="-2241" r="-2009"/>
+                  <a:fillRect l="-1546" t="-2241" r="-1391"/>
                 </a:stretch>
               </a:blipFill>
             </p:spPr>
@@ -6752,7 +9073,7 @@
           <a:p>
             <a:fld id="{0696A970-E1A0-4FA3-8434-947DF6AD858B}" type="slidenum">
               <a:rPr lang="de-DE" smtClean="0"/>
-              <a:t>7</a:t>
+              <a:t>8</a:t>
             </a:fld>
             <a:endParaRPr lang="de-DE"/>
           </a:p>
@@ -6762,6 +9083,2077 @@
     <p:extLst>
       <p:ext uri="{BB962C8B-B14F-4D97-AF65-F5344CB8AC3E}">
         <p14:creationId xmlns:p14="http://schemas.microsoft.com/office/powerpoint/2010/main" val="1057819509"/>
+      </p:ext>
+    </p:extLst>
+  </p:cSld>
+  <p:clrMapOvr>
+    <a:masterClrMapping/>
+  </p:clrMapOvr>
+</p:sld>
+</file>
+
+<file path=ppt/slides/slide9.xml><?xml version="1.0" encoding="utf-8"?>
+<p:sld xmlns:a="http://schemas.openxmlformats.org/drawingml/2006/main" xmlns:r="http://schemas.openxmlformats.org/officeDocument/2006/relationships" xmlns:p="http://schemas.openxmlformats.org/presentationml/2006/main">
+  <p:cSld>
+    <p:spTree>
+      <p:nvGrpSpPr>
+        <p:cNvPr id="1" name=""/>
+        <p:cNvGrpSpPr/>
+        <p:nvPr/>
+      </p:nvGrpSpPr>
+      <p:grpSpPr>
+        <a:xfrm>
+          <a:off x="0" y="0"/>
+          <a:ext cx="0" cy="0"/>
+          <a:chOff x="0" y="0"/>
+          <a:chExt cx="0" cy="0"/>
+        </a:xfrm>
+      </p:grpSpPr>
+      <p:sp>
+        <p:nvSpPr>
+          <p:cNvPr id="36" name="Rechteck 35">
+            <a:extLst>
+              <a:ext uri="{FF2B5EF4-FFF2-40B4-BE49-F238E27FC236}">
+                <a16:creationId xmlns:a16="http://schemas.microsoft.com/office/drawing/2014/main" id="{8160B053-4D50-4DEB-9B26-49B00044D64B}"/>
+              </a:ext>
+            </a:extLst>
+          </p:cNvPr>
+          <p:cNvSpPr/>
+          <p:nvPr/>
+        </p:nvSpPr>
+        <p:spPr>
+          <a:xfrm>
+            <a:off x="0" y="1074656"/>
+            <a:ext cx="9144000" cy="5783344"/>
+          </a:xfrm>
+          <a:prstGeom prst="rect">
+            <a:avLst/>
+          </a:prstGeom>
+          <a:gradFill>
+            <a:gsLst>
+              <a:gs pos="39000">
+                <a:schemeClr val="accent3">
+                  <a:lumMod val="40000"/>
+                  <a:lumOff val="60000"/>
+                </a:schemeClr>
+              </a:gs>
+              <a:gs pos="65000">
+                <a:schemeClr val="bg1"/>
+              </a:gs>
+            </a:gsLst>
+            <a:lin ang="0" scaled="0"/>
+          </a:gradFill>
+          <a:ln>
+            <a:noFill/>
+          </a:ln>
+        </p:spPr>
+        <p:style>
+          <a:lnRef idx="2">
+            <a:schemeClr val="accent1">
+              <a:shade val="50000"/>
+            </a:schemeClr>
+          </a:lnRef>
+          <a:fillRef idx="1">
+            <a:schemeClr val="accent1"/>
+          </a:fillRef>
+          <a:effectRef idx="0">
+            <a:schemeClr val="accent1"/>
+          </a:effectRef>
+          <a:fontRef idx="minor">
+            <a:schemeClr val="lt1"/>
+          </a:fontRef>
+        </p:style>
+        <p:txBody>
+          <a:bodyPr rtlCol="0" anchor="ctr"/>
+          <a:lstStyle/>
+          <a:p>
+            <a:pPr algn="ctr"/>
+            <a:endParaRPr lang="de-DE"/>
+          </a:p>
+        </p:txBody>
+      </p:sp>
+      <p:sp>
+        <p:nvSpPr>
+          <p:cNvPr id="2" name="Titel 1">
+            <a:extLst>
+              <a:ext uri="{FF2B5EF4-FFF2-40B4-BE49-F238E27FC236}">
+                <a16:creationId xmlns:a16="http://schemas.microsoft.com/office/drawing/2014/main" id="{05F9BAA4-7E2C-49B0-A8A8-D436EB0C28B8}"/>
+              </a:ext>
+            </a:extLst>
+          </p:cNvPr>
+          <p:cNvSpPr>
+            <a:spLocks noGrp="1"/>
+          </p:cNvSpPr>
+          <p:nvPr>
+            <p:ph type="title"/>
+          </p:nvPr>
+        </p:nvSpPr>
+        <p:spPr>
+          <a:xfrm>
+            <a:off x="0" y="18255"/>
+            <a:ext cx="9144000" cy="1056401"/>
+          </a:xfrm>
+        </p:spPr>
+        <p:txBody>
+          <a:bodyPr>
+            <a:normAutofit/>
+          </a:bodyPr>
+          <a:lstStyle/>
+          <a:p>
+            <a:pPr algn="ctr"/>
+            <a:r>
+              <a:rPr lang="de-DE" sz="5400"/>
+              <a:t>Kalman Filter Models</a:t>
+            </a:r>
+          </a:p>
+        </p:txBody>
+      </p:sp>
+      <p:cxnSp>
+        <p:nvCxnSpPr>
+          <p:cNvPr id="5" name="Gerader Verbinder 4">
+            <a:extLst>
+              <a:ext uri="{FF2B5EF4-FFF2-40B4-BE49-F238E27FC236}">
+                <a16:creationId xmlns:a16="http://schemas.microsoft.com/office/drawing/2014/main" id="{1892A047-1063-4568-A9A5-DA40684BA449}"/>
+              </a:ext>
+            </a:extLst>
+          </p:cNvPr>
+          <p:cNvCxnSpPr/>
+          <p:nvPr/>
+        </p:nvCxnSpPr>
+        <p:spPr>
+          <a:xfrm>
+            <a:off x="0" y="1065231"/>
+            <a:ext cx="9144000" cy="0"/>
+          </a:xfrm>
+          <a:prstGeom prst="line">
+            <a:avLst/>
+          </a:prstGeom>
+        </p:spPr>
+        <p:style>
+          <a:lnRef idx="1">
+            <a:schemeClr val="accent1"/>
+          </a:lnRef>
+          <a:fillRef idx="0">
+            <a:schemeClr val="accent1"/>
+          </a:fillRef>
+          <a:effectRef idx="0">
+            <a:schemeClr val="accent1"/>
+          </a:effectRef>
+          <a:fontRef idx="minor">
+            <a:schemeClr val="tx1"/>
+          </a:fontRef>
+        </p:style>
+      </p:cxnSp>
+      <p:sp>
+        <p:nvSpPr>
+          <p:cNvPr id="6" name="Foliennummernplatzhalter 5">
+            <a:extLst>
+              <a:ext uri="{FF2B5EF4-FFF2-40B4-BE49-F238E27FC236}">
+                <a16:creationId xmlns:a16="http://schemas.microsoft.com/office/drawing/2014/main" id="{5140CF2F-6F7F-44F0-8F3E-6C2234A57167}"/>
+              </a:ext>
+            </a:extLst>
+          </p:cNvPr>
+          <p:cNvSpPr>
+            <a:spLocks noGrp="1"/>
+          </p:cNvSpPr>
+          <p:nvPr>
+            <p:ph type="sldNum" sz="quarter" idx="12"/>
+          </p:nvPr>
+        </p:nvSpPr>
+        <p:spPr/>
+        <p:txBody>
+          <a:bodyPr/>
+          <a:lstStyle/>
+          <a:p>
+            <a:fld id="{0696A970-E1A0-4FA3-8434-947DF6AD858B}" type="slidenum">
+              <a:rPr lang="de-DE" smtClean="0"/>
+              <a:t>9</a:t>
+            </a:fld>
+            <a:endParaRPr lang="de-DE"/>
+          </a:p>
+        </p:txBody>
+      </p:sp>
+      <mc:AlternateContent xmlns:mc="http://schemas.openxmlformats.org/markup-compatibility/2006">
+        <mc:Choice xmlns:a14="http://schemas.microsoft.com/office/drawing/2010/main" Requires="a14">
+          <p:sp>
+            <p:nvSpPr>
+              <p:cNvPr id="4" name="Rechteck: abgerundete Ecken 3">
+                <a:extLst>
+                  <a:ext uri="{FF2B5EF4-FFF2-40B4-BE49-F238E27FC236}">
+                    <a16:creationId xmlns:a16="http://schemas.microsoft.com/office/drawing/2014/main" id="{47758687-F3FE-4A85-A7AE-CFA8CD719E23}"/>
+                  </a:ext>
+                </a:extLst>
+              </p:cNvPr>
+              <p:cNvSpPr/>
+              <p:nvPr/>
+            </p:nvSpPr>
+            <p:spPr>
+              <a:xfrm>
+                <a:off x="6125211" y="2465010"/>
+                <a:ext cx="2561588" cy="918686"/>
+              </a:xfrm>
+              <a:prstGeom prst="roundRect">
+                <a:avLst/>
+              </a:prstGeom>
+              <a:ln>
+                <a:noFill/>
+              </a:ln>
+            </p:spPr>
+            <p:style>
+              <a:lnRef idx="2">
+                <a:schemeClr val="accent1">
+                  <a:shade val="50000"/>
+                </a:schemeClr>
+              </a:lnRef>
+              <a:fillRef idx="1">
+                <a:schemeClr val="accent1"/>
+              </a:fillRef>
+              <a:effectRef idx="0">
+                <a:schemeClr val="accent1"/>
+              </a:effectRef>
+              <a:fontRef idx="minor">
+                <a:schemeClr val="lt1"/>
+              </a:fontRef>
+            </p:style>
+            <p:txBody>
+              <a:bodyPr rtlCol="0" anchor="ctr"/>
+              <a:lstStyle/>
+              <a:p>
+                <a:pPr algn="ctr"/>
+                <a:r>
+                  <a:rPr lang="de-DE"/>
+                  <a:t>estimated past state</a:t>
+                </a:r>
+              </a:p>
+              <a:p>
+                <a:pPr algn="ctr"/>
+                <a14:m>
+                  <m:oMathPara xmlns:m="http://schemas.openxmlformats.org/officeDocument/2006/math">
+                    <m:oMathParaPr>
+                      <m:jc m:val="centerGroup"/>
+                    </m:oMathParaPr>
+                    <m:oMath xmlns:m="http://schemas.openxmlformats.org/officeDocument/2006/math">
+                      <m:sSub>
+                        <m:sSubPr>
+                          <m:ctrlPr>
+                            <a:rPr lang="de-DE" b="0" i="1" smtClean="0">
+                              <a:latin typeface="Cambria Math" panose="02040503050406030204" pitchFamily="18" charset="0"/>
+                            </a:rPr>
+                          </m:ctrlPr>
+                        </m:sSubPr>
+                        <m:e>
+                          <m:acc>
+                            <m:accPr>
+                              <m:chr m:val="̂"/>
+                              <m:ctrlPr>
+                                <a:rPr lang="de-DE" b="0" i="1" smtClean="0">
+                                  <a:latin typeface="Cambria Math" panose="02040503050406030204" pitchFamily="18" charset="0"/>
+                                </a:rPr>
+                              </m:ctrlPr>
+                            </m:accPr>
+                            <m:e>
+                              <m:r>
+                                <a:rPr lang="de-DE" b="0" i="1" smtClean="0">
+                                  <a:latin typeface="Cambria Math" panose="02040503050406030204" pitchFamily="18" charset="0"/>
+                                </a:rPr>
+                                <m:t>𝑥</m:t>
+                              </m:r>
+                            </m:e>
+                          </m:acc>
+                        </m:e>
+                        <m:sub>
+                          <m:r>
+                            <a:rPr lang="de-DE" b="0" i="1" smtClean="0">
+                              <a:latin typeface="Cambria Math" panose="02040503050406030204" pitchFamily="18" charset="0"/>
+                            </a:rPr>
+                            <m:t>𝑘</m:t>
+                          </m:r>
+                          <m:r>
+                            <a:rPr lang="de-DE" b="0" i="1" smtClean="0">
+                              <a:latin typeface="Cambria Math" panose="02040503050406030204" pitchFamily="18" charset="0"/>
+                            </a:rPr>
+                            <m:t>−1</m:t>
+                          </m:r>
+                        </m:sub>
+                      </m:sSub>
+                    </m:oMath>
+                  </m:oMathPara>
+                </a14:m>
+                <a:endParaRPr lang="de-DE"/>
+              </a:p>
+            </p:txBody>
+          </p:sp>
+        </mc:Choice>
+        <mc:Fallback>
+          <p:sp>
+            <p:nvSpPr>
+              <p:cNvPr id="4" name="Rechteck: abgerundete Ecken 3">
+                <a:extLst>
+                  <a:ext uri="{FF2B5EF4-FFF2-40B4-BE49-F238E27FC236}">
+                    <a16:creationId xmlns:a16="http://schemas.microsoft.com/office/drawing/2014/main" id="{47758687-F3FE-4A85-A7AE-CFA8CD719E23}"/>
+                  </a:ext>
+                </a:extLst>
+              </p:cNvPr>
+              <p:cNvSpPr>
+                <a:spLocks noRot="1" noChangeAspect="1" noMove="1" noResize="1" noEditPoints="1" noAdjustHandles="1" noChangeArrowheads="1" noChangeShapeType="1" noTextEdit="1"/>
+              </p:cNvSpPr>
+              <p:nvPr/>
+            </p:nvSpPr>
+            <p:spPr>
+              <a:xfrm>
+                <a:off x="6125211" y="2465010"/>
+                <a:ext cx="2561588" cy="918686"/>
+              </a:xfrm>
+              <a:prstGeom prst="roundRect">
+                <a:avLst/>
+              </a:prstGeom>
+              <a:blipFill>
+                <a:blip r:embed="rId2"/>
+                <a:stretch>
+                  <a:fillRect/>
+                </a:stretch>
+              </a:blipFill>
+              <a:ln>
+                <a:noFill/>
+              </a:ln>
+            </p:spPr>
+            <p:txBody>
+              <a:bodyPr/>
+              <a:lstStyle/>
+              <a:p>
+                <a:r>
+                  <a:rPr lang="de-DE">
+                    <a:noFill/>
+                  </a:rPr>
+                  <a:t> </a:t>
+                </a:r>
+              </a:p>
+            </p:txBody>
+          </p:sp>
+        </mc:Fallback>
+      </mc:AlternateContent>
+      <mc:AlternateContent xmlns:mc="http://schemas.openxmlformats.org/markup-compatibility/2006">
+        <mc:Choice xmlns:a14="http://schemas.microsoft.com/office/drawing/2010/main" Requires="a14">
+          <p:sp>
+            <p:nvSpPr>
+              <p:cNvPr id="7" name="Rechteck: abgerundete Ecken 6">
+                <a:extLst>
+                  <a:ext uri="{FF2B5EF4-FFF2-40B4-BE49-F238E27FC236}">
+                    <a16:creationId xmlns:a16="http://schemas.microsoft.com/office/drawing/2014/main" id="{FA442E37-F9B9-4845-ACFD-34AED2889B5A}"/>
+                  </a:ext>
+                </a:extLst>
+              </p:cNvPr>
+              <p:cNvSpPr/>
+              <p:nvPr/>
+            </p:nvSpPr>
+            <p:spPr>
+              <a:xfrm>
+                <a:off x="3927524" y="3944137"/>
+                <a:ext cx="1819910" cy="918686"/>
+              </a:xfrm>
+              <a:prstGeom prst="roundRect">
+                <a:avLst/>
+              </a:prstGeom>
+              <a:solidFill>
+                <a:schemeClr val="accent2"/>
+              </a:solidFill>
+              <a:ln>
+                <a:noFill/>
+              </a:ln>
+            </p:spPr>
+            <p:style>
+              <a:lnRef idx="2">
+                <a:schemeClr val="accent1">
+                  <a:shade val="50000"/>
+                </a:schemeClr>
+              </a:lnRef>
+              <a:fillRef idx="1">
+                <a:schemeClr val="accent1"/>
+              </a:fillRef>
+              <a:effectRef idx="0">
+                <a:schemeClr val="accent1"/>
+              </a:effectRef>
+              <a:fontRef idx="minor">
+                <a:schemeClr val="lt1"/>
+              </a:fontRef>
+            </p:style>
+            <p:txBody>
+              <a:bodyPr rtlCol="0" anchor="ctr"/>
+              <a:lstStyle/>
+              <a:p>
+                <a:pPr algn="ctr"/>
+                <a:r>
+                  <a:rPr lang="de-DE"/>
+                  <a:t>sensor readings</a:t>
+                </a:r>
+              </a:p>
+              <a:p>
+                <a:pPr algn="ctr"/>
+                <a14:m>
+                  <m:oMathPara xmlns:m="http://schemas.openxmlformats.org/officeDocument/2006/math">
+                    <m:oMathParaPr>
+                      <m:jc m:val="centerGroup"/>
+                    </m:oMathParaPr>
+                    <m:oMath xmlns:m="http://schemas.openxmlformats.org/officeDocument/2006/math">
+                      <m:sSub>
+                        <m:sSubPr>
+                          <m:ctrlPr>
+                            <a:rPr lang="de-DE" b="0" i="1" smtClean="0">
+                              <a:latin typeface="Cambria Math" panose="02040503050406030204" pitchFamily="18" charset="0"/>
+                            </a:rPr>
+                          </m:ctrlPr>
+                        </m:sSubPr>
+                        <m:e>
+                          <m:r>
+                            <a:rPr lang="de-DE" b="0" i="1" smtClean="0">
+                              <a:latin typeface="Cambria Math" panose="02040503050406030204" pitchFamily="18" charset="0"/>
+                            </a:rPr>
+                            <m:t>𝑧</m:t>
+                          </m:r>
+                        </m:e>
+                        <m:sub>
+                          <m:r>
+                            <a:rPr lang="de-DE" b="0" i="1" smtClean="0">
+                              <a:latin typeface="Cambria Math" panose="02040503050406030204" pitchFamily="18" charset="0"/>
+                            </a:rPr>
+                            <m:t>𝑘</m:t>
+                          </m:r>
+                        </m:sub>
+                      </m:sSub>
+                    </m:oMath>
+                  </m:oMathPara>
+                </a14:m>
+                <a:endParaRPr lang="de-DE"/>
+              </a:p>
+            </p:txBody>
+          </p:sp>
+        </mc:Choice>
+        <mc:Fallback>
+          <p:sp>
+            <p:nvSpPr>
+              <p:cNvPr id="7" name="Rechteck: abgerundete Ecken 6">
+                <a:extLst>
+                  <a:ext uri="{FF2B5EF4-FFF2-40B4-BE49-F238E27FC236}">
+                    <a16:creationId xmlns:a16="http://schemas.microsoft.com/office/drawing/2014/main" id="{FA442E37-F9B9-4845-ACFD-34AED2889B5A}"/>
+                  </a:ext>
+                </a:extLst>
+              </p:cNvPr>
+              <p:cNvSpPr>
+                <a:spLocks noRot="1" noChangeAspect="1" noMove="1" noResize="1" noEditPoints="1" noAdjustHandles="1" noChangeArrowheads="1" noChangeShapeType="1" noTextEdit="1"/>
+              </p:cNvSpPr>
+              <p:nvPr/>
+            </p:nvSpPr>
+            <p:spPr>
+              <a:xfrm>
+                <a:off x="3927524" y="3944137"/>
+                <a:ext cx="1819910" cy="918686"/>
+              </a:xfrm>
+              <a:prstGeom prst="roundRect">
+                <a:avLst/>
+              </a:prstGeom>
+              <a:blipFill>
+                <a:blip r:embed="rId3"/>
+                <a:stretch>
+                  <a:fillRect/>
+                </a:stretch>
+              </a:blipFill>
+              <a:ln>
+                <a:noFill/>
+              </a:ln>
+            </p:spPr>
+            <p:txBody>
+              <a:bodyPr/>
+              <a:lstStyle/>
+              <a:p>
+                <a:r>
+                  <a:rPr lang="de-DE">
+                    <a:noFill/>
+                  </a:rPr>
+                  <a:t> </a:t>
+                </a:r>
+              </a:p>
+            </p:txBody>
+          </p:sp>
+        </mc:Fallback>
+      </mc:AlternateContent>
+      <mc:AlternateContent xmlns:mc="http://schemas.openxmlformats.org/markup-compatibility/2006">
+        <mc:Choice xmlns:a14="http://schemas.microsoft.com/office/drawing/2010/main" Requires="a14">
+          <p:sp>
+            <p:nvSpPr>
+              <p:cNvPr id="14" name="Rechteck: abgerundete Ecken 13">
+                <a:extLst>
+                  <a:ext uri="{FF2B5EF4-FFF2-40B4-BE49-F238E27FC236}">
+                    <a16:creationId xmlns:a16="http://schemas.microsoft.com/office/drawing/2014/main" id="{772D21F0-83B4-4904-B016-9ED91A301354}"/>
+                  </a:ext>
+                </a:extLst>
+              </p:cNvPr>
+              <p:cNvSpPr/>
+              <p:nvPr/>
+            </p:nvSpPr>
+            <p:spPr>
+              <a:xfrm>
+                <a:off x="880720" y="2465010"/>
+                <a:ext cx="2227632" cy="918686"/>
+              </a:xfrm>
+              <a:prstGeom prst="roundRect">
+                <a:avLst/>
+              </a:prstGeom>
+              <a:solidFill>
+                <a:schemeClr val="accent3">
+                  <a:lumMod val="75000"/>
+                </a:schemeClr>
+              </a:solidFill>
+              <a:ln>
+                <a:noFill/>
+              </a:ln>
+            </p:spPr>
+            <p:style>
+              <a:lnRef idx="2">
+                <a:schemeClr val="accent1">
+                  <a:shade val="50000"/>
+                </a:schemeClr>
+              </a:lnRef>
+              <a:fillRef idx="1">
+                <a:schemeClr val="accent1"/>
+              </a:fillRef>
+              <a:effectRef idx="0">
+                <a:schemeClr val="accent1"/>
+              </a:effectRef>
+              <a:fontRef idx="minor">
+                <a:schemeClr val="lt1"/>
+              </a:fontRef>
+            </p:style>
+            <p:txBody>
+              <a:bodyPr rtlCol="0" anchor="ctr"/>
+              <a:lstStyle/>
+              <a:p>
+                <a:pPr algn="ctr"/>
+                <a:r>
+                  <a:rPr lang="de-DE"/>
+                  <a:t>real past state</a:t>
+                </a:r>
+              </a:p>
+              <a:p>
+                <a:pPr algn="ctr"/>
+                <a14:m>
+                  <m:oMathPara xmlns:m="http://schemas.openxmlformats.org/officeDocument/2006/math">
+                    <m:oMathParaPr>
+                      <m:jc m:val="centerGroup"/>
+                    </m:oMathParaPr>
+                    <m:oMath xmlns:m="http://schemas.openxmlformats.org/officeDocument/2006/math">
+                      <m:sSub>
+                        <m:sSubPr>
+                          <m:ctrlPr>
+                            <a:rPr lang="de-DE" b="0" i="1" smtClean="0">
+                              <a:latin typeface="Cambria Math" panose="02040503050406030204" pitchFamily="18" charset="0"/>
+                            </a:rPr>
+                          </m:ctrlPr>
+                        </m:sSubPr>
+                        <m:e>
+                          <m:r>
+                            <a:rPr lang="de-DE" b="0" i="1" smtClean="0">
+                              <a:latin typeface="Cambria Math" panose="02040503050406030204" pitchFamily="18" charset="0"/>
+                            </a:rPr>
+                            <m:t>𝑥</m:t>
+                          </m:r>
+                        </m:e>
+                        <m:sub>
+                          <m:r>
+                            <a:rPr lang="de-DE" b="0" i="1" smtClean="0">
+                              <a:latin typeface="Cambria Math" panose="02040503050406030204" pitchFamily="18" charset="0"/>
+                            </a:rPr>
+                            <m:t>𝑘</m:t>
+                          </m:r>
+                          <m:r>
+                            <a:rPr lang="de-DE" b="0" i="1" smtClean="0">
+                              <a:latin typeface="Cambria Math" panose="02040503050406030204" pitchFamily="18" charset="0"/>
+                            </a:rPr>
+                            <m:t>−1</m:t>
+                          </m:r>
+                        </m:sub>
+                      </m:sSub>
+                    </m:oMath>
+                  </m:oMathPara>
+                </a14:m>
+                <a:endParaRPr lang="de-DE"/>
+              </a:p>
+            </p:txBody>
+          </p:sp>
+        </mc:Choice>
+        <mc:Fallback>
+          <p:sp>
+            <p:nvSpPr>
+              <p:cNvPr id="14" name="Rechteck: abgerundete Ecken 13">
+                <a:extLst>
+                  <a:ext uri="{FF2B5EF4-FFF2-40B4-BE49-F238E27FC236}">
+                    <a16:creationId xmlns:a16="http://schemas.microsoft.com/office/drawing/2014/main" id="{772D21F0-83B4-4904-B016-9ED91A301354}"/>
+                  </a:ext>
+                </a:extLst>
+              </p:cNvPr>
+              <p:cNvSpPr>
+                <a:spLocks noRot="1" noChangeAspect="1" noMove="1" noResize="1" noEditPoints="1" noAdjustHandles="1" noChangeArrowheads="1" noChangeShapeType="1" noTextEdit="1"/>
+              </p:cNvSpPr>
+              <p:nvPr/>
+            </p:nvSpPr>
+            <p:spPr>
+              <a:xfrm>
+                <a:off x="880720" y="2465010"/>
+                <a:ext cx="2227632" cy="918686"/>
+              </a:xfrm>
+              <a:prstGeom prst="roundRect">
+                <a:avLst/>
+              </a:prstGeom>
+              <a:blipFill>
+                <a:blip r:embed="rId4"/>
+                <a:stretch>
+                  <a:fillRect/>
+                </a:stretch>
+              </a:blipFill>
+              <a:ln>
+                <a:noFill/>
+              </a:ln>
+            </p:spPr>
+            <p:txBody>
+              <a:bodyPr/>
+              <a:lstStyle/>
+              <a:p>
+                <a:r>
+                  <a:rPr lang="de-DE">
+                    <a:noFill/>
+                  </a:rPr>
+                  <a:t> </a:t>
+                </a:r>
+              </a:p>
+            </p:txBody>
+          </p:sp>
+        </mc:Fallback>
+      </mc:AlternateContent>
+      <mc:AlternateContent xmlns:mc="http://schemas.openxmlformats.org/markup-compatibility/2006">
+        <mc:Choice xmlns:a14="http://schemas.microsoft.com/office/drawing/2010/main" Requires="a14">
+          <p:sp>
+            <p:nvSpPr>
+              <p:cNvPr id="15" name="Rechteck: abgerundete Ecken 14">
+                <a:extLst>
+                  <a:ext uri="{FF2B5EF4-FFF2-40B4-BE49-F238E27FC236}">
+                    <a16:creationId xmlns:a16="http://schemas.microsoft.com/office/drawing/2014/main" id="{2A7D9D70-26DF-418E-B207-0A53C6D1EBD8}"/>
+                  </a:ext>
+                </a:extLst>
+              </p:cNvPr>
+              <p:cNvSpPr/>
+              <p:nvPr/>
+            </p:nvSpPr>
+            <p:spPr>
+              <a:xfrm>
+                <a:off x="880720" y="5428242"/>
+                <a:ext cx="2227632" cy="918686"/>
+              </a:xfrm>
+              <a:prstGeom prst="roundRect">
+                <a:avLst/>
+              </a:prstGeom>
+              <a:solidFill>
+                <a:schemeClr val="accent3">
+                  <a:lumMod val="75000"/>
+                </a:schemeClr>
+              </a:solidFill>
+              <a:ln>
+                <a:noFill/>
+              </a:ln>
+            </p:spPr>
+            <p:style>
+              <a:lnRef idx="2">
+                <a:schemeClr val="accent1">
+                  <a:shade val="50000"/>
+                </a:schemeClr>
+              </a:lnRef>
+              <a:fillRef idx="1">
+                <a:schemeClr val="accent1"/>
+              </a:fillRef>
+              <a:effectRef idx="0">
+                <a:schemeClr val="accent1"/>
+              </a:effectRef>
+              <a:fontRef idx="minor">
+                <a:schemeClr val="lt1"/>
+              </a:fontRef>
+            </p:style>
+            <p:txBody>
+              <a:bodyPr rtlCol="0" anchor="ctr"/>
+              <a:lstStyle/>
+              <a:p>
+                <a:pPr algn="ctr"/>
+                <a:r>
+                  <a:rPr lang="de-DE"/>
+                  <a:t>real present state</a:t>
+                </a:r>
+              </a:p>
+              <a:p>
+                <a:pPr algn="ctr"/>
+                <a14:m>
+                  <m:oMathPara xmlns:m="http://schemas.openxmlformats.org/officeDocument/2006/math">
+                    <m:oMathParaPr>
+                      <m:jc m:val="centerGroup"/>
+                    </m:oMathParaPr>
+                    <m:oMath xmlns:m="http://schemas.openxmlformats.org/officeDocument/2006/math">
+                      <m:sSub>
+                        <m:sSubPr>
+                          <m:ctrlPr>
+                            <a:rPr lang="de-DE" b="0" i="1" smtClean="0">
+                              <a:latin typeface="Cambria Math" panose="02040503050406030204" pitchFamily="18" charset="0"/>
+                            </a:rPr>
+                          </m:ctrlPr>
+                        </m:sSubPr>
+                        <m:e>
+                          <m:r>
+                            <a:rPr lang="de-DE" b="0" i="1" smtClean="0">
+                              <a:latin typeface="Cambria Math" panose="02040503050406030204" pitchFamily="18" charset="0"/>
+                            </a:rPr>
+                            <m:t>𝑥</m:t>
+                          </m:r>
+                        </m:e>
+                        <m:sub>
+                          <m:r>
+                            <a:rPr lang="de-DE" b="0" i="1" smtClean="0">
+                              <a:latin typeface="Cambria Math" panose="02040503050406030204" pitchFamily="18" charset="0"/>
+                            </a:rPr>
+                            <m:t>𝑘</m:t>
+                          </m:r>
+                        </m:sub>
+                      </m:sSub>
+                    </m:oMath>
+                  </m:oMathPara>
+                </a14:m>
+                <a:endParaRPr lang="de-DE"/>
+              </a:p>
+            </p:txBody>
+          </p:sp>
+        </mc:Choice>
+        <mc:Fallback>
+          <p:sp>
+            <p:nvSpPr>
+              <p:cNvPr id="15" name="Rechteck: abgerundete Ecken 14">
+                <a:extLst>
+                  <a:ext uri="{FF2B5EF4-FFF2-40B4-BE49-F238E27FC236}">
+                    <a16:creationId xmlns:a16="http://schemas.microsoft.com/office/drawing/2014/main" id="{2A7D9D70-26DF-418E-B207-0A53C6D1EBD8}"/>
+                  </a:ext>
+                </a:extLst>
+              </p:cNvPr>
+              <p:cNvSpPr>
+                <a:spLocks noRot="1" noChangeAspect="1" noMove="1" noResize="1" noEditPoints="1" noAdjustHandles="1" noChangeArrowheads="1" noChangeShapeType="1" noTextEdit="1"/>
+              </p:cNvSpPr>
+              <p:nvPr/>
+            </p:nvSpPr>
+            <p:spPr>
+              <a:xfrm>
+                <a:off x="880720" y="5428242"/>
+                <a:ext cx="2227632" cy="918686"/>
+              </a:xfrm>
+              <a:prstGeom prst="roundRect">
+                <a:avLst/>
+              </a:prstGeom>
+              <a:blipFill>
+                <a:blip r:embed="rId5"/>
+                <a:stretch>
+                  <a:fillRect/>
+                </a:stretch>
+              </a:blipFill>
+              <a:ln>
+                <a:noFill/>
+              </a:ln>
+            </p:spPr>
+            <p:txBody>
+              <a:bodyPr/>
+              <a:lstStyle/>
+              <a:p>
+                <a:r>
+                  <a:rPr lang="de-DE">
+                    <a:noFill/>
+                  </a:rPr>
+                  <a:t> </a:t>
+                </a:r>
+              </a:p>
+            </p:txBody>
+          </p:sp>
+        </mc:Fallback>
+      </mc:AlternateContent>
+      <mc:AlternateContent xmlns:mc="http://schemas.openxmlformats.org/markup-compatibility/2006">
+        <mc:Choice xmlns:a14="http://schemas.microsoft.com/office/drawing/2010/main" Requires="a14">
+          <p:sp>
+            <p:nvSpPr>
+              <p:cNvPr id="3" name="Rechteck 2">
+                <a:extLst>
+                  <a:ext uri="{FF2B5EF4-FFF2-40B4-BE49-F238E27FC236}">
+                    <a16:creationId xmlns:a16="http://schemas.microsoft.com/office/drawing/2014/main" id="{E80E2245-9499-4961-8176-1EDAD256DDED}"/>
+                  </a:ext>
+                </a:extLst>
+              </p:cNvPr>
+              <p:cNvSpPr/>
+              <p:nvPr/>
+            </p:nvSpPr>
+            <p:spPr>
+              <a:xfrm>
+                <a:off x="554992" y="3946626"/>
+                <a:ext cx="2879088" cy="918686"/>
+              </a:xfrm>
+              <a:prstGeom prst="rect">
+                <a:avLst/>
+              </a:prstGeom>
+              <a:solidFill>
+                <a:schemeClr val="accent3">
+                  <a:lumMod val="75000"/>
+                </a:schemeClr>
+              </a:solidFill>
+              <a:ln>
+                <a:noFill/>
+              </a:ln>
+            </p:spPr>
+            <p:style>
+              <a:lnRef idx="2">
+                <a:schemeClr val="accent1">
+                  <a:shade val="50000"/>
+                </a:schemeClr>
+              </a:lnRef>
+              <a:fillRef idx="1">
+                <a:schemeClr val="accent1"/>
+              </a:fillRef>
+              <a:effectRef idx="0">
+                <a:schemeClr val="accent1"/>
+              </a:effectRef>
+              <a:fontRef idx="minor">
+                <a:schemeClr val="lt1"/>
+              </a:fontRef>
+            </p:style>
+            <p:txBody>
+              <a:bodyPr rtlCol="0" anchor="ctr"/>
+              <a:lstStyle/>
+              <a:p>
+                <a:pPr algn="ctr"/>
+                <a:r>
+                  <a:rPr lang="de-DE">
+                    <a:solidFill>
+                      <a:schemeClr val="bg1"/>
+                    </a:solidFill>
+                  </a:rPr>
+                  <a:t>world model</a:t>
+                </a:r>
+              </a:p>
+              <a:p>
+                <a:pPr algn="ctr"/>
+                <a14:m>
+                  <m:oMathPara xmlns:m="http://schemas.openxmlformats.org/officeDocument/2006/math">
+                    <m:oMathParaPr>
+                      <m:jc m:val="centerGroup"/>
+                    </m:oMathParaPr>
+                    <m:oMath xmlns:m="http://schemas.openxmlformats.org/officeDocument/2006/math">
+                      <m:sSub>
+                        <m:sSubPr>
+                          <m:ctrlPr>
+                            <a:rPr lang="de-DE" i="1">
+                              <a:solidFill>
+                                <a:schemeClr val="bg1"/>
+                              </a:solidFill>
+                              <a:latin typeface="Cambria Math" panose="02040503050406030204" pitchFamily="18" charset="0"/>
+                            </a:rPr>
+                          </m:ctrlPr>
+                        </m:sSubPr>
+                        <m:e>
+                          <m:r>
+                            <a:rPr lang="de-DE" i="1">
+                              <a:solidFill>
+                                <a:schemeClr val="bg1"/>
+                              </a:solidFill>
+                              <a:latin typeface="Cambria Math" panose="02040503050406030204" pitchFamily="18" charset="0"/>
+                            </a:rPr>
+                            <m:t>𝑥</m:t>
+                          </m:r>
+                        </m:e>
+                        <m:sub>
+                          <m:r>
+                            <a:rPr lang="de-DE" i="1">
+                              <a:solidFill>
+                                <a:schemeClr val="bg1"/>
+                              </a:solidFill>
+                              <a:latin typeface="Cambria Math" panose="02040503050406030204" pitchFamily="18" charset="0"/>
+                            </a:rPr>
+                            <m:t>𝑘</m:t>
+                          </m:r>
+                        </m:sub>
+                      </m:sSub>
+                      <m:r>
+                        <a:rPr lang="de-DE" i="1">
+                          <a:solidFill>
+                            <a:schemeClr val="bg1"/>
+                          </a:solidFill>
+                          <a:latin typeface="Cambria Math" panose="02040503050406030204" pitchFamily="18" charset="0"/>
+                        </a:rPr>
+                        <m:t>=</m:t>
+                      </m:r>
+                      <m:sSub>
+                        <m:sSubPr>
+                          <m:ctrlPr>
+                            <a:rPr lang="de-DE" i="1">
+                              <a:solidFill>
+                                <a:schemeClr val="bg1"/>
+                              </a:solidFill>
+                              <a:latin typeface="Cambria Math" panose="02040503050406030204" pitchFamily="18" charset="0"/>
+                            </a:rPr>
+                          </m:ctrlPr>
+                        </m:sSubPr>
+                        <m:e>
+                          <m:r>
+                            <a:rPr lang="de-DE" i="1">
+                              <a:solidFill>
+                                <a:schemeClr val="bg1"/>
+                              </a:solidFill>
+                              <a:latin typeface="Cambria Math" panose="02040503050406030204" pitchFamily="18" charset="0"/>
+                            </a:rPr>
+                            <m:t>𝐹</m:t>
+                          </m:r>
+                        </m:e>
+                        <m:sub>
+                          <m:r>
+                            <a:rPr lang="de-DE" i="1">
+                              <a:solidFill>
+                                <a:schemeClr val="bg1"/>
+                              </a:solidFill>
+                              <a:latin typeface="Cambria Math" panose="02040503050406030204" pitchFamily="18" charset="0"/>
+                            </a:rPr>
+                            <m:t>𝑘</m:t>
+                          </m:r>
+                        </m:sub>
+                      </m:sSub>
+                      <m:sSub>
+                        <m:sSubPr>
+                          <m:ctrlPr>
+                            <a:rPr lang="de-DE" i="1">
+                              <a:solidFill>
+                                <a:schemeClr val="bg1"/>
+                              </a:solidFill>
+                              <a:latin typeface="Cambria Math" panose="02040503050406030204" pitchFamily="18" charset="0"/>
+                            </a:rPr>
+                          </m:ctrlPr>
+                        </m:sSubPr>
+                        <m:e>
+                          <m:r>
+                            <a:rPr lang="de-DE" i="1">
+                              <a:solidFill>
+                                <a:schemeClr val="bg1"/>
+                              </a:solidFill>
+                              <a:latin typeface="Cambria Math" panose="02040503050406030204" pitchFamily="18" charset="0"/>
+                            </a:rPr>
+                            <m:t>𝑥</m:t>
+                          </m:r>
+                        </m:e>
+                        <m:sub>
+                          <m:r>
+                            <a:rPr lang="de-DE" i="1">
+                              <a:solidFill>
+                                <a:schemeClr val="bg1"/>
+                              </a:solidFill>
+                              <a:latin typeface="Cambria Math" panose="02040503050406030204" pitchFamily="18" charset="0"/>
+                            </a:rPr>
+                            <m:t>𝑘</m:t>
+                          </m:r>
+                          <m:r>
+                            <a:rPr lang="de-DE" i="1">
+                              <a:solidFill>
+                                <a:schemeClr val="bg1"/>
+                              </a:solidFill>
+                              <a:latin typeface="Cambria Math" panose="02040503050406030204" pitchFamily="18" charset="0"/>
+                            </a:rPr>
+                            <m:t>−1</m:t>
+                          </m:r>
+                        </m:sub>
+                      </m:sSub>
+                      <m:r>
+                        <a:rPr lang="de-DE" i="1">
+                          <a:solidFill>
+                            <a:schemeClr val="bg1"/>
+                          </a:solidFill>
+                          <a:latin typeface="Cambria Math" panose="02040503050406030204" pitchFamily="18" charset="0"/>
+                        </a:rPr>
+                        <m:t>+</m:t>
+                      </m:r>
+                      <m:sSub>
+                        <m:sSubPr>
+                          <m:ctrlPr>
+                            <a:rPr lang="de-DE" i="1">
+                              <a:solidFill>
+                                <a:schemeClr val="bg1"/>
+                              </a:solidFill>
+                              <a:latin typeface="Cambria Math" panose="02040503050406030204" pitchFamily="18" charset="0"/>
+                            </a:rPr>
+                          </m:ctrlPr>
+                        </m:sSubPr>
+                        <m:e>
+                          <m:r>
+                            <a:rPr lang="de-DE" i="1">
+                              <a:solidFill>
+                                <a:schemeClr val="bg1"/>
+                              </a:solidFill>
+                              <a:latin typeface="Cambria Math" panose="02040503050406030204" pitchFamily="18" charset="0"/>
+                            </a:rPr>
+                            <m:t>𝐵</m:t>
+                          </m:r>
+                        </m:e>
+                        <m:sub>
+                          <m:r>
+                            <a:rPr lang="de-DE" i="1">
+                              <a:solidFill>
+                                <a:schemeClr val="bg1"/>
+                              </a:solidFill>
+                              <a:latin typeface="Cambria Math" panose="02040503050406030204" pitchFamily="18" charset="0"/>
+                            </a:rPr>
+                            <m:t>𝑘</m:t>
+                          </m:r>
+                        </m:sub>
+                      </m:sSub>
+                      <m:sSub>
+                        <m:sSubPr>
+                          <m:ctrlPr>
+                            <a:rPr lang="de-DE" i="1">
+                              <a:solidFill>
+                                <a:schemeClr val="bg1"/>
+                              </a:solidFill>
+                              <a:latin typeface="Cambria Math" panose="02040503050406030204" pitchFamily="18" charset="0"/>
+                            </a:rPr>
+                          </m:ctrlPr>
+                        </m:sSubPr>
+                        <m:e>
+                          <m:r>
+                            <a:rPr lang="de-DE" i="1">
+                              <a:solidFill>
+                                <a:schemeClr val="bg1"/>
+                              </a:solidFill>
+                              <a:latin typeface="Cambria Math" panose="02040503050406030204" pitchFamily="18" charset="0"/>
+                            </a:rPr>
+                            <m:t>𝑢</m:t>
+                          </m:r>
+                        </m:e>
+                        <m:sub>
+                          <m:r>
+                            <a:rPr lang="de-DE" i="1">
+                              <a:solidFill>
+                                <a:schemeClr val="bg1"/>
+                              </a:solidFill>
+                              <a:latin typeface="Cambria Math" panose="02040503050406030204" pitchFamily="18" charset="0"/>
+                            </a:rPr>
+                            <m:t>𝑘</m:t>
+                          </m:r>
+                        </m:sub>
+                      </m:sSub>
+                      <m:r>
+                        <a:rPr lang="de-DE" i="1">
+                          <a:solidFill>
+                            <a:schemeClr val="bg1"/>
+                          </a:solidFill>
+                          <a:latin typeface="Cambria Math" panose="02040503050406030204" pitchFamily="18" charset="0"/>
+                        </a:rPr>
+                        <m:t>+</m:t>
+                      </m:r>
+                      <m:sSub>
+                        <m:sSubPr>
+                          <m:ctrlPr>
+                            <a:rPr lang="de-DE" i="1">
+                              <a:solidFill>
+                                <a:schemeClr val="bg1"/>
+                              </a:solidFill>
+                              <a:latin typeface="Cambria Math" panose="02040503050406030204" pitchFamily="18" charset="0"/>
+                            </a:rPr>
+                          </m:ctrlPr>
+                        </m:sSubPr>
+                        <m:e>
+                          <m:r>
+                            <a:rPr lang="de-DE" i="1">
+                              <a:solidFill>
+                                <a:schemeClr val="bg1"/>
+                              </a:solidFill>
+                              <a:latin typeface="Cambria Math" panose="02040503050406030204" pitchFamily="18" charset="0"/>
+                            </a:rPr>
+                            <m:t>𝑤</m:t>
+                          </m:r>
+                        </m:e>
+                        <m:sub>
+                          <m:r>
+                            <a:rPr lang="de-DE" i="1">
+                              <a:solidFill>
+                                <a:schemeClr val="bg1"/>
+                              </a:solidFill>
+                              <a:latin typeface="Cambria Math" panose="02040503050406030204" pitchFamily="18" charset="0"/>
+                            </a:rPr>
+                            <m:t>𝑘</m:t>
+                          </m:r>
+                        </m:sub>
+                      </m:sSub>
+                    </m:oMath>
+                  </m:oMathPara>
+                </a14:m>
+                <a:endParaRPr lang="de-DE">
+                  <a:solidFill>
+                    <a:schemeClr val="bg1"/>
+                  </a:solidFill>
+                </a:endParaRPr>
+              </a:p>
+            </p:txBody>
+          </p:sp>
+        </mc:Choice>
+        <mc:Fallback>
+          <p:sp>
+            <p:nvSpPr>
+              <p:cNvPr id="3" name="Rechteck 2">
+                <a:extLst>
+                  <a:ext uri="{FF2B5EF4-FFF2-40B4-BE49-F238E27FC236}">
+                    <a16:creationId xmlns:a16="http://schemas.microsoft.com/office/drawing/2014/main" id="{E80E2245-9499-4961-8176-1EDAD256DDED}"/>
+                  </a:ext>
+                </a:extLst>
+              </p:cNvPr>
+              <p:cNvSpPr>
+                <a:spLocks noRot="1" noChangeAspect="1" noMove="1" noResize="1" noEditPoints="1" noAdjustHandles="1" noChangeArrowheads="1" noChangeShapeType="1" noTextEdit="1"/>
+              </p:cNvSpPr>
+              <p:nvPr/>
+            </p:nvSpPr>
+            <p:spPr>
+              <a:xfrm>
+                <a:off x="554992" y="3946626"/>
+                <a:ext cx="2879088" cy="918686"/>
+              </a:xfrm>
+              <a:prstGeom prst="rect">
+                <a:avLst/>
+              </a:prstGeom>
+              <a:blipFill>
+                <a:blip r:embed="rId6"/>
+                <a:stretch>
+                  <a:fillRect/>
+                </a:stretch>
+              </a:blipFill>
+              <a:ln>
+                <a:noFill/>
+              </a:ln>
+            </p:spPr>
+            <p:txBody>
+              <a:bodyPr/>
+              <a:lstStyle/>
+              <a:p>
+                <a:r>
+                  <a:rPr lang="de-DE">
+                    <a:noFill/>
+                  </a:rPr>
+                  <a:t> </a:t>
+                </a:r>
+              </a:p>
+            </p:txBody>
+          </p:sp>
+        </mc:Fallback>
+      </mc:AlternateContent>
+      <p:cxnSp>
+        <p:nvCxnSpPr>
+          <p:cNvPr id="10" name="Gerader Verbinder 9">
+            <a:extLst>
+              <a:ext uri="{FF2B5EF4-FFF2-40B4-BE49-F238E27FC236}">
+                <a16:creationId xmlns:a16="http://schemas.microsoft.com/office/drawing/2014/main" id="{510261C7-BC01-49E1-B049-800D7B088BD2}"/>
+              </a:ext>
+            </a:extLst>
+          </p:cNvPr>
+          <p:cNvCxnSpPr>
+            <a:cxnSpLocks/>
+            <a:stCxn id="14" idx="2"/>
+            <a:endCxn id="3" idx="0"/>
+          </p:cNvCxnSpPr>
+          <p:nvPr/>
+        </p:nvCxnSpPr>
+        <p:spPr>
+          <a:xfrm>
+            <a:off x="1994536" y="3383696"/>
+            <a:ext cx="0" cy="562930"/>
+          </a:xfrm>
+          <a:prstGeom prst="line">
+            <a:avLst/>
+          </a:prstGeom>
+          <a:ln>
+            <a:solidFill>
+              <a:schemeClr val="tx1"/>
+            </a:solidFill>
+            <a:headEnd w="lg" len="lg"/>
+            <a:tailEnd type="triangle" w="lg" len="lg"/>
+          </a:ln>
+        </p:spPr>
+        <p:style>
+          <a:lnRef idx="1">
+            <a:schemeClr val="accent1"/>
+          </a:lnRef>
+          <a:fillRef idx="0">
+            <a:schemeClr val="accent1"/>
+          </a:fillRef>
+          <a:effectRef idx="0">
+            <a:schemeClr val="accent1"/>
+          </a:effectRef>
+          <a:fontRef idx="minor">
+            <a:schemeClr val="tx1"/>
+          </a:fontRef>
+        </p:style>
+      </p:cxnSp>
+      <p:cxnSp>
+        <p:nvCxnSpPr>
+          <p:cNvPr id="12" name="Gerader Verbinder 11">
+            <a:extLst>
+              <a:ext uri="{FF2B5EF4-FFF2-40B4-BE49-F238E27FC236}">
+                <a16:creationId xmlns:a16="http://schemas.microsoft.com/office/drawing/2014/main" id="{A389E9C7-9DCC-462B-95F3-978B54882FAE}"/>
+              </a:ext>
+            </a:extLst>
+          </p:cNvPr>
+          <p:cNvCxnSpPr>
+            <a:cxnSpLocks/>
+            <a:stCxn id="3" idx="2"/>
+            <a:endCxn id="15" idx="0"/>
+          </p:cNvCxnSpPr>
+          <p:nvPr/>
+        </p:nvCxnSpPr>
+        <p:spPr>
+          <a:xfrm>
+            <a:off x="1994536" y="4865312"/>
+            <a:ext cx="0" cy="562930"/>
+          </a:xfrm>
+          <a:prstGeom prst="line">
+            <a:avLst/>
+          </a:prstGeom>
+          <a:ln>
+            <a:solidFill>
+              <a:schemeClr val="tx1"/>
+            </a:solidFill>
+            <a:headEnd w="lg" len="lg"/>
+            <a:tailEnd type="triangle" w="lg" len="lg"/>
+          </a:ln>
+        </p:spPr>
+        <p:style>
+          <a:lnRef idx="1">
+            <a:schemeClr val="accent1"/>
+          </a:lnRef>
+          <a:fillRef idx="0">
+            <a:schemeClr val="accent1"/>
+          </a:fillRef>
+          <a:effectRef idx="0">
+            <a:schemeClr val="accent1"/>
+          </a:effectRef>
+          <a:fontRef idx="minor">
+            <a:schemeClr val="tx1"/>
+          </a:fontRef>
+        </p:style>
+      </p:cxnSp>
+      <mc:AlternateContent xmlns:mc="http://schemas.openxmlformats.org/markup-compatibility/2006">
+        <mc:Choice xmlns:a14="http://schemas.microsoft.com/office/drawing/2010/main" Requires="a14">
+          <p:sp>
+            <p:nvSpPr>
+              <p:cNvPr id="26" name="Rechteck 25">
+                <a:extLst>
+                  <a:ext uri="{FF2B5EF4-FFF2-40B4-BE49-F238E27FC236}">
+                    <a16:creationId xmlns:a16="http://schemas.microsoft.com/office/drawing/2014/main" id="{E80F9302-E6BB-4FE8-95E9-9B0472110C39}"/>
+                  </a:ext>
+                </a:extLst>
+              </p:cNvPr>
+              <p:cNvSpPr/>
+              <p:nvPr/>
+            </p:nvSpPr>
+            <p:spPr>
+              <a:xfrm>
+                <a:off x="3721801" y="5415187"/>
+                <a:ext cx="2231356" cy="918686"/>
+              </a:xfrm>
+              <a:prstGeom prst="rect">
+                <a:avLst/>
+              </a:prstGeom>
+              <a:solidFill>
+                <a:schemeClr val="accent3">
+                  <a:lumMod val="75000"/>
+                </a:schemeClr>
+              </a:solidFill>
+              <a:ln>
+                <a:noFill/>
+              </a:ln>
+            </p:spPr>
+            <p:style>
+              <a:lnRef idx="2">
+                <a:schemeClr val="accent1">
+                  <a:shade val="50000"/>
+                </a:schemeClr>
+              </a:lnRef>
+              <a:fillRef idx="1">
+                <a:schemeClr val="accent1"/>
+              </a:fillRef>
+              <a:effectRef idx="0">
+                <a:schemeClr val="accent1"/>
+              </a:effectRef>
+              <a:fontRef idx="minor">
+                <a:schemeClr val="lt1"/>
+              </a:fontRef>
+            </p:style>
+            <p:txBody>
+              <a:bodyPr rtlCol="0" anchor="ctr"/>
+              <a:lstStyle/>
+              <a:p>
+                <a:pPr algn="ctr"/>
+                <a:r>
+                  <a:rPr lang="de-DE">
+                    <a:solidFill>
+                      <a:schemeClr val="bg1"/>
+                    </a:solidFill>
+                  </a:rPr>
+                  <a:t>observation model</a:t>
+                </a:r>
+              </a:p>
+              <a:p>
+                <a14:m>
+                  <m:oMathPara xmlns:m="http://schemas.openxmlformats.org/officeDocument/2006/math">
+                    <m:oMathParaPr>
+                      <m:jc m:val="centerGroup"/>
+                    </m:oMathParaPr>
+                    <m:oMath xmlns:m="http://schemas.openxmlformats.org/officeDocument/2006/math">
+                      <m:sSub>
+                        <m:sSubPr>
+                          <m:ctrlPr>
+                            <a:rPr lang="de-DE" i="1">
+                              <a:solidFill>
+                                <a:schemeClr val="bg1"/>
+                              </a:solidFill>
+                              <a:latin typeface="Cambria Math" panose="02040503050406030204" pitchFamily="18" charset="0"/>
+                            </a:rPr>
+                          </m:ctrlPr>
+                        </m:sSubPr>
+                        <m:e>
+                          <m:r>
+                            <a:rPr lang="de-DE" i="1">
+                              <a:solidFill>
+                                <a:schemeClr val="bg1"/>
+                              </a:solidFill>
+                              <a:latin typeface="Cambria Math" panose="02040503050406030204" pitchFamily="18" charset="0"/>
+                            </a:rPr>
+                            <m:t>𝑧</m:t>
+                          </m:r>
+                        </m:e>
+                        <m:sub>
+                          <m:r>
+                            <a:rPr lang="de-DE" i="1">
+                              <a:solidFill>
+                                <a:schemeClr val="bg1"/>
+                              </a:solidFill>
+                              <a:latin typeface="Cambria Math" panose="02040503050406030204" pitchFamily="18" charset="0"/>
+                            </a:rPr>
+                            <m:t>𝑘</m:t>
+                          </m:r>
+                        </m:sub>
+                      </m:sSub>
+                      <m:r>
+                        <a:rPr lang="de-DE" i="1">
+                          <a:solidFill>
+                            <a:schemeClr val="bg1"/>
+                          </a:solidFill>
+                          <a:latin typeface="Cambria Math" panose="02040503050406030204" pitchFamily="18" charset="0"/>
+                        </a:rPr>
+                        <m:t>=</m:t>
+                      </m:r>
+                      <m:sSub>
+                        <m:sSubPr>
+                          <m:ctrlPr>
+                            <a:rPr lang="de-DE" i="1">
+                              <a:solidFill>
+                                <a:schemeClr val="bg1"/>
+                              </a:solidFill>
+                              <a:latin typeface="Cambria Math" panose="02040503050406030204" pitchFamily="18" charset="0"/>
+                            </a:rPr>
+                          </m:ctrlPr>
+                        </m:sSubPr>
+                        <m:e>
+                          <m:r>
+                            <a:rPr lang="de-DE" i="1">
+                              <a:solidFill>
+                                <a:schemeClr val="bg1"/>
+                              </a:solidFill>
+                              <a:latin typeface="Cambria Math" panose="02040503050406030204" pitchFamily="18" charset="0"/>
+                            </a:rPr>
+                            <m:t>𝐻</m:t>
+                          </m:r>
+                        </m:e>
+                        <m:sub>
+                          <m:r>
+                            <a:rPr lang="de-DE" i="1">
+                              <a:solidFill>
+                                <a:schemeClr val="bg1"/>
+                              </a:solidFill>
+                              <a:latin typeface="Cambria Math" panose="02040503050406030204" pitchFamily="18" charset="0"/>
+                            </a:rPr>
+                            <m:t>𝑘</m:t>
+                          </m:r>
+                        </m:sub>
+                      </m:sSub>
+                      <m:sSub>
+                        <m:sSubPr>
+                          <m:ctrlPr>
+                            <a:rPr lang="de-DE" i="1">
+                              <a:solidFill>
+                                <a:schemeClr val="bg1"/>
+                              </a:solidFill>
+                              <a:latin typeface="Cambria Math" panose="02040503050406030204" pitchFamily="18" charset="0"/>
+                            </a:rPr>
+                          </m:ctrlPr>
+                        </m:sSubPr>
+                        <m:e>
+                          <m:r>
+                            <a:rPr lang="de-DE" i="1">
+                              <a:solidFill>
+                                <a:schemeClr val="bg1"/>
+                              </a:solidFill>
+                              <a:latin typeface="Cambria Math" panose="02040503050406030204" pitchFamily="18" charset="0"/>
+                            </a:rPr>
+                            <m:t>𝑥</m:t>
+                          </m:r>
+                        </m:e>
+                        <m:sub>
+                          <m:r>
+                            <a:rPr lang="de-DE" i="1">
+                              <a:solidFill>
+                                <a:schemeClr val="bg1"/>
+                              </a:solidFill>
+                              <a:latin typeface="Cambria Math" panose="02040503050406030204" pitchFamily="18" charset="0"/>
+                            </a:rPr>
+                            <m:t>𝑘</m:t>
+                          </m:r>
+                        </m:sub>
+                      </m:sSub>
+                      <m:r>
+                        <a:rPr lang="de-DE" i="1">
+                          <a:solidFill>
+                            <a:schemeClr val="bg1"/>
+                          </a:solidFill>
+                          <a:latin typeface="Cambria Math" panose="02040503050406030204" pitchFamily="18" charset="0"/>
+                        </a:rPr>
+                        <m:t>+</m:t>
+                      </m:r>
+                      <m:sSub>
+                        <m:sSubPr>
+                          <m:ctrlPr>
+                            <a:rPr lang="de-DE" i="1">
+                              <a:solidFill>
+                                <a:schemeClr val="bg1"/>
+                              </a:solidFill>
+                              <a:latin typeface="Cambria Math" panose="02040503050406030204" pitchFamily="18" charset="0"/>
+                            </a:rPr>
+                          </m:ctrlPr>
+                        </m:sSubPr>
+                        <m:e>
+                          <m:r>
+                            <a:rPr lang="de-DE" i="1">
+                              <a:solidFill>
+                                <a:schemeClr val="bg1"/>
+                              </a:solidFill>
+                              <a:latin typeface="Cambria Math" panose="02040503050406030204" pitchFamily="18" charset="0"/>
+                            </a:rPr>
+                            <m:t>𝑣</m:t>
+                          </m:r>
+                        </m:e>
+                        <m:sub>
+                          <m:r>
+                            <a:rPr lang="de-DE" i="1">
+                              <a:solidFill>
+                                <a:schemeClr val="bg1"/>
+                              </a:solidFill>
+                              <a:latin typeface="Cambria Math" panose="02040503050406030204" pitchFamily="18" charset="0"/>
+                            </a:rPr>
+                            <m:t>𝑘</m:t>
+                          </m:r>
+                        </m:sub>
+                      </m:sSub>
+                    </m:oMath>
+                  </m:oMathPara>
+                </a14:m>
+                <a:endParaRPr lang="de-DE">
+                  <a:solidFill>
+                    <a:schemeClr val="bg1"/>
+                  </a:solidFill>
+                  <a:latin typeface="Corbel" panose="020B0503020204020204" pitchFamily="34" charset="0"/>
+                </a:endParaRPr>
+              </a:p>
+            </p:txBody>
+          </p:sp>
+        </mc:Choice>
+        <mc:Fallback>
+          <p:sp>
+            <p:nvSpPr>
+              <p:cNvPr id="26" name="Rechteck 25">
+                <a:extLst>
+                  <a:ext uri="{FF2B5EF4-FFF2-40B4-BE49-F238E27FC236}">
+                    <a16:creationId xmlns:a16="http://schemas.microsoft.com/office/drawing/2014/main" id="{E80F9302-E6BB-4FE8-95E9-9B0472110C39}"/>
+                  </a:ext>
+                </a:extLst>
+              </p:cNvPr>
+              <p:cNvSpPr>
+                <a:spLocks noRot="1" noChangeAspect="1" noMove="1" noResize="1" noEditPoints="1" noAdjustHandles="1" noChangeArrowheads="1" noChangeShapeType="1" noTextEdit="1"/>
+              </p:cNvSpPr>
+              <p:nvPr/>
+            </p:nvSpPr>
+            <p:spPr>
+              <a:xfrm>
+                <a:off x="3721801" y="5415187"/>
+                <a:ext cx="2231356" cy="918686"/>
+              </a:xfrm>
+              <a:prstGeom prst="rect">
+                <a:avLst/>
+              </a:prstGeom>
+              <a:blipFill>
+                <a:blip r:embed="rId7"/>
+                <a:stretch>
+                  <a:fillRect/>
+                </a:stretch>
+              </a:blipFill>
+              <a:ln>
+                <a:noFill/>
+              </a:ln>
+            </p:spPr>
+            <p:txBody>
+              <a:bodyPr/>
+              <a:lstStyle/>
+              <a:p>
+                <a:r>
+                  <a:rPr lang="de-DE">
+                    <a:noFill/>
+                  </a:rPr>
+                  <a:t> </a:t>
+                </a:r>
+              </a:p>
+            </p:txBody>
+          </p:sp>
+        </mc:Fallback>
+      </mc:AlternateContent>
+      <p:cxnSp>
+        <p:nvCxnSpPr>
+          <p:cNvPr id="22" name="Gerader Verbinder 21">
+            <a:extLst>
+              <a:ext uri="{FF2B5EF4-FFF2-40B4-BE49-F238E27FC236}">
+                <a16:creationId xmlns:a16="http://schemas.microsoft.com/office/drawing/2014/main" id="{7C5BAD98-A193-4D48-9060-EFDD0B7317BD}"/>
+              </a:ext>
+            </a:extLst>
+          </p:cNvPr>
+          <p:cNvCxnSpPr>
+            <a:cxnSpLocks/>
+            <a:stCxn id="15" idx="3"/>
+            <a:endCxn id="26" idx="1"/>
+          </p:cNvCxnSpPr>
+          <p:nvPr/>
+        </p:nvCxnSpPr>
+        <p:spPr>
+          <a:xfrm flipV="1">
+            <a:off x="3108352" y="5874530"/>
+            <a:ext cx="613449" cy="13055"/>
+          </a:xfrm>
+          <a:prstGeom prst="line">
+            <a:avLst/>
+          </a:prstGeom>
+          <a:ln>
+            <a:solidFill>
+              <a:schemeClr val="tx1"/>
+            </a:solidFill>
+            <a:headEnd w="lg" len="lg"/>
+            <a:tailEnd type="triangle" w="lg" len="lg"/>
+          </a:ln>
+        </p:spPr>
+        <p:style>
+          <a:lnRef idx="1">
+            <a:schemeClr val="accent1"/>
+          </a:lnRef>
+          <a:fillRef idx="0">
+            <a:schemeClr val="accent1"/>
+          </a:fillRef>
+          <a:effectRef idx="0">
+            <a:schemeClr val="accent1"/>
+          </a:effectRef>
+          <a:fontRef idx="minor">
+            <a:schemeClr val="tx1"/>
+          </a:fontRef>
+        </p:style>
+      </p:cxnSp>
+      <p:sp>
+        <p:nvSpPr>
+          <p:cNvPr id="37" name="Textfeld 36">
+            <a:extLst>
+              <a:ext uri="{FF2B5EF4-FFF2-40B4-BE49-F238E27FC236}">
+                <a16:creationId xmlns:a16="http://schemas.microsoft.com/office/drawing/2014/main" id="{18962E41-8479-401C-B357-559562D40393}"/>
+              </a:ext>
+            </a:extLst>
+          </p:cNvPr>
+          <p:cNvSpPr txBox="1"/>
+          <p:nvPr/>
+        </p:nvSpPr>
+        <p:spPr>
+          <a:xfrm>
+            <a:off x="921440" y="1105871"/>
+            <a:ext cx="1495602" cy="984885"/>
+          </a:xfrm>
+          <a:prstGeom prst="rect">
+            <a:avLst/>
+          </a:prstGeom>
+          <a:noFill/>
+        </p:spPr>
+        <p:txBody>
+          <a:bodyPr wrap="none" rtlCol="0">
+            <a:spAutoFit/>
+          </a:bodyPr>
+          <a:lstStyle/>
+          <a:p>
+            <a:pPr algn="ctr"/>
+            <a:r>
+              <a:rPr lang="de-DE" sz="4000"/>
+              <a:t>reality</a:t>
+            </a:r>
+          </a:p>
+          <a:p>
+            <a:pPr algn="ctr"/>
+            <a:r>
+              <a:rPr lang="de-DE"/>
+              <a:t>(hidden)</a:t>
+            </a:r>
+          </a:p>
+        </p:txBody>
+      </p:sp>
+      <p:sp>
+        <p:nvSpPr>
+          <p:cNvPr id="39" name="Textfeld 38">
+            <a:extLst>
+              <a:ext uri="{FF2B5EF4-FFF2-40B4-BE49-F238E27FC236}">
+                <a16:creationId xmlns:a16="http://schemas.microsoft.com/office/drawing/2014/main" id="{75423E59-75BF-4295-8E44-ABF34B661813}"/>
+              </a:ext>
+            </a:extLst>
+          </p:cNvPr>
+          <p:cNvSpPr txBox="1"/>
+          <p:nvPr/>
+        </p:nvSpPr>
+        <p:spPr>
+          <a:xfrm>
+            <a:off x="6817896" y="1144137"/>
+            <a:ext cx="1176219" cy="984885"/>
+          </a:xfrm>
+          <a:prstGeom prst="rect">
+            <a:avLst/>
+          </a:prstGeom>
+          <a:noFill/>
+        </p:spPr>
+        <p:txBody>
+          <a:bodyPr wrap="none" rtlCol="0">
+            <a:spAutoFit/>
+          </a:bodyPr>
+          <a:lstStyle/>
+          <a:p>
+            <a:pPr algn="ctr"/>
+            <a:r>
+              <a:rPr lang="de-DE" sz="4000"/>
+              <a:t>filter</a:t>
+            </a:r>
+          </a:p>
+          <a:p>
+            <a:pPr algn="ctr"/>
+            <a:endParaRPr lang="de-DE"/>
+          </a:p>
+        </p:txBody>
+      </p:sp>
+      <p:cxnSp>
+        <p:nvCxnSpPr>
+          <p:cNvPr id="41" name="Gerader Verbinder 40">
+            <a:extLst>
+              <a:ext uri="{FF2B5EF4-FFF2-40B4-BE49-F238E27FC236}">
+                <a16:creationId xmlns:a16="http://schemas.microsoft.com/office/drawing/2014/main" id="{AC5F31ED-B968-4E1A-8A95-3B71658C21D7}"/>
+              </a:ext>
+            </a:extLst>
+          </p:cNvPr>
+          <p:cNvCxnSpPr>
+            <a:stCxn id="26" idx="0"/>
+            <a:endCxn id="7" idx="2"/>
+          </p:cNvCxnSpPr>
+          <p:nvPr/>
+        </p:nvCxnSpPr>
+        <p:spPr>
+          <a:xfrm flipV="1">
+            <a:off x="4837479" y="4862823"/>
+            <a:ext cx="0" cy="552364"/>
+          </a:xfrm>
+          <a:prstGeom prst="line">
+            <a:avLst/>
+          </a:prstGeom>
+          <a:ln>
+            <a:solidFill>
+              <a:schemeClr val="tx1"/>
+            </a:solidFill>
+            <a:headEnd w="lg" len="lg"/>
+            <a:tailEnd type="triangle" w="lg" len="lg"/>
+          </a:ln>
+        </p:spPr>
+        <p:style>
+          <a:lnRef idx="1">
+            <a:schemeClr val="accent1"/>
+          </a:lnRef>
+          <a:fillRef idx="0">
+            <a:schemeClr val="accent1"/>
+          </a:fillRef>
+          <a:effectRef idx="0">
+            <a:schemeClr val="accent1"/>
+          </a:effectRef>
+          <a:fontRef idx="minor">
+            <a:schemeClr val="tx1"/>
+          </a:fontRef>
+        </p:style>
+      </p:cxnSp>
+      <p:sp>
+        <p:nvSpPr>
+          <p:cNvPr id="48" name="Rechteck 47">
+            <a:extLst>
+              <a:ext uri="{FF2B5EF4-FFF2-40B4-BE49-F238E27FC236}">
+                <a16:creationId xmlns:a16="http://schemas.microsoft.com/office/drawing/2014/main" id="{08645A54-385C-4EB6-A3C9-FFA8D016C627}"/>
+              </a:ext>
+            </a:extLst>
+          </p:cNvPr>
+          <p:cNvSpPr/>
+          <p:nvPr/>
+        </p:nvSpPr>
+        <p:spPr>
+          <a:xfrm>
+            <a:off x="6277022" y="3944137"/>
+            <a:ext cx="2256791" cy="918686"/>
+          </a:xfrm>
+          <a:prstGeom prst="rect">
+            <a:avLst/>
+          </a:prstGeom>
+          <a:solidFill>
+            <a:schemeClr val="tx1"/>
+          </a:solidFill>
+          <a:ln>
+            <a:noFill/>
+          </a:ln>
+        </p:spPr>
+        <p:style>
+          <a:lnRef idx="2">
+            <a:schemeClr val="accent1">
+              <a:shade val="50000"/>
+            </a:schemeClr>
+          </a:lnRef>
+          <a:fillRef idx="1">
+            <a:schemeClr val="accent1"/>
+          </a:fillRef>
+          <a:effectRef idx="0">
+            <a:schemeClr val="accent1"/>
+          </a:effectRef>
+          <a:fontRef idx="minor">
+            <a:schemeClr val="lt1"/>
+          </a:fontRef>
+        </p:style>
+        <p:txBody>
+          <a:bodyPr rtlCol="0" anchor="ctr"/>
+          <a:lstStyle/>
+          <a:p>
+            <a:pPr algn="ctr"/>
+            <a:r>
+              <a:rPr lang="de-DE">
+                <a:solidFill>
+                  <a:schemeClr val="bg1"/>
+                </a:solidFill>
+              </a:rPr>
+              <a:t>KALMAN FILTER</a:t>
+            </a:r>
+          </a:p>
+        </p:txBody>
+      </p:sp>
+      <p:cxnSp>
+        <p:nvCxnSpPr>
+          <p:cNvPr id="52" name="Gerader Verbinder 51">
+            <a:extLst>
+              <a:ext uri="{FF2B5EF4-FFF2-40B4-BE49-F238E27FC236}">
+                <a16:creationId xmlns:a16="http://schemas.microsoft.com/office/drawing/2014/main" id="{F81E9480-FB68-4D49-9CF4-1D70F02B7292}"/>
+              </a:ext>
+            </a:extLst>
+          </p:cNvPr>
+          <p:cNvCxnSpPr>
+            <a:stCxn id="7" idx="3"/>
+            <a:endCxn id="48" idx="1"/>
+          </p:cNvCxnSpPr>
+          <p:nvPr/>
+        </p:nvCxnSpPr>
+        <p:spPr>
+          <a:xfrm>
+            <a:off x="5747434" y="4403480"/>
+            <a:ext cx="529588" cy="0"/>
+          </a:xfrm>
+          <a:prstGeom prst="line">
+            <a:avLst/>
+          </a:prstGeom>
+          <a:ln w="50800" cmpd="tri">
+            <a:solidFill>
+              <a:schemeClr val="accent2"/>
+            </a:solidFill>
+            <a:headEnd w="lg" len="lg"/>
+            <a:tailEnd type="triangle" w="lg" len="med"/>
+          </a:ln>
+        </p:spPr>
+        <p:style>
+          <a:lnRef idx="1">
+            <a:schemeClr val="accent1"/>
+          </a:lnRef>
+          <a:fillRef idx="0">
+            <a:schemeClr val="accent1"/>
+          </a:fillRef>
+          <a:effectRef idx="0">
+            <a:schemeClr val="accent1"/>
+          </a:effectRef>
+          <a:fontRef idx="minor">
+            <a:schemeClr val="tx1"/>
+          </a:fontRef>
+        </p:style>
+      </p:cxnSp>
+      <p:cxnSp>
+        <p:nvCxnSpPr>
+          <p:cNvPr id="54" name="Gerader Verbinder 53">
+            <a:extLst>
+              <a:ext uri="{FF2B5EF4-FFF2-40B4-BE49-F238E27FC236}">
+                <a16:creationId xmlns:a16="http://schemas.microsoft.com/office/drawing/2014/main" id="{90018610-9EB8-4DB5-8FBB-23C9F7FC42B2}"/>
+              </a:ext>
+            </a:extLst>
+          </p:cNvPr>
+          <p:cNvCxnSpPr>
+            <a:cxnSpLocks/>
+            <a:stCxn id="4" idx="2"/>
+            <a:endCxn id="48" idx="0"/>
+          </p:cNvCxnSpPr>
+          <p:nvPr/>
+        </p:nvCxnSpPr>
+        <p:spPr>
+          <a:xfrm flipH="1">
+            <a:off x="7405418" y="3383696"/>
+            <a:ext cx="587" cy="560441"/>
+          </a:xfrm>
+          <a:prstGeom prst="line">
+            <a:avLst/>
+          </a:prstGeom>
+          <a:ln w="50800" cmpd="tri">
+            <a:solidFill>
+              <a:schemeClr val="accent1"/>
+            </a:solidFill>
+            <a:headEnd w="lg" len="lg"/>
+            <a:tailEnd type="triangle" w="lg" len="med"/>
+          </a:ln>
+        </p:spPr>
+        <p:style>
+          <a:lnRef idx="1">
+            <a:schemeClr val="accent1"/>
+          </a:lnRef>
+          <a:fillRef idx="0">
+            <a:schemeClr val="accent1"/>
+          </a:fillRef>
+          <a:effectRef idx="0">
+            <a:schemeClr val="accent1"/>
+          </a:effectRef>
+          <a:fontRef idx="minor">
+            <a:schemeClr val="tx1"/>
+          </a:fontRef>
+        </p:style>
+      </p:cxnSp>
+      <mc:AlternateContent xmlns:mc="http://schemas.openxmlformats.org/markup-compatibility/2006">
+        <mc:Choice xmlns:a14="http://schemas.microsoft.com/office/drawing/2010/main" Requires="a14">
+          <p:sp>
+            <p:nvSpPr>
+              <p:cNvPr id="55" name="Rechteck: abgerundete Ecken 54">
+                <a:extLst>
+                  <a:ext uri="{FF2B5EF4-FFF2-40B4-BE49-F238E27FC236}">
+                    <a16:creationId xmlns:a16="http://schemas.microsoft.com/office/drawing/2014/main" id="{8FE47A00-BEF7-4923-969F-D4F267F591A4}"/>
+                  </a:ext>
+                </a:extLst>
+              </p:cNvPr>
+              <p:cNvSpPr/>
+              <p:nvPr/>
+            </p:nvSpPr>
+            <p:spPr>
+              <a:xfrm>
+                <a:off x="6117523" y="5402573"/>
+                <a:ext cx="2569276" cy="918686"/>
+              </a:xfrm>
+              <a:prstGeom prst="roundRect">
+                <a:avLst/>
+              </a:prstGeom>
+              <a:solidFill>
+                <a:schemeClr val="accent6"/>
+              </a:solidFill>
+              <a:ln>
+                <a:noFill/>
+              </a:ln>
+            </p:spPr>
+            <p:style>
+              <a:lnRef idx="2">
+                <a:schemeClr val="accent1">
+                  <a:shade val="50000"/>
+                </a:schemeClr>
+              </a:lnRef>
+              <a:fillRef idx="1">
+                <a:schemeClr val="accent1"/>
+              </a:fillRef>
+              <a:effectRef idx="0">
+                <a:schemeClr val="accent1"/>
+              </a:effectRef>
+              <a:fontRef idx="minor">
+                <a:schemeClr val="lt1"/>
+              </a:fontRef>
+            </p:style>
+            <p:txBody>
+              <a:bodyPr rtlCol="0" anchor="ctr"/>
+              <a:lstStyle/>
+              <a:p>
+                <a:pPr algn="ctr"/>
+                <a:r>
+                  <a:rPr lang="de-DE"/>
+                  <a:t>estimated present state</a:t>
+                </a:r>
+              </a:p>
+              <a:p>
+                <a:pPr algn="ctr"/>
+                <a14:m>
+                  <m:oMathPara xmlns:m="http://schemas.openxmlformats.org/officeDocument/2006/math">
+                    <m:oMathParaPr>
+                      <m:jc m:val="centerGroup"/>
+                    </m:oMathParaPr>
+                    <m:oMath xmlns:m="http://schemas.openxmlformats.org/officeDocument/2006/math">
+                      <m:sSub>
+                        <m:sSubPr>
+                          <m:ctrlPr>
+                            <a:rPr lang="de-DE" b="0" i="1" smtClean="0">
+                              <a:latin typeface="Cambria Math" panose="02040503050406030204" pitchFamily="18" charset="0"/>
+                            </a:rPr>
+                          </m:ctrlPr>
+                        </m:sSubPr>
+                        <m:e>
+                          <m:acc>
+                            <m:accPr>
+                              <m:chr m:val="̂"/>
+                              <m:ctrlPr>
+                                <a:rPr lang="de-DE" b="0" i="1" smtClean="0">
+                                  <a:latin typeface="Cambria Math" panose="02040503050406030204" pitchFamily="18" charset="0"/>
+                                </a:rPr>
+                              </m:ctrlPr>
+                            </m:accPr>
+                            <m:e>
+                              <m:r>
+                                <a:rPr lang="de-DE" b="0" i="1" smtClean="0">
+                                  <a:latin typeface="Cambria Math" panose="02040503050406030204" pitchFamily="18" charset="0"/>
+                                </a:rPr>
+                                <m:t>𝑥</m:t>
+                              </m:r>
+                            </m:e>
+                          </m:acc>
+                        </m:e>
+                        <m:sub>
+                          <m:r>
+                            <a:rPr lang="de-DE" b="0" i="1" smtClean="0">
+                              <a:latin typeface="Cambria Math" panose="02040503050406030204" pitchFamily="18" charset="0"/>
+                            </a:rPr>
+                            <m:t>𝑘</m:t>
+                          </m:r>
+                        </m:sub>
+                      </m:sSub>
+                    </m:oMath>
+                  </m:oMathPara>
+                </a14:m>
+                <a:endParaRPr lang="de-DE"/>
+              </a:p>
+            </p:txBody>
+          </p:sp>
+        </mc:Choice>
+        <mc:Fallback>
+          <p:sp>
+            <p:nvSpPr>
+              <p:cNvPr id="55" name="Rechteck: abgerundete Ecken 54">
+                <a:extLst>
+                  <a:ext uri="{FF2B5EF4-FFF2-40B4-BE49-F238E27FC236}">
+                    <a16:creationId xmlns:a16="http://schemas.microsoft.com/office/drawing/2014/main" id="{8FE47A00-BEF7-4923-969F-D4F267F591A4}"/>
+                  </a:ext>
+                </a:extLst>
+              </p:cNvPr>
+              <p:cNvSpPr>
+                <a:spLocks noRot="1" noChangeAspect="1" noMove="1" noResize="1" noEditPoints="1" noAdjustHandles="1" noChangeArrowheads="1" noChangeShapeType="1" noTextEdit="1"/>
+              </p:cNvSpPr>
+              <p:nvPr/>
+            </p:nvSpPr>
+            <p:spPr>
+              <a:xfrm>
+                <a:off x="6117523" y="5402573"/>
+                <a:ext cx="2569276" cy="918686"/>
+              </a:xfrm>
+              <a:prstGeom prst="roundRect">
+                <a:avLst/>
+              </a:prstGeom>
+              <a:blipFill>
+                <a:blip r:embed="rId8"/>
+                <a:stretch>
+                  <a:fillRect/>
+                </a:stretch>
+              </a:blipFill>
+              <a:ln>
+                <a:noFill/>
+              </a:ln>
+            </p:spPr>
+            <p:txBody>
+              <a:bodyPr/>
+              <a:lstStyle/>
+              <a:p>
+                <a:r>
+                  <a:rPr lang="de-DE">
+                    <a:noFill/>
+                  </a:rPr>
+                  <a:t> </a:t>
+                </a:r>
+              </a:p>
+            </p:txBody>
+          </p:sp>
+        </mc:Fallback>
+      </mc:AlternateContent>
+      <p:cxnSp>
+        <p:nvCxnSpPr>
+          <p:cNvPr id="65" name="Gerader Verbinder 64">
+            <a:extLst>
+              <a:ext uri="{FF2B5EF4-FFF2-40B4-BE49-F238E27FC236}">
+                <a16:creationId xmlns:a16="http://schemas.microsoft.com/office/drawing/2014/main" id="{D6F7D82E-771B-401D-B0C1-3DBE1EB98619}"/>
+              </a:ext>
+            </a:extLst>
+          </p:cNvPr>
+          <p:cNvCxnSpPr>
+            <a:stCxn id="48" idx="2"/>
+            <a:endCxn id="55" idx="0"/>
+          </p:cNvCxnSpPr>
+          <p:nvPr/>
+        </p:nvCxnSpPr>
+        <p:spPr>
+          <a:xfrm flipH="1">
+            <a:off x="7402161" y="4862823"/>
+            <a:ext cx="3257" cy="539750"/>
+          </a:xfrm>
+          <a:prstGeom prst="line">
+            <a:avLst/>
+          </a:prstGeom>
+          <a:ln w="50800" cmpd="tri">
+            <a:solidFill>
+              <a:schemeClr val="accent1"/>
+            </a:solidFill>
+            <a:headEnd w="lg" len="lg"/>
+            <a:tailEnd type="triangle" w="lg" len="med"/>
+          </a:ln>
+        </p:spPr>
+        <p:style>
+          <a:lnRef idx="1">
+            <a:schemeClr val="accent1"/>
+          </a:lnRef>
+          <a:fillRef idx="0">
+            <a:schemeClr val="accent1"/>
+          </a:fillRef>
+          <a:effectRef idx="0">
+            <a:schemeClr val="accent1"/>
+          </a:effectRef>
+          <a:fontRef idx="minor">
+            <a:schemeClr val="tx1"/>
+          </a:fontRef>
+        </p:style>
+      </p:cxnSp>
+    </p:spTree>
+    <p:extLst>
+      <p:ext uri="{BB962C8B-B14F-4D97-AF65-F5344CB8AC3E}">
+        <p14:creationId xmlns:p14="http://schemas.microsoft.com/office/powerpoint/2010/main" val="450852300"/>
       </p:ext>
     </p:extLst>
   </p:cSld>
@@ -7056,7 +11448,35 @@
       </a:bgFillStyleLst>
     </a:fmtScheme>
   </a:themeElements>
-  <a:objectDefaults/>
+  <a:objectDefaults>
+    <a:lnDef>
+      <a:spPr>
+        <a:ln>
+          <a:solidFill>
+            <a:schemeClr val="tx1"/>
+          </a:solidFill>
+          <a:headEnd w="lg" len="lg"/>
+          <a:tailEnd type="triangle" w="lg" len="lg"/>
+        </a:ln>
+      </a:spPr>
+      <a:bodyPr/>
+      <a:lstStyle/>
+      <a:style>
+        <a:lnRef idx="1">
+          <a:schemeClr val="accent1"/>
+        </a:lnRef>
+        <a:fillRef idx="0">
+          <a:schemeClr val="accent1"/>
+        </a:fillRef>
+        <a:effectRef idx="0">
+          <a:schemeClr val="accent1"/>
+        </a:effectRef>
+        <a:fontRef idx="minor">
+          <a:schemeClr val="tx1"/>
+        </a:fontRef>
+      </a:style>
+    </a:lnDef>
+  </a:objectDefaults>
   <a:extraClrSchemeLst/>
   <a:extLst>
     <a:ext uri="{05A4C25C-085E-4340-85A3-A5531E510DB2}">

--- a/vortrag/ba_seminar_presentation.pptx
+++ b/vortrag/ba_seminar_presentation.pptx
@@ -5,7 +5,7 @@
     <p:sldMasterId id="2147483648" r:id="rId1"/>
   </p:sldMasterIdLst>
   <p:notesMasterIdLst>
-    <p:notesMasterId r:id="rId18"/>
+    <p:notesMasterId r:id="rId19"/>
   </p:notesMasterIdLst>
   <p:sldIdLst>
     <p:sldId id="256" r:id="rId2"/>
@@ -15,15 +15,16 @@
     <p:sldId id="264" r:id="rId6"/>
     <p:sldId id="259" r:id="rId7"/>
     <p:sldId id="267" r:id="rId8"/>
-    <p:sldId id="268" r:id="rId9"/>
-    <p:sldId id="262" r:id="rId10"/>
-    <p:sldId id="260" r:id="rId11"/>
-    <p:sldId id="266" r:id="rId12"/>
-    <p:sldId id="269" r:id="rId13"/>
-    <p:sldId id="272" r:id="rId14"/>
-    <p:sldId id="270" r:id="rId15"/>
-    <p:sldId id="265" r:id="rId16"/>
-    <p:sldId id="273" r:id="rId17"/>
+    <p:sldId id="274" r:id="rId9"/>
+    <p:sldId id="268" r:id="rId10"/>
+    <p:sldId id="262" r:id="rId11"/>
+    <p:sldId id="260" r:id="rId12"/>
+    <p:sldId id="266" r:id="rId13"/>
+    <p:sldId id="269" r:id="rId14"/>
+    <p:sldId id="272" r:id="rId15"/>
+    <p:sldId id="270" r:id="rId16"/>
+    <p:sldId id="265" r:id="rId17"/>
+    <p:sldId id="273" r:id="rId18"/>
   </p:sldIdLst>
   <p:sldSz cx="9144000" cy="6858000" type="screen4x3"/>
   <p:notesSz cx="6858000" cy="9144000"/>
@@ -628,7 +629,7 @@
           <a:p>
             <a:fld id="{416FB7CF-276F-45FE-92E9-289D7174B126}" type="slidenum">
               <a:rPr lang="de-DE" smtClean="0"/>
-              <a:t>9</a:t>
+              <a:t>10</a:t>
             </a:fld>
             <a:endParaRPr lang="de-DE"/>
           </a:p>
@@ -755,7 +756,7 @@
           <a:p>
             <a:fld id="{416FB7CF-276F-45FE-92E9-289D7174B126}" type="slidenum">
               <a:rPr lang="de-DE" smtClean="0"/>
-              <a:t>12</a:t>
+              <a:t>13</a:t>
             </a:fld>
             <a:endParaRPr lang="de-DE"/>
           </a:p>
@@ -882,7 +883,7 @@
           <a:p>
             <a:fld id="{416FB7CF-276F-45FE-92E9-289D7174B126}" type="slidenum">
               <a:rPr lang="de-DE" smtClean="0"/>
-              <a:t>13</a:t>
+              <a:t>14</a:t>
             </a:fld>
             <a:endParaRPr lang="de-DE"/>
           </a:p>
@@ -1009,7 +1010,7 @@
           <a:p>
             <a:fld id="{416FB7CF-276F-45FE-92E9-289D7174B126}" type="slidenum">
               <a:rPr lang="de-DE" smtClean="0"/>
-              <a:t>14</a:t>
+              <a:t>15</a:t>
             </a:fld>
             <a:endParaRPr lang="de-DE"/>
           </a:p>
@@ -4379,6 +4380,716 @@
         </p:spPr>
         <p:txBody>
           <a:bodyPr>
+            <a:normAutofit/>
+          </a:bodyPr>
+          <a:lstStyle/>
+          <a:p>
+            <a:pPr algn="ctr"/>
+            <a:r>
+              <a:rPr lang="de-DE" sz="5400"/>
+              <a:t>Kalman Filter: World Model</a:t>
+            </a:r>
+          </a:p>
+        </p:txBody>
+      </p:sp>
+      <mc:AlternateContent xmlns:mc="http://schemas.openxmlformats.org/markup-compatibility/2006" xmlns:a14="http://schemas.microsoft.com/office/drawing/2010/main">
+        <mc:Choice Requires="a14">
+          <p:sp>
+            <p:nvSpPr>
+              <p:cNvPr id="3" name="Inhaltsplatzhalter 2">
+                <a:extLst>
+                  <a:ext uri="{FF2B5EF4-FFF2-40B4-BE49-F238E27FC236}">
+                    <a16:creationId xmlns:a16="http://schemas.microsoft.com/office/drawing/2014/main" id="{9962D4C6-1989-457F-A5DB-9CC2C96CDAE3}"/>
+                  </a:ext>
+                </a:extLst>
+              </p:cNvPr>
+              <p:cNvSpPr>
+                <a:spLocks noGrp="1"/>
+              </p:cNvSpPr>
+              <p:nvPr>
+                <p:ph idx="1"/>
+              </p:nvPr>
+            </p:nvSpPr>
+            <p:spPr/>
+            <p:txBody>
+              <a:bodyPr>
+                <a:normAutofit/>
+              </a:bodyPr>
+              <a:lstStyle/>
+              <a:p>
+                <a:pPr marL="0" indent="0">
+                  <a:buNone/>
+                </a:pPr>
+                <a:r>
+                  <a:rPr lang="de-DE" sz="2800">
+                    <a:latin typeface="Corbel" panose="020B0503020204020204" pitchFamily="34" charset="0"/>
+                  </a:rPr>
+                  <a:t>the kalman-filter assumes the following state progression (based on former state </a:t>
+                </a:r>
+                <a14:m>
+                  <m:oMath xmlns:m="http://schemas.openxmlformats.org/officeDocument/2006/math">
+                    <m:sSub>
+                      <m:sSubPr>
+                        <m:ctrlPr>
+                          <a:rPr lang="de-DE" sz="2800" b="0" i="1" smtClean="0">
+                            <a:latin typeface="Cambria Math" panose="02040503050406030204" pitchFamily="18" charset="0"/>
+                          </a:rPr>
+                        </m:ctrlPr>
+                      </m:sSubPr>
+                      <m:e>
+                        <m:r>
+                          <a:rPr lang="de-DE" sz="2800" b="0" i="1" smtClean="0">
+                            <a:latin typeface="Cambria Math" panose="02040503050406030204" pitchFamily="18" charset="0"/>
+                          </a:rPr>
+                          <m:t>𝑥</m:t>
+                        </m:r>
+                      </m:e>
+                      <m:sub>
+                        <m:r>
+                          <a:rPr lang="de-DE" sz="2800" b="0" i="1" smtClean="0">
+                            <a:latin typeface="Cambria Math" panose="02040503050406030204" pitchFamily="18" charset="0"/>
+                          </a:rPr>
+                          <m:t>𝑘</m:t>
+                        </m:r>
+                        <m:r>
+                          <a:rPr lang="de-DE" sz="2800" b="0" i="1" smtClean="0">
+                            <a:latin typeface="Cambria Math" panose="02040503050406030204" pitchFamily="18" charset="0"/>
+                          </a:rPr>
+                          <m:t>−1</m:t>
+                        </m:r>
+                      </m:sub>
+                    </m:sSub>
+                  </m:oMath>
+                </a14:m>
+                <a:r>
+                  <a:rPr lang="de-DE" sz="2800">
+                    <a:latin typeface="Corbel" panose="020B0503020204020204" pitchFamily="34" charset="0"/>
+                  </a:rPr>
+                  <a:t>):</a:t>
+                </a:r>
+              </a:p>
+              <a:p>
+                <a:pPr marL="0" indent="0">
+                  <a:buNone/>
+                </a:pPr>
+                <a:endParaRPr lang="de-DE" sz="2800">
+                  <a:latin typeface="Corbel" panose="020B0503020204020204" pitchFamily="34" charset="0"/>
+                </a:endParaRPr>
+              </a:p>
+              <a:p>
+                <a:pPr marL="0" indent="0">
+                  <a:buNone/>
+                </a:pPr>
+                <a14:m>
+                  <m:oMathPara xmlns:m="http://schemas.openxmlformats.org/officeDocument/2006/math">
+                    <m:oMathParaPr>
+                      <m:jc m:val="centerGroup"/>
+                    </m:oMathParaPr>
+                    <m:oMath xmlns:m="http://schemas.openxmlformats.org/officeDocument/2006/math">
+                      <m:sSub>
+                        <m:sSubPr>
+                          <m:ctrlPr>
+                            <a:rPr lang="de-DE" sz="3200" b="0" i="1" smtClean="0">
+                              <a:latin typeface="Cambria Math" panose="02040503050406030204" pitchFamily="18" charset="0"/>
+                            </a:rPr>
+                          </m:ctrlPr>
+                        </m:sSubPr>
+                        <m:e>
+                          <m:r>
+                            <a:rPr lang="de-DE" sz="3200" b="0" i="1" smtClean="0">
+                              <a:latin typeface="Cambria Math" panose="02040503050406030204" pitchFamily="18" charset="0"/>
+                            </a:rPr>
+                            <m:t>𝑥</m:t>
+                          </m:r>
+                        </m:e>
+                        <m:sub>
+                          <m:r>
+                            <a:rPr lang="de-DE" sz="3200" b="0" i="1" smtClean="0">
+                              <a:latin typeface="Cambria Math" panose="02040503050406030204" pitchFamily="18" charset="0"/>
+                            </a:rPr>
+                            <m:t>𝑘</m:t>
+                          </m:r>
+                        </m:sub>
+                      </m:sSub>
+                      <m:r>
+                        <a:rPr lang="de-DE" sz="3200" b="0" i="1" smtClean="0">
+                          <a:latin typeface="Cambria Math" panose="02040503050406030204" pitchFamily="18" charset="0"/>
+                        </a:rPr>
+                        <m:t>=</m:t>
+                      </m:r>
+                      <m:sSub>
+                        <m:sSubPr>
+                          <m:ctrlPr>
+                            <a:rPr lang="de-DE" sz="3200" b="0" i="1" smtClean="0">
+                              <a:latin typeface="Cambria Math" panose="02040503050406030204" pitchFamily="18" charset="0"/>
+                            </a:rPr>
+                          </m:ctrlPr>
+                        </m:sSubPr>
+                        <m:e>
+                          <m:r>
+                            <a:rPr lang="de-DE" sz="3200" b="0" i="1" smtClean="0">
+                              <a:latin typeface="Cambria Math" panose="02040503050406030204" pitchFamily="18" charset="0"/>
+                            </a:rPr>
+                            <m:t>𝐹</m:t>
+                          </m:r>
+                        </m:e>
+                        <m:sub>
+                          <m:r>
+                            <a:rPr lang="de-DE" sz="3200" b="0" i="1" smtClean="0">
+                              <a:latin typeface="Cambria Math" panose="02040503050406030204" pitchFamily="18" charset="0"/>
+                            </a:rPr>
+                            <m:t>𝑘</m:t>
+                          </m:r>
+                        </m:sub>
+                      </m:sSub>
+                      <m:sSub>
+                        <m:sSubPr>
+                          <m:ctrlPr>
+                            <a:rPr lang="de-DE" sz="3200" b="0" i="1" smtClean="0">
+                              <a:latin typeface="Cambria Math" panose="02040503050406030204" pitchFamily="18" charset="0"/>
+                            </a:rPr>
+                          </m:ctrlPr>
+                        </m:sSubPr>
+                        <m:e>
+                          <m:r>
+                            <a:rPr lang="de-DE" sz="3200" b="0" i="1" smtClean="0">
+                              <a:latin typeface="Cambria Math" panose="02040503050406030204" pitchFamily="18" charset="0"/>
+                            </a:rPr>
+                            <m:t>𝑥</m:t>
+                          </m:r>
+                        </m:e>
+                        <m:sub>
+                          <m:r>
+                            <a:rPr lang="de-DE" sz="3200" b="0" i="1" smtClean="0">
+                              <a:latin typeface="Cambria Math" panose="02040503050406030204" pitchFamily="18" charset="0"/>
+                            </a:rPr>
+                            <m:t>𝑘</m:t>
+                          </m:r>
+                          <m:r>
+                            <a:rPr lang="de-DE" sz="3200" b="0" i="1" smtClean="0">
+                              <a:latin typeface="Cambria Math" panose="02040503050406030204" pitchFamily="18" charset="0"/>
+                            </a:rPr>
+                            <m:t>−1</m:t>
+                          </m:r>
+                        </m:sub>
+                      </m:sSub>
+                      <m:r>
+                        <a:rPr lang="de-DE" sz="3200" b="0" i="1" smtClean="0">
+                          <a:latin typeface="Cambria Math" panose="02040503050406030204" pitchFamily="18" charset="0"/>
+                        </a:rPr>
+                        <m:t>+</m:t>
+                      </m:r>
+                      <m:sSub>
+                        <m:sSubPr>
+                          <m:ctrlPr>
+                            <a:rPr lang="de-DE" sz="3200" b="0" i="1" smtClean="0">
+                              <a:latin typeface="Cambria Math" panose="02040503050406030204" pitchFamily="18" charset="0"/>
+                            </a:rPr>
+                          </m:ctrlPr>
+                        </m:sSubPr>
+                        <m:e>
+                          <m:r>
+                            <a:rPr lang="de-DE" sz="3200" b="0" i="1" smtClean="0">
+                              <a:latin typeface="Cambria Math" panose="02040503050406030204" pitchFamily="18" charset="0"/>
+                            </a:rPr>
+                            <m:t>𝐵</m:t>
+                          </m:r>
+                        </m:e>
+                        <m:sub>
+                          <m:r>
+                            <a:rPr lang="de-DE" sz="3200" b="0" i="1" smtClean="0">
+                              <a:latin typeface="Cambria Math" panose="02040503050406030204" pitchFamily="18" charset="0"/>
+                            </a:rPr>
+                            <m:t>𝑘</m:t>
+                          </m:r>
+                        </m:sub>
+                      </m:sSub>
+                      <m:sSub>
+                        <m:sSubPr>
+                          <m:ctrlPr>
+                            <a:rPr lang="de-DE" sz="3200" b="0" i="1" smtClean="0">
+                              <a:latin typeface="Cambria Math" panose="02040503050406030204" pitchFamily="18" charset="0"/>
+                            </a:rPr>
+                          </m:ctrlPr>
+                        </m:sSubPr>
+                        <m:e>
+                          <m:r>
+                            <a:rPr lang="de-DE" sz="3200" b="0" i="1" smtClean="0">
+                              <a:latin typeface="Cambria Math" panose="02040503050406030204" pitchFamily="18" charset="0"/>
+                            </a:rPr>
+                            <m:t>𝑢</m:t>
+                          </m:r>
+                        </m:e>
+                        <m:sub>
+                          <m:r>
+                            <a:rPr lang="de-DE" sz="3200" b="0" i="1" smtClean="0">
+                              <a:latin typeface="Cambria Math" panose="02040503050406030204" pitchFamily="18" charset="0"/>
+                            </a:rPr>
+                            <m:t>𝑘</m:t>
+                          </m:r>
+                        </m:sub>
+                      </m:sSub>
+                      <m:r>
+                        <a:rPr lang="de-DE" sz="3200" b="0" i="1" smtClean="0">
+                          <a:latin typeface="Cambria Math" panose="02040503050406030204" pitchFamily="18" charset="0"/>
+                        </a:rPr>
+                        <m:t>+</m:t>
+                      </m:r>
+                      <m:sSub>
+                        <m:sSubPr>
+                          <m:ctrlPr>
+                            <a:rPr lang="de-DE" sz="3200" b="0" i="1" smtClean="0">
+                              <a:latin typeface="Cambria Math" panose="02040503050406030204" pitchFamily="18" charset="0"/>
+                            </a:rPr>
+                          </m:ctrlPr>
+                        </m:sSubPr>
+                        <m:e>
+                          <m:r>
+                            <a:rPr lang="de-DE" sz="3200" b="0" i="1" smtClean="0">
+                              <a:latin typeface="Cambria Math" panose="02040503050406030204" pitchFamily="18" charset="0"/>
+                            </a:rPr>
+                            <m:t>𝑤</m:t>
+                          </m:r>
+                        </m:e>
+                        <m:sub>
+                          <m:r>
+                            <a:rPr lang="de-DE" sz="3200" b="0" i="1" smtClean="0">
+                              <a:latin typeface="Cambria Math" panose="02040503050406030204" pitchFamily="18" charset="0"/>
+                            </a:rPr>
+                            <m:t>𝑘</m:t>
+                          </m:r>
+                        </m:sub>
+                      </m:sSub>
+                    </m:oMath>
+                  </m:oMathPara>
+                </a14:m>
+                <a:endParaRPr lang="de-DE" sz="2800" b="0">
+                  <a:latin typeface="Corbel" panose="020B0503020204020204" pitchFamily="34" charset="0"/>
+                </a:endParaRPr>
+              </a:p>
+              <a:p>
+                <a:pPr marL="0" indent="0">
+                  <a:buNone/>
+                </a:pPr>
+                <a:endParaRPr lang="de-DE" sz="2800" b="0">
+                  <a:latin typeface="Corbel" panose="020B0503020204020204" pitchFamily="34" charset="0"/>
+                </a:endParaRPr>
+              </a:p>
+              <a:p>
+                <a:pPr>
+                  <a:buFontTx/>
+                  <a:buChar char="-"/>
+                </a:pPr>
+                <a14:m>
+                  <m:oMath xmlns:m="http://schemas.openxmlformats.org/officeDocument/2006/math">
+                    <m:sSub>
+                      <m:sSubPr>
+                        <m:ctrlPr>
+                          <a:rPr lang="de-DE" sz="2800" b="0" i="1" smtClean="0">
+                            <a:latin typeface="Cambria Math" panose="02040503050406030204" pitchFamily="18" charset="0"/>
+                          </a:rPr>
+                        </m:ctrlPr>
+                      </m:sSubPr>
+                      <m:e>
+                        <m:r>
+                          <a:rPr lang="de-DE" sz="2800" b="0" i="1" smtClean="0">
+                            <a:latin typeface="Cambria Math" panose="02040503050406030204" pitchFamily="18" charset="0"/>
+                          </a:rPr>
+                          <m:t>𝐹</m:t>
+                        </m:r>
+                      </m:e>
+                      <m:sub>
+                        <m:r>
+                          <a:rPr lang="de-DE" sz="2800" b="0" i="1" smtClean="0">
+                            <a:latin typeface="Cambria Math" panose="02040503050406030204" pitchFamily="18" charset="0"/>
+                          </a:rPr>
+                          <m:t>𝑘</m:t>
+                        </m:r>
+                      </m:sub>
+                    </m:sSub>
+                  </m:oMath>
+                </a14:m>
+                <a:r>
+                  <a:rPr lang="de-DE" sz="2800">
+                    <a:latin typeface="Corbel" panose="020B0503020204020204" pitchFamily="34" charset="0"/>
+                  </a:rPr>
+                  <a:t> : state-transition model  </a:t>
+                </a:r>
+                <a:r>
+                  <a:rPr lang="de-DE" sz="2400">
+                    <a:solidFill>
+                      <a:schemeClr val="accent3"/>
+                    </a:solidFill>
+                    <a:latin typeface="Corbel" panose="020B0503020204020204" pitchFamily="34" charset="0"/>
+                  </a:rPr>
+                  <a:t>(e.g. classical mechanics)</a:t>
+                </a:r>
+              </a:p>
+              <a:p>
+                <a:pPr>
+                  <a:buFontTx/>
+                  <a:buChar char="-"/>
+                </a:pPr>
+                <a14:m>
+                  <m:oMath xmlns:m="http://schemas.openxmlformats.org/officeDocument/2006/math">
+                    <m:sSub>
+                      <m:sSubPr>
+                        <m:ctrlPr>
+                          <a:rPr lang="de-DE" sz="2800" b="0" i="1" smtClean="0">
+                            <a:latin typeface="Cambria Math" panose="02040503050406030204" pitchFamily="18" charset="0"/>
+                          </a:rPr>
+                        </m:ctrlPr>
+                      </m:sSubPr>
+                      <m:e>
+                        <m:r>
+                          <a:rPr lang="de-DE" sz="2800" b="0" i="1" smtClean="0">
+                            <a:latin typeface="Cambria Math" panose="02040503050406030204" pitchFamily="18" charset="0"/>
+                          </a:rPr>
+                          <m:t>𝐵</m:t>
+                        </m:r>
+                      </m:e>
+                      <m:sub>
+                        <m:r>
+                          <a:rPr lang="de-DE" sz="2800" b="0" i="1" smtClean="0">
+                            <a:latin typeface="Cambria Math" panose="02040503050406030204" pitchFamily="18" charset="0"/>
+                          </a:rPr>
+                          <m:t>𝑘</m:t>
+                        </m:r>
+                      </m:sub>
+                    </m:sSub>
+                  </m:oMath>
+                </a14:m>
+                <a:r>
+                  <a:rPr lang="de-DE" sz="2800">
+                    <a:latin typeface="Corbel" panose="020B0503020204020204" pitchFamily="34" charset="0"/>
+                  </a:rPr>
+                  <a:t> : control-input model  </a:t>
+                </a:r>
+                <a:r>
+                  <a:rPr lang="de-DE" sz="2400">
+                    <a:solidFill>
+                      <a:schemeClr val="accent3"/>
+                    </a:solidFill>
+                    <a:latin typeface="Corbel" panose="020B0503020204020204" pitchFamily="34" charset="0"/>
+                  </a:rPr>
+                  <a:t>(e.g. motor affects position)</a:t>
+                </a:r>
+              </a:p>
+              <a:p>
+                <a:pPr>
+                  <a:buFontTx/>
+                  <a:buChar char="-"/>
+                </a:pPr>
+                <a14:m>
+                  <m:oMath xmlns:m="http://schemas.openxmlformats.org/officeDocument/2006/math">
+                    <m:sSub>
+                      <m:sSubPr>
+                        <m:ctrlPr>
+                          <a:rPr lang="de-DE" sz="2800" b="0" i="1" smtClean="0">
+                            <a:latin typeface="Cambria Math" panose="02040503050406030204" pitchFamily="18" charset="0"/>
+                          </a:rPr>
+                        </m:ctrlPr>
+                      </m:sSubPr>
+                      <m:e>
+                        <m:r>
+                          <a:rPr lang="de-DE" sz="2800" b="0" i="1" smtClean="0">
+                            <a:latin typeface="Cambria Math" panose="02040503050406030204" pitchFamily="18" charset="0"/>
+                          </a:rPr>
+                          <m:t>𝑢</m:t>
+                        </m:r>
+                      </m:e>
+                      <m:sub>
+                        <m:r>
+                          <a:rPr lang="de-DE" sz="2800" b="0" i="1" smtClean="0">
+                            <a:latin typeface="Cambria Math" panose="02040503050406030204" pitchFamily="18" charset="0"/>
+                          </a:rPr>
+                          <m:t>𝑘</m:t>
+                        </m:r>
+                      </m:sub>
+                    </m:sSub>
+                  </m:oMath>
+                </a14:m>
+                <a:r>
+                  <a:rPr lang="de-DE" sz="2800">
+                    <a:latin typeface="Corbel" panose="020B0503020204020204" pitchFamily="34" charset="0"/>
+                  </a:rPr>
+                  <a:t> : control vector  </a:t>
+                </a:r>
+                <a:r>
+                  <a:rPr lang="de-DE" sz="2400">
+                    <a:solidFill>
+                      <a:schemeClr val="accent3"/>
+                    </a:solidFill>
+                    <a:latin typeface="Corbel" panose="020B0503020204020204" pitchFamily="34" charset="0"/>
+                  </a:rPr>
+                  <a:t>(e.g. how much the motor is driven)</a:t>
+                </a:r>
+              </a:p>
+              <a:p>
+                <a:pPr>
+                  <a:buFontTx/>
+                  <a:buChar char="-"/>
+                </a:pPr>
+                <a14:m>
+                  <m:oMath xmlns:m="http://schemas.openxmlformats.org/officeDocument/2006/math">
+                    <m:sSub>
+                      <m:sSubPr>
+                        <m:ctrlPr>
+                          <a:rPr lang="de-DE" sz="2800" i="1">
+                            <a:solidFill>
+                              <a:prstClr val="black"/>
+                            </a:solidFill>
+                            <a:latin typeface="Cambria Math" panose="02040503050406030204" pitchFamily="18" charset="0"/>
+                          </a:rPr>
+                        </m:ctrlPr>
+                      </m:sSubPr>
+                      <m:e>
+                        <m:r>
+                          <a:rPr lang="de-DE" sz="2800" b="0" i="1" smtClean="0">
+                            <a:solidFill>
+                              <a:prstClr val="black"/>
+                            </a:solidFill>
+                            <a:latin typeface="Cambria Math" panose="02040503050406030204" pitchFamily="18" charset="0"/>
+                          </a:rPr>
+                          <m:t>𝑤</m:t>
+                        </m:r>
+                      </m:e>
+                      <m:sub>
+                        <m:r>
+                          <a:rPr lang="de-DE" sz="2800" i="1">
+                            <a:solidFill>
+                              <a:prstClr val="black"/>
+                            </a:solidFill>
+                            <a:latin typeface="Cambria Math" panose="02040503050406030204" pitchFamily="18" charset="0"/>
+                          </a:rPr>
+                          <m:t>𝑘</m:t>
+                        </m:r>
+                      </m:sub>
+                    </m:sSub>
+                  </m:oMath>
+                </a14:m>
+                <a:r>
+                  <a:rPr lang="de-DE" sz="2800">
+                    <a:solidFill>
+                      <a:prstClr val="black"/>
+                    </a:solidFill>
+                    <a:latin typeface="Corbel" panose="020B0503020204020204" pitchFamily="34" charset="0"/>
+                  </a:rPr>
+                  <a:t> : process noise – with covariance </a:t>
+                </a:r>
+                <a14:m>
+                  <m:oMath xmlns:m="http://schemas.openxmlformats.org/officeDocument/2006/math">
+                    <m:sSub>
+                      <m:sSubPr>
+                        <m:ctrlPr>
+                          <a:rPr lang="de-DE" sz="2800" b="0" i="1" smtClean="0">
+                            <a:solidFill>
+                              <a:prstClr val="black"/>
+                            </a:solidFill>
+                            <a:latin typeface="Cambria Math" panose="02040503050406030204" pitchFamily="18" charset="0"/>
+                          </a:rPr>
+                        </m:ctrlPr>
+                      </m:sSubPr>
+                      <m:e>
+                        <m:r>
+                          <a:rPr lang="de-DE" sz="2800" b="0" i="1" smtClean="0">
+                            <a:solidFill>
+                              <a:prstClr val="black"/>
+                            </a:solidFill>
+                            <a:latin typeface="Cambria Math" panose="02040503050406030204" pitchFamily="18" charset="0"/>
+                          </a:rPr>
+                          <m:t>𝑄</m:t>
+                        </m:r>
+                      </m:e>
+                      <m:sub>
+                        <m:r>
+                          <a:rPr lang="de-DE" sz="2800" b="0" i="1" smtClean="0">
+                            <a:solidFill>
+                              <a:prstClr val="black"/>
+                            </a:solidFill>
+                            <a:latin typeface="Cambria Math" panose="02040503050406030204" pitchFamily="18" charset="0"/>
+                          </a:rPr>
+                          <m:t>𝑘</m:t>
+                        </m:r>
+                      </m:sub>
+                    </m:sSub>
+                  </m:oMath>
+                </a14:m>
+                <a:endParaRPr lang="de-DE" sz="2400">
+                  <a:latin typeface="Corbel" panose="020B0503020204020204" pitchFamily="34" charset="0"/>
+                </a:endParaRPr>
+              </a:p>
+              <a:p>
+                <a:pPr>
+                  <a:buFontTx/>
+                  <a:buChar char="-"/>
+                </a:pPr>
+                <a:endParaRPr lang="de-DE" sz="2800">
+                  <a:latin typeface="Corbel" panose="020B0503020204020204" pitchFamily="34" charset="0"/>
+                </a:endParaRPr>
+              </a:p>
+            </p:txBody>
+          </p:sp>
+        </mc:Choice>
+        <mc:Fallback xmlns="">
+          <p:sp>
+            <p:nvSpPr>
+              <p:cNvPr id="3" name="Inhaltsplatzhalter 2">
+                <a:extLst>
+                  <a:ext uri="{FF2B5EF4-FFF2-40B4-BE49-F238E27FC236}">
+                    <a16:creationId xmlns:a16="http://schemas.microsoft.com/office/drawing/2014/main" id="{9962D4C6-1989-457F-A5DB-9CC2C96CDAE3}"/>
+                  </a:ext>
+                </a:extLst>
+              </p:cNvPr>
+              <p:cNvSpPr>
+                <a:spLocks noGrp="1" noRot="1" noChangeAspect="1" noMove="1" noResize="1" noEditPoints="1" noAdjustHandles="1" noChangeArrowheads="1" noChangeShapeType="1" noTextEdit="1"/>
+              </p:cNvSpPr>
+              <p:nvPr>
+                <p:ph idx="1"/>
+              </p:nvPr>
+            </p:nvSpPr>
+            <p:spPr>
+              <a:blipFill>
+                <a:blip r:embed="rId3"/>
+                <a:stretch>
+                  <a:fillRect l="-1546" t="-2241" b="-840"/>
+                </a:stretch>
+              </a:blipFill>
+            </p:spPr>
+            <p:txBody>
+              <a:bodyPr/>
+              <a:lstStyle/>
+              <a:p>
+                <a:r>
+                  <a:rPr lang="de-DE">
+                    <a:noFill/>
+                  </a:rPr>
+                  <a:t> </a:t>
+                </a:r>
+              </a:p>
+            </p:txBody>
+          </p:sp>
+        </mc:Fallback>
+      </mc:AlternateContent>
+      <p:cxnSp>
+        <p:nvCxnSpPr>
+          <p:cNvPr id="5" name="Gerader Verbinder 4">
+            <a:extLst>
+              <a:ext uri="{FF2B5EF4-FFF2-40B4-BE49-F238E27FC236}">
+                <a16:creationId xmlns:a16="http://schemas.microsoft.com/office/drawing/2014/main" id="{1892A047-1063-4568-A9A5-DA40684BA449}"/>
+              </a:ext>
+            </a:extLst>
+          </p:cNvPr>
+          <p:cNvCxnSpPr/>
+          <p:nvPr/>
+        </p:nvCxnSpPr>
+        <p:spPr>
+          <a:xfrm>
+            <a:off x="0" y="1065231"/>
+            <a:ext cx="9144000" cy="0"/>
+          </a:xfrm>
+          <a:prstGeom prst="line">
+            <a:avLst/>
+          </a:prstGeom>
+        </p:spPr>
+        <p:style>
+          <a:lnRef idx="1">
+            <a:schemeClr val="accent1"/>
+          </a:lnRef>
+          <a:fillRef idx="0">
+            <a:schemeClr val="accent1"/>
+          </a:fillRef>
+          <a:effectRef idx="0">
+            <a:schemeClr val="accent1"/>
+          </a:effectRef>
+          <a:fontRef idx="minor">
+            <a:schemeClr val="tx1"/>
+          </a:fontRef>
+        </p:style>
+      </p:cxnSp>
+      <p:sp>
+        <p:nvSpPr>
+          <p:cNvPr id="6" name="Foliennummernplatzhalter 5">
+            <a:extLst>
+              <a:ext uri="{FF2B5EF4-FFF2-40B4-BE49-F238E27FC236}">
+                <a16:creationId xmlns:a16="http://schemas.microsoft.com/office/drawing/2014/main" id="{5140CF2F-6F7F-44F0-8F3E-6C2234A57167}"/>
+              </a:ext>
+            </a:extLst>
+          </p:cNvPr>
+          <p:cNvSpPr>
+            <a:spLocks noGrp="1"/>
+          </p:cNvSpPr>
+          <p:nvPr>
+            <p:ph type="sldNum" sz="quarter" idx="12"/>
+          </p:nvPr>
+        </p:nvSpPr>
+        <p:spPr/>
+        <p:txBody>
+          <a:bodyPr/>
+          <a:lstStyle/>
+          <a:p>
+            <a:fld id="{0696A970-E1A0-4FA3-8434-947DF6AD858B}" type="slidenum">
+              <a:rPr lang="de-DE" smtClean="0"/>
+              <a:t>10</a:t>
+            </a:fld>
+            <a:endParaRPr lang="de-DE"/>
+          </a:p>
+        </p:txBody>
+      </p:sp>
+    </p:spTree>
+    <p:extLst>
+      <p:ext uri="{BB962C8B-B14F-4D97-AF65-F5344CB8AC3E}">
+        <p14:creationId xmlns:p14="http://schemas.microsoft.com/office/powerpoint/2010/main" val="942563095"/>
+      </p:ext>
+    </p:extLst>
+  </p:cSld>
+  <p:clrMapOvr>
+    <a:masterClrMapping/>
+  </p:clrMapOvr>
+</p:sld>
+</file>
+
+<file path=ppt/slides/slide11.xml><?xml version="1.0" encoding="utf-8"?>
+<p:sld xmlns:a="http://schemas.openxmlformats.org/drawingml/2006/main" xmlns:r="http://schemas.openxmlformats.org/officeDocument/2006/relationships" xmlns:p="http://schemas.openxmlformats.org/presentationml/2006/main">
+  <p:cSld>
+    <p:spTree>
+      <p:nvGrpSpPr>
+        <p:cNvPr id="1" name=""/>
+        <p:cNvGrpSpPr/>
+        <p:nvPr/>
+      </p:nvGrpSpPr>
+      <p:grpSpPr>
+        <a:xfrm>
+          <a:off x="0" y="0"/>
+          <a:ext cx="0" cy="0"/>
+          <a:chOff x="0" y="0"/>
+          <a:chExt cx="0" cy="0"/>
+        </a:xfrm>
+      </p:grpSpPr>
+      <p:sp>
+        <p:nvSpPr>
+          <p:cNvPr id="2" name="Titel 1">
+            <a:extLst>
+              <a:ext uri="{FF2B5EF4-FFF2-40B4-BE49-F238E27FC236}">
+                <a16:creationId xmlns:a16="http://schemas.microsoft.com/office/drawing/2014/main" id="{05F9BAA4-7E2C-49B0-A8A8-D436EB0C28B8}"/>
+              </a:ext>
+            </a:extLst>
+          </p:cNvPr>
+          <p:cNvSpPr>
+            <a:spLocks noGrp="1"/>
+          </p:cNvSpPr>
+          <p:nvPr>
+            <p:ph type="title"/>
+          </p:nvPr>
+        </p:nvSpPr>
+        <p:spPr>
+          <a:xfrm>
+            <a:off x="0" y="18255"/>
+            <a:ext cx="9144000" cy="1056401"/>
+          </a:xfrm>
+        </p:spPr>
+        <p:txBody>
+          <a:bodyPr>
             <a:normAutofit fontScale="90000"/>
           </a:bodyPr>
           <a:lstStyle/>
@@ -4866,7 +5577,7 @@
           <a:p>
             <a:fld id="{0696A970-E1A0-4FA3-8434-947DF6AD858B}" type="slidenum">
               <a:rPr lang="de-DE" smtClean="0"/>
-              <a:t>10</a:t>
+              <a:t>11</a:t>
             </a:fld>
             <a:endParaRPr lang="de-DE"/>
           </a:p>
@@ -4885,7 +5596,7 @@
 </p:sld>
 </file>
 
-<file path=ppt/slides/slide11.xml><?xml version="1.0" encoding="utf-8"?>
+<file path=ppt/slides/slide12.xml><?xml version="1.0" encoding="utf-8"?>
 <p:sld xmlns:a="http://schemas.openxmlformats.org/drawingml/2006/main" xmlns:r="http://schemas.openxmlformats.org/officeDocument/2006/relationships" xmlns:p="http://schemas.openxmlformats.org/presentationml/2006/main">
   <p:cSld>
     <p:spTree>
@@ -5060,7 +5771,7 @@
           <a:p>
             <a:fld id="{0696A970-E1A0-4FA3-8434-947DF6AD858B}" type="slidenum">
               <a:rPr lang="de-DE" smtClean="0"/>
-              <a:t>11</a:t>
+              <a:t>12</a:t>
             </a:fld>
             <a:endParaRPr lang="de-DE"/>
           </a:p>
@@ -6741,8 +7452,8 @@
           </a:fontRef>
         </p:style>
       </p:cxnSp>
-      <mc:AlternateContent xmlns:mc="http://schemas.openxmlformats.org/markup-compatibility/2006">
-        <mc:Choice xmlns:a14="http://schemas.microsoft.com/office/drawing/2010/main" Requires="a14">
+      <mc:AlternateContent xmlns:mc="http://schemas.openxmlformats.org/markup-compatibility/2006" xmlns:a14="http://schemas.microsoft.com/office/drawing/2010/main">
+        <mc:Choice Requires="a14">
           <p:sp>
             <p:nvSpPr>
               <p:cNvPr id="55" name="Rechteck: abgerundete Ecken 54">
@@ -6849,7 +7560,7 @@
             </p:txBody>
           </p:sp>
         </mc:Choice>
-        <mc:Fallback>
+        <mc:Fallback xmlns="">
           <p:sp>
             <p:nvSpPr>
               <p:cNvPr id="55" name="Rechteck: abgerundete Ecken 54">
@@ -6956,7 +7667,7 @@
 </p:sld>
 </file>
 
-<file path=ppt/slides/slide12.xml><?xml version="1.0" encoding="utf-8"?>
+<file path=ppt/slides/slide13.xml><?xml version="1.0" encoding="utf-8"?>
 <p:sld xmlns:a="http://schemas.openxmlformats.org/drawingml/2006/main" xmlns:r="http://schemas.openxmlformats.org/officeDocument/2006/relationships" xmlns:p="http://schemas.openxmlformats.org/presentationml/2006/main">
   <p:cSld>
     <p:spTree>
@@ -7072,8 +7783,8 @@
           </a:p>
         </p:txBody>
       </p:sp>
-      <mc:AlternateContent xmlns:mc="http://schemas.openxmlformats.org/markup-compatibility/2006">
-        <mc:Choice xmlns:a14="http://schemas.microsoft.com/office/drawing/2010/main" Requires="a14">
+      <mc:AlternateContent xmlns:mc="http://schemas.openxmlformats.org/markup-compatibility/2006" xmlns:a14="http://schemas.microsoft.com/office/drawing/2010/main">
+        <mc:Choice Requires="a14">
           <p:sp>
             <p:nvSpPr>
               <p:cNvPr id="3" name="Inhaltsplatzhalter 2">
@@ -7508,7 +8219,7 @@
                     <m:sSub>
                       <m:sSubPr>
                         <m:ctrlPr>
-                          <a:rPr lang="de-DE" sz="2400" b="0" i="0" smtClean="0">
+                          <a:rPr lang="de-DE" sz="2400" b="0" i="1" smtClean="0">
                             <a:solidFill>
                               <a:schemeClr val="accent2"/>
                             </a:solidFill>
@@ -7563,7 +8274,7 @@
             </p:txBody>
           </p:sp>
         </mc:Choice>
-        <mc:Fallback>
+        <mc:Fallback xmlns="">
           <p:sp>
             <p:nvSpPr>
               <p:cNvPr id="3" name="Inhaltsplatzhalter 2">
@@ -7666,14 +8377,14 @@
           <a:p>
             <a:fld id="{0696A970-E1A0-4FA3-8434-947DF6AD858B}" type="slidenum">
               <a:rPr lang="de-DE" smtClean="0"/>
-              <a:t>12</a:t>
+              <a:t>13</a:t>
             </a:fld>
             <a:endParaRPr lang="de-DE"/>
           </a:p>
         </p:txBody>
       </p:sp>
-      <mc:AlternateContent xmlns:mc="http://schemas.openxmlformats.org/markup-compatibility/2006">
-        <mc:Choice xmlns:a14="http://schemas.microsoft.com/office/drawing/2010/main" Requires="a14">
+      <mc:AlternateContent xmlns:mc="http://schemas.openxmlformats.org/markup-compatibility/2006" xmlns:a14="http://schemas.microsoft.com/office/drawing/2010/main">
+        <mc:Choice Requires="a14">
           <p:sp>
             <p:nvSpPr>
               <p:cNvPr id="8" name="Rechteck: abgerundete Ecken 7">
@@ -7776,7 +8487,7 @@
             </p:txBody>
           </p:sp>
         </mc:Choice>
-        <mc:Fallback>
+        <mc:Fallback xmlns="">
           <p:sp>
             <p:nvSpPr>
               <p:cNvPr id="8" name="Rechteck: abgerundete Ecken 7">
@@ -7824,8 +8535,8 @@
           </p:sp>
         </mc:Fallback>
       </mc:AlternateContent>
-      <mc:AlternateContent xmlns:mc="http://schemas.openxmlformats.org/markup-compatibility/2006">
-        <mc:Choice xmlns:a14="http://schemas.microsoft.com/office/drawing/2010/main" Requires="a14">
+      <mc:AlternateContent xmlns:mc="http://schemas.openxmlformats.org/markup-compatibility/2006" xmlns:a14="http://schemas.microsoft.com/office/drawing/2010/main">
+        <mc:Choice Requires="a14">
           <p:sp>
             <p:nvSpPr>
               <p:cNvPr id="9" name="Rechteck: abgerundete Ecken 8">
@@ -7922,7 +8633,7 @@
             </p:txBody>
           </p:sp>
         </mc:Choice>
-        <mc:Fallback>
+        <mc:Fallback xmlns="">
           <p:sp>
             <p:nvSpPr>
               <p:cNvPr id="9" name="Rechteck: abgerundete Ecken 8">
@@ -7970,8 +8681,8 @@
           </p:sp>
         </mc:Fallback>
       </mc:AlternateContent>
-      <mc:AlternateContent xmlns:mc="http://schemas.openxmlformats.org/markup-compatibility/2006">
-        <mc:Choice xmlns:a14="http://schemas.microsoft.com/office/drawing/2010/main" Requires="a14">
+      <mc:AlternateContent xmlns:mc="http://schemas.openxmlformats.org/markup-compatibility/2006" xmlns:a14="http://schemas.microsoft.com/office/drawing/2010/main">
+        <mc:Choice Requires="a14">
           <p:sp>
             <p:nvSpPr>
               <p:cNvPr id="10" name="Rechteck 9">
@@ -8291,7 +9002,7 @@
             </p:txBody>
           </p:sp>
         </mc:Choice>
-        <mc:Fallback>
+        <mc:Fallback xmlns="">
           <p:sp>
             <p:nvSpPr>
               <p:cNvPr id="10" name="Rechteck 9">
@@ -8761,7 +9472,7 @@
 </p:sld>
 </file>
 
-<file path=ppt/slides/slide13.xml><?xml version="1.0" encoding="utf-8"?>
+<file path=ppt/slides/slide14.xml><?xml version="1.0" encoding="utf-8"?>
 <p:sld xmlns:a="http://schemas.openxmlformats.org/drawingml/2006/main" xmlns:r="http://schemas.openxmlformats.org/officeDocument/2006/relationships" xmlns:p="http://schemas.openxmlformats.org/presentationml/2006/main">
   <p:cSld>
     <p:spTree>
@@ -8877,8 +9588,8 @@
           </a:p>
         </p:txBody>
       </p:sp>
-      <mc:AlternateContent xmlns:mc="http://schemas.openxmlformats.org/markup-compatibility/2006">
-        <mc:Choice xmlns:a14="http://schemas.microsoft.com/office/drawing/2010/main" Requires="a14">
+      <mc:AlternateContent xmlns:mc="http://schemas.openxmlformats.org/markup-compatibility/2006" xmlns:a14="http://schemas.microsoft.com/office/drawing/2010/main">
+        <mc:Choice Requires="a14">
           <p:sp>
             <p:nvSpPr>
               <p:cNvPr id="3" name="Inhaltsplatzhalter 2">
@@ -9518,7 +10229,7 @@
             </p:txBody>
           </p:sp>
         </mc:Choice>
-        <mc:Fallback>
+        <mc:Fallback xmlns="">
           <p:sp>
             <p:nvSpPr>
               <p:cNvPr id="3" name="Inhaltsplatzhalter 2">
@@ -9621,14 +10332,14 @@
           <a:p>
             <a:fld id="{0696A970-E1A0-4FA3-8434-947DF6AD858B}" type="slidenum">
               <a:rPr lang="de-DE" smtClean="0"/>
-              <a:t>13</a:t>
+              <a:t>14</a:t>
             </a:fld>
             <a:endParaRPr lang="de-DE"/>
           </a:p>
         </p:txBody>
       </p:sp>
-      <mc:AlternateContent xmlns:mc="http://schemas.openxmlformats.org/markup-compatibility/2006">
-        <mc:Choice xmlns:a14="http://schemas.microsoft.com/office/drawing/2010/main" Requires="a14">
+      <mc:AlternateContent xmlns:mc="http://schemas.openxmlformats.org/markup-compatibility/2006" xmlns:a14="http://schemas.microsoft.com/office/drawing/2010/main">
+        <mc:Choice Requires="a14">
           <p:sp>
             <p:nvSpPr>
               <p:cNvPr id="14" name="Rechteck: abgerundete Ecken 13">
@@ -9723,7 +10434,7 @@
             </p:txBody>
           </p:sp>
         </mc:Choice>
-        <mc:Fallback>
+        <mc:Fallback xmlns="">
           <p:sp>
             <p:nvSpPr>
               <p:cNvPr id="14" name="Rechteck: abgerundete Ecken 13">
@@ -9771,8 +10482,8 @@
           </p:sp>
         </mc:Fallback>
       </mc:AlternateContent>
-      <mc:AlternateContent xmlns:mc="http://schemas.openxmlformats.org/markup-compatibility/2006">
-        <mc:Choice xmlns:a14="http://schemas.microsoft.com/office/drawing/2010/main" Requires="a14">
+      <mc:AlternateContent xmlns:mc="http://schemas.openxmlformats.org/markup-compatibility/2006" xmlns:a14="http://schemas.microsoft.com/office/drawing/2010/main">
+        <mc:Choice Requires="a14">
           <p:sp>
             <p:nvSpPr>
               <p:cNvPr id="15" name="Rechteck 14">
@@ -10007,7 +10718,7 @@
             </p:txBody>
           </p:sp>
         </mc:Choice>
-        <mc:Fallback>
+        <mc:Fallback xmlns="">
           <p:sp>
             <p:nvSpPr>
               <p:cNvPr id="15" name="Rechteck 14">
@@ -10656,7 +11367,7 @@
 </p:sld>
 </file>
 
-<file path=ppt/slides/slide14.xml><?xml version="1.0" encoding="utf-8"?>
+<file path=ppt/slides/slide15.xml><?xml version="1.0" encoding="utf-8"?>
 <p:sld xmlns:a="http://schemas.openxmlformats.org/drawingml/2006/main" xmlns:r="http://schemas.openxmlformats.org/officeDocument/2006/relationships" xmlns:p="http://schemas.openxmlformats.org/presentationml/2006/main">
   <p:cSld>
     <p:spTree>
@@ -10772,8 +11483,8 @@
           </a:p>
         </p:txBody>
       </p:sp>
-      <mc:AlternateContent xmlns:mc="http://schemas.openxmlformats.org/markup-compatibility/2006">
-        <mc:Choice xmlns:a14="http://schemas.microsoft.com/office/drawing/2010/main" Requires="a14">
+      <mc:AlternateContent xmlns:mc="http://schemas.openxmlformats.org/markup-compatibility/2006" xmlns:a14="http://schemas.microsoft.com/office/drawing/2010/main">
+        <mc:Choice Requires="a14">
           <p:sp>
             <p:nvSpPr>
               <p:cNvPr id="3" name="Inhaltsplatzhalter 2">
@@ -11531,7 +12242,7 @@
             </p:txBody>
           </p:sp>
         </mc:Choice>
-        <mc:Fallback>
+        <mc:Fallback xmlns="">
           <p:sp>
             <p:nvSpPr>
               <p:cNvPr id="3" name="Inhaltsplatzhalter 2">
@@ -11634,14 +12345,14 @@
           <a:p>
             <a:fld id="{0696A970-E1A0-4FA3-8434-947DF6AD858B}" type="slidenum">
               <a:rPr lang="de-DE" smtClean="0"/>
-              <a:t>14</a:t>
+              <a:t>15</a:t>
             </a:fld>
             <a:endParaRPr lang="de-DE"/>
           </a:p>
         </p:txBody>
       </p:sp>
-      <mc:AlternateContent xmlns:mc="http://schemas.openxmlformats.org/markup-compatibility/2006">
-        <mc:Choice xmlns:a14="http://schemas.microsoft.com/office/drawing/2010/main" Requires="a14">
+      <mc:AlternateContent xmlns:mc="http://schemas.openxmlformats.org/markup-compatibility/2006" xmlns:a14="http://schemas.microsoft.com/office/drawing/2010/main">
+        <mc:Choice Requires="a14">
           <p:sp>
             <p:nvSpPr>
               <p:cNvPr id="14" name="Rechteck: abgerundete Ecken 13">
@@ -11736,7 +12447,7 @@
             </p:txBody>
           </p:sp>
         </mc:Choice>
-        <mc:Fallback>
+        <mc:Fallback xmlns="">
           <p:sp>
             <p:nvSpPr>
               <p:cNvPr id="14" name="Rechteck: abgerundete Ecken 13">
@@ -11784,8 +12495,8 @@
           </p:sp>
         </mc:Fallback>
       </mc:AlternateContent>
-      <mc:AlternateContent xmlns:mc="http://schemas.openxmlformats.org/markup-compatibility/2006">
-        <mc:Choice xmlns:a14="http://schemas.microsoft.com/office/drawing/2010/main" Requires="a14">
+      <mc:AlternateContent xmlns:mc="http://schemas.openxmlformats.org/markup-compatibility/2006" xmlns:a14="http://schemas.microsoft.com/office/drawing/2010/main">
+        <mc:Choice Requires="a14">
           <p:sp>
             <p:nvSpPr>
               <p:cNvPr id="15" name="Rechteck 14">
@@ -12020,7 +12731,7 @@
             </p:txBody>
           </p:sp>
         </mc:Choice>
-        <mc:Fallback>
+        <mc:Fallback xmlns="">
           <p:sp>
             <p:nvSpPr>
               <p:cNvPr id="15" name="Rechteck 14">
@@ -12389,578 +13100,6 @@
     <p:extLst>
       <p:ext uri="{BB962C8B-B14F-4D97-AF65-F5344CB8AC3E}">
         <p14:creationId xmlns:p14="http://schemas.microsoft.com/office/powerpoint/2010/main" val="80711234"/>
-      </p:ext>
-    </p:extLst>
-  </p:cSld>
-  <p:clrMapOvr>
-    <a:masterClrMapping/>
-  </p:clrMapOvr>
-</p:sld>
-</file>
-
-<file path=ppt/slides/slide15.xml><?xml version="1.0" encoding="utf-8"?>
-<p:sld xmlns:a="http://schemas.openxmlformats.org/drawingml/2006/main" xmlns:r="http://schemas.openxmlformats.org/officeDocument/2006/relationships" xmlns:p="http://schemas.openxmlformats.org/presentationml/2006/main">
-  <p:cSld>
-    <p:spTree>
-      <p:nvGrpSpPr>
-        <p:cNvPr id="1" name=""/>
-        <p:cNvGrpSpPr/>
-        <p:nvPr/>
-      </p:nvGrpSpPr>
-      <p:grpSpPr>
-        <a:xfrm>
-          <a:off x="0" y="0"/>
-          <a:ext cx="0" cy="0"/>
-          <a:chOff x="0" y="0"/>
-          <a:chExt cx="0" cy="0"/>
-        </a:xfrm>
-      </p:grpSpPr>
-      <p:sp>
-        <p:nvSpPr>
-          <p:cNvPr id="2" name="Titel 1">
-            <a:extLst>
-              <a:ext uri="{FF2B5EF4-FFF2-40B4-BE49-F238E27FC236}">
-                <a16:creationId xmlns:a16="http://schemas.microsoft.com/office/drawing/2014/main" id="{05F9BAA4-7E2C-49B0-A8A8-D436EB0C28B8}"/>
-              </a:ext>
-            </a:extLst>
-          </p:cNvPr>
-          <p:cNvSpPr>
-            <a:spLocks noGrp="1"/>
-          </p:cNvSpPr>
-          <p:nvPr>
-            <p:ph type="title"/>
-          </p:nvPr>
-        </p:nvSpPr>
-        <p:spPr>
-          <a:xfrm>
-            <a:off x="0" y="18255"/>
-            <a:ext cx="9144000" cy="1056401"/>
-          </a:xfrm>
-        </p:spPr>
-        <p:txBody>
-          <a:bodyPr>
-            <a:normAutofit/>
-          </a:bodyPr>
-          <a:lstStyle/>
-          <a:p>
-            <a:pPr algn="ctr"/>
-            <a:r>
-              <a:rPr lang="de-DE" sz="5400"/>
-              <a:t>Kalman-Filter</a:t>
-            </a:r>
-          </a:p>
-        </p:txBody>
-      </p:sp>
-      <p:cxnSp>
-        <p:nvCxnSpPr>
-          <p:cNvPr id="5" name="Gerader Verbinder 4">
-            <a:extLst>
-              <a:ext uri="{FF2B5EF4-FFF2-40B4-BE49-F238E27FC236}">
-                <a16:creationId xmlns:a16="http://schemas.microsoft.com/office/drawing/2014/main" id="{1892A047-1063-4568-A9A5-DA40684BA449}"/>
-              </a:ext>
-            </a:extLst>
-          </p:cNvPr>
-          <p:cNvCxnSpPr/>
-          <p:nvPr/>
-        </p:nvCxnSpPr>
-        <p:spPr>
-          <a:xfrm>
-            <a:off x="0" y="1065231"/>
-            <a:ext cx="9144000" cy="0"/>
-          </a:xfrm>
-          <a:prstGeom prst="line">
-            <a:avLst/>
-          </a:prstGeom>
-        </p:spPr>
-        <p:style>
-          <a:lnRef idx="1">
-            <a:schemeClr val="accent1"/>
-          </a:lnRef>
-          <a:fillRef idx="0">
-            <a:schemeClr val="accent1"/>
-          </a:fillRef>
-          <a:effectRef idx="0">
-            <a:schemeClr val="accent1"/>
-          </a:effectRef>
-          <a:fontRef idx="minor">
-            <a:schemeClr val="tx1"/>
-          </a:fontRef>
-        </p:style>
-      </p:cxnSp>
-      <p:sp>
-        <p:nvSpPr>
-          <p:cNvPr id="6" name="Foliennummernplatzhalter 5">
-            <a:extLst>
-              <a:ext uri="{FF2B5EF4-FFF2-40B4-BE49-F238E27FC236}">
-                <a16:creationId xmlns:a16="http://schemas.microsoft.com/office/drawing/2014/main" id="{5140CF2F-6F7F-44F0-8F3E-6C2234A57167}"/>
-              </a:ext>
-            </a:extLst>
-          </p:cNvPr>
-          <p:cNvSpPr>
-            <a:spLocks noGrp="1"/>
-          </p:cNvSpPr>
-          <p:nvPr>
-            <p:ph type="sldNum" sz="quarter" idx="12"/>
-          </p:nvPr>
-        </p:nvSpPr>
-        <p:spPr/>
-        <p:txBody>
-          <a:bodyPr/>
-          <a:lstStyle/>
-          <a:p>
-            <a:fld id="{0696A970-E1A0-4FA3-8434-947DF6AD858B}" type="slidenum">
-              <a:rPr lang="de-DE" smtClean="0"/>
-              <a:t>15</a:t>
-            </a:fld>
-            <a:endParaRPr lang="de-DE"/>
-          </a:p>
-        </p:txBody>
-      </p:sp>
-      <p:sp>
-        <p:nvSpPr>
-          <p:cNvPr id="4" name="Rechteck: abgerundete Ecken 3">
-            <a:extLst>
-              <a:ext uri="{FF2B5EF4-FFF2-40B4-BE49-F238E27FC236}">
-                <a16:creationId xmlns:a16="http://schemas.microsoft.com/office/drawing/2014/main" id="{47758687-F3FE-4A85-A7AE-CFA8CD719E23}"/>
-              </a:ext>
-            </a:extLst>
-          </p:cNvPr>
-          <p:cNvSpPr/>
-          <p:nvPr/>
-        </p:nvSpPr>
-        <p:spPr>
-          <a:xfrm>
-            <a:off x="628650" y="2510314"/>
-            <a:ext cx="1819910" cy="918686"/>
-          </a:xfrm>
-          <a:prstGeom prst="roundRect">
-            <a:avLst/>
-          </a:prstGeom>
-          <a:ln>
-            <a:noFill/>
-          </a:ln>
-        </p:spPr>
-        <p:style>
-          <a:lnRef idx="2">
-            <a:schemeClr val="accent1">
-              <a:shade val="50000"/>
-            </a:schemeClr>
-          </a:lnRef>
-          <a:fillRef idx="1">
-            <a:schemeClr val="accent1"/>
-          </a:fillRef>
-          <a:effectRef idx="0">
-            <a:schemeClr val="accent1"/>
-          </a:effectRef>
-          <a:fontRef idx="minor">
-            <a:schemeClr val="lt1"/>
-          </a:fontRef>
-        </p:style>
-        <p:txBody>
-          <a:bodyPr rtlCol="0" anchor="ctr"/>
-          <a:lstStyle/>
-          <a:p>
-            <a:pPr algn="ctr"/>
-            <a:r>
-              <a:rPr lang="de-DE"/>
-              <a:t>past state</a:t>
-            </a:r>
-          </a:p>
-        </p:txBody>
-      </p:sp>
-      <p:sp>
-        <p:nvSpPr>
-          <p:cNvPr id="7" name="Rechteck: abgerundete Ecken 6">
-            <a:extLst>
-              <a:ext uri="{FF2B5EF4-FFF2-40B4-BE49-F238E27FC236}">
-                <a16:creationId xmlns:a16="http://schemas.microsoft.com/office/drawing/2014/main" id="{FA442E37-F9B9-4845-ACFD-34AED2889B5A}"/>
-              </a:ext>
-            </a:extLst>
-          </p:cNvPr>
-          <p:cNvSpPr/>
-          <p:nvPr/>
-        </p:nvSpPr>
-        <p:spPr>
-          <a:xfrm>
-            <a:off x="628650" y="4485401"/>
-            <a:ext cx="1819910" cy="918686"/>
-          </a:xfrm>
-          <a:prstGeom prst="roundRect">
-            <a:avLst/>
-          </a:prstGeom>
-          <a:solidFill>
-            <a:schemeClr val="accent2"/>
-          </a:solidFill>
-          <a:ln>
-            <a:noFill/>
-          </a:ln>
-        </p:spPr>
-        <p:style>
-          <a:lnRef idx="2">
-            <a:schemeClr val="accent1">
-              <a:shade val="50000"/>
-            </a:schemeClr>
-          </a:lnRef>
-          <a:fillRef idx="1">
-            <a:schemeClr val="accent1"/>
-          </a:fillRef>
-          <a:effectRef idx="0">
-            <a:schemeClr val="accent1"/>
-          </a:effectRef>
-          <a:fontRef idx="minor">
-            <a:schemeClr val="lt1"/>
-          </a:fontRef>
-        </p:style>
-        <p:txBody>
-          <a:bodyPr rtlCol="0" anchor="ctr"/>
-          <a:lstStyle/>
-          <a:p>
-            <a:pPr algn="ctr"/>
-            <a:r>
-              <a:rPr lang="de-DE"/>
-              <a:t>sensor readings</a:t>
-            </a:r>
-          </a:p>
-        </p:txBody>
-      </p:sp>
-      <p:sp>
-        <p:nvSpPr>
-          <p:cNvPr id="8" name="Rechteck: abgerundete Ecken 7">
-            <a:extLst>
-              <a:ext uri="{FF2B5EF4-FFF2-40B4-BE49-F238E27FC236}">
-                <a16:creationId xmlns:a16="http://schemas.microsoft.com/office/drawing/2014/main" id="{FCFD7E92-E227-4F7F-8BD4-B9A9F75AA2A2}"/>
-              </a:ext>
-            </a:extLst>
-          </p:cNvPr>
-          <p:cNvSpPr/>
-          <p:nvPr/>
-        </p:nvSpPr>
-        <p:spPr>
-          <a:xfrm>
-            <a:off x="2752090" y="2510314"/>
-            <a:ext cx="1819910" cy="918686"/>
-          </a:xfrm>
-          <a:prstGeom prst="roundRect">
-            <a:avLst/>
-          </a:prstGeom>
-          <a:ln>
-            <a:noFill/>
-          </a:ln>
-        </p:spPr>
-        <p:style>
-          <a:lnRef idx="2">
-            <a:schemeClr val="accent1">
-              <a:shade val="50000"/>
-            </a:schemeClr>
-          </a:lnRef>
-          <a:fillRef idx="1">
-            <a:schemeClr val="accent1"/>
-          </a:fillRef>
-          <a:effectRef idx="0">
-            <a:schemeClr val="accent1"/>
-          </a:effectRef>
-          <a:fontRef idx="minor">
-            <a:schemeClr val="lt1"/>
-          </a:fontRef>
-        </p:style>
-        <p:txBody>
-          <a:bodyPr rtlCol="0" anchor="ctr"/>
-          <a:lstStyle/>
-          <a:p>
-            <a:pPr algn="ctr"/>
-            <a:r>
-              <a:rPr lang="de-DE"/>
-              <a:t>prediction</a:t>
-            </a:r>
-          </a:p>
-        </p:txBody>
-      </p:sp>
-      <p:cxnSp>
-        <p:nvCxnSpPr>
-          <p:cNvPr id="19" name="Gerade Verbindung mit Pfeil 18">
-            <a:extLst>
-              <a:ext uri="{FF2B5EF4-FFF2-40B4-BE49-F238E27FC236}">
-                <a16:creationId xmlns:a16="http://schemas.microsoft.com/office/drawing/2014/main" id="{B6F04D0E-1BA0-43CA-9CBB-09F0A8FB4A37}"/>
-              </a:ext>
-            </a:extLst>
-          </p:cNvPr>
-          <p:cNvCxnSpPr>
-            <a:stCxn id="4" idx="3"/>
-            <a:endCxn id="8" idx="1"/>
-          </p:cNvCxnSpPr>
-          <p:nvPr/>
-        </p:nvCxnSpPr>
-        <p:spPr>
-          <a:xfrm>
-            <a:off x="2448560" y="2969657"/>
-            <a:ext cx="303530" cy="0"/>
-          </a:xfrm>
-          <a:prstGeom prst="straightConnector1">
-            <a:avLst/>
-          </a:prstGeom>
-          <a:ln>
-            <a:headEnd w="lg" len="lg"/>
-            <a:tailEnd type="triangle" w="lg" len="lg"/>
-          </a:ln>
-        </p:spPr>
-        <p:style>
-          <a:lnRef idx="1">
-            <a:schemeClr val="accent1"/>
-          </a:lnRef>
-          <a:fillRef idx="0">
-            <a:schemeClr val="accent1"/>
-          </a:fillRef>
-          <a:effectRef idx="0">
-            <a:schemeClr val="accent1"/>
-          </a:effectRef>
-          <a:fontRef idx="minor">
-            <a:schemeClr val="tx1"/>
-          </a:fontRef>
-        </p:style>
-      </p:cxnSp>
-      <p:sp>
-        <p:nvSpPr>
-          <p:cNvPr id="27" name="Raute 26">
-            <a:extLst>
-              <a:ext uri="{FF2B5EF4-FFF2-40B4-BE49-F238E27FC236}">
-                <a16:creationId xmlns:a16="http://schemas.microsoft.com/office/drawing/2014/main" id="{DDCDDE14-93BE-4543-8A03-93F381497677}"/>
-              </a:ext>
-            </a:extLst>
-          </p:cNvPr>
-          <p:cNvSpPr/>
-          <p:nvPr/>
-        </p:nvSpPr>
-        <p:spPr>
-          <a:xfrm>
-            <a:off x="4572000" y="3429000"/>
-            <a:ext cx="1717042" cy="1056401"/>
-          </a:xfrm>
-          <a:prstGeom prst="diamond">
-            <a:avLst/>
-          </a:prstGeom>
-          <a:solidFill>
-            <a:schemeClr val="tx1"/>
-          </a:solidFill>
-          <a:ln>
-            <a:noFill/>
-          </a:ln>
-        </p:spPr>
-        <p:style>
-          <a:lnRef idx="2">
-            <a:schemeClr val="accent1">
-              <a:shade val="50000"/>
-            </a:schemeClr>
-          </a:lnRef>
-          <a:fillRef idx="1">
-            <a:schemeClr val="accent1"/>
-          </a:fillRef>
-          <a:effectRef idx="0">
-            <a:schemeClr val="accent1"/>
-          </a:effectRef>
-          <a:fontRef idx="minor">
-            <a:schemeClr val="lt1"/>
-          </a:fontRef>
-        </p:style>
-        <p:txBody>
-          <a:bodyPr rtlCol="0" anchor="ctr"/>
-          <a:lstStyle/>
-          <a:p>
-            <a:pPr algn="ctr"/>
-            <a:r>
-              <a:rPr lang="de-DE"/>
-              <a:t>weight</a:t>
-            </a:r>
-          </a:p>
-        </p:txBody>
-      </p:sp>
-      <p:cxnSp>
-        <p:nvCxnSpPr>
-          <p:cNvPr id="31" name="Verbinder: gewinkelt 30">
-            <a:extLst>
-              <a:ext uri="{FF2B5EF4-FFF2-40B4-BE49-F238E27FC236}">
-                <a16:creationId xmlns:a16="http://schemas.microsoft.com/office/drawing/2014/main" id="{96391CBD-3C2A-4297-BDD8-F452101FABFE}"/>
-              </a:ext>
-            </a:extLst>
-          </p:cNvPr>
-          <p:cNvCxnSpPr>
-            <a:stCxn id="7" idx="3"/>
-            <a:endCxn id="27" idx="2"/>
-          </p:cNvCxnSpPr>
-          <p:nvPr/>
-        </p:nvCxnSpPr>
-        <p:spPr>
-          <a:xfrm flipV="1">
-            <a:off x="2448560" y="4485401"/>
-            <a:ext cx="2981961" cy="459343"/>
-          </a:xfrm>
-          <a:prstGeom prst="bentConnector2">
-            <a:avLst/>
-          </a:prstGeom>
-          <a:ln>
-            <a:headEnd w="lg" len="lg"/>
-            <a:tailEnd type="triangle" w="lg" len="lg"/>
-          </a:ln>
-        </p:spPr>
-        <p:style>
-          <a:lnRef idx="1">
-            <a:schemeClr val="accent1"/>
-          </a:lnRef>
-          <a:fillRef idx="0">
-            <a:schemeClr val="accent1"/>
-          </a:fillRef>
-          <a:effectRef idx="0">
-            <a:schemeClr val="accent1"/>
-          </a:effectRef>
-          <a:fontRef idx="minor">
-            <a:schemeClr val="tx1"/>
-          </a:fontRef>
-        </p:style>
-      </p:cxnSp>
-      <p:cxnSp>
-        <p:nvCxnSpPr>
-          <p:cNvPr id="33" name="Verbinder: gewinkelt 32">
-            <a:extLst>
-              <a:ext uri="{FF2B5EF4-FFF2-40B4-BE49-F238E27FC236}">
-                <a16:creationId xmlns:a16="http://schemas.microsoft.com/office/drawing/2014/main" id="{598E5C07-D174-4D8E-B242-9BA60EF30B73}"/>
-              </a:ext>
-            </a:extLst>
-          </p:cNvPr>
-          <p:cNvCxnSpPr>
-            <a:stCxn id="8" idx="3"/>
-            <a:endCxn id="27" idx="0"/>
-          </p:cNvCxnSpPr>
-          <p:nvPr/>
-        </p:nvCxnSpPr>
-        <p:spPr>
-          <a:xfrm>
-            <a:off x="4572000" y="2969657"/>
-            <a:ext cx="858521" cy="459343"/>
-          </a:xfrm>
-          <a:prstGeom prst="bentConnector2">
-            <a:avLst/>
-          </a:prstGeom>
-          <a:ln>
-            <a:headEnd w="lg" len="lg"/>
-            <a:tailEnd type="triangle" w="lg" len="lg"/>
-          </a:ln>
-        </p:spPr>
-        <p:style>
-          <a:lnRef idx="1">
-            <a:schemeClr val="accent1"/>
-          </a:lnRef>
-          <a:fillRef idx="0">
-            <a:schemeClr val="accent1"/>
-          </a:fillRef>
-          <a:effectRef idx="0">
-            <a:schemeClr val="accent1"/>
-          </a:effectRef>
-          <a:fontRef idx="minor">
-            <a:schemeClr val="tx1"/>
-          </a:fontRef>
-        </p:style>
-      </p:cxnSp>
-      <p:sp>
-        <p:nvSpPr>
-          <p:cNvPr id="34" name="Rechteck: abgerundete Ecken 33">
-            <a:extLst>
-              <a:ext uri="{FF2B5EF4-FFF2-40B4-BE49-F238E27FC236}">
-                <a16:creationId xmlns:a16="http://schemas.microsoft.com/office/drawing/2014/main" id="{F2FC3924-A510-4630-8D2C-8F3E8CCF2149}"/>
-              </a:ext>
-            </a:extLst>
-          </p:cNvPr>
-          <p:cNvSpPr/>
-          <p:nvPr/>
-        </p:nvSpPr>
-        <p:spPr>
-          <a:xfrm>
-            <a:off x="6695440" y="3497857"/>
-            <a:ext cx="1819910" cy="918686"/>
-          </a:xfrm>
-          <a:prstGeom prst="roundRect">
-            <a:avLst/>
-          </a:prstGeom>
-          <a:solidFill>
-            <a:schemeClr val="accent1"/>
-          </a:solidFill>
-          <a:ln>
-            <a:noFill/>
-          </a:ln>
-        </p:spPr>
-        <p:style>
-          <a:lnRef idx="2">
-            <a:schemeClr val="accent1">
-              <a:shade val="50000"/>
-            </a:schemeClr>
-          </a:lnRef>
-          <a:fillRef idx="1">
-            <a:schemeClr val="accent1"/>
-          </a:fillRef>
-          <a:effectRef idx="0">
-            <a:schemeClr val="accent1"/>
-          </a:effectRef>
-          <a:fontRef idx="minor">
-            <a:schemeClr val="lt1"/>
-          </a:fontRef>
-        </p:style>
-        <p:txBody>
-          <a:bodyPr rtlCol="0" anchor="ctr"/>
-          <a:lstStyle/>
-          <a:p>
-            <a:pPr algn="ctr"/>
-            <a:r>
-              <a:rPr lang="de-DE"/>
-              <a:t>best estimate</a:t>
-            </a:r>
-          </a:p>
-        </p:txBody>
-      </p:sp>
-      <p:cxnSp>
-        <p:nvCxnSpPr>
-          <p:cNvPr id="43" name="Gerader Verbinder 42">
-            <a:extLst>
-              <a:ext uri="{FF2B5EF4-FFF2-40B4-BE49-F238E27FC236}">
-                <a16:creationId xmlns:a16="http://schemas.microsoft.com/office/drawing/2014/main" id="{2C5080FA-9FDF-482D-B64F-9D2044092326}"/>
-              </a:ext>
-            </a:extLst>
-          </p:cNvPr>
-          <p:cNvCxnSpPr>
-            <a:stCxn id="27" idx="3"/>
-            <a:endCxn id="34" idx="1"/>
-          </p:cNvCxnSpPr>
-          <p:nvPr/>
-        </p:nvCxnSpPr>
-        <p:spPr>
-          <a:xfrm flipV="1">
-            <a:off x="6289042" y="3957200"/>
-            <a:ext cx="406398" cy="1"/>
-          </a:xfrm>
-          <a:prstGeom prst="line">
-            <a:avLst/>
-          </a:prstGeom>
-          <a:ln>
-            <a:headEnd w="lg" len="lg"/>
-            <a:tailEnd type="triangle" w="lg" len="lg"/>
-          </a:ln>
-        </p:spPr>
-        <p:style>
-          <a:lnRef idx="1">
-            <a:schemeClr val="accent1"/>
-          </a:lnRef>
-          <a:fillRef idx="0">
-            <a:schemeClr val="accent1"/>
-          </a:fillRef>
-          <a:effectRef idx="0">
-            <a:schemeClr val="accent1"/>
-          </a:effectRef>
-          <a:fontRef idx="minor">
-            <a:schemeClr val="tx1"/>
-          </a:fontRef>
-        </p:style>
-      </p:cxnSp>
-    </p:spTree>
-    <p:extLst>
-      <p:ext uri="{BB962C8B-B14F-4D97-AF65-F5344CB8AC3E}">
-        <p14:creationId xmlns:p14="http://schemas.microsoft.com/office/powerpoint/2010/main" val="1214660825"/>
       </p:ext>
     </p:extLst>
   </p:cSld>
@@ -13088,8 +13227,580 @@
           </a:p>
         </p:txBody>
       </p:sp>
-      <mc:AlternateContent xmlns:mc="http://schemas.openxmlformats.org/markup-compatibility/2006">
-        <mc:Choice xmlns:a14="http://schemas.microsoft.com/office/drawing/2010/main" Requires="a14">
+      <p:sp>
+        <p:nvSpPr>
+          <p:cNvPr id="4" name="Rechteck: abgerundete Ecken 3">
+            <a:extLst>
+              <a:ext uri="{FF2B5EF4-FFF2-40B4-BE49-F238E27FC236}">
+                <a16:creationId xmlns:a16="http://schemas.microsoft.com/office/drawing/2014/main" id="{47758687-F3FE-4A85-A7AE-CFA8CD719E23}"/>
+              </a:ext>
+            </a:extLst>
+          </p:cNvPr>
+          <p:cNvSpPr/>
+          <p:nvPr/>
+        </p:nvSpPr>
+        <p:spPr>
+          <a:xfrm>
+            <a:off x="628650" y="2510314"/>
+            <a:ext cx="1819910" cy="918686"/>
+          </a:xfrm>
+          <a:prstGeom prst="roundRect">
+            <a:avLst/>
+          </a:prstGeom>
+          <a:ln>
+            <a:noFill/>
+          </a:ln>
+        </p:spPr>
+        <p:style>
+          <a:lnRef idx="2">
+            <a:schemeClr val="accent1">
+              <a:shade val="50000"/>
+            </a:schemeClr>
+          </a:lnRef>
+          <a:fillRef idx="1">
+            <a:schemeClr val="accent1"/>
+          </a:fillRef>
+          <a:effectRef idx="0">
+            <a:schemeClr val="accent1"/>
+          </a:effectRef>
+          <a:fontRef idx="minor">
+            <a:schemeClr val="lt1"/>
+          </a:fontRef>
+        </p:style>
+        <p:txBody>
+          <a:bodyPr rtlCol="0" anchor="ctr"/>
+          <a:lstStyle/>
+          <a:p>
+            <a:pPr algn="ctr"/>
+            <a:r>
+              <a:rPr lang="de-DE"/>
+              <a:t>past state</a:t>
+            </a:r>
+          </a:p>
+        </p:txBody>
+      </p:sp>
+      <p:sp>
+        <p:nvSpPr>
+          <p:cNvPr id="7" name="Rechteck: abgerundete Ecken 6">
+            <a:extLst>
+              <a:ext uri="{FF2B5EF4-FFF2-40B4-BE49-F238E27FC236}">
+                <a16:creationId xmlns:a16="http://schemas.microsoft.com/office/drawing/2014/main" id="{FA442E37-F9B9-4845-ACFD-34AED2889B5A}"/>
+              </a:ext>
+            </a:extLst>
+          </p:cNvPr>
+          <p:cNvSpPr/>
+          <p:nvPr/>
+        </p:nvSpPr>
+        <p:spPr>
+          <a:xfrm>
+            <a:off x="628650" y="4485401"/>
+            <a:ext cx="1819910" cy="918686"/>
+          </a:xfrm>
+          <a:prstGeom prst="roundRect">
+            <a:avLst/>
+          </a:prstGeom>
+          <a:solidFill>
+            <a:schemeClr val="accent2"/>
+          </a:solidFill>
+          <a:ln>
+            <a:noFill/>
+          </a:ln>
+        </p:spPr>
+        <p:style>
+          <a:lnRef idx="2">
+            <a:schemeClr val="accent1">
+              <a:shade val="50000"/>
+            </a:schemeClr>
+          </a:lnRef>
+          <a:fillRef idx="1">
+            <a:schemeClr val="accent1"/>
+          </a:fillRef>
+          <a:effectRef idx="0">
+            <a:schemeClr val="accent1"/>
+          </a:effectRef>
+          <a:fontRef idx="minor">
+            <a:schemeClr val="lt1"/>
+          </a:fontRef>
+        </p:style>
+        <p:txBody>
+          <a:bodyPr rtlCol="0" anchor="ctr"/>
+          <a:lstStyle/>
+          <a:p>
+            <a:pPr algn="ctr"/>
+            <a:r>
+              <a:rPr lang="de-DE"/>
+              <a:t>sensor readings</a:t>
+            </a:r>
+          </a:p>
+        </p:txBody>
+      </p:sp>
+      <p:sp>
+        <p:nvSpPr>
+          <p:cNvPr id="8" name="Rechteck: abgerundete Ecken 7">
+            <a:extLst>
+              <a:ext uri="{FF2B5EF4-FFF2-40B4-BE49-F238E27FC236}">
+                <a16:creationId xmlns:a16="http://schemas.microsoft.com/office/drawing/2014/main" id="{FCFD7E92-E227-4F7F-8BD4-B9A9F75AA2A2}"/>
+              </a:ext>
+            </a:extLst>
+          </p:cNvPr>
+          <p:cNvSpPr/>
+          <p:nvPr/>
+        </p:nvSpPr>
+        <p:spPr>
+          <a:xfrm>
+            <a:off x="2752090" y="2510314"/>
+            <a:ext cx="1819910" cy="918686"/>
+          </a:xfrm>
+          <a:prstGeom prst="roundRect">
+            <a:avLst/>
+          </a:prstGeom>
+          <a:ln>
+            <a:noFill/>
+          </a:ln>
+        </p:spPr>
+        <p:style>
+          <a:lnRef idx="2">
+            <a:schemeClr val="accent1">
+              <a:shade val="50000"/>
+            </a:schemeClr>
+          </a:lnRef>
+          <a:fillRef idx="1">
+            <a:schemeClr val="accent1"/>
+          </a:fillRef>
+          <a:effectRef idx="0">
+            <a:schemeClr val="accent1"/>
+          </a:effectRef>
+          <a:fontRef idx="minor">
+            <a:schemeClr val="lt1"/>
+          </a:fontRef>
+        </p:style>
+        <p:txBody>
+          <a:bodyPr rtlCol="0" anchor="ctr"/>
+          <a:lstStyle/>
+          <a:p>
+            <a:pPr algn="ctr"/>
+            <a:r>
+              <a:rPr lang="de-DE"/>
+              <a:t>prediction</a:t>
+            </a:r>
+          </a:p>
+        </p:txBody>
+      </p:sp>
+      <p:cxnSp>
+        <p:nvCxnSpPr>
+          <p:cNvPr id="19" name="Gerade Verbindung mit Pfeil 18">
+            <a:extLst>
+              <a:ext uri="{FF2B5EF4-FFF2-40B4-BE49-F238E27FC236}">
+                <a16:creationId xmlns:a16="http://schemas.microsoft.com/office/drawing/2014/main" id="{B6F04D0E-1BA0-43CA-9CBB-09F0A8FB4A37}"/>
+              </a:ext>
+            </a:extLst>
+          </p:cNvPr>
+          <p:cNvCxnSpPr>
+            <a:stCxn id="4" idx="3"/>
+            <a:endCxn id="8" idx="1"/>
+          </p:cNvCxnSpPr>
+          <p:nvPr/>
+        </p:nvCxnSpPr>
+        <p:spPr>
+          <a:xfrm>
+            <a:off x="2448560" y="2969657"/>
+            <a:ext cx="303530" cy="0"/>
+          </a:xfrm>
+          <a:prstGeom prst="straightConnector1">
+            <a:avLst/>
+          </a:prstGeom>
+          <a:ln>
+            <a:headEnd w="lg" len="lg"/>
+            <a:tailEnd type="triangle" w="lg" len="lg"/>
+          </a:ln>
+        </p:spPr>
+        <p:style>
+          <a:lnRef idx="1">
+            <a:schemeClr val="accent1"/>
+          </a:lnRef>
+          <a:fillRef idx="0">
+            <a:schemeClr val="accent1"/>
+          </a:fillRef>
+          <a:effectRef idx="0">
+            <a:schemeClr val="accent1"/>
+          </a:effectRef>
+          <a:fontRef idx="minor">
+            <a:schemeClr val="tx1"/>
+          </a:fontRef>
+        </p:style>
+      </p:cxnSp>
+      <p:sp>
+        <p:nvSpPr>
+          <p:cNvPr id="27" name="Raute 26">
+            <a:extLst>
+              <a:ext uri="{FF2B5EF4-FFF2-40B4-BE49-F238E27FC236}">
+                <a16:creationId xmlns:a16="http://schemas.microsoft.com/office/drawing/2014/main" id="{DDCDDE14-93BE-4543-8A03-93F381497677}"/>
+              </a:ext>
+            </a:extLst>
+          </p:cNvPr>
+          <p:cNvSpPr/>
+          <p:nvPr/>
+        </p:nvSpPr>
+        <p:spPr>
+          <a:xfrm>
+            <a:off x="4572000" y="3429000"/>
+            <a:ext cx="1717042" cy="1056401"/>
+          </a:xfrm>
+          <a:prstGeom prst="diamond">
+            <a:avLst/>
+          </a:prstGeom>
+          <a:solidFill>
+            <a:schemeClr val="tx1"/>
+          </a:solidFill>
+          <a:ln>
+            <a:noFill/>
+          </a:ln>
+        </p:spPr>
+        <p:style>
+          <a:lnRef idx="2">
+            <a:schemeClr val="accent1">
+              <a:shade val="50000"/>
+            </a:schemeClr>
+          </a:lnRef>
+          <a:fillRef idx="1">
+            <a:schemeClr val="accent1"/>
+          </a:fillRef>
+          <a:effectRef idx="0">
+            <a:schemeClr val="accent1"/>
+          </a:effectRef>
+          <a:fontRef idx="minor">
+            <a:schemeClr val="lt1"/>
+          </a:fontRef>
+        </p:style>
+        <p:txBody>
+          <a:bodyPr rtlCol="0" anchor="ctr"/>
+          <a:lstStyle/>
+          <a:p>
+            <a:pPr algn="ctr"/>
+            <a:r>
+              <a:rPr lang="de-DE"/>
+              <a:t>weight</a:t>
+            </a:r>
+          </a:p>
+        </p:txBody>
+      </p:sp>
+      <p:cxnSp>
+        <p:nvCxnSpPr>
+          <p:cNvPr id="31" name="Verbinder: gewinkelt 30">
+            <a:extLst>
+              <a:ext uri="{FF2B5EF4-FFF2-40B4-BE49-F238E27FC236}">
+                <a16:creationId xmlns:a16="http://schemas.microsoft.com/office/drawing/2014/main" id="{96391CBD-3C2A-4297-BDD8-F452101FABFE}"/>
+              </a:ext>
+            </a:extLst>
+          </p:cNvPr>
+          <p:cNvCxnSpPr>
+            <a:stCxn id="7" idx="3"/>
+            <a:endCxn id="27" idx="2"/>
+          </p:cNvCxnSpPr>
+          <p:nvPr/>
+        </p:nvCxnSpPr>
+        <p:spPr>
+          <a:xfrm flipV="1">
+            <a:off x="2448560" y="4485401"/>
+            <a:ext cx="2981961" cy="459343"/>
+          </a:xfrm>
+          <a:prstGeom prst="bentConnector2">
+            <a:avLst/>
+          </a:prstGeom>
+          <a:ln>
+            <a:headEnd w="lg" len="lg"/>
+            <a:tailEnd type="triangle" w="lg" len="lg"/>
+          </a:ln>
+        </p:spPr>
+        <p:style>
+          <a:lnRef idx="1">
+            <a:schemeClr val="accent1"/>
+          </a:lnRef>
+          <a:fillRef idx="0">
+            <a:schemeClr val="accent1"/>
+          </a:fillRef>
+          <a:effectRef idx="0">
+            <a:schemeClr val="accent1"/>
+          </a:effectRef>
+          <a:fontRef idx="minor">
+            <a:schemeClr val="tx1"/>
+          </a:fontRef>
+        </p:style>
+      </p:cxnSp>
+      <p:cxnSp>
+        <p:nvCxnSpPr>
+          <p:cNvPr id="33" name="Verbinder: gewinkelt 32">
+            <a:extLst>
+              <a:ext uri="{FF2B5EF4-FFF2-40B4-BE49-F238E27FC236}">
+                <a16:creationId xmlns:a16="http://schemas.microsoft.com/office/drawing/2014/main" id="{598E5C07-D174-4D8E-B242-9BA60EF30B73}"/>
+              </a:ext>
+            </a:extLst>
+          </p:cNvPr>
+          <p:cNvCxnSpPr>
+            <a:stCxn id="8" idx="3"/>
+            <a:endCxn id="27" idx="0"/>
+          </p:cNvCxnSpPr>
+          <p:nvPr/>
+        </p:nvCxnSpPr>
+        <p:spPr>
+          <a:xfrm>
+            <a:off x="4572000" y="2969657"/>
+            <a:ext cx="858521" cy="459343"/>
+          </a:xfrm>
+          <a:prstGeom prst="bentConnector2">
+            <a:avLst/>
+          </a:prstGeom>
+          <a:ln>
+            <a:headEnd w="lg" len="lg"/>
+            <a:tailEnd type="triangle" w="lg" len="lg"/>
+          </a:ln>
+        </p:spPr>
+        <p:style>
+          <a:lnRef idx="1">
+            <a:schemeClr val="accent1"/>
+          </a:lnRef>
+          <a:fillRef idx="0">
+            <a:schemeClr val="accent1"/>
+          </a:fillRef>
+          <a:effectRef idx="0">
+            <a:schemeClr val="accent1"/>
+          </a:effectRef>
+          <a:fontRef idx="minor">
+            <a:schemeClr val="tx1"/>
+          </a:fontRef>
+        </p:style>
+      </p:cxnSp>
+      <p:sp>
+        <p:nvSpPr>
+          <p:cNvPr id="34" name="Rechteck: abgerundete Ecken 33">
+            <a:extLst>
+              <a:ext uri="{FF2B5EF4-FFF2-40B4-BE49-F238E27FC236}">
+                <a16:creationId xmlns:a16="http://schemas.microsoft.com/office/drawing/2014/main" id="{F2FC3924-A510-4630-8D2C-8F3E8CCF2149}"/>
+              </a:ext>
+            </a:extLst>
+          </p:cNvPr>
+          <p:cNvSpPr/>
+          <p:nvPr/>
+        </p:nvSpPr>
+        <p:spPr>
+          <a:xfrm>
+            <a:off x="6695440" y="3497857"/>
+            <a:ext cx="1819910" cy="918686"/>
+          </a:xfrm>
+          <a:prstGeom prst="roundRect">
+            <a:avLst/>
+          </a:prstGeom>
+          <a:solidFill>
+            <a:schemeClr val="accent1"/>
+          </a:solidFill>
+          <a:ln>
+            <a:noFill/>
+          </a:ln>
+        </p:spPr>
+        <p:style>
+          <a:lnRef idx="2">
+            <a:schemeClr val="accent1">
+              <a:shade val="50000"/>
+            </a:schemeClr>
+          </a:lnRef>
+          <a:fillRef idx="1">
+            <a:schemeClr val="accent1"/>
+          </a:fillRef>
+          <a:effectRef idx="0">
+            <a:schemeClr val="accent1"/>
+          </a:effectRef>
+          <a:fontRef idx="minor">
+            <a:schemeClr val="lt1"/>
+          </a:fontRef>
+        </p:style>
+        <p:txBody>
+          <a:bodyPr rtlCol="0" anchor="ctr"/>
+          <a:lstStyle/>
+          <a:p>
+            <a:pPr algn="ctr"/>
+            <a:r>
+              <a:rPr lang="de-DE"/>
+              <a:t>best estimate</a:t>
+            </a:r>
+          </a:p>
+        </p:txBody>
+      </p:sp>
+      <p:cxnSp>
+        <p:nvCxnSpPr>
+          <p:cNvPr id="43" name="Gerader Verbinder 42">
+            <a:extLst>
+              <a:ext uri="{FF2B5EF4-FFF2-40B4-BE49-F238E27FC236}">
+                <a16:creationId xmlns:a16="http://schemas.microsoft.com/office/drawing/2014/main" id="{2C5080FA-9FDF-482D-B64F-9D2044092326}"/>
+              </a:ext>
+            </a:extLst>
+          </p:cNvPr>
+          <p:cNvCxnSpPr>
+            <a:stCxn id="27" idx="3"/>
+            <a:endCxn id="34" idx="1"/>
+          </p:cNvCxnSpPr>
+          <p:nvPr/>
+        </p:nvCxnSpPr>
+        <p:spPr>
+          <a:xfrm flipV="1">
+            <a:off x="6289042" y="3957200"/>
+            <a:ext cx="406398" cy="1"/>
+          </a:xfrm>
+          <a:prstGeom prst="line">
+            <a:avLst/>
+          </a:prstGeom>
+          <a:ln>
+            <a:headEnd w="lg" len="lg"/>
+            <a:tailEnd type="triangle" w="lg" len="lg"/>
+          </a:ln>
+        </p:spPr>
+        <p:style>
+          <a:lnRef idx="1">
+            <a:schemeClr val="accent1"/>
+          </a:lnRef>
+          <a:fillRef idx="0">
+            <a:schemeClr val="accent1"/>
+          </a:fillRef>
+          <a:effectRef idx="0">
+            <a:schemeClr val="accent1"/>
+          </a:effectRef>
+          <a:fontRef idx="minor">
+            <a:schemeClr val="tx1"/>
+          </a:fontRef>
+        </p:style>
+      </p:cxnSp>
+    </p:spTree>
+    <p:extLst>
+      <p:ext uri="{BB962C8B-B14F-4D97-AF65-F5344CB8AC3E}">
+        <p14:creationId xmlns:p14="http://schemas.microsoft.com/office/powerpoint/2010/main" val="1214660825"/>
+      </p:ext>
+    </p:extLst>
+  </p:cSld>
+  <p:clrMapOvr>
+    <a:masterClrMapping/>
+  </p:clrMapOvr>
+</p:sld>
+</file>
+
+<file path=ppt/slides/slide17.xml><?xml version="1.0" encoding="utf-8"?>
+<p:sld xmlns:a="http://schemas.openxmlformats.org/drawingml/2006/main" xmlns:r="http://schemas.openxmlformats.org/officeDocument/2006/relationships" xmlns:p="http://schemas.openxmlformats.org/presentationml/2006/main">
+  <p:cSld>
+    <p:spTree>
+      <p:nvGrpSpPr>
+        <p:cNvPr id="1" name=""/>
+        <p:cNvGrpSpPr/>
+        <p:nvPr/>
+      </p:nvGrpSpPr>
+      <p:grpSpPr>
+        <a:xfrm>
+          <a:off x="0" y="0"/>
+          <a:ext cx="0" cy="0"/>
+          <a:chOff x="0" y="0"/>
+          <a:chExt cx="0" cy="0"/>
+        </a:xfrm>
+      </p:grpSpPr>
+      <p:sp>
+        <p:nvSpPr>
+          <p:cNvPr id="2" name="Titel 1">
+            <a:extLst>
+              <a:ext uri="{FF2B5EF4-FFF2-40B4-BE49-F238E27FC236}">
+                <a16:creationId xmlns:a16="http://schemas.microsoft.com/office/drawing/2014/main" id="{05F9BAA4-7E2C-49B0-A8A8-D436EB0C28B8}"/>
+              </a:ext>
+            </a:extLst>
+          </p:cNvPr>
+          <p:cNvSpPr>
+            <a:spLocks noGrp="1"/>
+          </p:cNvSpPr>
+          <p:nvPr>
+            <p:ph type="title"/>
+          </p:nvPr>
+        </p:nvSpPr>
+        <p:spPr>
+          <a:xfrm>
+            <a:off x="0" y="18255"/>
+            <a:ext cx="9144000" cy="1056401"/>
+          </a:xfrm>
+        </p:spPr>
+        <p:txBody>
+          <a:bodyPr>
+            <a:normAutofit/>
+          </a:bodyPr>
+          <a:lstStyle/>
+          <a:p>
+            <a:pPr algn="ctr"/>
+            <a:r>
+              <a:rPr lang="de-DE" sz="5400"/>
+              <a:t>Kalman-Filter</a:t>
+            </a:r>
+          </a:p>
+        </p:txBody>
+      </p:sp>
+      <p:cxnSp>
+        <p:nvCxnSpPr>
+          <p:cNvPr id="5" name="Gerader Verbinder 4">
+            <a:extLst>
+              <a:ext uri="{FF2B5EF4-FFF2-40B4-BE49-F238E27FC236}">
+                <a16:creationId xmlns:a16="http://schemas.microsoft.com/office/drawing/2014/main" id="{1892A047-1063-4568-A9A5-DA40684BA449}"/>
+              </a:ext>
+            </a:extLst>
+          </p:cNvPr>
+          <p:cNvCxnSpPr/>
+          <p:nvPr/>
+        </p:nvCxnSpPr>
+        <p:spPr>
+          <a:xfrm>
+            <a:off x="0" y="1065231"/>
+            <a:ext cx="9144000" cy="0"/>
+          </a:xfrm>
+          <a:prstGeom prst="line">
+            <a:avLst/>
+          </a:prstGeom>
+        </p:spPr>
+        <p:style>
+          <a:lnRef idx="1">
+            <a:schemeClr val="accent1"/>
+          </a:lnRef>
+          <a:fillRef idx="0">
+            <a:schemeClr val="accent1"/>
+          </a:fillRef>
+          <a:effectRef idx="0">
+            <a:schemeClr val="accent1"/>
+          </a:effectRef>
+          <a:fontRef idx="minor">
+            <a:schemeClr val="tx1"/>
+          </a:fontRef>
+        </p:style>
+      </p:cxnSp>
+      <p:sp>
+        <p:nvSpPr>
+          <p:cNvPr id="6" name="Foliennummernplatzhalter 5">
+            <a:extLst>
+              <a:ext uri="{FF2B5EF4-FFF2-40B4-BE49-F238E27FC236}">
+                <a16:creationId xmlns:a16="http://schemas.microsoft.com/office/drawing/2014/main" id="{5140CF2F-6F7F-44F0-8F3E-6C2234A57167}"/>
+              </a:ext>
+            </a:extLst>
+          </p:cNvPr>
+          <p:cNvSpPr>
+            <a:spLocks noGrp="1"/>
+          </p:cNvSpPr>
+          <p:nvPr>
+            <p:ph type="sldNum" sz="quarter" idx="12"/>
+          </p:nvPr>
+        </p:nvSpPr>
+        <p:spPr/>
+        <p:txBody>
+          <a:bodyPr/>
+          <a:lstStyle/>
+          <a:p>
+            <a:fld id="{0696A970-E1A0-4FA3-8434-947DF6AD858B}" type="slidenum">
+              <a:rPr lang="de-DE" smtClean="0"/>
+              <a:t>17</a:t>
+            </a:fld>
+            <a:endParaRPr lang="de-DE"/>
+          </a:p>
+        </p:txBody>
+      </p:sp>
+      <mc:AlternateContent xmlns:mc="http://schemas.openxmlformats.org/markup-compatibility/2006" xmlns:a14="http://schemas.microsoft.com/office/drawing/2010/main">
+        <mc:Choice Requires="a14">
           <p:sp>
             <p:nvSpPr>
               <p:cNvPr id="4" name="Rechteck: abgerundete Ecken 3">
@@ -13233,7 +13944,7 @@
             </p:txBody>
           </p:sp>
         </mc:Choice>
-        <mc:Fallback>
+        <mc:Fallback xmlns="">
           <p:sp>
             <p:nvSpPr>
               <p:cNvPr id="4" name="Rechteck: abgerundete Ecken 3">
@@ -13281,8 +13992,8 @@
           </p:sp>
         </mc:Fallback>
       </mc:AlternateContent>
-      <mc:AlternateContent xmlns:mc="http://schemas.openxmlformats.org/markup-compatibility/2006">
-        <mc:Choice xmlns:a14="http://schemas.microsoft.com/office/drawing/2010/main" Requires="a14">
+      <mc:AlternateContent xmlns:mc="http://schemas.openxmlformats.org/markup-compatibility/2006" xmlns:a14="http://schemas.microsoft.com/office/drawing/2010/main">
+        <mc:Choice Requires="a14">
           <p:sp>
             <p:nvSpPr>
               <p:cNvPr id="7" name="Rechteck: abgerundete Ecken 6">
@@ -13405,7 +14116,7 @@
             </p:txBody>
           </p:sp>
         </mc:Choice>
-        <mc:Fallback>
+        <mc:Fallback xmlns="">
           <p:sp>
             <p:nvSpPr>
               <p:cNvPr id="7" name="Rechteck: abgerundete Ecken 6">
@@ -13453,8 +14164,8 @@
           </p:sp>
         </mc:Fallback>
       </mc:AlternateContent>
-      <mc:AlternateContent xmlns:mc="http://schemas.openxmlformats.org/markup-compatibility/2006">
-        <mc:Choice xmlns:a14="http://schemas.microsoft.com/office/drawing/2010/main" Requires="a14">
+      <mc:AlternateContent xmlns:mc="http://schemas.openxmlformats.org/markup-compatibility/2006" xmlns:a14="http://schemas.microsoft.com/office/drawing/2010/main">
+        <mc:Choice Requires="a14">
           <p:sp>
             <p:nvSpPr>
               <p:cNvPr id="8" name="Rechteck: abgerundete Ecken 7">
@@ -13622,7 +14333,7 @@
             </p:txBody>
           </p:sp>
         </mc:Choice>
-        <mc:Fallback>
+        <mc:Fallback xmlns="">
           <p:sp>
             <p:nvSpPr>
               <p:cNvPr id="8" name="Rechteck: abgerundete Ecken 7">
@@ -13713,8 +14424,8 @@
           </a:fontRef>
         </p:style>
       </p:cxnSp>
-      <mc:AlternateContent xmlns:mc="http://schemas.openxmlformats.org/markup-compatibility/2006">
-        <mc:Choice xmlns:a14="http://schemas.microsoft.com/office/drawing/2010/main" Requires="a14">
+      <mc:AlternateContent xmlns:mc="http://schemas.openxmlformats.org/markup-compatibility/2006" xmlns:a14="http://schemas.microsoft.com/office/drawing/2010/main">
+        <mc:Choice Requires="a14">
           <p:sp>
             <p:nvSpPr>
               <p:cNvPr id="27" name="Raute 26">
@@ -13809,7 +14520,7 @@
             </p:txBody>
           </p:sp>
         </mc:Choice>
-        <mc:Fallback>
+        <mc:Fallback xmlns="">
           <p:sp>
             <p:nvSpPr>
               <p:cNvPr id="27" name="Raute 26">
@@ -13946,8 +14657,8 @@
           </a:fontRef>
         </p:style>
       </p:cxnSp>
-      <mc:AlternateContent xmlns:mc="http://schemas.openxmlformats.org/markup-compatibility/2006">
-        <mc:Choice xmlns:a14="http://schemas.microsoft.com/office/drawing/2010/main" Requires="a14">
+      <mc:AlternateContent xmlns:mc="http://schemas.openxmlformats.org/markup-compatibility/2006" xmlns:a14="http://schemas.microsoft.com/office/drawing/2010/main">
+        <mc:Choice Requires="a14">
           <p:sp>
             <p:nvSpPr>
               <p:cNvPr id="34" name="Rechteck: abgerundete Ecken 33">
@@ -14082,7 +14793,7 @@
             </p:txBody>
           </p:sp>
         </mc:Choice>
-        <mc:Fallback>
+        <mc:Fallback xmlns="">
           <p:sp>
             <p:nvSpPr>
               <p:cNvPr id="34" name="Rechteck: abgerundete Ecken 33">
@@ -14173,8 +14884,8 @@
           </a:fontRef>
         </p:style>
       </p:cxnSp>
-      <mc:AlternateContent xmlns:mc="http://schemas.openxmlformats.org/markup-compatibility/2006">
-        <mc:Choice xmlns:a14="http://schemas.microsoft.com/office/drawing/2010/main" Requires="a14">
+      <mc:AlternateContent xmlns:mc="http://schemas.openxmlformats.org/markup-compatibility/2006" xmlns:a14="http://schemas.microsoft.com/office/drawing/2010/main">
+        <mc:Choice Requires="a14">
           <p:sp>
             <p:nvSpPr>
               <p:cNvPr id="14" name="Rechteck: abgerundete Ecken 13">
@@ -14269,7 +14980,7 @@
             </p:txBody>
           </p:sp>
         </mc:Choice>
-        <mc:Fallback>
+        <mc:Fallback xmlns="">
           <p:sp>
             <p:nvSpPr>
               <p:cNvPr id="14" name="Rechteck: abgerundete Ecken 13">
@@ -14363,8 +15074,8 @@
           </a:fontRef>
         </p:style>
       </p:cxnSp>
-      <mc:AlternateContent xmlns:mc="http://schemas.openxmlformats.org/markup-compatibility/2006">
-        <mc:Choice xmlns:a14="http://schemas.microsoft.com/office/drawing/2010/main" Requires="a14">
+      <mc:AlternateContent xmlns:mc="http://schemas.openxmlformats.org/markup-compatibility/2006" xmlns:a14="http://schemas.microsoft.com/office/drawing/2010/main">
+        <mc:Choice Requires="a14">
           <p:sp>
             <p:nvSpPr>
               <p:cNvPr id="10" name="Textfeld 9">
@@ -14393,6 +15104,7 @@
               </a:bodyPr>
               <a:lstStyle/>
               <a:p>
+                <a:pPr/>
                 <a14:m>
                   <m:oMathPara xmlns:m="http://schemas.openxmlformats.org/officeDocument/2006/math">
                     <m:oMathParaPr>
@@ -14441,7 +15153,7 @@
             </p:txBody>
           </p:sp>
         </mc:Choice>
-        <mc:Fallback>
+        <mc:Fallback xmlns="">
           <p:sp>
             <p:nvSpPr>
               <p:cNvPr id="10" name="Textfeld 9">
@@ -14486,8 +15198,8 @@
           </p:sp>
         </mc:Fallback>
       </mc:AlternateContent>
-      <mc:AlternateContent xmlns:mc="http://schemas.openxmlformats.org/markup-compatibility/2006">
-        <mc:Choice xmlns:a14="http://schemas.microsoft.com/office/drawing/2010/main" Requires="a14">
+      <mc:AlternateContent xmlns:mc="http://schemas.openxmlformats.org/markup-compatibility/2006" xmlns:a14="http://schemas.microsoft.com/office/drawing/2010/main">
+        <mc:Choice Requires="a14">
           <p:sp>
             <p:nvSpPr>
               <p:cNvPr id="18" name="Textfeld 17">
@@ -14516,6 +15228,7 @@
               </a:bodyPr>
               <a:lstStyle/>
               <a:p>
+                <a:pPr/>
                 <a14:m>
                   <m:oMathPara xmlns:m="http://schemas.openxmlformats.org/officeDocument/2006/math">
                     <m:oMathParaPr>
@@ -14568,7 +15281,7 @@
             </p:txBody>
           </p:sp>
         </mc:Choice>
-        <mc:Fallback>
+        <mc:Fallback xmlns="">
           <p:sp>
             <p:nvSpPr>
               <p:cNvPr id="18" name="Textfeld 17">
@@ -14613,8 +15326,8 @@
           </p:sp>
         </mc:Fallback>
       </mc:AlternateContent>
-      <mc:AlternateContent xmlns:mc="http://schemas.openxmlformats.org/markup-compatibility/2006">
-        <mc:Choice xmlns:a14="http://schemas.microsoft.com/office/drawing/2010/main" Requires="a14">
+      <mc:AlternateContent xmlns:mc="http://schemas.openxmlformats.org/markup-compatibility/2006" xmlns:a14="http://schemas.microsoft.com/office/drawing/2010/main">
+        <mc:Choice Requires="a14">
           <p:sp>
             <p:nvSpPr>
               <p:cNvPr id="20" name="Textfeld 19">
@@ -14643,6 +15356,7 @@
               </a:bodyPr>
               <a:lstStyle/>
               <a:p>
+                <a:pPr/>
                 <a14:m>
                   <m:oMathPara xmlns:m="http://schemas.openxmlformats.org/officeDocument/2006/math">
                     <m:oMathParaPr>
@@ -14695,7 +15409,7 @@
             </p:txBody>
           </p:sp>
         </mc:Choice>
-        <mc:Fallback>
+        <mc:Fallback xmlns="">
           <p:sp>
             <p:nvSpPr>
               <p:cNvPr id="20" name="Textfeld 19">
@@ -14740,8 +15454,8 @@
           </p:sp>
         </mc:Fallback>
       </mc:AlternateContent>
-      <mc:AlternateContent xmlns:mc="http://schemas.openxmlformats.org/markup-compatibility/2006">
-        <mc:Choice xmlns:a14="http://schemas.microsoft.com/office/drawing/2010/main" Requires="a14">
+      <mc:AlternateContent xmlns:mc="http://schemas.openxmlformats.org/markup-compatibility/2006" xmlns:a14="http://schemas.microsoft.com/office/drawing/2010/main">
+        <mc:Choice Requires="a14">
           <p:sp>
             <p:nvSpPr>
               <p:cNvPr id="11" name="Textfeld 10">
@@ -14770,6 +15484,7 @@
               </a:bodyPr>
               <a:lstStyle/>
               <a:p>
+                <a:pPr/>
                 <a14:m>
                   <m:oMathPara xmlns:m="http://schemas.openxmlformats.org/officeDocument/2006/math">
                     <m:oMathParaPr>
@@ -14815,7 +15530,7 @@
             </p:txBody>
           </p:sp>
         </mc:Choice>
-        <mc:Fallback>
+        <mc:Fallback xmlns="">
           <p:sp>
             <p:nvSpPr>
               <p:cNvPr id="11" name="Textfeld 10">
@@ -16327,8 +17042,8 @@
           </p:sp>
         </mc:Fallback>
       </mc:AlternateContent>
-      <mc:AlternateContent xmlns:mc="http://schemas.openxmlformats.org/markup-compatibility/2006">
-        <mc:Choice xmlns:a14="http://schemas.microsoft.com/office/drawing/2010/main" Requires="a14">
+      <mc:AlternateContent xmlns:mc="http://schemas.openxmlformats.org/markup-compatibility/2006" xmlns:a14="http://schemas.microsoft.com/office/drawing/2010/main">
+        <mc:Choice Requires="a14">
           <p:sp>
             <p:nvSpPr>
               <p:cNvPr id="8" name="Rechteck: abgerundete Ecken 7">
@@ -16484,7 +17199,7 @@
             </p:txBody>
           </p:sp>
         </mc:Choice>
-        <mc:Fallback>
+        <mc:Fallback xmlns="">
           <p:sp>
             <p:nvSpPr>
               <p:cNvPr id="8" name="Rechteck: abgerundete Ecken 7">
@@ -16575,8 +17290,8 @@
           </a:fontRef>
         </p:style>
       </p:cxnSp>
-      <mc:AlternateContent xmlns:mc="http://schemas.openxmlformats.org/markup-compatibility/2006">
-        <mc:Choice xmlns:a14="http://schemas.microsoft.com/office/drawing/2010/main" Requires="a14">
+      <mc:AlternateContent xmlns:mc="http://schemas.openxmlformats.org/markup-compatibility/2006" xmlns:a14="http://schemas.microsoft.com/office/drawing/2010/main">
+        <mc:Choice Requires="a14">
           <p:sp>
             <p:nvSpPr>
               <p:cNvPr id="27" name="Raute 26">
@@ -16661,7 +17376,7 @@
             </p:txBody>
           </p:sp>
         </mc:Choice>
-        <mc:Fallback>
+        <mc:Fallback xmlns="">
           <p:sp>
             <p:nvSpPr>
               <p:cNvPr id="27" name="Raute 26">
@@ -16798,8 +17513,8 @@
           </a:fontRef>
         </p:style>
       </p:cxnSp>
-      <mc:AlternateContent xmlns:mc="http://schemas.openxmlformats.org/markup-compatibility/2006">
-        <mc:Choice xmlns:a14="http://schemas.microsoft.com/office/drawing/2010/main" Requires="a14">
+      <mc:AlternateContent xmlns:mc="http://schemas.openxmlformats.org/markup-compatibility/2006" xmlns:a14="http://schemas.microsoft.com/office/drawing/2010/main">
+        <mc:Choice Requires="a14">
           <p:sp>
             <p:nvSpPr>
               <p:cNvPr id="34" name="Rechteck: abgerundete Ecken 33">
@@ -16922,7 +17637,7 @@
             </p:txBody>
           </p:sp>
         </mc:Choice>
-        <mc:Fallback>
+        <mc:Fallback xmlns="">
           <p:sp>
             <p:nvSpPr>
               <p:cNvPr id="34" name="Rechteck: abgerundete Ecken 33">
@@ -17079,8 +17794,8 @@
           </a:p>
         </p:txBody>
       </p:sp>
-      <mc:AlternateContent xmlns:mc="http://schemas.openxmlformats.org/markup-compatibility/2006">
-        <mc:Choice xmlns:a14="http://schemas.microsoft.com/office/drawing/2010/main" Requires="a14">
+      <mc:AlternateContent xmlns:mc="http://schemas.openxmlformats.org/markup-compatibility/2006" xmlns:a14="http://schemas.microsoft.com/office/drawing/2010/main">
+        <mc:Choice Requires="a14">
           <p:sp>
             <p:nvSpPr>
               <p:cNvPr id="3" name="Inhaltsplatzhalter 2">
@@ -18202,7 +18917,7 @@
             </p:txBody>
           </p:sp>
         </mc:Choice>
-        <mc:Fallback>
+        <mc:Fallback xmlns="">
           <p:sp>
             <p:nvSpPr>
               <p:cNvPr id="3" name="Inhaltsplatzhalter 2">
@@ -18341,8 +19056,8 @@
           <a:chExt cx="0" cy="0"/>
         </a:xfrm>
       </p:grpSpPr>
-      <mc:AlternateContent xmlns:mc="http://schemas.openxmlformats.org/markup-compatibility/2006">
-        <mc:Choice xmlns:a14="http://schemas.microsoft.com/office/drawing/2010/main" Requires="a14">
+      <mc:AlternateContent xmlns:mc="http://schemas.openxmlformats.org/markup-compatibility/2006" xmlns:a14="http://schemas.microsoft.com/office/drawing/2010/main">
+        <mc:Choice Requires="a14">
           <p:sp>
             <p:nvSpPr>
               <p:cNvPr id="2" name="Titel 1">
@@ -18405,7 +19120,7 @@
             </p:txBody>
           </p:sp>
         </mc:Choice>
-        <mc:Fallback>
+        <mc:Fallback xmlns="">
           <p:sp>
             <p:nvSpPr>
               <p:cNvPr id="2" name="Titel 1">
@@ -18449,8 +19164,8 @@
           </p:sp>
         </mc:Fallback>
       </mc:AlternateContent>
-      <mc:AlternateContent xmlns:mc="http://schemas.openxmlformats.org/markup-compatibility/2006">
-        <mc:Choice xmlns:a14="http://schemas.microsoft.com/office/drawing/2010/main" Requires="a14">
+      <mc:AlternateContent xmlns:mc="http://schemas.openxmlformats.org/markup-compatibility/2006" xmlns:a14="http://schemas.microsoft.com/office/drawing/2010/main">
+        <mc:Choice Requires="a14">
           <p:sp>
             <p:nvSpPr>
               <p:cNvPr id="3" name="Inhaltsplatzhalter 2">
@@ -18561,7 +19276,7 @@
             </p:txBody>
           </p:sp>
         </mc:Choice>
-        <mc:Fallback>
+        <mc:Fallback xmlns="">
           <p:sp>
             <p:nvSpPr>
               <p:cNvPr id="3" name="Inhaltsplatzhalter 2">
@@ -18722,6 +19437,1515 @@
           </a:prstGeom>
           <a:gradFill>
             <a:gsLst>
+              <a:gs pos="30000">
+                <a:schemeClr val="accent3">
+                  <a:lumMod val="40000"/>
+                  <a:lumOff val="60000"/>
+                </a:schemeClr>
+              </a:gs>
+              <a:gs pos="40000">
+                <a:schemeClr val="bg1"/>
+              </a:gs>
+            </a:gsLst>
+            <a:lin ang="0" scaled="0"/>
+          </a:gradFill>
+          <a:ln>
+            <a:noFill/>
+          </a:ln>
+        </p:spPr>
+        <p:style>
+          <a:lnRef idx="2">
+            <a:schemeClr val="accent1">
+              <a:shade val="50000"/>
+            </a:schemeClr>
+          </a:lnRef>
+          <a:fillRef idx="1">
+            <a:schemeClr val="accent1"/>
+          </a:fillRef>
+          <a:effectRef idx="0">
+            <a:schemeClr val="accent1"/>
+          </a:effectRef>
+          <a:fontRef idx="minor">
+            <a:schemeClr val="lt1"/>
+          </a:fontRef>
+        </p:style>
+        <p:txBody>
+          <a:bodyPr rtlCol="0" anchor="ctr"/>
+          <a:lstStyle/>
+          <a:p>
+            <a:pPr algn="ctr"/>
+            <a:endParaRPr lang="de-DE"/>
+          </a:p>
+        </p:txBody>
+      </p:sp>
+      <p:sp>
+        <p:nvSpPr>
+          <p:cNvPr id="2" name="Titel 1">
+            <a:extLst>
+              <a:ext uri="{FF2B5EF4-FFF2-40B4-BE49-F238E27FC236}">
+                <a16:creationId xmlns:a16="http://schemas.microsoft.com/office/drawing/2014/main" id="{05F9BAA4-7E2C-49B0-A8A8-D436EB0C28B8}"/>
+              </a:ext>
+            </a:extLst>
+          </p:cNvPr>
+          <p:cNvSpPr>
+            <a:spLocks noGrp="1"/>
+          </p:cNvSpPr>
+          <p:nvPr>
+            <p:ph type="title"/>
+          </p:nvPr>
+        </p:nvSpPr>
+        <p:spPr>
+          <a:xfrm>
+            <a:off x="0" y="18255"/>
+            <a:ext cx="9144000" cy="1056401"/>
+          </a:xfrm>
+        </p:spPr>
+        <p:txBody>
+          <a:bodyPr>
+            <a:normAutofit/>
+          </a:bodyPr>
+          <a:lstStyle/>
+          <a:p>
+            <a:pPr algn="ctr"/>
+            <a:r>
+              <a:rPr lang="de-DE" sz="5400"/>
+              <a:t>Hidden Markov Model</a:t>
+            </a:r>
+          </a:p>
+        </p:txBody>
+      </p:sp>
+      <p:cxnSp>
+        <p:nvCxnSpPr>
+          <p:cNvPr id="5" name="Gerader Verbinder 4">
+            <a:extLst>
+              <a:ext uri="{FF2B5EF4-FFF2-40B4-BE49-F238E27FC236}">
+                <a16:creationId xmlns:a16="http://schemas.microsoft.com/office/drawing/2014/main" id="{1892A047-1063-4568-A9A5-DA40684BA449}"/>
+              </a:ext>
+            </a:extLst>
+          </p:cNvPr>
+          <p:cNvCxnSpPr/>
+          <p:nvPr/>
+        </p:nvCxnSpPr>
+        <p:spPr>
+          <a:xfrm>
+            <a:off x="0" y="1065231"/>
+            <a:ext cx="9144000" cy="0"/>
+          </a:xfrm>
+          <a:prstGeom prst="line">
+            <a:avLst/>
+          </a:prstGeom>
+        </p:spPr>
+        <p:style>
+          <a:lnRef idx="1">
+            <a:schemeClr val="accent1"/>
+          </a:lnRef>
+          <a:fillRef idx="0">
+            <a:schemeClr val="accent1"/>
+          </a:fillRef>
+          <a:effectRef idx="0">
+            <a:schemeClr val="accent1"/>
+          </a:effectRef>
+          <a:fontRef idx="minor">
+            <a:schemeClr val="tx1"/>
+          </a:fontRef>
+        </p:style>
+      </p:cxnSp>
+      <p:sp>
+        <p:nvSpPr>
+          <p:cNvPr id="6" name="Foliennummernplatzhalter 5">
+            <a:extLst>
+              <a:ext uri="{FF2B5EF4-FFF2-40B4-BE49-F238E27FC236}">
+                <a16:creationId xmlns:a16="http://schemas.microsoft.com/office/drawing/2014/main" id="{5140CF2F-6F7F-44F0-8F3E-6C2234A57167}"/>
+              </a:ext>
+            </a:extLst>
+          </p:cNvPr>
+          <p:cNvSpPr>
+            <a:spLocks noGrp="1"/>
+          </p:cNvSpPr>
+          <p:nvPr>
+            <p:ph type="sldNum" sz="quarter" idx="12"/>
+          </p:nvPr>
+        </p:nvSpPr>
+        <p:spPr/>
+        <p:txBody>
+          <a:bodyPr/>
+          <a:lstStyle/>
+          <a:p>
+            <a:fld id="{0696A970-E1A0-4FA3-8434-947DF6AD858B}" type="slidenum">
+              <a:rPr lang="de-DE" smtClean="0"/>
+              <a:t>8</a:t>
+            </a:fld>
+            <a:endParaRPr lang="de-DE"/>
+          </a:p>
+        </p:txBody>
+      </p:sp>
+      <mc:AlternateContent xmlns:mc="http://schemas.openxmlformats.org/markup-compatibility/2006" xmlns:a14="http://schemas.microsoft.com/office/drawing/2010/main">
+        <mc:Choice Requires="a14">
+          <p:sp>
+            <p:nvSpPr>
+              <p:cNvPr id="7" name="Rechteck: abgerundete Ecken 6">
+                <a:extLst>
+                  <a:ext uri="{FF2B5EF4-FFF2-40B4-BE49-F238E27FC236}">
+                    <a16:creationId xmlns:a16="http://schemas.microsoft.com/office/drawing/2014/main" id="{FA442E37-F9B9-4845-ACFD-34AED2889B5A}"/>
+                  </a:ext>
+                </a:extLst>
+              </p:cNvPr>
+              <p:cNvSpPr/>
+              <p:nvPr/>
+            </p:nvSpPr>
+            <p:spPr>
+              <a:xfrm>
+                <a:off x="3927524" y="3944137"/>
+                <a:ext cx="1819910" cy="918686"/>
+              </a:xfrm>
+              <a:prstGeom prst="roundRect">
+                <a:avLst/>
+              </a:prstGeom>
+              <a:solidFill>
+                <a:schemeClr val="accent2"/>
+              </a:solidFill>
+              <a:ln>
+                <a:noFill/>
+              </a:ln>
+            </p:spPr>
+            <p:style>
+              <a:lnRef idx="2">
+                <a:schemeClr val="accent1">
+                  <a:shade val="50000"/>
+                </a:schemeClr>
+              </a:lnRef>
+              <a:fillRef idx="1">
+                <a:schemeClr val="accent1"/>
+              </a:fillRef>
+              <a:effectRef idx="0">
+                <a:schemeClr val="accent1"/>
+              </a:effectRef>
+              <a:fontRef idx="minor">
+                <a:schemeClr val="lt1"/>
+              </a:fontRef>
+            </p:style>
+            <p:txBody>
+              <a:bodyPr rtlCol="0" anchor="ctr"/>
+              <a:lstStyle/>
+              <a:p>
+                <a:pPr algn="ctr"/>
+                <a:r>
+                  <a:rPr lang="de-DE"/>
+                  <a:t>sensor readings</a:t>
+                </a:r>
+              </a:p>
+              <a:p>
+                <a:pPr algn="ctr"/>
+                <a14:m>
+                  <m:oMathPara xmlns:m="http://schemas.openxmlformats.org/officeDocument/2006/math">
+                    <m:oMathParaPr>
+                      <m:jc m:val="centerGroup"/>
+                    </m:oMathParaPr>
+                    <m:oMath xmlns:m="http://schemas.openxmlformats.org/officeDocument/2006/math">
+                      <m:sSub>
+                        <m:sSubPr>
+                          <m:ctrlPr>
+                            <a:rPr lang="de-DE" b="0" i="1" smtClean="0">
+                              <a:latin typeface="Cambria Math" panose="02040503050406030204" pitchFamily="18" charset="0"/>
+                            </a:rPr>
+                          </m:ctrlPr>
+                        </m:sSubPr>
+                        <m:e>
+                          <m:r>
+                            <a:rPr lang="de-DE" b="0" i="1" smtClean="0">
+                              <a:latin typeface="Cambria Math" panose="02040503050406030204" pitchFamily="18" charset="0"/>
+                            </a:rPr>
+                            <m:t>𝑧</m:t>
+                          </m:r>
+                        </m:e>
+                        <m:sub>
+                          <m:r>
+                            <a:rPr lang="de-DE" b="0" i="1" smtClean="0">
+                              <a:latin typeface="Cambria Math" panose="02040503050406030204" pitchFamily="18" charset="0"/>
+                            </a:rPr>
+                            <m:t>𝑘</m:t>
+                          </m:r>
+                        </m:sub>
+                      </m:sSub>
+                    </m:oMath>
+                  </m:oMathPara>
+                </a14:m>
+                <a:endParaRPr lang="de-DE"/>
+              </a:p>
+            </p:txBody>
+          </p:sp>
+        </mc:Choice>
+        <mc:Fallback xmlns="">
+          <p:sp>
+            <p:nvSpPr>
+              <p:cNvPr id="7" name="Rechteck: abgerundete Ecken 6">
+                <a:extLst>
+                  <a:ext uri="{FF2B5EF4-FFF2-40B4-BE49-F238E27FC236}">
+                    <a16:creationId xmlns:a16="http://schemas.microsoft.com/office/drawing/2014/main" id="{FA442E37-F9B9-4845-ACFD-34AED2889B5A}"/>
+                  </a:ext>
+                </a:extLst>
+              </p:cNvPr>
+              <p:cNvSpPr>
+                <a:spLocks noRot="1" noChangeAspect="1" noMove="1" noResize="1" noEditPoints="1" noAdjustHandles="1" noChangeArrowheads="1" noChangeShapeType="1" noTextEdit="1"/>
+              </p:cNvSpPr>
+              <p:nvPr/>
+            </p:nvSpPr>
+            <p:spPr>
+              <a:xfrm>
+                <a:off x="3927524" y="3944137"/>
+                <a:ext cx="1819910" cy="918686"/>
+              </a:xfrm>
+              <a:prstGeom prst="roundRect">
+                <a:avLst/>
+              </a:prstGeom>
+              <a:blipFill>
+                <a:blip r:embed="rId3"/>
+                <a:stretch>
+                  <a:fillRect/>
+                </a:stretch>
+              </a:blipFill>
+              <a:ln>
+                <a:noFill/>
+              </a:ln>
+            </p:spPr>
+            <p:txBody>
+              <a:bodyPr/>
+              <a:lstStyle/>
+              <a:p>
+                <a:r>
+                  <a:rPr lang="de-DE">
+                    <a:noFill/>
+                  </a:rPr>
+                  <a:t> </a:t>
+                </a:r>
+              </a:p>
+            </p:txBody>
+          </p:sp>
+        </mc:Fallback>
+      </mc:AlternateContent>
+      <mc:AlternateContent xmlns:mc="http://schemas.openxmlformats.org/markup-compatibility/2006">
+        <mc:Choice xmlns:a14="http://schemas.microsoft.com/office/drawing/2010/main" Requires="a14">
+          <p:sp>
+            <p:nvSpPr>
+              <p:cNvPr id="14" name="Rechteck: abgerundete Ecken 13">
+                <a:extLst>
+                  <a:ext uri="{FF2B5EF4-FFF2-40B4-BE49-F238E27FC236}">
+                    <a16:creationId xmlns:a16="http://schemas.microsoft.com/office/drawing/2014/main" id="{772D21F0-83B4-4904-B016-9ED91A301354}"/>
+                  </a:ext>
+                </a:extLst>
+              </p:cNvPr>
+              <p:cNvSpPr/>
+              <p:nvPr/>
+            </p:nvSpPr>
+            <p:spPr>
+              <a:xfrm>
+                <a:off x="1343628" y="2299519"/>
+                <a:ext cx="1071194" cy="704868"/>
+              </a:xfrm>
+              <a:prstGeom prst="roundRect">
+                <a:avLst/>
+              </a:prstGeom>
+              <a:solidFill>
+                <a:schemeClr val="accent3">
+                  <a:lumMod val="75000"/>
+                </a:schemeClr>
+              </a:solidFill>
+              <a:ln>
+                <a:noFill/>
+              </a:ln>
+            </p:spPr>
+            <p:style>
+              <a:lnRef idx="2">
+                <a:schemeClr val="accent1">
+                  <a:shade val="50000"/>
+                </a:schemeClr>
+              </a:lnRef>
+              <a:fillRef idx="1">
+                <a:schemeClr val="accent1"/>
+              </a:fillRef>
+              <a:effectRef idx="0">
+                <a:schemeClr val="accent1"/>
+              </a:effectRef>
+              <a:fontRef idx="minor">
+                <a:schemeClr val="lt1"/>
+              </a:fontRef>
+            </p:style>
+            <p:txBody>
+              <a:bodyPr rtlCol="0" anchor="ctr"/>
+              <a:lstStyle/>
+              <a:p>
+                <a:pPr algn="ctr"/>
+                <a:r>
+                  <a:rPr lang="de-DE"/>
+                  <a:t>state </a:t>
+                </a:r>
+                <a14:m>
+                  <m:oMath xmlns:m="http://schemas.openxmlformats.org/officeDocument/2006/math">
+                    <m:r>
+                      <a:rPr lang="de-DE" b="0" i="1" smtClean="0">
+                        <a:latin typeface="Cambria Math" panose="02040503050406030204" pitchFamily="18" charset="0"/>
+                      </a:rPr>
+                      <m:t>𝑘</m:t>
+                    </m:r>
+                    <m:r>
+                      <a:rPr lang="de-DE" b="0" i="1" smtClean="0">
+                        <a:latin typeface="Cambria Math" panose="02040503050406030204" pitchFamily="18" charset="0"/>
+                      </a:rPr>
+                      <m:t>−2</m:t>
+                    </m:r>
+                  </m:oMath>
+                </a14:m>
+                <a:endParaRPr lang="de-DE" b="0"/>
+              </a:p>
+            </p:txBody>
+          </p:sp>
+        </mc:Choice>
+        <mc:Fallback>
+          <p:sp>
+            <p:nvSpPr>
+              <p:cNvPr id="14" name="Rechteck: abgerundete Ecken 13">
+                <a:extLst>
+                  <a:ext uri="{FF2B5EF4-FFF2-40B4-BE49-F238E27FC236}">
+                    <a16:creationId xmlns:a16="http://schemas.microsoft.com/office/drawing/2014/main" id="{772D21F0-83B4-4904-B016-9ED91A301354}"/>
+                  </a:ext>
+                </a:extLst>
+              </p:cNvPr>
+              <p:cNvSpPr>
+                <a:spLocks noRot="1" noChangeAspect="1" noMove="1" noResize="1" noEditPoints="1" noAdjustHandles="1" noChangeArrowheads="1" noChangeShapeType="1" noTextEdit="1"/>
+              </p:cNvSpPr>
+              <p:nvPr/>
+            </p:nvSpPr>
+            <p:spPr>
+              <a:xfrm>
+                <a:off x="1343628" y="2299519"/>
+                <a:ext cx="1071194" cy="704868"/>
+              </a:xfrm>
+              <a:prstGeom prst="roundRect">
+                <a:avLst/>
+              </a:prstGeom>
+              <a:blipFill>
+                <a:blip r:embed="rId4"/>
+                <a:stretch>
+                  <a:fillRect/>
+                </a:stretch>
+              </a:blipFill>
+              <a:ln>
+                <a:noFill/>
+              </a:ln>
+            </p:spPr>
+            <p:txBody>
+              <a:bodyPr/>
+              <a:lstStyle/>
+              <a:p>
+                <a:r>
+                  <a:rPr lang="de-DE">
+                    <a:noFill/>
+                  </a:rPr>
+                  <a:t> </a:t>
+                </a:r>
+              </a:p>
+            </p:txBody>
+          </p:sp>
+        </mc:Fallback>
+      </mc:AlternateContent>
+      <p:sp>
+        <p:nvSpPr>
+          <p:cNvPr id="3" name="Rechteck 2">
+            <a:extLst>
+              <a:ext uri="{FF2B5EF4-FFF2-40B4-BE49-F238E27FC236}">
+                <a16:creationId xmlns:a16="http://schemas.microsoft.com/office/drawing/2014/main" id="{E80E2245-9499-4961-8176-1EDAD256DDED}"/>
+              </a:ext>
+            </a:extLst>
+          </p:cNvPr>
+          <p:cNvSpPr/>
+          <p:nvPr/>
+        </p:nvSpPr>
+        <p:spPr>
+          <a:xfrm>
+            <a:off x="1456724" y="3193975"/>
+            <a:ext cx="845002" cy="514902"/>
+          </a:xfrm>
+          <a:prstGeom prst="rect">
+            <a:avLst/>
+          </a:prstGeom>
+          <a:solidFill>
+            <a:schemeClr val="accent3">
+              <a:lumMod val="75000"/>
+            </a:schemeClr>
+          </a:solidFill>
+          <a:ln>
+            <a:noFill/>
+          </a:ln>
+        </p:spPr>
+        <p:style>
+          <a:lnRef idx="2">
+            <a:schemeClr val="accent1">
+              <a:shade val="50000"/>
+            </a:schemeClr>
+          </a:lnRef>
+          <a:fillRef idx="1">
+            <a:schemeClr val="accent1"/>
+          </a:fillRef>
+          <a:effectRef idx="0">
+            <a:schemeClr val="accent1"/>
+          </a:effectRef>
+          <a:fontRef idx="minor">
+            <a:schemeClr val="lt1"/>
+          </a:fontRef>
+        </p:style>
+        <p:txBody>
+          <a:bodyPr rtlCol="0" anchor="ctr"/>
+          <a:lstStyle/>
+          <a:p>
+            <a:pPr algn="ctr"/>
+            <a:endParaRPr lang="de-DE">
+              <a:solidFill>
+                <a:schemeClr val="bg1"/>
+              </a:solidFill>
+            </a:endParaRPr>
+          </a:p>
+        </p:txBody>
+      </p:sp>
+      <p:cxnSp>
+        <p:nvCxnSpPr>
+          <p:cNvPr id="10" name="Gerader Verbinder 9">
+            <a:extLst>
+              <a:ext uri="{FF2B5EF4-FFF2-40B4-BE49-F238E27FC236}">
+                <a16:creationId xmlns:a16="http://schemas.microsoft.com/office/drawing/2014/main" id="{510261C7-BC01-49E1-B049-800D7B088BD2}"/>
+              </a:ext>
+            </a:extLst>
+          </p:cNvPr>
+          <p:cNvCxnSpPr>
+            <a:cxnSpLocks/>
+            <a:stCxn id="14" idx="2"/>
+            <a:endCxn id="3" idx="0"/>
+          </p:cNvCxnSpPr>
+          <p:nvPr/>
+        </p:nvCxnSpPr>
+        <p:spPr>
+          <a:xfrm>
+            <a:off x="1879225" y="3004387"/>
+            <a:ext cx="0" cy="189588"/>
+          </a:xfrm>
+          <a:prstGeom prst="line">
+            <a:avLst/>
+          </a:prstGeom>
+          <a:ln>
+            <a:solidFill>
+              <a:schemeClr val="tx1"/>
+            </a:solidFill>
+            <a:headEnd w="lg" len="lg"/>
+            <a:tailEnd type="triangle" w="lg" len="lg"/>
+          </a:ln>
+        </p:spPr>
+        <p:style>
+          <a:lnRef idx="1">
+            <a:schemeClr val="accent1"/>
+          </a:lnRef>
+          <a:fillRef idx="0">
+            <a:schemeClr val="accent1"/>
+          </a:fillRef>
+          <a:effectRef idx="0">
+            <a:schemeClr val="accent1"/>
+          </a:effectRef>
+          <a:fontRef idx="minor">
+            <a:schemeClr val="tx1"/>
+          </a:fontRef>
+        </p:style>
+      </p:cxnSp>
+      <p:sp>
+        <p:nvSpPr>
+          <p:cNvPr id="26" name="Rechteck 25">
+            <a:extLst>
+              <a:ext uri="{FF2B5EF4-FFF2-40B4-BE49-F238E27FC236}">
+                <a16:creationId xmlns:a16="http://schemas.microsoft.com/office/drawing/2014/main" id="{E80F9302-E6BB-4FE8-95E9-9B0472110C39}"/>
+              </a:ext>
+            </a:extLst>
+          </p:cNvPr>
+          <p:cNvSpPr/>
+          <p:nvPr/>
+        </p:nvSpPr>
+        <p:spPr>
+          <a:xfrm>
+            <a:off x="3721801" y="5415187"/>
+            <a:ext cx="2231356" cy="918686"/>
+          </a:xfrm>
+          <a:prstGeom prst="rect">
+            <a:avLst/>
+          </a:prstGeom>
+          <a:solidFill>
+            <a:schemeClr val="accent3">
+              <a:lumMod val="75000"/>
+            </a:schemeClr>
+          </a:solidFill>
+          <a:ln>
+            <a:noFill/>
+          </a:ln>
+        </p:spPr>
+        <p:style>
+          <a:lnRef idx="2">
+            <a:schemeClr val="accent1">
+              <a:shade val="50000"/>
+            </a:schemeClr>
+          </a:lnRef>
+          <a:fillRef idx="1">
+            <a:schemeClr val="accent1"/>
+          </a:fillRef>
+          <a:effectRef idx="0">
+            <a:schemeClr val="accent1"/>
+          </a:effectRef>
+          <a:fontRef idx="minor">
+            <a:schemeClr val="lt1"/>
+          </a:fontRef>
+        </p:style>
+        <p:txBody>
+          <a:bodyPr rtlCol="0" anchor="ctr"/>
+          <a:lstStyle/>
+          <a:p>
+            <a:pPr algn="ctr"/>
+            <a:r>
+              <a:rPr lang="de-DE">
+                <a:solidFill>
+                  <a:schemeClr val="bg1"/>
+                </a:solidFill>
+              </a:rPr>
+              <a:t>observation model</a:t>
+            </a:r>
+            <a:endParaRPr lang="de-DE">
+              <a:solidFill>
+                <a:schemeClr val="bg1"/>
+              </a:solidFill>
+              <a:latin typeface="Corbel" panose="020B0503020204020204" pitchFamily="34" charset="0"/>
+            </a:endParaRPr>
+          </a:p>
+        </p:txBody>
+      </p:sp>
+      <p:cxnSp>
+        <p:nvCxnSpPr>
+          <p:cNvPr id="22" name="Gerader Verbinder 21">
+            <a:extLst>
+              <a:ext uri="{FF2B5EF4-FFF2-40B4-BE49-F238E27FC236}">
+                <a16:creationId xmlns:a16="http://schemas.microsoft.com/office/drawing/2014/main" id="{7C5BAD98-A193-4D48-9060-EFDD0B7317BD}"/>
+              </a:ext>
+            </a:extLst>
+          </p:cNvPr>
+          <p:cNvCxnSpPr>
+            <a:cxnSpLocks/>
+            <a:endCxn id="26" idx="1"/>
+          </p:cNvCxnSpPr>
+          <p:nvPr/>
+        </p:nvCxnSpPr>
+        <p:spPr>
+          <a:xfrm flipV="1">
+            <a:off x="3108352" y="5874530"/>
+            <a:ext cx="613449" cy="13055"/>
+          </a:xfrm>
+          <a:prstGeom prst="line">
+            <a:avLst/>
+          </a:prstGeom>
+          <a:ln>
+            <a:solidFill>
+              <a:schemeClr val="tx1"/>
+            </a:solidFill>
+            <a:headEnd w="lg" len="lg"/>
+            <a:tailEnd type="triangle" w="lg" len="lg"/>
+          </a:ln>
+        </p:spPr>
+        <p:style>
+          <a:lnRef idx="1">
+            <a:schemeClr val="accent1"/>
+          </a:lnRef>
+          <a:fillRef idx="0">
+            <a:schemeClr val="accent1"/>
+          </a:fillRef>
+          <a:effectRef idx="0">
+            <a:schemeClr val="accent1"/>
+          </a:effectRef>
+          <a:fontRef idx="minor">
+            <a:schemeClr val="tx1"/>
+          </a:fontRef>
+        </p:style>
+      </p:cxnSp>
+      <p:sp>
+        <p:nvSpPr>
+          <p:cNvPr id="37" name="Textfeld 36">
+            <a:extLst>
+              <a:ext uri="{FF2B5EF4-FFF2-40B4-BE49-F238E27FC236}">
+                <a16:creationId xmlns:a16="http://schemas.microsoft.com/office/drawing/2014/main" id="{18962E41-8479-401C-B357-559562D40393}"/>
+              </a:ext>
+            </a:extLst>
+          </p:cNvPr>
+          <p:cNvSpPr txBox="1"/>
+          <p:nvPr/>
+        </p:nvSpPr>
+        <p:spPr>
+          <a:xfrm>
+            <a:off x="921440" y="1105871"/>
+            <a:ext cx="1495602" cy="984885"/>
+          </a:xfrm>
+          <a:prstGeom prst="rect">
+            <a:avLst/>
+          </a:prstGeom>
+          <a:noFill/>
+        </p:spPr>
+        <p:txBody>
+          <a:bodyPr wrap="none" rtlCol="0">
+            <a:spAutoFit/>
+          </a:bodyPr>
+          <a:lstStyle/>
+          <a:p>
+            <a:pPr algn="ctr"/>
+            <a:r>
+              <a:rPr lang="de-DE" sz="4000"/>
+              <a:t>reality</a:t>
+            </a:r>
+          </a:p>
+          <a:p>
+            <a:pPr algn="ctr"/>
+            <a:r>
+              <a:rPr lang="de-DE"/>
+              <a:t>(hidden)</a:t>
+            </a:r>
+          </a:p>
+        </p:txBody>
+      </p:sp>
+      <p:sp>
+        <p:nvSpPr>
+          <p:cNvPr id="39" name="Textfeld 38">
+            <a:extLst>
+              <a:ext uri="{FF2B5EF4-FFF2-40B4-BE49-F238E27FC236}">
+                <a16:creationId xmlns:a16="http://schemas.microsoft.com/office/drawing/2014/main" id="{75423E59-75BF-4295-8E44-ABF34B661813}"/>
+              </a:ext>
+            </a:extLst>
+          </p:cNvPr>
+          <p:cNvSpPr txBox="1"/>
+          <p:nvPr/>
+        </p:nvSpPr>
+        <p:spPr>
+          <a:xfrm>
+            <a:off x="6817896" y="1144137"/>
+            <a:ext cx="1176219" cy="984885"/>
+          </a:xfrm>
+          <a:prstGeom prst="rect">
+            <a:avLst/>
+          </a:prstGeom>
+          <a:noFill/>
+        </p:spPr>
+        <p:txBody>
+          <a:bodyPr wrap="none" rtlCol="0">
+            <a:spAutoFit/>
+          </a:bodyPr>
+          <a:lstStyle/>
+          <a:p>
+            <a:pPr algn="ctr"/>
+            <a:r>
+              <a:rPr lang="de-DE" sz="4000"/>
+              <a:t>filter</a:t>
+            </a:r>
+          </a:p>
+          <a:p>
+            <a:pPr algn="ctr"/>
+            <a:endParaRPr lang="de-DE"/>
+          </a:p>
+        </p:txBody>
+      </p:sp>
+      <p:cxnSp>
+        <p:nvCxnSpPr>
+          <p:cNvPr id="41" name="Gerader Verbinder 40">
+            <a:extLst>
+              <a:ext uri="{FF2B5EF4-FFF2-40B4-BE49-F238E27FC236}">
+                <a16:creationId xmlns:a16="http://schemas.microsoft.com/office/drawing/2014/main" id="{AC5F31ED-B968-4E1A-8A95-3B71658C21D7}"/>
+              </a:ext>
+            </a:extLst>
+          </p:cNvPr>
+          <p:cNvCxnSpPr>
+            <a:stCxn id="26" idx="0"/>
+            <a:endCxn id="7" idx="2"/>
+          </p:cNvCxnSpPr>
+          <p:nvPr/>
+        </p:nvCxnSpPr>
+        <p:spPr>
+          <a:xfrm flipV="1">
+            <a:off x="4837479" y="4862823"/>
+            <a:ext cx="0" cy="552364"/>
+          </a:xfrm>
+          <a:prstGeom prst="line">
+            <a:avLst/>
+          </a:prstGeom>
+          <a:ln>
+            <a:solidFill>
+              <a:schemeClr val="tx1"/>
+            </a:solidFill>
+            <a:headEnd w="lg" len="lg"/>
+            <a:tailEnd type="triangle" w="lg" len="lg"/>
+          </a:ln>
+        </p:spPr>
+        <p:style>
+          <a:lnRef idx="1">
+            <a:schemeClr val="accent1"/>
+          </a:lnRef>
+          <a:fillRef idx="0">
+            <a:schemeClr val="accent1"/>
+          </a:fillRef>
+          <a:effectRef idx="0">
+            <a:schemeClr val="accent1"/>
+          </a:effectRef>
+          <a:fontRef idx="minor">
+            <a:schemeClr val="tx1"/>
+          </a:fontRef>
+        </p:style>
+      </p:cxnSp>
+      <p:cxnSp>
+        <p:nvCxnSpPr>
+          <p:cNvPr id="24" name="Gerader Verbinder 23">
+            <a:extLst>
+              <a:ext uri="{FF2B5EF4-FFF2-40B4-BE49-F238E27FC236}">
+                <a16:creationId xmlns:a16="http://schemas.microsoft.com/office/drawing/2014/main" id="{0A3F2CA3-D7BB-45B1-ABB9-23EB87B0C507}"/>
+              </a:ext>
+            </a:extLst>
+          </p:cNvPr>
+          <p:cNvCxnSpPr>
+            <a:cxnSpLocks/>
+          </p:cNvCxnSpPr>
+          <p:nvPr/>
+        </p:nvCxnSpPr>
+        <p:spPr>
+          <a:xfrm>
+            <a:off x="1879225" y="2063351"/>
+            <a:ext cx="0" cy="226744"/>
+          </a:xfrm>
+          <a:prstGeom prst="line">
+            <a:avLst/>
+          </a:prstGeom>
+          <a:ln>
+            <a:solidFill>
+              <a:schemeClr val="tx1"/>
+            </a:solidFill>
+            <a:headEnd w="lg" len="lg"/>
+            <a:tailEnd type="triangle" w="lg" len="lg"/>
+          </a:ln>
+        </p:spPr>
+        <p:style>
+          <a:lnRef idx="1">
+            <a:schemeClr val="accent1"/>
+          </a:lnRef>
+          <a:fillRef idx="0">
+            <a:schemeClr val="accent1"/>
+          </a:fillRef>
+          <a:effectRef idx="0">
+            <a:schemeClr val="accent1"/>
+          </a:effectRef>
+          <a:fontRef idx="minor">
+            <a:schemeClr val="tx1"/>
+          </a:fontRef>
+        </p:style>
+      </p:cxnSp>
+      <mc:AlternateContent xmlns:mc="http://schemas.openxmlformats.org/markup-compatibility/2006">
+        <mc:Choice xmlns:a14="http://schemas.microsoft.com/office/drawing/2010/main" Requires="a14">
+          <p:sp>
+            <p:nvSpPr>
+              <p:cNvPr id="33" name="Rechteck: abgerundete Ecken 32">
+                <a:extLst>
+                  <a:ext uri="{FF2B5EF4-FFF2-40B4-BE49-F238E27FC236}">
+                    <a16:creationId xmlns:a16="http://schemas.microsoft.com/office/drawing/2014/main" id="{F6793176-6682-44C4-A077-15FB1A5AEAD4}"/>
+                  </a:ext>
+                </a:extLst>
+              </p:cNvPr>
+              <p:cNvSpPr/>
+              <p:nvPr/>
+            </p:nvSpPr>
+            <p:spPr>
+              <a:xfrm>
+                <a:off x="1339794" y="3938415"/>
+                <a:ext cx="1071194" cy="704868"/>
+              </a:xfrm>
+              <a:prstGeom prst="roundRect">
+                <a:avLst/>
+              </a:prstGeom>
+              <a:solidFill>
+                <a:schemeClr val="accent3">
+                  <a:lumMod val="75000"/>
+                </a:schemeClr>
+              </a:solidFill>
+              <a:ln>
+                <a:noFill/>
+              </a:ln>
+            </p:spPr>
+            <p:style>
+              <a:lnRef idx="2">
+                <a:schemeClr val="accent1">
+                  <a:shade val="50000"/>
+                </a:schemeClr>
+              </a:lnRef>
+              <a:fillRef idx="1">
+                <a:schemeClr val="accent1"/>
+              </a:fillRef>
+              <a:effectRef idx="0">
+                <a:schemeClr val="accent1"/>
+              </a:effectRef>
+              <a:fontRef idx="minor">
+                <a:schemeClr val="lt1"/>
+              </a:fontRef>
+            </p:style>
+            <p:txBody>
+              <a:bodyPr rtlCol="0" anchor="ctr"/>
+              <a:lstStyle/>
+              <a:p>
+                <a:pPr algn="ctr"/>
+                <a:r>
+                  <a:rPr lang="de-DE"/>
+                  <a:t>state </a:t>
+                </a:r>
+                <a14:m>
+                  <m:oMath xmlns:m="http://schemas.openxmlformats.org/officeDocument/2006/math">
+                    <m:r>
+                      <a:rPr lang="de-DE" b="0" i="1" smtClean="0">
+                        <a:latin typeface="Cambria Math" panose="02040503050406030204" pitchFamily="18" charset="0"/>
+                      </a:rPr>
+                      <m:t>𝑘</m:t>
+                    </m:r>
+                    <m:r>
+                      <a:rPr lang="de-DE" b="0" i="1" smtClean="0">
+                        <a:latin typeface="Cambria Math" panose="02040503050406030204" pitchFamily="18" charset="0"/>
+                      </a:rPr>
+                      <m:t>−2</m:t>
+                    </m:r>
+                  </m:oMath>
+                </a14:m>
+                <a:endParaRPr lang="de-DE" b="0"/>
+              </a:p>
+            </p:txBody>
+          </p:sp>
+        </mc:Choice>
+        <mc:Fallback>
+          <p:sp>
+            <p:nvSpPr>
+              <p:cNvPr id="33" name="Rechteck: abgerundete Ecken 32">
+                <a:extLst>
+                  <a:ext uri="{FF2B5EF4-FFF2-40B4-BE49-F238E27FC236}">
+                    <a16:creationId xmlns:a16="http://schemas.microsoft.com/office/drawing/2014/main" id="{F6793176-6682-44C4-A077-15FB1A5AEAD4}"/>
+                  </a:ext>
+                </a:extLst>
+              </p:cNvPr>
+              <p:cNvSpPr>
+                <a:spLocks noRot="1" noChangeAspect="1" noMove="1" noResize="1" noEditPoints="1" noAdjustHandles="1" noChangeArrowheads="1" noChangeShapeType="1" noTextEdit="1"/>
+              </p:cNvSpPr>
+              <p:nvPr/>
+            </p:nvSpPr>
+            <p:spPr>
+              <a:xfrm>
+                <a:off x="1339794" y="3938415"/>
+                <a:ext cx="1071194" cy="704868"/>
+              </a:xfrm>
+              <a:prstGeom prst="roundRect">
+                <a:avLst/>
+              </a:prstGeom>
+              <a:blipFill>
+                <a:blip r:embed="rId5"/>
+                <a:stretch>
+                  <a:fillRect/>
+                </a:stretch>
+              </a:blipFill>
+              <a:ln>
+                <a:noFill/>
+              </a:ln>
+            </p:spPr>
+            <p:txBody>
+              <a:bodyPr/>
+              <a:lstStyle/>
+              <a:p>
+                <a:r>
+                  <a:rPr lang="de-DE">
+                    <a:noFill/>
+                  </a:rPr>
+                  <a:t> </a:t>
+                </a:r>
+              </a:p>
+            </p:txBody>
+          </p:sp>
+        </mc:Fallback>
+      </mc:AlternateContent>
+      <p:sp>
+        <p:nvSpPr>
+          <p:cNvPr id="34" name="Rechteck 33">
+            <a:extLst>
+              <a:ext uri="{FF2B5EF4-FFF2-40B4-BE49-F238E27FC236}">
+                <a16:creationId xmlns:a16="http://schemas.microsoft.com/office/drawing/2014/main" id="{C6245857-DAD0-425E-B2C7-C8541B0C8F5A}"/>
+              </a:ext>
+            </a:extLst>
+          </p:cNvPr>
+          <p:cNvSpPr/>
+          <p:nvPr/>
+        </p:nvSpPr>
+        <p:spPr>
+          <a:xfrm>
+            <a:off x="1456724" y="4852046"/>
+            <a:ext cx="845002" cy="514902"/>
+          </a:xfrm>
+          <a:prstGeom prst="rect">
+            <a:avLst/>
+          </a:prstGeom>
+          <a:solidFill>
+            <a:schemeClr val="accent3">
+              <a:lumMod val="75000"/>
+            </a:schemeClr>
+          </a:solidFill>
+          <a:ln>
+            <a:noFill/>
+          </a:ln>
+        </p:spPr>
+        <p:style>
+          <a:lnRef idx="2">
+            <a:schemeClr val="accent1">
+              <a:shade val="50000"/>
+            </a:schemeClr>
+          </a:lnRef>
+          <a:fillRef idx="1">
+            <a:schemeClr val="accent1"/>
+          </a:fillRef>
+          <a:effectRef idx="0">
+            <a:schemeClr val="accent1"/>
+          </a:effectRef>
+          <a:fontRef idx="minor">
+            <a:schemeClr val="lt1"/>
+          </a:fontRef>
+        </p:style>
+        <p:txBody>
+          <a:bodyPr rtlCol="0" anchor="ctr"/>
+          <a:lstStyle/>
+          <a:p>
+            <a:pPr algn="ctr"/>
+            <a:endParaRPr lang="de-DE">
+              <a:solidFill>
+                <a:schemeClr val="bg1"/>
+              </a:solidFill>
+            </a:endParaRPr>
+          </a:p>
+        </p:txBody>
+      </p:sp>
+      <p:cxnSp>
+        <p:nvCxnSpPr>
+          <p:cNvPr id="35" name="Gerader Verbinder 34">
+            <a:extLst>
+              <a:ext uri="{FF2B5EF4-FFF2-40B4-BE49-F238E27FC236}">
+                <a16:creationId xmlns:a16="http://schemas.microsoft.com/office/drawing/2014/main" id="{7AB72388-27F7-423F-BE34-491B1EDA771E}"/>
+              </a:ext>
+            </a:extLst>
+          </p:cNvPr>
+          <p:cNvCxnSpPr>
+            <a:cxnSpLocks/>
+            <a:stCxn id="33" idx="2"/>
+            <a:endCxn id="34" idx="0"/>
+          </p:cNvCxnSpPr>
+          <p:nvPr/>
+        </p:nvCxnSpPr>
+        <p:spPr>
+          <a:xfrm>
+            <a:off x="1875391" y="4643283"/>
+            <a:ext cx="3834" cy="208763"/>
+          </a:xfrm>
+          <a:prstGeom prst="line">
+            <a:avLst/>
+          </a:prstGeom>
+          <a:ln>
+            <a:solidFill>
+              <a:schemeClr val="tx1"/>
+            </a:solidFill>
+            <a:headEnd w="lg" len="lg"/>
+            <a:tailEnd type="triangle" w="lg" len="lg"/>
+          </a:ln>
+        </p:spPr>
+        <p:style>
+          <a:lnRef idx="1">
+            <a:schemeClr val="accent1"/>
+          </a:lnRef>
+          <a:fillRef idx="0">
+            <a:schemeClr val="accent1"/>
+          </a:fillRef>
+          <a:effectRef idx="0">
+            <a:schemeClr val="accent1"/>
+          </a:effectRef>
+          <a:fontRef idx="minor">
+            <a:schemeClr val="tx1"/>
+          </a:fontRef>
+        </p:style>
+      </p:cxnSp>
+      <p:cxnSp>
+        <p:nvCxnSpPr>
+          <p:cNvPr id="38" name="Gerader Verbinder 37">
+            <a:extLst>
+              <a:ext uri="{FF2B5EF4-FFF2-40B4-BE49-F238E27FC236}">
+                <a16:creationId xmlns:a16="http://schemas.microsoft.com/office/drawing/2014/main" id="{7DA0545D-4EFC-47B4-9770-ACAB8DEF794C}"/>
+              </a:ext>
+            </a:extLst>
+          </p:cNvPr>
+          <p:cNvCxnSpPr>
+            <a:cxnSpLocks/>
+            <a:stCxn id="3" idx="2"/>
+            <a:endCxn id="33" idx="0"/>
+          </p:cNvCxnSpPr>
+          <p:nvPr/>
+        </p:nvCxnSpPr>
+        <p:spPr>
+          <a:xfrm flipH="1">
+            <a:off x="1875391" y="3708877"/>
+            <a:ext cx="3834" cy="229538"/>
+          </a:xfrm>
+          <a:prstGeom prst="line">
+            <a:avLst/>
+          </a:prstGeom>
+          <a:ln>
+            <a:solidFill>
+              <a:schemeClr val="tx1"/>
+            </a:solidFill>
+            <a:headEnd w="lg" len="lg"/>
+            <a:tailEnd type="triangle" w="lg" len="lg"/>
+          </a:ln>
+        </p:spPr>
+        <p:style>
+          <a:lnRef idx="1">
+            <a:schemeClr val="accent1"/>
+          </a:lnRef>
+          <a:fillRef idx="0">
+            <a:schemeClr val="accent1"/>
+          </a:fillRef>
+          <a:effectRef idx="0">
+            <a:schemeClr val="accent1"/>
+          </a:effectRef>
+          <a:fontRef idx="minor">
+            <a:schemeClr val="tx1"/>
+          </a:fontRef>
+        </p:style>
+      </p:cxnSp>
+      <mc:AlternateContent xmlns:mc="http://schemas.openxmlformats.org/markup-compatibility/2006">
+        <mc:Choice xmlns:a14="http://schemas.microsoft.com/office/drawing/2010/main" Requires="a14">
+          <p:sp>
+            <p:nvSpPr>
+              <p:cNvPr id="40" name="Rechteck: abgerundete Ecken 39">
+                <a:extLst>
+                  <a:ext uri="{FF2B5EF4-FFF2-40B4-BE49-F238E27FC236}">
+                    <a16:creationId xmlns:a16="http://schemas.microsoft.com/office/drawing/2014/main" id="{2264E3C1-1513-4D02-A898-351BB2588903}"/>
+                  </a:ext>
+                </a:extLst>
+              </p:cNvPr>
+              <p:cNvSpPr/>
+              <p:nvPr/>
+            </p:nvSpPr>
+            <p:spPr>
+              <a:xfrm>
+                <a:off x="1339794" y="5575711"/>
+                <a:ext cx="1071194" cy="704868"/>
+              </a:xfrm>
+              <a:prstGeom prst="roundRect">
+                <a:avLst/>
+              </a:prstGeom>
+              <a:solidFill>
+                <a:schemeClr val="accent3">
+                  <a:lumMod val="75000"/>
+                </a:schemeClr>
+              </a:solidFill>
+              <a:ln>
+                <a:noFill/>
+              </a:ln>
+            </p:spPr>
+            <p:style>
+              <a:lnRef idx="2">
+                <a:schemeClr val="accent1">
+                  <a:shade val="50000"/>
+                </a:schemeClr>
+              </a:lnRef>
+              <a:fillRef idx="1">
+                <a:schemeClr val="accent1"/>
+              </a:fillRef>
+              <a:effectRef idx="0">
+                <a:schemeClr val="accent1"/>
+              </a:effectRef>
+              <a:fontRef idx="minor">
+                <a:schemeClr val="lt1"/>
+              </a:fontRef>
+            </p:style>
+            <p:txBody>
+              <a:bodyPr rtlCol="0" anchor="ctr"/>
+              <a:lstStyle/>
+              <a:p>
+                <a:pPr algn="ctr"/>
+                <a:r>
+                  <a:rPr lang="de-DE"/>
+                  <a:t>state </a:t>
+                </a:r>
+                <a14:m>
+                  <m:oMath xmlns:m="http://schemas.openxmlformats.org/officeDocument/2006/math">
+                    <m:r>
+                      <a:rPr lang="de-DE" b="0" i="1" smtClean="0">
+                        <a:latin typeface="Cambria Math" panose="02040503050406030204" pitchFamily="18" charset="0"/>
+                      </a:rPr>
+                      <m:t>𝑘</m:t>
+                    </m:r>
+                    <m:r>
+                      <a:rPr lang="de-DE" b="0" i="1" smtClean="0">
+                        <a:latin typeface="Cambria Math" panose="02040503050406030204" pitchFamily="18" charset="0"/>
+                      </a:rPr>
+                      <m:t>−2</m:t>
+                    </m:r>
+                  </m:oMath>
+                </a14:m>
+                <a:endParaRPr lang="de-DE" b="0"/>
+              </a:p>
+            </p:txBody>
+          </p:sp>
+        </mc:Choice>
+        <mc:Fallback>
+          <p:sp>
+            <p:nvSpPr>
+              <p:cNvPr id="40" name="Rechteck: abgerundete Ecken 39">
+                <a:extLst>
+                  <a:ext uri="{FF2B5EF4-FFF2-40B4-BE49-F238E27FC236}">
+                    <a16:creationId xmlns:a16="http://schemas.microsoft.com/office/drawing/2014/main" id="{2264E3C1-1513-4D02-A898-351BB2588903}"/>
+                  </a:ext>
+                </a:extLst>
+              </p:cNvPr>
+              <p:cNvSpPr>
+                <a:spLocks noRot="1" noChangeAspect="1" noMove="1" noResize="1" noEditPoints="1" noAdjustHandles="1" noChangeArrowheads="1" noChangeShapeType="1" noTextEdit="1"/>
+              </p:cNvSpPr>
+              <p:nvPr/>
+            </p:nvSpPr>
+            <p:spPr>
+              <a:xfrm>
+                <a:off x="1339794" y="5575711"/>
+                <a:ext cx="1071194" cy="704868"/>
+              </a:xfrm>
+              <a:prstGeom prst="roundRect">
+                <a:avLst/>
+              </a:prstGeom>
+              <a:blipFill>
+                <a:blip r:embed="rId6"/>
+                <a:stretch>
+                  <a:fillRect t="-870"/>
+                </a:stretch>
+              </a:blipFill>
+              <a:ln>
+                <a:noFill/>
+              </a:ln>
+            </p:spPr>
+            <p:txBody>
+              <a:bodyPr/>
+              <a:lstStyle/>
+              <a:p>
+                <a:r>
+                  <a:rPr lang="de-DE">
+                    <a:noFill/>
+                  </a:rPr>
+                  <a:t> </a:t>
+                </a:r>
+              </a:p>
+            </p:txBody>
+          </p:sp>
+        </mc:Fallback>
+      </mc:AlternateContent>
+      <p:cxnSp>
+        <p:nvCxnSpPr>
+          <p:cNvPr id="25" name="Gerade Verbindung mit Pfeil 24">
+            <a:extLst>
+              <a:ext uri="{FF2B5EF4-FFF2-40B4-BE49-F238E27FC236}">
+                <a16:creationId xmlns:a16="http://schemas.microsoft.com/office/drawing/2014/main" id="{43AADF21-E39C-4C09-AA03-8D62C252438A}"/>
+              </a:ext>
+            </a:extLst>
+          </p:cNvPr>
+          <p:cNvCxnSpPr/>
+          <p:nvPr/>
+        </p:nvCxnSpPr>
+        <p:spPr>
+          <a:xfrm>
+            <a:off x="390617" y="1251751"/>
+            <a:ext cx="0" cy="5326602"/>
+          </a:xfrm>
+          <a:prstGeom prst="straightConnector1">
+            <a:avLst/>
+          </a:prstGeom>
+          <a:ln w="50800">
+            <a:solidFill>
+              <a:schemeClr val="tx1"/>
+            </a:solidFill>
+            <a:headEnd w="lg" len="lg"/>
+            <a:tailEnd type="triangle" w="lg" len="lg"/>
+          </a:ln>
+        </p:spPr>
+        <p:style>
+          <a:lnRef idx="1">
+            <a:schemeClr val="accent1"/>
+          </a:lnRef>
+          <a:fillRef idx="0">
+            <a:schemeClr val="accent1"/>
+          </a:fillRef>
+          <a:effectRef idx="0">
+            <a:schemeClr val="accent1"/>
+          </a:effectRef>
+          <a:fontRef idx="minor">
+            <a:schemeClr val="tx1"/>
+          </a:fontRef>
+        </p:style>
+      </p:cxnSp>
+      <p:sp>
+        <p:nvSpPr>
+          <p:cNvPr id="27" name="Textfeld 26">
+            <a:extLst>
+              <a:ext uri="{FF2B5EF4-FFF2-40B4-BE49-F238E27FC236}">
+                <a16:creationId xmlns:a16="http://schemas.microsoft.com/office/drawing/2014/main" id="{58CBFBC4-875A-4F3F-B459-933CFB1F450C}"/>
+              </a:ext>
+            </a:extLst>
+          </p:cNvPr>
+          <p:cNvSpPr txBox="1"/>
+          <p:nvPr/>
+        </p:nvSpPr>
+        <p:spPr>
+          <a:xfrm rot="5400000">
+            <a:off x="300914" y="6059345"/>
+            <a:ext cx="851515" cy="523220"/>
+          </a:xfrm>
+          <a:prstGeom prst="rect">
+            <a:avLst/>
+          </a:prstGeom>
+          <a:noFill/>
+        </p:spPr>
+        <p:txBody>
+          <a:bodyPr wrap="none" rtlCol="0">
+            <a:spAutoFit/>
+          </a:bodyPr>
+          <a:lstStyle/>
+          <a:p>
+            <a:r>
+              <a:rPr lang="de-DE" sz="2800"/>
+              <a:t>time</a:t>
+            </a:r>
+          </a:p>
+        </p:txBody>
+      </p:sp>
+      <p:cxnSp>
+        <p:nvCxnSpPr>
+          <p:cNvPr id="29" name="Gerader Verbinder 28">
+            <a:extLst>
+              <a:ext uri="{FF2B5EF4-FFF2-40B4-BE49-F238E27FC236}">
+                <a16:creationId xmlns:a16="http://schemas.microsoft.com/office/drawing/2014/main" id="{E911BD40-AC93-485C-892B-99BC93A3B9AF}"/>
+              </a:ext>
+            </a:extLst>
+          </p:cNvPr>
+          <p:cNvCxnSpPr/>
+          <p:nvPr/>
+        </p:nvCxnSpPr>
+        <p:spPr>
+          <a:xfrm>
+            <a:off x="292962" y="2651953"/>
+            <a:ext cx="204187" cy="0"/>
+          </a:xfrm>
+          <a:prstGeom prst="line">
+            <a:avLst/>
+          </a:prstGeom>
+          <a:ln w="25400">
+            <a:solidFill>
+              <a:schemeClr val="tx1"/>
+            </a:solidFill>
+            <a:headEnd w="lg" len="lg"/>
+            <a:tailEnd type="none"/>
+          </a:ln>
+        </p:spPr>
+        <p:style>
+          <a:lnRef idx="1">
+            <a:schemeClr val="accent1"/>
+          </a:lnRef>
+          <a:fillRef idx="0">
+            <a:schemeClr val="accent1"/>
+          </a:fillRef>
+          <a:effectRef idx="0">
+            <a:schemeClr val="accent1"/>
+          </a:effectRef>
+          <a:fontRef idx="minor">
+            <a:schemeClr val="tx1"/>
+          </a:fontRef>
+        </p:style>
+      </p:cxnSp>
+      <p:cxnSp>
+        <p:nvCxnSpPr>
+          <p:cNvPr id="46" name="Gerader Verbinder 45">
+            <a:extLst>
+              <a:ext uri="{FF2B5EF4-FFF2-40B4-BE49-F238E27FC236}">
+                <a16:creationId xmlns:a16="http://schemas.microsoft.com/office/drawing/2014/main" id="{0F49CBA6-ACAE-47F1-ABE3-57111C0B0F1F}"/>
+              </a:ext>
+            </a:extLst>
+          </p:cNvPr>
+          <p:cNvCxnSpPr/>
+          <p:nvPr/>
+        </p:nvCxnSpPr>
+        <p:spPr>
+          <a:xfrm>
+            <a:off x="292962" y="4486454"/>
+            <a:ext cx="204187" cy="0"/>
+          </a:xfrm>
+          <a:prstGeom prst="line">
+            <a:avLst/>
+          </a:prstGeom>
+          <a:ln w="25400">
+            <a:solidFill>
+              <a:schemeClr val="tx1"/>
+            </a:solidFill>
+            <a:headEnd w="lg" len="lg"/>
+            <a:tailEnd type="none"/>
+          </a:ln>
+        </p:spPr>
+        <p:style>
+          <a:lnRef idx="1">
+            <a:schemeClr val="accent1"/>
+          </a:lnRef>
+          <a:fillRef idx="0">
+            <a:schemeClr val="accent1"/>
+          </a:fillRef>
+          <a:effectRef idx="0">
+            <a:schemeClr val="accent1"/>
+          </a:effectRef>
+          <a:fontRef idx="minor">
+            <a:schemeClr val="tx1"/>
+          </a:fontRef>
+        </p:style>
+      </p:cxnSp>
+      <p:cxnSp>
+        <p:nvCxnSpPr>
+          <p:cNvPr id="47" name="Gerader Verbinder 46">
+            <a:extLst>
+              <a:ext uri="{FF2B5EF4-FFF2-40B4-BE49-F238E27FC236}">
+                <a16:creationId xmlns:a16="http://schemas.microsoft.com/office/drawing/2014/main" id="{72ABBA55-2A60-4444-A8B7-B51DE8A02EFE}"/>
+              </a:ext>
+            </a:extLst>
+          </p:cNvPr>
+          <p:cNvCxnSpPr/>
+          <p:nvPr/>
+        </p:nvCxnSpPr>
+        <p:spPr>
+          <a:xfrm>
+            <a:off x="303319" y="5918277"/>
+            <a:ext cx="204187" cy="0"/>
+          </a:xfrm>
+          <a:prstGeom prst="line">
+            <a:avLst/>
+          </a:prstGeom>
+          <a:ln w="25400">
+            <a:solidFill>
+              <a:schemeClr val="tx1"/>
+            </a:solidFill>
+            <a:headEnd w="lg" len="lg"/>
+            <a:tailEnd type="none"/>
+          </a:ln>
+        </p:spPr>
+        <p:style>
+          <a:lnRef idx="1">
+            <a:schemeClr val="accent1"/>
+          </a:lnRef>
+          <a:fillRef idx="0">
+            <a:schemeClr val="accent1"/>
+          </a:fillRef>
+          <a:effectRef idx="0">
+            <a:schemeClr val="accent1"/>
+          </a:effectRef>
+          <a:fontRef idx="minor">
+            <a:schemeClr val="tx1"/>
+          </a:fontRef>
+        </p:style>
+      </p:cxnSp>
+      <p:cxnSp>
+        <p:nvCxnSpPr>
+          <p:cNvPr id="56" name="Gerader Verbinder 55">
+            <a:extLst>
+              <a:ext uri="{FF2B5EF4-FFF2-40B4-BE49-F238E27FC236}">
+                <a16:creationId xmlns:a16="http://schemas.microsoft.com/office/drawing/2014/main" id="{97261862-5A65-494F-A66F-B98F2E8F16C3}"/>
+              </a:ext>
+            </a:extLst>
+          </p:cNvPr>
+          <p:cNvCxnSpPr>
+            <a:cxnSpLocks/>
+          </p:cNvCxnSpPr>
+          <p:nvPr/>
+        </p:nvCxnSpPr>
+        <p:spPr>
+          <a:xfrm>
+            <a:off x="1876576" y="5376372"/>
+            <a:ext cx="3834" cy="208763"/>
+          </a:xfrm>
+          <a:prstGeom prst="line">
+            <a:avLst/>
+          </a:prstGeom>
+          <a:ln>
+            <a:solidFill>
+              <a:schemeClr val="tx1"/>
+            </a:solidFill>
+            <a:headEnd w="lg" len="lg"/>
+            <a:tailEnd type="triangle" w="lg" len="lg"/>
+          </a:ln>
+        </p:spPr>
+        <p:style>
+          <a:lnRef idx="1">
+            <a:schemeClr val="accent1"/>
+          </a:lnRef>
+          <a:fillRef idx="0">
+            <a:schemeClr val="accent1"/>
+          </a:fillRef>
+          <a:effectRef idx="0">
+            <a:schemeClr val="accent1"/>
+          </a:effectRef>
+          <a:fontRef idx="minor">
+            <a:schemeClr val="tx1"/>
+          </a:fontRef>
+        </p:style>
+      </p:cxnSp>
+    </p:spTree>
+    <p:extLst>
+      <p:ext uri="{BB962C8B-B14F-4D97-AF65-F5344CB8AC3E}">
+        <p14:creationId xmlns:p14="http://schemas.microsoft.com/office/powerpoint/2010/main" val="744428868"/>
+      </p:ext>
+    </p:extLst>
+  </p:cSld>
+  <p:clrMapOvr>
+    <a:masterClrMapping/>
+  </p:clrMapOvr>
+</p:sld>
+</file>
+
+<file path=ppt/slides/slide9.xml><?xml version="1.0" encoding="utf-8"?>
+<p:sld xmlns:a="http://schemas.openxmlformats.org/drawingml/2006/main" xmlns:r="http://schemas.openxmlformats.org/officeDocument/2006/relationships" xmlns:p="http://schemas.openxmlformats.org/presentationml/2006/main">
+  <p:cSld>
+    <p:spTree>
+      <p:nvGrpSpPr>
+        <p:cNvPr id="1" name=""/>
+        <p:cNvGrpSpPr/>
+        <p:nvPr/>
+      </p:nvGrpSpPr>
+      <p:grpSpPr>
+        <a:xfrm>
+          <a:off x="0" y="0"/>
+          <a:ext cx="0" cy="0"/>
+          <a:chOff x="0" y="0"/>
+          <a:chExt cx="0" cy="0"/>
+        </a:xfrm>
+      </p:grpSpPr>
+      <p:sp>
+        <p:nvSpPr>
+          <p:cNvPr id="36" name="Rechteck 35">
+            <a:extLst>
+              <a:ext uri="{FF2B5EF4-FFF2-40B4-BE49-F238E27FC236}">
+                <a16:creationId xmlns:a16="http://schemas.microsoft.com/office/drawing/2014/main" id="{8160B053-4D50-4DEB-9B26-49B00044D64B}"/>
+              </a:ext>
+            </a:extLst>
+          </p:cNvPr>
+          <p:cNvSpPr/>
+          <p:nvPr/>
+        </p:nvSpPr>
+        <p:spPr>
+          <a:xfrm>
+            <a:off x="0" y="1074656"/>
+            <a:ext cx="9144000" cy="5783344"/>
+          </a:xfrm>
+          <a:prstGeom prst="rect">
+            <a:avLst/>
+          </a:prstGeom>
+          <a:gradFill>
+            <a:gsLst>
               <a:gs pos="39000">
                 <a:schemeClr val="accent3">
                   <a:lumMod val="40000"/>
@@ -18858,7 +21082,7 @@
           <a:p>
             <a:fld id="{0696A970-E1A0-4FA3-8434-947DF6AD858B}" type="slidenum">
               <a:rPr lang="de-DE" smtClean="0"/>
-              <a:t>8</a:t>
+              <a:t>9</a:t>
             </a:fld>
             <a:endParaRPr lang="de-DE"/>
           </a:p>
@@ -20015,8 +22239,8 @@
           </a:fontRef>
         </p:style>
       </p:cxnSp>
-      <mc:AlternateContent xmlns:mc="http://schemas.openxmlformats.org/markup-compatibility/2006">
-        <mc:Choice xmlns:a14="http://schemas.microsoft.com/office/drawing/2010/main" Requires="a14">
+      <mc:AlternateContent xmlns:mc="http://schemas.openxmlformats.org/markup-compatibility/2006" xmlns:a14="http://schemas.microsoft.com/office/drawing/2010/main">
+        <mc:Choice Requires="a14">
           <p:sp>
             <p:nvSpPr>
               <p:cNvPr id="55" name="Rechteck: abgerundete Ecken 54">
@@ -20123,7 +22347,7 @@
             </p:txBody>
           </p:sp>
         </mc:Choice>
-        <mc:Fallback>
+        <mc:Fallback xmlns="">
           <p:sp>
             <p:nvSpPr>
               <p:cNvPr id="55" name="Rechteck: abgerundete Ecken 54">
@@ -20221,716 +22445,6 @@
     <p:extLst>
       <p:ext uri="{BB962C8B-B14F-4D97-AF65-F5344CB8AC3E}">
         <p14:creationId xmlns:p14="http://schemas.microsoft.com/office/powerpoint/2010/main" val="1117418552"/>
-      </p:ext>
-    </p:extLst>
-  </p:cSld>
-  <p:clrMapOvr>
-    <a:masterClrMapping/>
-  </p:clrMapOvr>
-</p:sld>
-</file>
-
-<file path=ppt/slides/slide9.xml><?xml version="1.0" encoding="utf-8"?>
-<p:sld xmlns:a="http://schemas.openxmlformats.org/drawingml/2006/main" xmlns:r="http://schemas.openxmlformats.org/officeDocument/2006/relationships" xmlns:p="http://schemas.openxmlformats.org/presentationml/2006/main">
-  <p:cSld>
-    <p:spTree>
-      <p:nvGrpSpPr>
-        <p:cNvPr id="1" name=""/>
-        <p:cNvGrpSpPr/>
-        <p:nvPr/>
-      </p:nvGrpSpPr>
-      <p:grpSpPr>
-        <a:xfrm>
-          <a:off x="0" y="0"/>
-          <a:ext cx="0" cy="0"/>
-          <a:chOff x="0" y="0"/>
-          <a:chExt cx="0" cy="0"/>
-        </a:xfrm>
-      </p:grpSpPr>
-      <p:sp>
-        <p:nvSpPr>
-          <p:cNvPr id="2" name="Titel 1">
-            <a:extLst>
-              <a:ext uri="{FF2B5EF4-FFF2-40B4-BE49-F238E27FC236}">
-                <a16:creationId xmlns:a16="http://schemas.microsoft.com/office/drawing/2014/main" id="{05F9BAA4-7E2C-49B0-A8A8-D436EB0C28B8}"/>
-              </a:ext>
-            </a:extLst>
-          </p:cNvPr>
-          <p:cNvSpPr>
-            <a:spLocks noGrp="1"/>
-          </p:cNvSpPr>
-          <p:nvPr>
-            <p:ph type="title"/>
-          </p:nvPr>
-        </p:nvSpPr>
-        <p:spPr>
-          <a:xfrm>
-            <a:off x="0" y="18255"/>
-            <a:ext cx="9144000" cy="1056401"/>
-          </a:xfrm>
-        </p:spPr>
-        <p:txBody>
-          <a:bodyPr>
-            <a:normAutofit/>
-          </a:bodyPr>
-          <a:lstStyle/>
-          <a:p>
-            <a:pPr algn="ctr"/>
-            <a:r>
-              <a:rPr lang="de-DE" sz="5400"/>
-              <a:t>Kalman Filter: World Model</a:t>
-            </a:r>
-          </a:p>
-        </p:txBody>
-      </p:sp>
-      <mc:AlternateContent xmlns:mc="http://schemas.openxmlformats.org/markup-compatibility/2006" xmlns:a14="http://schemas.microsoft.com/office/drawing/2010/main">
-        <mc:Choice Requires="a14">
-          <p:sp>
-            <p:nvSpPr>
-              <p:cNvPr id="3" name="Inhaltsplatzhalter 2">
-                <a:extLst>
-                  <a:ext uri="{FF2B5EF4-FFF2-40B4-BE49-F238E27FC236}">
-                    <a16:creationId xmlns:a16="http://schemas.microsoft.com/office/drawing/2014/main" id="{9962D4C6-1989-457F-A5DB-9CC2C96CDAE3}"/>
-                  </a:ext>
-                </a:extLst>
-              </p:cNvPr>
-              <p:cNvSpPr>
-                <a:spLocks noGrp="1"/>
-              </p:cNvSpPr>
-              <p:nvPr>
-                <p:ph idx="1"/>
-              </p:nvPr>
-            </p:nvSpPr>
-            <p:spPr/>
-            <p:txBody>
-              <a:bodyPr>
-                <a:normAutofit/>
-              </a:bodyPr>
-              <a:lstStyle/>
-              <a:p>
-                <a:pPr marL="0" indent="0">
-                  <a:buNone/>
-                </a:pPr>
-                <a:r>
-                  <a:rPr lang="de-DE" sz="2800">
-                    <a:latin typeface="Corbel" panose="020B0503020204020204" pitchFamily="34" charset="0"/>
-                  </a:rPr>
-                  <a:t>the kalman-filter assumes the following state progression (based on former state </a:t>
-                </a:r>
-                <a14:m>
-                  <m:oMath xmlns:m="http://schemas.openxmlformats.org/officeDocument/2006/math">
-                    <m:sSub>
-                      <m:sSubPr>
-                        <m:ctrlPr>
-                          <a:rPr lang="de-DE" sz="2800" b="0" i="1" smtClean="0">
-                            <a:latin typeface="Cambria Math" panose="02040503050406030204" pitchFamily="18" charset="0"/>
-                          </a:rPr>
-                        </m:ctrlPr>
-                      </m:sSubPr>
-                      <m:e>
-                        <m:r>
-                          <a:rPr lang="de-DE" sz="2800" b="0" i="1" smtClean="0">
-                            <a:latin typeface="Cambria Math" panose="02040503050406030204" pitchFamily="18" charset="0"/>
-                          </a:rPr>
-                          <m:t>𝑥</m:t>
-                        </m:r>
-                      </m:e>
-                      <m:sub>
-                        <m:r>
-                          <a:rPr lang="de-DE" sz="2800" b="0" i="1" smtClean="0">
-                            <a:latin typeface="Cambria Math" panose="02040503050406030204" pitchFamily="18" charset="0"/>
-                          </a:rPr>
-                          <m:t>𝑘</m:t>
-                        </m:r>
-                        <m:r>
-                          <a:rPr lang="de-DE" sz="2800" b="0" i="1" smtClean="0">
-                            <a:latin typeface="Cambria Math" panose="02040503050406030204" pitchFamily="18" charset="0"/>
-                          </a:rPr>
-                          <m:t>−1</m:t>
-                        </m:r>
-                      </m:sub>
-                    </m:sSub>
-                  </m:oMath>
-                </a14:m>
-                <a:r>
-                  <a:rPr lang="de-DE" sz="2800">
-                    <a:latin typeface="Corbel" panose="020B0503020204020204" pitchFamily="34" charset="0"/>
-                  </a:rPr>
-                  <a:t>):</a:t>
-                </a:r>
-              </a:p>
-              <a:p>
-                <a:pPr marL="0" indent="0">
-                  <a:buNone/>
-                </a:pPr>
-                <a:endParaRPr lang="de-DE" sz="2800">
-                  <a:latin typeface="Corbel" panose="020B0503020204020204" pitchFamily="34" charset="0"/>
-                </a:endParaRPr>
-              </a:p>
-              <a:p>
-                <a:pPr marL="0" indent="0">
-                  <a:buNone/>
-                </a:pPr>
-                <a14:m>
-                  <m:oMathPara xmlns:m="http://schemas.openxmlformats.org/officeDocument/2006/math">
-                    <m:oMathParaPr>
-                      <m:jc m:val="centerGroup"/>
-                    </m:oMathParaPr>
-                    <m:oMath xmlns:m="http://schemas.openxmlformats.org/officeDocument/2006/math">
-                      <m:sSub>
-                        <m:sSubPr>
-                          <m:ctrlPr>
-                            <a:rPr lang="de-DE" sz="3200" b="0" i="1" smtClean="0">
-                              <a:latin typeface="Cambria Math" panose="02040503050406030204" pitchFamily="18" charset="0"/>
-                            </a:rPr>
-                          </m:ctrlPr>
-                        </m:sSubPr>
-                        <m:e>
-                          <m:r>
-                            <a:rPr lang="de-DE" sz="3200" b="0" i="1" smtClean="0">
-                              <a:latin typeface="Cambria Math" panose="02040503050406030204" pitchFamily="18" charset="0"/>
-                            </a:rPr>
-                            <m:t>𝑥</m:t>
-                          </m:r>
-                        </m:e>
-                        <m:sub>
-                          <m:r>
-                            <a:rPr lang="de-DE" sz="3200" b="0" i="1" smtClean="0">
-                              <a:latin typeface="Cambria Math" panose="02040503050406030204" pitchFamily="18" charset="0"/>
-                            </a:rPr>
-                            <m:t>𝑘</m:t>
-                          </m:r>
-                        </m:sub>
-                      </m:sSub>
-                      <m:r>
-                        <a:rPr lang="de-DE" sz="3200" b="0" i="1" smtClean="0">
-                          <a:latin typeface="Cambria Math" panose="02040503050406030204" pitchFamily="18" charset="0"/>
-                        </a:rPr>
-                        <m:t>=</m:t>
-                      </m:r>
-                      <m:sSub>
-                        <m:sSubPr>
-                          <m:ctrlPr>
-                            <a:rPr lang="de-DE" sz="3200" b="0" i="1" smtClean="0">
-                              <a:latin typeface="Cambria Math" panose="02040503050406030204" pitchFamily="18" charset="0"/>
-                            </a:rPr>
-                          </m:ctrlPr>
-                        </m:sSubPr>
-                        <m:e>
-                          <m:r>
-                            <a:rPr lang="de-DE" sz="3200" b="0" i="1" smtClean="0">
-                              <a:latin typeface="Cambria Math" panose="02040503050406030204" pitchFamily="18" charset="0"/>
-                            </a:rPr>
-                            <m:t>𝐹</m:t>
-                          </m:r>
-                        </m:e>
-                        <m:sub>
-                          <m:r>
-                            <a:rPr lang="de-DE" sz="3200" b="0" i="1" smtClean="0">
-                              <a:latin typeface="Cambria Math" panose="02040503050406030204" pitchFamily="18" charset="0"/>
-                            </a:rPr>
-                            <m:t>𝑘</m:t>
-                          </m:r>
-                        </m:sub>
-                      </m:sSub>
-                      <m:sSub>
-                        <m:sSubPr>
-                          <m:ctrlPr>
-                            <a:rPr lang="de-DE" sz="3200" b="0" i="1" smtClean="0">
-                              <a:latin typeface="Cambria Math" panose="02040503050406030204" pitchFamily="18" charset="0"/>
-                            </a:rPr>
-                          </m:ctrlPr>
-                        </m:sSubPr>
-                        <m:e>
-                          <m:r>
-                            <a:rPr lang="de-DE" sz="3200" b="0" i="1" smtClean="0">
-                              <a:latin typeface="Cambria Math" panose="02040503050406030204" pitchFamily="18" charset="0"/>
-                            </a:rPr>
-                            <m:t>𝑥</m:t>
-                          </m:r>
-                        </m:e>
-                        <m:sub>
-                          <m:r>
-                            <a:rPr lang="de-DE" sz="3200" b="0" i="1" smtClean="0">
-                              <a:latin typeface="Cambria Math" panose="02040503050406030204" pitchFamily="18" charset="0"/>
-                            </a:rPr>
-                            <m:t>𝑘</m:t>
-                          </m:r>
-                          <m:r>
-                            <a:rPr lang="de-DE" sz="3200" b="0" i="1" smtClean="0">
-                              <a:latin typeface="Cambria Math" panose="02040503050406030204" pitchFamily="18" charset="0"/>
-                            </a:rPr>
-                            <m:t>−1</m:t>
-                          </m:r>
-                        </m:sub>
-                      </m:sSub>
-                      <m:r>
-                        <a:rPr lang="de-DE" sz="3200" b="0" i="1" smtClean="0">
-                          <a:latin typeface="Cambria Math" panose="02040503050406030204" pitchFamily="18" charset="0"/>
-                        </a:rPr>
-                        <m:t>+</m:t>
-                      </m:r>
-                      <m:sSub>
-                        <m:sSubPr>
-                          <m:ctrlPr>
-                            <a:rPr lang="de-DE" sz="3200" b="0" i="1" smtClean="0">
-                              <a:latin typeface="Cambria Math" panose="02040503050406030204" pitchFamily="18" charset="0"/>
-                            </a:rPr>
-                          </m:ctrlPr>
-                        </m:sSubPr>
-                        <m:e>
-                          <m:r>
-                            <a:rPr lang="de-DE" sz="3200" b="0" i="1" smtClean="0">
-                              <a:latin typeface="Cambria Math" panose="02040503050406030204" pitchFamily="18" charset="0"/>
-                            </a:rPr>
-                            <m:t>𝐵</m:t>
-                          </m:r>
-                        </m:e>
-                        <m:sub>
-                          <m:r>
-                            <a:rPr lang="de-DE" sz="3200" b="0" i="1" smtClean="0">
-                              <a:latin typeface="Cambria Math" panose="02040503050406030204" pitchFamily="18" charset="0"/>
-                            </a:rPr>
-                            <m:t>𝑘</m:t>
-                          </m:r>
-                        </m:sub>
-                      </m:sSub>
-                      <m:sSub>
-                        <m:sSubPr>
-                          <m:ctrlPr>
-                            <a:rPr lang="de-DE" sz="3200" b="0" i="1" smtClean="0">
-                              <a:latin typeface="Cambria Math" panose="02040503050406030204" pitchFamily="18" charset="0"/>
-                            </a:rPr>
-                          </m:ctrlPr>
-                        </m:sSubPr>
-                        <m:e>
-                          <m:r>
-                            <a:rPr lang="de-DE" sz="3200" b="0" i="1" smtClean="0">
-                              <a:latin typeface="Cambria Math" panose="02040503050406030204" pitchFamily="18" charset="0"/>
-                            </a:rPr>
-                            <m:t>𝑢</m:t>
-                          </m:r>
-                        </m:e>
-                        <m:sub>
-                          <m:r>
-                            <a:rPr lang="de-DE" sz="3200" b="0" i="1" smtClean="0">
-                              <a:latin typeface="Cambria Math" panose="02040503050406030204" pitchFamily="18" charset="0"/>
-                            </a:rPr>
-                            <m:t>𝑘</m:t>
-                          </m:r>
-                        </m:sub>
-                      </m:sSub>
-                      <m:r>
-                        <a:rPr lang="de-DE" sz="3200" b="0" i="1" smtClean="0">
-                          <a:latin typeface="Cambria Math" panose="02040503050406030204" pitchFamily="18" charset="0"/>
-                        </a:rPr>
-                        <m:t>+</m:t>
-                      </m:r>
-                      <m:sSub>
-                        <m:sSubPr>
-                          <m:ctrlPr>
-                            <a:rPr lang="de-DE" sz="3200" b="0" i="1" smtClean="0">
-                              <a:latin typeface="Cambria Math" panose="02040503050406030204" pitchFamily="18" charset="0"/>
-                            </a:rPr>
-                          </m:ctrlPr>
-                        </m:sSubPr>
-                        <m:e>
-                          <m:r>
-                            <a:rPr lang="de-DE" sz="3200" b="0" i="1" smtClean="0">
-                              <a:latin typeface="Cambria Math" panose="02040503050406030204" pitchFamily="18" charset="0"/>
-                            </a:rPr>
-                            <m:t>𝑤</m:t>
-                          </m:r>
-                        </m:e>
-                        <m:sub>
-                          <m:r>
-                            <a:rPr lang="de-DE" sz="3200" b="0" i="1" smtClean="0">
-                              <a:latin typeface="Cambria Math" panose="02040503050406030204" pitchFamily="18" charset="0"/>
-                            </a:rPr>
-                            <m:t>𝑘</m:t>
-                          </m:r>
-                        </m:sub>
-                      </m:sSub>
-                    </m:oMath>
-                  </m:oMathPara>
-                </a14:m>
-                <a:endParaRPr lang="de-DE" sz="2800" b="0">
-                  <a:latin typeface="Corbel" panose="020B0503020204020204" pitchFamily="34" charset="0"/>
-                </a:endParaRPr>
-              </a:p>
-              <a:p>
-                <a:pPr marL="0" indent="0">
-                  <a:buNone/>
-                </a:pPr>
-                <a:endParaRPr lang="de-DE" sz="2800" b="0">
-                  <a:latin typeface="Corbel" panose="020B0503020204020204" pitchFamily="34" charset="0"/>
-                </a:endParaRPr>
-              </a:p>
-              <a:p>
-                <a:pPr>
-                  <a:buFontTx/>
-                  <a:buChar char="-"/>
-                </a:pPr>
-                <a14:m>
-                  <m:oMath xmlns:m="http://schemas.openxmlformats.org/officeDocument/2006/math">
-                    <m:sSub>
-                      <m:sSubPr>
-                        <m:ctrlPr>
-                          <a:rPr lang="de-DE" sz="2800" b="0" i="1" smtClean="0">
-                            <a:latin typeface="Cambria Math" panose="02040503050406030204" pitchFamily="18" charset="0"/>
-                          </a:rPr>
-                        </m:ctrlPr>
-                      </m:sSubPr>
-                      <m:e>
-                        <m:r>
-                          <a:rPr lang="de-DE" sz="2800" b="0" i="1" smtClean="0">
-                            <a:latin typeface="Cambria Math" panose="02040503050406030204" pitchFamily="18" charset="0"/>
-                          </a:rPr>
-                          <m:t>𝐹</m:t>
-                        </m:r>
-                      </m:e>
-                      <m:sub>
-                        <m:r>
-                          <a:rPr lang="de-DE" sz="2800" b="0" i="1" smtClean="0">
-                            <a:latin typeface="Cambria Math" panose="02040503050406030204" pitchFamily="18" charset="0"/>
-                          </a:rPr>
-                          <m:t>𝑘</m:t>
-                        </m:r>
-                      </m:sub>
-                    </m:sSub>
-                  </m:oMath>
-                </a14:m>
-                <a:r>
-                  <a:rPr lang="de-DE" sz="2800">
-                    <a:latin typeface="Corbel" panose="020B0503020204020204" pitchFamily="34" charset="0"/>
-                  </a:rPr>
-                  <a:t> : state-transition model  </a:t>
-                </a:r>
-                <a:r>
-                  <a:rPr lang="de-DE" sz="2400">
-                    <a:solidFill>
-                      <a:schemeClr val="accent3"/>
-                    </a:solidFill>
-                    <a:latin typeface="Corbel" panose="020B0503020204020204" pitchFamily="34" charset="0"/>
-                  </a:rPr>
-                  <a:t>(e.g. classical mechanics)</a:t>
-                </a:r>
-              </a:p>
-              <a:p>
-                <a:pPr>
-                  <a:buFontTx/>
-                  <a:buChar char="-"/>
-                </a:pPr>
-                <a14:m>
-                  <m:oMath xmlns:m="http://schemas.openxmlformats.org/officeDocument/2006/math">
-                    <m:sSub>
-                      <m:sSubPr>
-                        <m:ctrlPr>
-                          <a:rPr lang="de-DE" sz="2800" b="0" i="1" smtClean="0">
-                            <a:latin typeface="Cambria Math" panose="02040503050406030204" pitchFamily="18" charset="0"/>
-                          </a:rPr>
-                        </m:ctrlPr>
-                      </m:sSubPr>
-                      <m:e>
-                        <m:r>
-                          <a:rPr lang="de-DE" sz="2800" b="0" i="1" smtClean="0">
-                            <a:latin typeface="Cambria Math" panose="02040503050406030204" pitchFamily="18" charset="0"/>
-                          </a:rPr>
-                          <m:t>𝐵</m:t>
-                        </m:r>
-                      </m:e>
-                      <m:sub>
-                        <m:r>
-                          <a:rPr lang="de-DE" sz="2800" b="0" i="1" smtClean="0">
-                            <a:latin typeface="Cambria Math" panose="02040503050406030204" pitchFamily="18" charset="0"/>
-                          </a:rPr>
-                          <m:t>𝑘</m:t>
-                        </m:r>
-                      </m:sub>
-                    </m:sSub>
-                  </m:oMath>
-                </a14:m>
-                <a:r>
-                  <a:rPr lang="de-DE" sz="2800">
-                    <a:latin typeface="Corbel" panose="020B0503020204020204" pitchFamily="34" charset="0"/>
-                  </a:rPr>
-                  <a:t> : control-input model  </a:t>
-                </a:r>
-                <a:r>
-                  <a:rPr lang="de-DE" sz="2400">
-                    <a:solidFill>
-                      <a:schemeClr val="accent3"/>
-                    </a:solidFill>
-                    <a:latin typeface="Corbel" panose="020B0503020204020204" pitchFamily="34" charset="0"/>
-                  </a:rPr>
-                  <a:t>(e.g. motor affects position)</a:t>
-                </a:r>
-              </a:p>
-              <a:p>
-                <a:pPr>
-                  <a:buFontTx/>
-                  <a:buChar char="-"/>
-                </a:pPr>
-                <a14:m>
-                  <m:oMath xmlns:m="http://schemas.openxmlformats.org/officeDocument/2006/math">
-                    <m:sSub>
-                      <m:sSubPr>
-                        <m:ctrlPr>
-                          <a:rPr lang="de-DE" sz="2800" b="0" i="1" smtClean="0">
-                            <a:latin typeface="Cambria Math" panose="02040503050406030204" pitchFamily="18" charset="0"/>
-                          </a:rPr>
-                        </m:ctrlPr>
-                      </m:sSubPr>
-                      <m:e>
-                        <m:r>
-                          <a:rPr lang="de-DE" sz="2800" b="0" i="1" smtClean="0">
-                            <a:latin typeface="Cambria Math" panose="02040503050406030204" pitchFamily="18" charset="0"/>
-                          </a:rPr>
-                          <m:t>𝑢</m:t>
-                        </m:r>
-                      </m:e>
-                      <m:sub>
-                        <m:r>
-                          <a:rPr lang="de-DE" sz="2800" b="0" i="1" smtClean="0">
-                            <a:latin typeface="Cambria Math" panose="02040503050406030204" pitchFamily="18" charset="0"/>
-                          </a:rPr>
-                          <m:t>𝑘</m:t>
-                        </m:r>
-                      </m:sub>
-                    </m:sSub>
-                  </m:oMath>
-                </a14:m>
-                <a:r>
-                  <a:rPr lang="de-DE" sz="2800">
-                    <a:latin typeface="Corbel" panose="020B0503020204020204" pitchFamily="34" charset="0"/>
-                  </a:rPr>
-                  <a:t> : control vector  </a:t>
-                </a:r>
-                <a:r>
-                  <a:rPr lang="de-DE" sz="2400">
-                    <a:solidFill>
-                      <a:schemeClr val="accent3"/>
-                    </a:solidFill>
-                    <a:latin typeface="Corbel" panose="020B0503020204020204" pitchFamily="34" charset="0"/>
-                  </a:rPr>
-                  <a:t>(e.g. how much the motor is driven)</a:t>
-                </a:r>
-              </a:p>
-              <a:p>
-                <a:pPr>
-                  <a:buFontTx/>
-                  <a:buChar char="-"/>
-                </a:pPr>
-                <a14:m>
-                  <m:oMath xmlns:m="http://schemas.openxmlformats.org/officeDocument/2006/math">
-                    <m:sSub>
-                      <m:sSubPr>
-                        <m:ctrlPr>
-                          <a:rPr lang="de-DE" sz="2800" i="1">
-                            <a:solidFill>
-                              <a:prstClr val="black"/>
-                            </a:solidFill>
-                            <a:latin typeface="Cambria Math" panose="02040503050406030204" pitchFamily="18" charset="0"/>
-                          </a:rPr>
-                        </m:ctrlPr>
-                      </m:sSubPr>
-                      <m:e>
-                        <m:r>
-                          <a:rPr lang="de-DE" sz="2800" b="0" i="1" smtClean="0">
-                            <a:solidFill>
-                              <a:prstClr val="black"/>
-                            </a:solidFill>
-                            <a:latin typeface="Cambria Math" panose="02040503050406030204" pitchFamily="18" charset="0"/>
-                          </a:rPr>
-                          <m:t>𝑤</m:t>
-                        </m:r>
-                      </m:e>
-                      <m:sub>
-                        <m:r>
-                          <a:rPr lang="de-DE" sz="2800" i="1">
-                            <a:solidFill>
-                              <a:prstClr val="black"/>
-                            </a:solidFill>
-                            <a:latin typeface="Cambria Math" panose="02040503050406030204" pitchFamily="18" charset="0"/>
-                          </a:rPr>
-                          <m:t>𝑘</m:t>
-                        </m:r>
-                      </m:sub>
-                    </m:sSub>
-                  </m:oMath>
-                </a14:m>
-                <a:r>
-                  <a:rPr lang="de-DE" sz="2800">
-                    <a:solidFill>
-                      <a:prstClr val="black"/>
-                    </a:solidFill>
-                    <a:latin typeface="Corbel" panose="020B0503020204020204" pitchFamily="34" charset="0"/>
-                  </a:rPr>
-                  <a:t> : process noise – with covariance </a:t>
-                </a:r>
-                <a14:m>
-                  <m:oMath xmlns:m="http://schemas.openxmlformats.org/officeDocument/2006/math">
-                    <m:sSub>
-                      <m:sSubPr>
-                        <m:ctrlPr>
-                          <a:rPr lang="de-DE" sz="2800" b="0" i="1" smtClean="0">
-                            <a:solidFill>
-                              <a:prstClr val="black"/>
-                            </a:solidFill>
-                            <a:latin typeface="Cambria Math" panose="02040503050406030204" pitchFamily="18" charset="0"/>
-                          </a:rPr>
-                        </m:ctrlPr>
-                      </m:sSubPr>
-                      <m:e>
-                        <m:r>
-                          <a:rPr lang="de-DE" sz="2800" b="0" i="1" smtClean="0">
-                            <a:solidFill>
-                              <a:prstClr val="black"/>
-                            </a:solidFill>
-                            <a:latin typeface="Cambria Math" panose="02040503050406030204" pitchFamily="18" charset="0"/>
-                          </a:rPr>
-                          <m:t>𝑄</m:t>
-                        </m:r>
-                      </m:e>
-                      <m:sub>
-                        <m:r>
-                          <a:rPr lang="de-DE" sz="2800" b="0" i="1" smtClean="0">
-                            <a:solidFill>
-                              <a:prstClr val="black"/>
-                            </a:solidFill>
-                            <a:latin typeface="Cambria Math" panose="02040503050406030204" pitchFamily="18" charset="0"/>
-                          </a:rPr>
-                          <m:t>𝑘</m:t>
-                        </m:r>
-                      </m:sub>
-                    </m:sSub>
-                  </m:oMath>
-                </a14:m>
-                <a:endParaRPr lang="de-DE" sz="2400">
-                  <a:latin typeface="Corbel" panose="020B0503020204020204" pitchFamily="34" charset="0"/>
-                </a:endParaRPr>
-              </a:p>
-              <a:p>
-                <a:pPr>
-                  <a:buFontTx/>
-                  <a:buChar char="-"/>
-                </a:pPr>
-                <a:endParaRPr lang="de-DE" sz="2800">
-                  <a:latin typeface="Corbel" panose="020B0503020204020204" pitchFamily="34" charset="0"/>
-                </a:endParaRPr>
-              </a:p>
-            </p:txBody>
-          </p:sp>
-        </mc:Choice>
-        <mc:Fallback xmlns="">
-          <p:sp>
-            <p:nvSpPr>
-              <p:cNvPr id="3" name="Inhaltsplatzhalter 2">
-                <a:extLst>
-                  <a:ext uri="{FF2B5EF4-FFF2-40B4-BE49-F238E27FC236}">
-                    <a16:creationId xmlns:a16="http://schemas.microsoft.com/office/drawing/2014/main" id="{9962D4C6-1989-457F-A5DB-9CC2C96CDAE3}"/>
-                  </a:ext>
-                </a:extLst>
-              </p:cNvPr>
-              <p:cNvSpPr>
-                <a:spLocks noGrp="1" noRot="1" noChangeAspect="1" noMove="1" noResize="1" noEditPoints="1" noAdjustHandles="1" noChangeArrowheads="1" noChangeShapeType="1" noTextEdit="1"/>
-              </p:cNvSpPr>
-              <p:nvPr>
-                <p:ph idx="1"/>
-              </p:nvPr>
-            </p:nvSpPr>
-            <p:spPr>
-              <a:blipFill>
-                <a:blip r:embed="rId3"/>
-                <a:stretch>
-                  <a:fillRect l="-1546" t="-2241" b="-840"/>
-                </a:stretch>
-              </a:blipFill>
-            </p:spPr>
-            <p:txBody>
-              <a:bodyPr/>
-              <a:lstStyle/>
-              <a:p>
-                <a:r>
-                  <a:rPr lang="de-DE">
-                    <a:noFill/>
-                  </a:rPr>
-                  <a:t> </a:t>
-                </a:r>
-              </a:p>
-            </p:txBody>
-          </p:sp>
-        </mc:Fallback>
-      </mc:AlternateContent>
-      <p:cxnSp>
-        <p:nvCxnSpPr>
-          <p:cNvPr id="5" name="Gerader Verbinder 4">
-            <a:extLst>
-              <a:ext uri="{FF2B5EF4-FFF2-40B4-BE49-F238E27FC236}">
-                <a16:creationId xmlns:a16="http://schemas.microsoft.com/office/drawing/2014/main" id="{1892A047-1063-4568-A9A5-DA40684BA449}"/>
-              </a:ext>
-            </a:extLst>
-          </p:cNvPr>
-          <p:cNvCxnSpPr/>
-          <p:nvPr/>
-        </p:nvCxnSpPr>
-        <p:spPr>
-          <a:xfrm>
-            <a:off x="0" y="1065231"/>
-            <a:ext cx="9144000" cy="0"/>
-          </a:xfrm>
-          <a:prstGeom prst="line">
-            <a:avLst/>
-          </a:prstGeom>
-        </p:spPr>
-        <p:style>
-          <a:lnRef idx="1">
-            <a:schemeClr val="accent1"/>
-          </a:lnRef>
-          <a:fillRef idx="0">
-            <a:schemeClr val="accent1"/>
-          </a:fillRef>
-          <a:effectRef idx="0">
-            <a:schemeClr val="accent1"/>
-          </a:effectRef>
-          <a:fontRef idx="minor">
-            <a:schemeClr val="tx1"/>
-          </a:fontRef>
-        </p:style>
-      </p:cxnSp>
-      <p:sp>
-        <p:nvSpPr>
-          <p:cNvPr id="6" name="Foliennummernplatzhalter 5">
-            <a:extLst>
-              <a:ext uri="{FF2B5EF4-FFF2-40B4-BE49-F238E27FC236}">
-                <a16:creationId xmlns:a16="http://schemas.microsoft.com/office/drawing/2014/main" id="{5140CF2F-6F7F-44F0-8F3E-6C2234A57167}"/>
-              </a:ext>
-            </a:extLst>
-          </p:cNvPr>
-          <p:cNvSpPr>
-            <a:spLocks noGrp="1"/>
-          </p:cNvSpPr>
-          <p:nvPr>
-            <p:ph type="sldNum" sz="quarter" idx="12"/>
-          </p:nvPr>
-        </p:nvSpPr>
-        <p:spPr/>
-        <p:txBody>
-          <a:bodyPr/>
-          <a:lstStyle/>
-          <a:p>
-            <a:fld id="{0696A970-E1A0-4FA3-8434-947DF6AD858B}" type="slidenum">
-              <a:rPr lang="de-DE" smtClean="0"/>
-              <a:t>9</a:t>
-            </a:fld>
-            <a:endParaRPr lang="de-DE"/>
-          </a:p>
-        </p:txBody>
-      </p:sp>
-    </p:spTree>
-    <p:extLst>
-      <p:ext uri="{BB962C8B-B14F-4D97-AF65-F5344CB8AC3E}">
-        <p14:creationId xmlns:p14="http://schemas.microsoft.com/office/powerpoint/2010/main" val="942563095"/>
       </p:ext>
     </p:extLst>
   </p:cSld>

--- a/vortrag/ba_seminar_presentation.pptx
+++ b/vortrag/ba_seminar_presentation.pptx
@@ -213,7 +213,7 @@
           <a:p>
             <a:fld id="{02DEFC3C-AF63-412B-984B-9E1D725FE3B8}" type="datetimeFigureOut">
               <a:rPr lang="de-DE" smtClean="0"/>
-              <a:t>23.09.2018</a:t>
+              <a:t>24.09.2018</a:t>
             </a:fld>
             <a:endParaRPr lang="de-DE"/>
           </a:p>
@@ -509,6 +509,90 @@
         </p:nvSpPr>
         <p:spPr/>
       </p:sp>
+      <p:sp>
+        <p:nvSpPr>
+          <p:cNvPr id="3" name="Notizenplatzhalter 2"/>
+          <p:cNvSpPr>
+            <a:spLocks noGrp="1"/>
+          </p:cNvSpPr>
+          <p:nvPr>
+            <p:ph type="body" idx="1"/>
+          </p:nvPr>
+        </p:nvSpPr>
+        <p:spPr/>
+        <p:txBody>
+          <a:bodyPr/>
+          <a:lstStyle/>
+          <a:p>
+            <a:endParaRPr lang="de-DE"/>
+          </a:p>
+        </p:txBody>
+      </p:sp>
+      <p:sp>
+        <p:nvSpPr>
+          <p:cNvPr id="4" name="Foliennummernplatzhalter 3"/>
+          <p:cNvSpPr>
+            <a:spLocks noGrp="1"/>
+          </p:cNvSpPr>
+          <p:nvPr>
+            <p:ph type="sldNum" sz="quarter" idx="5"/>
+          </p:nvPr>
+        </p:nvSpPr>
+        <p:spPr/>
+        <p:txBody>
+          <a:bodyPr/>
+          <a:lstStyle/>
+          <a:p>
+            <a:fld id="{416FB7CF-276F-45FE-92E9-289D7174B126}" type="slidenum">
+              <a:rPr lang="de-DE" smtClean="0"/>
+              <a:t>8</a:t>
+            </a:fld>
+            <a:endParaRPr lang="de-DE"/>
+          </a:p>
+        </p:txBody>
+      </p:sp>
+    </p:spTree>
+    <p:extLst>
+      <p:ext uri="{BB962C8B-B14F-4D97-AF65-F5344CB8AC3E}">
+        <p14:creationId xmlns:p14="http://schemas.microsoft.com/office/powerpoint/2010/main" val="3524412145"/>
+      </p:ext>
+    </p:extLst>
+  </p:cSld>
+  <p:clrMapOvr>
+    <a:masterClrMapping/>
+  </p:clrMapOvr>
+</p:notes>
+</file>
+
+<file path=ppt/notesSlides/notesSlide2.xml><?xml version="1.0" encoding="utf-8"?>
+<p:notes xmlns:a="http://schemas.openxmlformats.org/drawingml/2006/main" xmlns:r="http://schemas.openxmlformats.org/officeDocument/2006/relationships" xmlns:p="http://schemas.openxmlformats.org/presentationml/2006/main">
+  <p:cSld>
+    <p:spTree>
+      <p:nvGrpSpPr>
+        <p:cNvPr id="1" name=""/>
+        <p:cNvGrpSpPr/>
+        <p:nvPr/>
+      </p:nvGrpSpPr>
+      <p:grpSpPr>
+        <a:xfrm>
+          <a:off x="0" y="0"/>
+          <a:ext cx="0" cy="0"/>
+          <a:chOff x="0" y="0"/>
+          <a:chExt cx="0" cy="0"/>
+        </a:xfrm>
+      </p:grpSpPr>
+      <p:sp>
+        <p:nvSpPr>
+          <p:cNvPr id="2" name="Folienbildplatzhalter 1"/>
+          <p:cNvSpPr>
+            <a:spLocks noGrp="1" noRot="1" noChangeAspect="1"/>
+          </p:cNvSpPr>
+          <p:nvPr>
+            <p:ph type="sldImg"/>
+          </p:nvPr>
+        </p:nvSpPr>
+        <p:spPr/>
+      </p:sp>
       <mc:AlternateContent xmlns:mc="http://schemas.openxmlformats.org/markup-compatibility/2006" xmlns:a14="http://schemas.microsoft.com/office/drawing/2010/main">
         <mc:Choice Requires="a14">
           <p:sp>
@@ -648,7 +732,7 @@
 </p:notes>
 </file>
 
-<file path=ppt/notesSlides/notesSlide2.xml><?xml version="1.0" encoding="utf-8"?>
+<file path=ppt/notesSlides/notesSlide3.xml><?xml version="1.0" encoding="utf-8"?>
 <p:notes xmlns:a="http://schemas.openxmlformats.org/drawingml/2006/main" xmlns:r="http://schemas.openxmlformats.org/officeDocument/2006/relationships" xmlns:p="http://schemas.openxmlformats.org/presentationml/2006/main">
   <p:cSld>
     <p:spTree>
@@ -775,7 +859,7 @@
 </p:notes>
 </file>
 
-<file path=ppt/notesSlides/notesSlide3.xml><?xml version="1.0" encoding="utf-8"?>
+<file path=ppt/notesSlides/notesSlide4.xml><?xml version="1.0" encoding="utf-8"?>
 <p:notes xmlns:a="http://schemas.openxmlformats.org/drawingml/2006/main" xmlns:r="http://schemas.openxmlformats.org/officeDocument/2006/relationships" xmlns:p="http://schemas.openxmlformats.org/presentationml/2006/main">
   <p:cSld>
     <p:spTree>
@@ -902,7 +986,7 @@
 </p:notes>
 </file>
 
-<file path=ppt/notesSlides/notesSlide4.xml><?xml version="1.0" encoding="utf-8"?>
+<file path=ppt/notesSlides/notesSlide5.xml><?xml version="1.0" encoding="utf-8"?>
 <p:notes xmlns:a="http://schemas.openxmlformats.org/drawingml/2006/main" xmlns:r="http://schemas.openxmlformats.org/officeDocument/2006/relationships" xmlns:p="http://schemas.openxmlformats.org/presentationml/2006/main">
   <p:cSld>
     <p:spTree>
@@ -1176,7 +1260,7 @@
           <a:p>
             <a:fld id="{0B3785B8-7845-4E22-917D-860CEDD8A158}" type="datetime1">
               <a:rPr lang="de-DE" smtClean="0"/>
-              <a:t>23.09.2018</a:t>
+              <a:t>24.09.2018</a:t>
             </a:fld>
             <a:endParaRPr lang="de-DE"/>
           </a:p>
@@ -1374,7 +1458,7 @@
           <a:p>
             <a:fld id="{3251938C-2909-4BAA-BC07-22B60A122E43}" type="datetime1">
               <a:rPr lang="de-DE" smtClean="0"/>
-              <a:t>23.09.2018</a:t>
+              <a:t>24.09.2018</a:t>
             </a:fld>
             <a:endParaRPr lang="de-DE"/>
           </a:p>
@@ -1582,7 +1666,7 @@
           <a:p>
             <a:fld id="{D187C8ED-4DEB-41FB-A851-C9EF06EC7D47}" type="datetime1">
               <a:rPr lang="de-DE" smtClean="0"/>
-              <a:t>23.09.2018</a:t>
+              <a:t>24.09.2018</a:t>
             </a:fld>
             <a:endParaRPr lang="de-DE"/>
           </a:p>
@@ -1780,7 +1864,7 @@
           <a:p>
             <a:fld id="{97AF0FDE-A463-47AC-AC43-1CDDF8F73A3C}" type="datetime1">
               <a:rPr lang="de-DE" smtClean="0"/>
-              <a:t>23.09.2018</a:t>
+              <a:t>24.09.2018</a:t>
             </a:fld>
             <a:endParaRPr lang="de-DE"/>
           </a:p>
@@ -2055,7 +2139,7 @@
           <a:p>
             <a:fld id="{8AA0F461-126D-497C-998A-502AB75AD3BE}" type="datetime1">
               <a:rPr lang="de-DE" smtClean="0"/>
-              <a:t>23.09.2018</a:t>
+              <a:t>24.09.2018</a:t>
             </a:fld>
             <a:endParaRPr lang="de-DE"/>
           </a:p>
@@ -2320,7 +2404,7 @@
           <a:p>
             <a:fld id="{F72D3A86-22DE-4E91-BF14-9DEAA66C31B9}" type="datetime1">
               <a:rPr lang="de-DE" smtClean="0"/>
-              <a:t>23.09.2018</a:t>
+              <a:t>24.09.2018</a:t>
             </a:fld>
             <a:endParaRPr lang="de-DE"/>
           </a:p>
@@ -2732,7 +2816,7 @@
           <a:p>
             <a:fld id="{39B9B465-A058-4BD0-860F-D81B0F9FBEF4}" type="datetime1">
               <a:rPr lang="de-DE" smtClean="0"/>
-              <a:t>23.09.2018</a:t>
+              <a:t>24.09.2018</a:t>
             </a:fld>
             <a:endParaRPr lang="de-DE"/>
           </a:p>
@@ -2873,7 +2957,7 @@
           <a:p>
             <a:fld id="{A5D87DB6-0037-410E-8516-CB9FDC85B00F}" type="datetime1">
               <a:rPr lang="de-DE" smtClean="0"/>
-              <a:t>23.09.2018</a:t>
+              <a:t>24.09.2018</a:t>
             </a:fld>
             <a:endParaRPr lang="de-DE"/>
           </a:p>
@@ -2986,7 +3070,7 @@
           <a:p>
             <a:fld id="{69BBDC03-799D-4EC8-8311-1AB5FC4EEE0C}" type="datetime1">
               <a:rPr lang="de-DE" smtClean="0"/>
-              <a:t>23.09.2018</a:t>
+              <a:t>24.09.2018</a:t>
             </a:fld>
             <a:endParaRPr lang="de-DE"/>
           </a:p>
@@ -3297,7 +3381,7 @@
           <a:p>
             <a:fld id="{924C3D6F-889B-4CB3-AB5C-6E3290D337C5}" type="datetime1">
               <a:rPr lang="de-DE" smtClean="0"/>
-              <a:t>23.09.2018</a:t>
+              <a:t>24.09.2018</a:t>
             </a:fld>
             <a:endParaRPr lang="de-DE"/>
           </a:p>
@@ -3585,7 +3669,7 @@
           <a:p>
             <a:fld id="{8D06413E-5BD4-4FFF-8354-255E6D3C998B}" type="datetime1">
               <a:rPr lang="de-DE" smtClean="0"/>
-              <a:t>23.09.2018</a:t>
+              <a:t>24.09.2018</a:t>
             </a:fld>
             <a:endParaRPr lang="de-DE"/>
           </a:p>
@@ -3826,7 +3910,7 @@
           <a:p>
             <a:fld id="{96478762-7B63-411B-A736-55CDCD2A8D1A}" type="datetime1">
               <a:rPr lang="de-DE" smtClean="0"/>
-              <a:t>23.09.2018</a:t>
+              <a:t>24.09.2018</a:t>
             </a:fld>
             <a:endParaRPr lang="de-DE"/>
           </a:p>
@@ -19579,8 +19663,8 @@
           </a:p>
         </p:txBody>
       </p:sp>
-      <mc:AlternateContent xmlns:mc="http://schemas.openxmlformats.org/markup-compatibility/2006" xmlns:a14="http://schemas.microsoft.com/office/drawing/2010/main">
-        <mc:Choice Requires="a14">
+      <mc:AlternateContent xmlns:mc="http://schemas.openxmlformats.org/markup-compatibility/2006">
+        <mc:Choice xmlns:a14="http://schemas.microsoft.com/office/drawing/2010/main" Requires="a14">
           <p:sp>
             <p:nvSpPr>
               <p:cNvPr id="7" name="Rechteck: abgerundete Ecken 6">
@@ -19595,8 +19679,8 @@
             </p:nvSpPr>
             <p:spPr>
               <a:xfrm>
-                <a:off x="3927524" y="3944137"/>
-                <a:ext cx="1819910" cy="918686"/>
+                <a:off x="4358492" y="2286855"/>
+                <a:ext cx="1381943" cy="704868"/>
               </a:xfrm>
               <a:prstGeom prst="roundRect">
                 <a:avLst/>
@@ -19631,7 +19715,7 @@
                 <a:pPr algn="ctr"/>
                 <a:r>
                   <a:rPr lang="de-DE"/>
-                  <a:t>sensor readings</a:t>
+                  <a:t>observation</a:t>
                 </a:r>
               </a:p>
               <a:p>
@@ -19665,6 +19749,12 @@
                             </a:rPr>
                             <m:t>𝑘</m:t>
                           </m:r>
+                          <m:r>
+                            <a:rPr lang="de-DE" b="0" i="1" smtClean="0">
+                              <a:latin typeface="Cambria Math" panose="02040503050406030204" pitchFamily="18" charset="0"/>
+                            </a:rPr>
+                            <m:t>−2</m:t>
+                          </m:r>
                         </m:sub>
                       </m:sSub>
                     </m:oMath>
@@ -19675,7 +19765,7 @@
             </p:txBody>
           </p:sp>
         </mc:Choice>
-        <mc:Fallback xmlns="">
+        <mc:Fallback>
           <p:sp>
             <p:nvSpPr>
               <p:cNvPr id="7" name="Rechteck: abgerundete Ecken 6">
@@ -19692,8 +19782,8 @@
             </p:nvSpPr>
             <p:spPr>
               <a:xfrm>
-                <a:off x="3927524" y="3944137"/>
-                <a:ext cx="1819910" cy="918686"/>
+                <a:off x="4358492" y="2286855"/>
+                <a:ext cx="1381943" cy="704868"/>
               </a:xfrm>
               <a:prstGeom prst="roundRect">
                 <a:avLst/>
@@ -19701,7 +19791,7 @@
               <a:blipFill>
                 <a:blip r:embed="rId3"/>
                 <a:stretch>
-                  <a:fillRect/>
+                  <a:fillRect l="-881" r="-441"/>
                 </a:stretch>
               </a:blipFill>
               <a:ln>
@@ -19723,8 +19813,8 @@
           </p:sp>
         </mc:Fallback>
       </mc:AlternateContent>
-      <mc:AlternateContent xmlns:mc="http://schemas.openxmlformats.org/markup-compatibility/2006">
-        <mc:Choice xmlns:a14="http://schemas.microsoft.com/office/drawing/2010/main" Requires="a14">
+      <mc:AlternateContent xmlns:mc="http://schemas.openxmlformats.org/markup-compatibility/2006" xmlns:a14="http://schemas.microsoft.com/office/drawing/2010/main">
+        <mc:Choice Requires="a14">
           <p:sp>
             <p:nvSpPr>
               <p:cNvPr id="14" name="Rechteck: abgerundete Ecken 13">
@@ -19800,7 +19890,7 @@
             </p:txBody>
           </p:sp>
         </mc:Choice>
-        <mc:Fallback>
+        <mc:Fallback xmlns="">
           <p:sp>
             <p:nvSpPr>
               <p:cNvPr id="14" name="Rechteck: abgerundete Ecken 13">
@@ -19848,64 +19938,237 @@
           </p:sp>
         </mc:Fallback>
       </mc:AlternateContent>
-      <p:sp>
-        <p:nvSpPr>
-          <p:cNvPr id="3" name="Rechteck 2">
-            <a:extLst>
-              <a:ext uri="{FF2B5EF4-FFF2-40B4-BE49-F238E27FC236}">
-                <a16:creationId xmlns:a16="http://schemas.microsoft.com/office/drawing/2014/main" id="{E80E2245-9499-4961-8176-1EDAD256DDED}"/>
-              </a:ext>
-            </a:extLst>
-          </p:cNvPr>
-          <p:cNvSpPr/>
-          <p:nvPr/>
-        </p:nvSpPr>
-        <p:spPr>
-          <a:xfrm>
-            <a:off x="1456724" y="3193975"/>
-            <a:ext cx="845002" cy="514902"/>
-          </a:xfrm>
-          <a:prstGeom prst="rect">
-            <a:avLst/>
-          </a:prstGeom>
-          <a:solidFill>
-            <a:schemeClr val="accent3">
-              <a:lumMod val="75000"/>
-            </a:schemeClr>
-          </a:solidFill>
-          <a:ln>
-            <a:noFill/>
-          </a:ln>
-        </p:spPr>
-        <p:style>
-          <a:lnRef idx="2">
-            <a:schemeClr val="accent1">
-              <a:shade val="50000"/>
-            </a:schemeClr>
-          </a:lnRef>
-          <a:fillRef idx="1">
-            <a:schemeClr val="accent1"/>
-          </a:fillRef>
-          <a:effectRef idx="0">
-            <a:schemeClr val="accent1"/>
-          </a:effectRef>
-          <a:fontRef idx="minor">
-            <a:schemeClr val="lt1"/>
-          </a:fontRef>
-        </p:style>
-        <p:txBody>
-          <a:bodyPr rtlCol="0" anchor="ctr"/>
-          <a:lstStyle/>
-          <a:p>
-            <a:pPr algn="ctr"/>
-            <a:endParaRPr lang="de-DE">
+      <mc:AlternateContent xmlns:mc="http://schemas.openxmlformats.org/markup-compatibility/2006">
+        <mc:Choice xmlns:a14="http://schemas.microsoft.com/office/drawing/2010/main" Requires="a14">
+          <p:sp>
+            <p:nvSpPr>
+              <p:cNvPr id="3" name="Rechteck 2">
+                <a:extLst>
+                  <a:ext uri="{FF2B5EF4-FFF2-40B4-BE49-F238E27FC236}">
+                    <a16:creationId xmlns:a16="http://schemas.microsoft.com/office/drawing/2014/main" id="{E80E2245-9499-4961-8176-1EDAD256DDED}"/>
+                  </a:ext>
+                </a:extLst>
+              </p:cNvPr>
+              <p:cNvSpPr/>
+              <p:nvPr/>
+            </p:nvSpPr>
+            <p:spPr>
+              <a:xfrm>
+                <a:off x="1220992" y="3193975"/>
+                <a:ext cx="1316466" cy="514902"/>
+              </a:xfrm>
+              <a:prstGeom prst="rect">
+                <a:avLst/>
+              </a:prstGeom>
               <a:solidFill>
-                <a:schemeClr val="bg1"/>
+                <a:schemeClr val="tx1"/>
               </a:solidFill>
-            </a:endParaRPr>
-          </a:p>
-        </p:txBody>
-      </p:sp>
+              <a:ln>
+                <a:noFill/>
+              </a:ln>
+            </p:spPr>
+            <p:style>
+              <a:lnRef idx="2">
+                <a:schemeClr val="accent1">
+                  <a:shade val="50000"/>
+                </a:schemeClr>
+              </a:lnRef>
+              <a:fillRef idx="1">
+                <a:schemeClr val="accent1"/>
+              </a:fillRef>
+              <a:effectRef idx="0">
+                <a:schemeClr val="accent1"/>
+              </a:effectRef>
+              <a:fontRef idx="minor">
+                <a:schemeClr val="lt1"/>
+              </a:fontRef>
+            </p:style>
+            <p:txBody>
+              <a:bodyPr rtlCol="0" anchor="ctr"/>
+              <a:lstStyle/>
+              <a:p>
+                <a:pPr algn="ctr"/>
+                <a14:m>
+                  <m:oMathPara xmlns:m="http://schemas.openxmlformats.org/officeDocument/2006/math">
+                    <m:oMathParaPr>
+                      <m:jc m:val="centerGroup"/>
+                    </m:oMathParaPr>
+                    <m:oMath xmlns:m="http://schemas.openxmlformats.org/officeDocument/2006/math">
+                      <m:sSub>
+                        <m:sSubPr>
+                          <m:ctrlPr>
+                            <a:rPr lang="de-DE" sz="1400" b="0" i="1" smtClean="0">
+                              <a:solidFill>
+                                <a:schemeClr val="accent5"/>
+                              </a:solidFill>
+                              <a:latin typeface="Cambria Math" panose="02040503050406030204" pitchFamily="18" charset="0"/>
+                            </a:rPr>
+                          </m:ctrlPr>
+                        </m:sSubPr>
+                        <m:e>
+                          <m:r>
+                            <a:rPr lang="de-DE" sz="1400" b="0" i="1" smtClean="0">
+                              <a:solidFill>
+                                <a:schemeClr val="accent5"/>
+                              </a:solidFill>
+                              <a:latin typeface="Cambria Math" panose="02040503050406030204" pitchFamily="18" charset="0"/>
+                            </a:rPr>
+                            <m:t>𝐹</m:t>
+                          </m:r>
+                        </m:e>
+                        <m:sub>
+                          <m:r>
+                            <a:rPr lang="de-DE" sz="1400" b="0" i="1" smtClean="0">
+                              <a:solidFill>
+                                <a:schemeClr val="accent5"/>
+                              </a:solidFill>
+                              <a:latin typeface="Cambria Math" panose="02040503050406030204" pitchFamily="18" charset="0"/>
+                            </a:rPr>
+                            <m:t>𝑘</m:t>
+                          </m:r>
+                          <m:r>
+                            <a:rPr lang="de-DE" sz="1400" b="0" i="1" smtClean="0">
+                              <a:solidFill>
+                                <a:schemeClr val="accent5"/>
+                              </a:solidFill>
+                              <a:latin typeface="Cambria Math" panose="02040503050406030204" pitchFamily="18" charset="0"/>
+                            </a:rPr>
+                            <m:t>−1</m:t>
+                          </m:r>
+                        </m:sub>
+                      </m:sSub>
+                      <m:r>
+                        <a:rPr lang="de-DE" sz="1400" b="0" i="1" smtClean="0">
+                          <a:solidFill>
+                            <a:schemeClr val="bg1"/>
+                          </a:solidFill>
+                          <a:latin typeface="Cambria Math" panose="02040503050406030204" pitchFamily="18" charset="0"/>
+                        </a:rPr>
+                        <m:t>∈</m:t>
+                      </m:r>
+                      <m:sSup>
+                        <m:sSupPr>
+                          <m:ctrlPr>
+                            <a:rPr lang="de-DE" sz="1400" b="0" i="1" smtClean="0">
+                              <a:solidFill>
+                                <a:schemeClr val="bg1"/>
+                              </a:solidFill>
+                              <a:latin typeface="Cambria Math" panose="02040503050406030204" pitchFamily="18" charset="0"/>
+                            </a:rPr>
+                          </m:ctrlPr>
+                        </m:sSupPr>
+                        <m:e>
+                          <m:r>
+                            <a:rPr lang="de-DE" sz="1400" b="0" i="1" smtClean="0">
+                              <a:solidFill>
+                                <a:schemeClr val="bg1"/>
+                              </a:solidFill>
+                              <a:latin typeface="Cambria Math" panose="02040503050406030204" pitchFamily="18" charset="0"/>
+                            </a:rPr>
+                            <m:t>ℝ</m:t>
+                          </m:r>
+                        </m:e>
+                        <m:sup>
+                          <m:r>
+                            <a:rPr lang="de-DE" sz="1400" i="1">
+                              <a:solidFill>
+                                <a:schemeClr val="bg1"/>
+                              </a:solidFill>
+                              <a:latin typeface="Cambria Math" panose="02040503050406030204" pitchFamily="18" charset="0"/>
+                            </a:rPr>
+                            <m:t>𝑁</m:t>
+                          </m:r>
+                          <m:r>
+                            <a:rPr lang="de-DE" sz="1400" i="1">
+                              <a:solidFill>
+                                <a:schemeClr val="bg1"/>
+                              </a:solidFill>
+                              <a:latin typeface="Cambria Math" panose="02040503050406030204" pitchFamily="18" charset="0"/>
+                            </a:rPr>
+                            <m:t>×</m:t>
+                          </m:r>
+                          <m:r>
+                            <a:rPr lang="de-DE" sz="1400" i="1">
+                              <a:solidFill>
+                                <a:schemeClr val="bg1"/>
+                              </a:solidFill>
+                              <a:latin typeface="Cambria Math" panose="02040503050406030204" pitchFamily="18" charset="0"/>
+                            </a:rPr>
+                            <m:t>𝑁</m:t>
+                          </m:r>
+                        </m:sup>
+                      </m:sSup>
+                    </m:oMath>
+                  </m:oMathPara>
+                </a14:m>
+                <a:endParaRPr lang="de-DE" sz="1400">
+                  <a:solidFill>
+                    <a:schemeClr val="bg1"/>
+                  </a:solidFill>
+                </a:endParaRPr>
+              </a:p>
+              <a:p>
+                <a:pPr algn="ctr"/>
+                <a:r>
+                  <a:rPr lang="de-DE" sz="1400">
+                    <a:solidFill>
+                      <a:schemeClr val="bg1"/>
+                    </a:solidFill>
+                  </a:rPr>
+                  <a:t>markov-matrix</a:t>
+                </a:r>
+              </a:p>
+            </p:txBody>
+          </p:sp>
+        </mc:Choice>
+        <mc:Fallback>
+          <p:sp>
+            <p:nvSpPr>
+              <p:cNvPr id="3" name="Rechteck 2">
+                <a:extLst>
+                  <a:ext uri="{FF2B5EF4-FFF2-40B4-BE49-F238E27FC236}">
+                    <a16:creationId xmlns:a16="http://schemas.microsoft.com/office/drawing/2014/main" id="{E80E2245-9499-4961-8176-1EDAD256DDED}"/>
+                  </a:ext>
+                </a:extLst>
+              </p:cNvPr>
+              <p:cNvSpPr>
+                <a:spLocks noRot="1" noChangeAspect="1" noMove="1" noResize="1" noEditPoints="1" noAdjustHandles="1" noChangeArrowheads="1" noChangeShapeType="1" noTextEdit="1"/>
+              </p:cNvSpPr>
+              <p:nvPr/>
+            </p:nvSpPr>
+            <p:spPr>
+              <a:xfrm>
+                <a:off x="1220992" y="3193975"/>
+                <a:ext cx="1316466" cy="514902"/>
+              </a:xfrm>
+              <a:prstGeom prst="rect">
+                <a:avLst/>
+              </a:prstGeom>
+              <a:blipFill>
+                <a:blip r:embed="rId5"/>
+                <a:stretch>
+                  <a:fillRect b="-13095"/>
+                </a:stretch>
+              </a:blipFill>
+              <a:ln>
+                <a:noFill/>
+              </a:ln>
+            </p:spPr>
+            <p:txBody>
+              <a:bodyPr/>
+              <a:lstStyle/>
+              <a:p>
+                <a:r>
+                  <a:rPr lang="de-DE">
+                    <a:noFill/>
+                  </a:rPr>
+                  <a:t> </a:t>
+                </a:r>
+              </a:p>
+            </p:txBody>
+          </p:sp>
+        </mc:Fallback>
+      </mc:AlternateContent>
       <p:cxnSp>
         <p:nvCxnSpPr>
           <p:cNvPr id="10" name="Gerader Verbinder 9">
@@ -19953,73 +20216,6 @@
           </a:fontRef>
         </p:style>
       </p:cxnSp>
-      <p:sp>
-        <p:nvSpPr>
-          <p:cNvPr id="26" name="Rechteck 25">
-            <a:extLst>
-              <a:ext uri="{FF2B5EF4-FFF2-40B4-BE49-F238E27FC236}">
-                <a16:creationId xmlns:a16="http://schemas.microsoft.com/office/drawing/2014/main" id="{E80F9302-E6BB-4FE8-95E9-9B0472110C39}"/>
-              </a:ext>
-            </a:extLst>
-          </p:cNvPr>
-          <p:cNvSpPr/>
-          <p:nvPr/>
-        </p:nvSpPr>
-        <p:spPr>
-          <a:xfrm>
-            <a:off x="3721801" y="5415187"/>
-            <a:ext cx="2231356" cy="918686"/>
-          </a:xfrm>
-          <a:prstGeom prst="rect">
-            <a:avLst/>
-          </a:prstGeom>
-          <a:solidFill>
-            <a:schemeClr val="accent3">
-              <a:lumMod val="75000"/>
-            </a:schemeClr>
-          </a:solidFill>
-          <a:ln>
-            <a:noFill/>
-          </a:ln>
-        </p:spPr>
-        <p:style>
-          <a:lnRef idx="2">
-            <a:schemeClr val="accent1">
-              <a:shade val="50000"/>
-            </a:schemeClr>
-          </a:lnRef>
-          <a:fillRef idx="1">
-            <a:schemeClr val="accent1"/>
-          </a:fillRef>
-          <a:effectRef idx="0">
-            <a:schemeClr val="accent1"/>
-          </a:effectRef>
-          <a:fontRef idx="minor">
-            <a:schemeClr val="lt1"/>
-          </a:fontRef>
-        </p:style>
-        <p:txBody>
-          <a:bodyPr rtlCol="0" anchor="ctr"/>
-          <a:lstStyle/>
-          <a:p>
-            <a:pPr algn="ctr"/>
-            <a:r>
-              <a:rPr lang="de-DE">
-                <a:solidFill>
-                  <a:schemeClr val="bg1"/>
-                </a:solidFill>
-              </a:rPr>
-              <a:t>observation model</a:t>
-            </a:r>
-            <a:endParaRPr lang="de-DE">
-              <a:solidFill>
-                <a:schemeClr val="bg1"/>
-              </a:solidFill>
-              <a:latin typeface="Corbel" panose="020B0503020204020204" pitchFamily="34" charset="0"/>
-            </a:endParaRPr>
-          </a:p>
-        </p:txBody>
-      </p:sp>
       <p:cxnSp>
         <p:nvCxnSpPr>
           <p:cNvPr id="22" name="Gerader Verbinder 21">
@@ -20031,7 +20227,6 @@
           </p:cNvPr>
           <p:cNvCxnSpPr>
             <a:cxnSpLocks/>
-            <a:endCxn id="26" idx="1"/>
           </p:cNvCxnSpPr>
           <p:nvPr/>
         </p:nvCxnSpPr>
@@ -20080,7 +20275,7 @@
         </p:nvSpPr>
         <p:spPr>
           <a:xfrm>
-            <a:off x="921440" y="1105871"/>
+            <a:off x="1137674" y="1108031"/>
             <a:ext cx="1495602" cy="984885"/>
           </a:xfrm>
           <a:prstGeom prst="rect">
@@ -20123,8 +20318,8 @@
         </p:nvSpPr>
         <p:spPr>
           <a:xfrm>
-            <a:off x="6817896" y="1144137"/>
-            <a:ext cx="1176219" cy="984885"/>
+            <a:off x="4191726" y="1113027"/>
+            <a:ext cx="1507144" cy="984885"/>
           </a:xfrm>
           <a:prstGeom prst="rect">
             <a:avLst/>
@@ -20140,61 +20335,18 @@
             <a:pPr algn="ctr"/>
             <a:r>
               <a:rPr lang="de-DE" sz="4000"/>
-              <a:t>filter</a:t>
+              <a:t>model</a:t>
             </a:r>
           </a:p>
           <a:p>
             <a:pPr algn="ctr"/>
-            <a:endParaRPr lang="de-DE"/>
+            <a:r>
+              <a:rPr lang="de-DE"/>
+              <a:t>(observable)</a:t>
+            </a:r>
           </a:p>
         </p:txBody>
       </p:sp>
-      <p:cxnSp>
-        <p:nvCxnSpPr>
-          <p:cNvPr id="41" name="Gerader Verbinder 40">
-            <a:extLst>
-              <a:ext uri="{FF2B5EF4-FFF2-40B4-BE49-F238E27FC236}">
-                <a16:creationId xmlns:a16="http://schemas.microsoft.com/office/drawing/2014/main" id="{AC5F31ED-B968-4E1A-8A95-3B71658C21D7}"/>
-              </a:ext>
-            </a:extLst>
-          </p:cNvPr>
-          <p:cNvCxnSpPr>
-            <a:stCxn id="26" idx="0"/>
-            <a:endCxn id="7" idx="2"/>
-          </p:cNvCxnSpPr>
-          <p:nvPr/>
-        </p:nvCxnSpPr>
-        <p:spPr>
-          <a:xfrm flipV="1">
-            <a:off x="4837479" y="4862823"/>
-            <a:ext cx="0" cy="552364"/>
-          </a:xfrm>
-          <a:prstGeom prst="line">
-            <a:avLst/>
-          </a:prstGeom>
-          <a:ln>
-            <a:solidFill>
-              <a:schemeClr val="tx1"/>
-            </a:solidFill>
-            <a:headEnd w="lg" len="lg"/>
-            <a:tailEnd type="triangle" w="lg" len="lg"/>
-          </a:ln>
-        </p:spPr>
-        <p:style>
-          <a:lnRef idx="1">
-            <a:schemeClr val="accent1"/>
-          </a:lnRef>
-          <a:fillRef idx="0">
-            <a:schemeClr val="accent1"/>
-          </a:fillRef>
-          <a:effectRef idx="0">
-            <a:schemeClr val="accent1"/>
-          </a:effectRef>
-          <a:fontRef idx="minor">
-            <a:schemeClr val="tx1"/>
-          </a:fontRef>
-        </p:style>
-      </p:cxnSp>
       <p:cxnSp>
         <p:nvCxnSpPr>
           <p:cNvPr id="24" name="Gerader Verbinder 23">
@@ -20308,7 +20460,7 @@
                       <a:rPr lang="de-DE" b="0" i="1" smtClean="0">
                         <a:latin typeface="Cambria Math" panose="02040503050406030204" pitchFamily="18" charset="0"/>
                       </a:rPr>
-                      <m:t>−2</m:t>
+                      <m:t>−1</m:t>
                     </m:r>
                   </m:oMath>
                 </a14:m>
@@ -20341,7 +20493,7 @@
                 <a:avLst/>
               </a:prstGeom>
               <a:blipFill>
-                <a:blip r:embed="rId5"/>
+                <a:blip r:embed="rId6"/>
                 <a:stretch>
                   <a:fillRect/>
                 </a:stretch>
@@ -20365,64 +20517,228 @@
           </p:sp>
         </mc:Fallback>
       </mc:AlternateContent>
-      <p:sp>
-        <p:nvSpPr>
-          <p:cNvPr id="34" name="Rechteck 33">
-            <a:extLst>
-              <a:ext uri="{FF2B5EF4-FFF2-40B4-BE49-F238E27FC236}">
-                <a16:creationId xmlns:a16="http://schemas.microsoft.com/office/drawing/2014/main" id="{C6245857-DAD0-425E-B2C7-C8541B0C8F5A}"/>
-              </a:ext>
-            </a:extLst>
-          </p:cNvPr>
-          <p:cNvSpPr/>
-          <p:nvPr/>
-        </p:nvSpPr>
-        <p:spPr>
-          <a:xfrm>
-            <a:off x="1456724" y="4852046"/>
-            <a:ext cx="845002" cy="514902"/>
-          </a:xfrm>
-          <a:prstGeom prst="rect">
-            <a:avLst/>
-          </a:prstGeom>
-          <a:solidFill>
-            <a:schemeClr val="accent3">
-              <a:lumMod val="75000"/>
-            </a:schemeClr>
-          </a:solidFill>
-          <a:ln>
-            <a:noFill/>
-          </a:ln>
-        </p:spPr>
-        <p:style>
-          <a:lnRef idx="2">
-            <a:schemeClr val="accent1">
-              <a:shade val="50000"/>
-            </a:schemeClr>
-          </a:lnRef>
-          <a:fillRef idx="1">
-            <a:schemeClr val="accent1"/>
-          </a:fillRef>
-          <a:effectRef idx="0">
-            <a:schemeClr val="accent1"/>
-          </a:effectRef>
-          <a:fontRef idx="minor">
-            <a:schemeClr val="lt1"/>
-          </a:fontRef>
-        </p:style>
-        <p:txBody>
-          <a:bodyPr rtlCol="0" anchor="ctr"/>
-          <a:lstStyle/>
-          <a:p>
-            <a:pPr algn="ctr"/>
-            <a:endParaRPr lang="de-DE">
+      <mc:AlternateContent xmlns:mc="http://schemas.openxmlformats.org/markup-compatibility/2006">
+        <mc:Choice xmlns:a14="http://schemas.microsoft.com/office/drawing/2010/main" Requires="a14">
+          <p:sp>
+            <p:nvSpPr>
+              <p:cNvPr id="34" name="Rechteck 33">
+                <a:extLst>
+                  <a:ext uri="{FF2B5EF4-FFF2-40B4-BE49-F238E27FC236}">
+                    <a16:creationId xmlns:a16="http://schemas.microsoft.com/office/drawing/2014/main" id="{C6245857-DAD0-425E-B2C7-C8541B0C8F5A}"/>
+                  </a:ext>
+                </a:extLst>
+              </p:cNvPr>
+              <p:cNvSpPr/>
+              <p:nvPr/>
+            </p:nvSpPr>
+            <p:spPr>
+              <a:xfrm>
+                <a:off x="1240162" y="4852046"/>
+                <a:ext cx="1278126" cy="514902"/>
+              </a:xfrm>
+              <a:prstGeom prst="rect">
+                <a:avLst/>
+              </a:prstGeom>
               <a:solidFill>
-                <a:schemeClr val="bg1"/>
+                <a:schemeClr val="tx1"/>
               </a:solidFill>
-            </a:endParaRPr>
-          </a:p>
-        </p:txBody>
-      </p:sp>
+              <a:ln>
+                <a:noFill/>
+              </a:ln>
+            </p:spPr>
+            <p:style>
+              <a:lnRef idx="2">
+                <a:schemeClr val="accent1">
+                  <a:shade val="50000"/>
+                </a:schemeClr>
+              </a:lnRef>
+              <a:fillRef idx="1">
+                <a:schemeClr val="accent1"/>
+              </a:fillRef>
+              <a:effectRef idx="0">
+                <a:schemeClr val="accent1"/>
+              </a:effectRef>
+              <a:fontRef idx="minor">
+                <a:schemeClr val="lt1"/>
+              </a:fontRef>
+            </p:style>
+            <p:txBody>
+              <a:bodyPr rtlCol="0" anchor="ctr"/>
+              <a:lstStyle/>
+              <a:p>
+                <a:pPr lvl="0" algn="ctr"/>
+                <a14:m>
+                  <m:oMathPara xmlns:m="http://schemas.openxmlformats.org/officeDocument/2006/math">
+                    <m:oMathParaPr>
+                      <m:jc m:val="centerGroup"/>
+                    </m:oMathParaPr>
+                    <m:oMath xmlns:m="http://schemas.openxmlformats.org/officeDocument/2006/math">
+                      <m:sSub>
+                        <m:sSubPr>
+                          <m:ctrlPr>
+                            <a:rPr lang="de-DE" sz="1400" i="1" smtClean="0">
+                              <a:solidFill>
+                                <a:schemeClr val="accent5"/>
+                              </a:solidFill>
+                              <a:latin typeface="Cambria Math" panose="02040503050406030204" pitchFamily="18" charset="0"/>
+                            </a:rPr>
+                          </m:ctrlPr>
+                        </m:sSubPr>
+                        <m:e>
+                          <m:r>
+                            <a:rPr lang="de-DE" sz="1400" b="0" i="1" smtClean="0">
+                              <a:solidFill>
+                                <a:schemeClr val="accent5"/>
+                              </a:solidFill>
+                              <a:latin typeface="Cambria Math" panose="02040503050406030204" pitchFamily="18" charset="0"/>
+                            </a:rPr>
+                            <m:t>𝐹</m:t>
+                          </m:r>
+                        </m:e>
+                        <m:sub>
+                          <m:r>
+                            <a:rPr lang="de-DE" sz="1400" i="1">
+                              <a:solidFill>
+                                <a:schemeClr val="accent5"/>
+                              </a:solidFill>
+                              <a:latin typeface="Cambria Math" panose="02040503050406030204" pitchFamily="18" charset="0"/>
+                            </a:rPr>
+                            <m:t>𝑘</m:t>
+                          </m:r>
+                        </m:sub>
+                      </m:sSub>
+                      <m:r>
+                        <a:rPr lang="de-DE" sz="1400" i="1">
+                          <a:solidFill>
+                            <a:prstClr val="white"/>
+                          </a:solidFill>
+                          <a:latin typeface="Cambria Math" panose="02040503050406030204" pitchFamily="18" charset="0"/>
+                        </a:rPr>
+                        <m:t>∈</m:t>
+                      </m:r>
+                      <m:sSup>
+                        <m:sSupPr>
+                          <m:ctrlPr>
+                            <a:rPr lang="de-DE" sz="1400" i="1">
+                              <a:solidFill>
+                                <a:prstClr val="white"/>
+                              </a:solidFill>
+                              <a:latin typeface="Cambria Math" panose="02040503050406030204" pitchFamily="18" charset="0"/>
+                            </a:rPr>
+                          </m:ctrlPr>
+                        </m:sSupPr>
+                        <m:e>
+                          <m:r>
+                            <a:rPr lang="de-DE" sz="1400" i="1">
+                              <a:solidFill>
+                                <a:prstClr val="white"/>
+                              </a:solidFill>
+                              <a:latin typeface="Cambria Math" panose="02040503050406030204" pitchFamily="18" charset="0"/>
+                            </a:rPr>
+                            <m:t>ℝ</m:t>
+                          </m:r>
+                        </m:e>
+                        <m:sup>
+                          <m:r>
+                            <a:rPr lang="de-DE" sz="1400" i="1">
+                              <a:solidFill>
+                                <a:prstClr val="white"/>
+                              </a:solidFill>
+                              <a:latin typeface="Cambria Math" panose="02040503050406030204" pitchFamily="18" charset="0"/>
+                            </a:rPr>
+                            <m:t>𝑁</m:t>
+                          </m:r>
+                          <m:r>
+                            <a:rPr lang="de-DE" sz="1400" i="1">
+                              <a:solidFill>
+                                <a:prstClr val="white"/>
+                              </a:solidFill>
+                              <a:latin typeface="Cambria Math" panose="02040503050406030204" pitchFamily="18" charset="0"/>
+                            </a:rPr>
+                            <m:t>×</m:t>
+                          </m:r>
+                          <m:r>
+                            <a:rPr lang="de-DE" sz="1400" i="1">
+                              <a:solidFill>
+                                <a:prstClr val="white"/>
+                              </a:solidFill>
+                              <a:latin typeface="Cambria Math" panose="02040503050406030204" pitchFamily="18" charset="0"/>
+                            </a:rPr>
+                            <m:t>𝑁</m:t>
+                          </m:r>
+                        </m:sup>
+                      </m:sSup>
+                    </m:oMath>
+                  </m:oMathPara>
+                </a14:m>
+                <a:endParaRPr lang="de-DE" sz="1400">
+                  <a:solidFill>
+                    <a:prstClr val="white"/>
+                  </a:solidFill>
+                </a:endParaRPr>
+              </a:p>
+              <a:p>
+                <a:pPr lvl="0" algn="ctr"/>
+                <a:r>
+                  <a:rPr lang="de-DE" sz="1400">
+                    <a:solidFill>
+                      <a:prstClr val="white"/>
+                    </a:solidFill>
+                  </a:rPr>
+                  <a:t>markov-matrix</a:t>
+                </a:r>
+              </a:p>
+            </p:txBody>
+          </p:sp>
+        </mc:Choice>
+        <mc:Fallback>
+          <p:sp>
+            <p:nvSpPr>
+              <p:cNvPr id="34" name="Rechteck 33">
+                <a:extLst>
+                  <a:ext uri="{FF2B5EF4-FFF2-40B4-BE49-F238E27FC236}">
+                    <a16:creationId xmlns:a16="http://schemas.microsoft.com/office/drawing/2014/main" id="{C6245857-DAD0-425E-B2C7-C8541B0C8F5A}"/>
+                  </a:ext>
+                </a:extLst>
+              </p:cNvPr>
+              <p:cNvSpPr>
+                <a:spLocks noRot="1" noChangeAspect="1" noMove="1" noResize="1" noEditPoints="1" noAdjustHandles="1" noChangeArrowheads="1" noChangeShapeType="1" noTextEdit="1"/>
+              </p:cNvSpPr>
+              <p:nvPr/>
+            </p:nvSpPr>
+            <p:spPr>
+              <a:xfrm>
+                <a:off x="1240162" y="4852046"/>
+                <a:ext cx="1278126" cy="514902"/>
+              </a:xfrm>
+              <a:prstGeom prst="rect">
+                <a:avLst/>
+              </a:prstGeom>
+              <a:blipFill>
+                <a:blip r:embed="rId7"/>
+                <a:stretch>
+                  <a:fillRect b="-13095"/>
+                </a:stretch>
+              </a:blipFill>
+              <a:ln>
+                <a:noFill/>
+              </a:ln>
+            </p:spPr>
+            <p:txBody>
+              <a:bodyPr/>
+              <a:lstStyle/>
+              <a:p>
+                <a:r>
+                  <a:rPr lang="de-DE">
+                    <a:noFill/>
+                  </a:rPr>
+                  <a:t> </a:t>
+                </a:r>
+              </a:p>
+            </p:txBody>
+          </p:sp>
+        </mc:Fallback>
+      </mc:AlternateContent>
       <p:cxnSp>
         <p:nvCxnSpPr>
           <p:cNvPr id="35" name="Gerader Verbinder 34">
@@ -20571,7 +20887,14 @@
                 <a:pPr algn="ctr"/>
                 <a:r>
                   <a:rPr lang="de-DE"/>
-                  <a:t>state </a:t>
+                  <a:t>state</a:t>
+                </a:r>
+              </a:p>
+              <a:p>
+                <a:pPr algn="ctr"/>
+                <a:r>
+                  <a:rPr lang="de-DE"/>
+                  <a:t> </a:t>
                 </a:r>
                 <a14:m>
                   <m:oMath xmlns:m="http://schemas.openxmlformats.org/officeDocument/2006/math">
@@ -20580,12 +20903,6 @@
                         <a:latin typeface="Cambria Math" panose="02040503050406030204" pitchFamily="18" charset="0"/>
                       </a:rPr>
                       <m:t>𝑘</m:t>
-                    </m:r>
-                    <m:r>
-                      <a:rPr lang="de-DE" b="0" i="1" smtClean="0">
-                        <a:latin typeface="Cambria Math" panose="02040503050406030204" pitchFamily="18" charset="0"/>
-                      </a:rPr>
-                      <m:t>−2</m:t>
                     </m:r>
                   </m:oMath>
                 </a14:m>
@@ -20618,7 +20935,7 @@
                 <a:avLst/>
               </a:prstGeom>
               <a:blipFill>
-                <a:blip r:embed="rId6"/>
+                <a:blip r:embed="rId8"/>
                 <a:stretch>
                   <a:fillRect t="-870"/>
                 </a:stretch>
@@ -20894,6 +21211,2009 @@
           </a:fontRef>
         </p:style>
       </p:cxnSp>
+      <mc:AlternateContent xmlns:mc="http://schemas.openxmlformats.org/markup-compatibility/2006">
+        <mc:Choice xmlns:a14="http://schemas.microsoft.com/office/drawing/2010/main" Requires="a14">
+          <p:sp>
+            <p:nvSpPr>
+              <p:cNvPr id="32" name="Inhaltsplatzhalter 2">
+                <a:extLst>
+                  <a:ext uri="{FF2B5EF4-FFF2-40B4-BE49-F238E27FC236}">
+                    <a16:creationId xmlns:a16="http://schemas.microsoft.com/office/drawing/2014/main" id="{0A097F44-ACE8-4747-9694-8122AF2B7070}"/>
+                  </a:ext>
+                </a:extLst>
+              </p:cNvPr>
+              <p:cNvSpPr>
+                <a:spLocks noGrp="1"/>
+              </p:cNvSpPr>
+              <p:nvPr>
+                <p:ph idx="1"/>
+              </p:nvPr>
+            </p:nvSpPr>
+            <p:spPr>
+              <a:xfrm>
+                <a:off x="6037239" y="1251751"/>
+                <a:ext cx="2809961" cy="5095176"/>
+              </a:xfrm>
+            </p:spPr>
+            <p:txBody>
+              <a:bodyPr>
+                <a:normAutofit/>
+              </a:bodyPr>
+              <a:lstStyle/>
+              <a:p>
+                <a:pPr marL="0" indent="0">
+                  <a:buNone/>
+                </a:pPr>
+                <a14:m>
+                  <m:oMath xmlns:m="http://schemas.openxmlformats.org/officeDocument/2006/math">
+                    <m:r>
+                      <a:rPr lang="de-DE" sz="2000" b="0" i="1" smtClean="0">
+                        <a:latin typeface="Cambria Math" panose="02040503050406030204" pitchFamily="18" charset="0"/>
+                      </a:rPr>
+                      <m:t>𝑁</m:t>
+                    </m:r>
+                  </m:oMath>
+                </a14:m>
+                <a:r>
+                  <a:rPr lang="de-DE" sz="2000">
+                    <a:latin typeface="Corbel" panose="020B0503020204020204" pitchFamily="34" charset="0"/>
+                  </a:rPr>
+                  <a:t> possible states</a:t>
+                </a:r>
+              </a:p>
+              <a:p>
+                <a:pPr>
+                  <a:buFontTx/>
+                  <a:buChar char="-"/>
+                </a:pPr>
+                <a14:m>
+                  <m:oMath xmlns:m="http://schemas.openxmlformats.org/officeDocument/2006/math">
+                    <m:sSub>
+                      <m:sSubPr>
+                        <m:ctrlPr>
+                          <a:rPr lang="de-DE" sz="2000" b="0" i="1" smtClean="0">
+                            <a:latin typeface="Cambria Math" panose="02040503050406030204" pitchFamily="18" charset="0"/>
+                          </a:rPr>
+                        </m:ctrlPr>
+                      </m:sSubPr>
+                      <m:e>
+                        <m:r>
+                          <a:rPr lang="de-DE" sz="2000" b="0" i="1" smtClean="0">
+                            <a:latin typeface="Cambria Math" panose="02040503050406030204" pitchFamily="18" charset="0"/>
+                          </a:rPr>
+                          <m:t>𝐹</m:t>
+                        </m:r>
+                      </m:e>
+                      <m:sub>
+                        <m:r>
+                          <a:rPr lang="de-DE" sz="2000" b="0" i="1" smtClean="0">
+                            <a:latin typeface="Cambria Math" panose="02040503050406030204" pitchFamily="18" charset="0"/>
+                          </a:rPr>
+                          <m:t>𝑖𝑗</m:t>
+                        </m:r>
+                      </m:sub>
+                    </m:sSub>
+                    <m:r>
+                      <a:rPr lang="de-DE" sz="2000" b="0" i="1" smtClean="0">
+                        <a:latin typeface="Cambria Math" panose="02040503050406030204" pitchFamily="18" charset="0"/>
+                      </a:rPr>
+                      <m:t>=</m:t>
+                    </m:r>
+                    <m:r>
+                      <a:rPr lang="de-DE" sz="2000" b="0" i="1" smtClean="0">
+                        <a:latin typeface="Cambria Math" panose="02040503050406030204" pitchFamily="18" charset="0"/>
+                      </a:rPr>
+                      <m:t>𝑝</m:t>
+                    </m:r>
+                    <m:d>
+                      <m:dPr>
+                        <m:endChr m:val="|"/>
+                        <m:ctrlPr>
+                          <a:rPr lang="de-DE" sz="2000" b="0" i="1" smtClean="0">
+                            <a:latin typeface="Cambria Math" panose="02040503050406030204" pitchFamily="18" charset="0"/>
+                          </a:rPr>
+                        </m:ctrlPr>
+                      </m:dPr>
+                      <m:e>
+                        <m:sSub>
+                          <m:sSubPr>
+                            <m:ctrlPr>
+                              <a:rPr lang="de-DE" sz="2000" b="0" i="1" smtClean="0">
+                                <a:latin typeface="Cambria Math" panose="02040503050406030204" pitchFamily="18" charset="0"/>
+                              </a:rPr>
+                            </m:ctrlPr>
+                          </m:sSubPr>
+                          <m:e>
+                            <m:r>
+                              <a:rPr lang="de-DE" sz="2000" b="0" i="1" smtClean="0">
+                                <a:latin typeface="Cambria Math" panose="02040503050406030204" pitchFamily="18" charset="0"/>
+                              </a:rPr>
+                              <m:t>𝑥</m:t>
+                            </m:r>
+                          </m:e>
+                          <m:sub>
+                            <m:r>
+                              <a:rPr lang="de-DE" sz="2000" b="0" i="1" smtClean="0">
+                                <a:latin typeface="Cambria Math" panose="02040503050406030204" pitchFamily="18" charset="0"/>
+                              </a:rPr>
+                              <m:t>𝑘</m:t>
+                            </m:r>
+                          </m:sub>
+                        </m:sSub>
+                        <m:r>
+                          <a:rPr lang="de-DE" sz="2000" b="0" i="1" smtClean="0">
+                            <a:latin typeface="Cambria Math" panose="02040503050406030204" pitchFamily="18" charset="0"/>
+                          </a:rPr>
+                          <m:t>=</m:t>
+                        </m:r>
+                        <m:r>
+                          <a:rPr lang="de-DE" sz="2000" b="0" i="1" smtClean="0">
+                            <a:latin typeface="Cambria Math" panose="02040503050406030204" pitchFamily="18" charset="0"/>
+                          </a:rPr>
+                          <m:t>𝑗</m:t>
+                        </m:r>
+                        <m:r>
+                          <a:rPr lang="de-DE" sz="2000" b="0" i="1" smtClean="0">
+                            <a:latin typeface="Cambria Math" panose="02040503050406030204" pitchFamily="18" charset="0"/>
+                          </a:rPr>
+                          <m:t> </m:t>
+                        </m:r>
+                      </m:e>
+                    </m:d>
+                    <m:r>
+                      <a:rPr lang="de-DE" sz="2000" b="0" i="1" smtClean="0">
+                        <a:latin typeface="Cambria Math" panose="02040503050406030204" pitchFamily="18" charset="0"/>
+                      </a:rPr>
+                      <m:t> </m:t>
+                    </m:r>
+                    <m:sSub>
+                      <m:sSubPr>
+                        <m:ctrlPr>
+                          <a:rPr lang="de-DE" sz="2000" b="0" i="1" smtClean="0">
+                            <a:latin typeface="Cambria Math" panose="02040503050406030204" pitchFamily="18" charset="0"/>
+                          </a:rPr>
+                        </m:ctrlPr>
+                      </m:sSubPr>
+                      <m:e>
+                        <m:r>
+                          <a:rPr lang="de-DE" sz="2000" b="0" i="1" smtClean="0">
+                            <a:latin typeface="Cambria Math" panose="02040503050406030204" pitchFamily="18" charset="0"/>
+                          </a:rPr>
+                          <m:t>𝑥</m:t>
+                        </m:r>
+                      </m:e>
+                      <m:sub>
+                        <m:r>
+                          <a:rPr lang="de-DE" sz="2000" b="0" i="1" smtClean="0">
+                            <a:latin typeface="Cambria Math" panose="02040503050406030204" pitchFamily="18" charset="0"/>
+                          </a:rPr>
+                          <m:t>𝑘</m:t>
+                        </m:r>
+                        <m:r>
+                          <a:rPr lang="de-DE" sz="2000" b="0" i="1" smtClean="0">
+                            <a:latin typeface="Cambria Math" panose="02040503050406030204" pitchFamily="18" charset="0"/>
+                          </a:rPr>
+                          <m:t>−1</m:t>
+                        </m:r>
+                      </m:sub>
+                    </m:sSub>
+                    <m:r>
+                      <a:rPr lang="de-DE" sz="2000" b="0" i="1" smtClean="0">
+                        <a:latin typeface="Cambria Math" panose="02040503050406030204" pitchFamily="18" charset="0"/>
+                      </a:rPr>
+                      <m:t>=</m:t>
+                    </m:r>
+                    <m:r>
+                      <a:rPr lang="de-DE" sz="2000" b="0" i="1" smtClean="0">
+                        <a:latin typeface="Cambria Math" panose="02040503050406030204" pitchFamily="18" charset="0"/>
+                      </a:rPr>
+                      <m:t>𝑖</m:t>
+                    </m:r>
+                    <m:r>
+                      <a:rPr lang="de-DE" sz="2000" b="0" i="1" smtClean="0">
+                        <a:latin typeface="Cambria Math" panose="02040503050406030204" pitchFamily="18" charset="0"/>
+                      </a:rPr>
+                      <m:t>) </m:t>
+                    </m:r>
+                  </m:oMath>
+                </a14:m>
+                <a:endParaRPr lang="de-DE" sz="2000">
+                  <a:latin typeface="Corbel" panose="020B0503020204020204" pitchFamily="34" charset="0"/>
+                </a:endParaRPr>
+              </a:p>
+              <a:p>
+                <a:pPr marL="0" indent="0">
+                  <a:buNone/>
+                </a:pPr>
+                <a:endParaRPr lang="de-DE" sz="2000">
+                  <a:latin typeface="Corbel" panose="020B0503020204020204" pitchFamily="34" charset="0"/>
+                </a:endParaRPr>
+              </a:p>
+              <a:p>
+                <a:pPr marL="0" indent="0">
+                  <a:buNone/>
+                </a:pPr>
+                <a14:m>
+                  <m:oMath xmlns:m="http://schemas.openxmlformats.org/officeDocument/2006/math">
+                    <m:r>
+                      <a:rPr lang="de-DE" sz="2000" b="0" i="1" smtClean="0">
+                        <a:latin typeface="Cambria Math" panose="02040503050406030204" pitchFamily="18" charset="0"/>
+                      </a:rPr>
+                      <m:t>𝑇</m:t>
+                    </m:r>
+                  </m:oMath>
+                </a14:m>
+                <a:r>
+                  <a:rPr lang="de-DE" sz="2000">
+                    <a:latin typeface="Corbel" panose="020B0503020204020204" pitchFamily="34" charset="0"/>
+                  </a:rPr>
+                  <a:t> possible observations</a:t>
+                </a:r>
+              </a:p>
+              <a:p>
+                <a:pPr marL="0" indent="0">
+                  <a:buNone/>
+                </a:pPr>
+                <a:r>
+                  <a:rPr lang="de-DE" sz="2000">
+                    <a:latin typeface="Corbel" panose="020B0503020204020204" pitchFamily="34" charset="0"/>
+                  </a:rPr>
+                  <a:t>- </a:t>
+                </a:r>
+                <a14:m>
+                  <m:oMath xmlns:m="http://schemas.openxmlformats.org/officeDocument/2006/math">
+                    <m:sSub>
+                      <m:sSubPr>
+                        <m:ctrlPr>
+                          <a:rPr lang="de-DE" sz="2000" b="0" i="1" smtClean="0">
+                            <a:latin typeface="Cambria Math" panose="02040503050406030204" pitchFamily="18" charset="0"/>
+                          </a:rPr>
+                        </m:ctrlPr>
+                      </m:sSubPr>
+                      <m:e>
+                        <m:r>
+                          <a:rPr lang="de-DE" sz="2000" b="0" i="1" smtClean="0">
+                            <a:latin typeface="Cambria Math" panose="02040503050406030204" pitchFamily="18" charset="0"/>
+                          </a:rPr>
+                          <m:t>𝐻</m:t>
+                        </m:r>
+                      </m:e>
+                      <m:sub>
+                        <m:r>
+                          <a:rPr lang="de-DE" sz="2000" b="0" i="1" smtClean="0">
+                            <a:latin typeface="Cambria Math" panose="02040503050406030204" pitchFamily="18" charset="0"/>
+                          </a:rPr>
+                          <m:t>𝑖</m:t>
+                        </m:r>
+                        <m:r>
+                          <a:rPr lang="de-DE" sz="2000" b="0" i="1" smtClean="0">
+                            <a:latin typeface="Cambria Math" panose="02040503050406030204" pitchFamily="18" charset="0"/>
+                          </a:rPr>
+                          <m:t> , </m:t>
+                        </m:r>
+                        <m:r>
+                          <a:rPr lang="de-DE" sz="2000" b="0" i="1" smtClean="0">
+                            <a:latin typeface="Cambria Math" panose="02040503050406030204" pitchFamily="18" charset="0"/>
+                          </a:rPr>
+                          <m:t>𝑗</m:t>
+                        </m:r>
+                      </m:sub>
+                    </m:sSub>
+                    <m:r>
+                      <a:rPr lang="de-DE" sz="2000" b="0" i="1" smtClean="0">
+                        <a:latin typeface="Cambria Math" panose="02040503050406030204" pitchFamily="18" charset="0"/>
+                      </a:rPr>
+                      <m:t>=</m:t>
+                    </m:r>
+                    <m:r>
+                      <a:rPr lang="de-DE" sz="2000" b="0" i="1" smtClean="0">
+                        <a:latin typeface="Cambria Math" panose="02040503050406030204" pitchFamily="18" charset="0"/>
+                      </a:rPr>
+                      <m:t>𝑝</m:t>
+                    </m:r>
+                    <m:d>
+                      <m:dPr>
+                        <m:ctrlPr>
+                          <a:rPr lang="de-DE" sz="2000" b="0" i="1" smtClean="0">
+                            <a:latin typeface="Cambria Math" panose="02040503050406030204" pitchFamily="18" charset="0"/>
+                          </a:rPr>
+                        </m:ctrlPr>
+                      </m:dPr>
+                      <m:e>
+                        <m:sSub>
+                          <m:sSubPr>
+                            <m:ctrlPr>
+                              <a:rPr lang="de-DE" sz="2000" b="0" i="1" smtClean="0">
+                                <a:latin typeface="Cambria Math" panose="02040503050406030204" pitchFamily="18" charset="0"/>
+                              </a:rPr>
+                            </m:ctrlPr>
+                          </m:sSubPr>
+                          <m:e>
+                            <m:r>
+                              <a:rPr lang="de-DE" sz="2000" b="0" i="1" smtClean="0">
+                                <a:latin typeface="Cambria Math" panose="02040503050406030204" pitchFamily="18" charset="0"/>
+                              </a:rPr>
+                              <m:t>𝑧</m:t>
+                            </m:r>
+                          </m:e>
+                          <m:sub>
+                            <m:r>
+                              <a:rPr lang="de-DE" sz="2000" b="0" i="1" smtClean="0">
+                                <a:latin typeface="Cambria Math" panose="02040503050406030204" pitchFamily="18" charset="0"/>
+                              </a:rPr>
+                              <m:t>𝑖</m:t>
+                            </m:r>
+                          </m:sub>
+                        </m:sSub>
+                      </m:e>
+                      <m:e>
+                        <m:r>
+                          <a:rPr lang="de-DE" sz="2000" b="0" i="1" smtClean="0">
+                            <a:latin typeface="Cambria Math" panose="02040503050406030204" pitchFamily="18" charset="0"/>
+                          </a:rPr>
+                          <m:t>𝑥</m:t>
+                        </m:r>
+                        <m:r>
+                          <a:rPr lang="de-DE" sz="2000" b="0" i="1" smtClean="0">
+                            <a:latin typeface="Cambria Math" panose="02040503050406030204" pitchFamily="18" charset="0"/>
+                          </a:rPr>
+                          <m:t>=</m:t>
+                        </m:r>
+                        <m:r>
+                          <a:rPr lang="de-DE" sz="2000" b="0" i="1" smtClean="0">
+                            <a:latin typeface="Cambria Math" panose="02040503050406030204" pitchFamily="18" charset="0"/>
+                          </a:rPr>
+                          <m:t>𝑗</m:t>
+                        </m:r>
+                      </m:e>
+                    </m:d>
+                  </m:oMath>
+                </a14:m>
+                <a:endParaRPr lang="de-DE" sz="2000">
+                  <a:latin typeface="Corbel" panose="020B0503020204020204" pitchFamily="34" charset="0"/>
+                </a:endParaRPr>
+              </a:p>
+            </p:txBody>
+          </p:sp>
+        </mc:Choice>
+        <mc:Fallback>
+          <p:sp>
+            <p:nvSpPr>
+              <p:cNvPr id="32" name="Inhaltsplatzhalter 2">
+                <a:extLst>
+                  <a:ext uri="{FF2B5EF4-FFF2-40B4-BE49-F238E27FC236}">
+                    <a16:creationId xmlns:a16="http://schemas.microsoft.com/office/drawing/2014/main" id="{0A097F44-ACE8-4747-9694-8122AF2B7070}"/>
+                  </a:ext>
+                </a:extLst>
+              </p:cNvPr>
+              <p:cNvSpPr>
+                <a:spLocks noGrp="1" noRot="1" noChangeAspect="1" noMove="1" noResize="1" noEditPoints="1" noAdjustHandles="1" noChangeArrowheads="1" noChangeShapeType="1" noTextEdit="1"/>
+              </p:cNvSpPr>
+              <p:nvPr>
+                <p:ph idx="1"/>
+              </p:nvPr>
+            </p:nvSpPr>
+            <p:spPr>
+              <a:xfrm>
+                <a:off x="6037239" y="1251751"/>
+                <a:ext cx="2809961" cy="5095176"/>
+              </a:xfrm>
+              <a:blipFill>
+                <a:blip r:embed="rId9"/>
+                <a:stretch>
+                  <a:fillRect l="-2169" t="-2990"/>
+                </a:stretch>
+              </a:blipFill>
+            </p:spPr>
+            <p:txBody>
+              <a:bodyPr/>
+              <a:lstStyle/>
+              <a:p>
+                <a:r>
+                  <a:rPr lang="de-DE">
+                    <a:noFill/>
+                  </a:rPr>
+                  <a:t> </a:t>
+                </a:r>
+              </a:p>
+            </p:txBody>
+          </p:sp>
+        </mc:Fallback>
+      </mc:AlternateContent>
+      <mc:AlternateContent xmlns:mc="http://schemas.openxmlformats.org/markup-compatibility/2006">
+        <mc:Choice xmlns:a14="http://schemas.microsoft.com/office/drawing/2010/main" Requires="a14">
+          <p:sp>
+            <p:nvSpPr>
+              <p:cNvPr id="42" name="Rechteck 41">
+                <a:extLst>
+                  <a:ext uri="{FF2B5EF4-FFF2-40B4-BE49-F238E27FC236}">
+                    <a16:creationId xmlns:a16="http://schemas.microsoft.com/office/drawing/2014/main" id="{C3A7F614-B003-4E17-9341-EE02EED6ADE5}"/>
+                  </a:ext>
+                </a:extLst>
+              </p:cNvPr>
+              <p:cNvSpPr/>
+              <p:nvPr/>
+            </p:nvSpPr>
+            <p:spPr>
+              <a:xfrm>
+                <a:off x="2744360" y="2385078"/>
+                <a:ext cx="1316466" cy="514902"/>
+              </a:xfrm>
+              <a:prstGeom prst="rect">
+                <a:avLst/>
+              </a:prstGeom>
+              <a:solidFill>
+                <a:schemeClr val="tx1"/>
+              </a:solidFill>
+              <a:ln>
+                <a:noFill/>
+              </a:ln>
+            </p:spPr>
+            <p:style>
+              <a:lnRef idx="2">
+                <a:schemeClr val="accent1">
+                  <a:shade val="50000"/>
+                </a:schemeClr>
+              </a:lnRef>
+              <a:fillRef idx="1">
+                <a:schemeClr val="accent1"/>
+              </a:fillRef>
+              <a:effectRef idx="0">
+                <a:schemeClr val="accent1"/>
+              </a:effectRef>
+              <a:fontRef idx="minor">
+                <a:schemeClr val="lt1"/>
+              </a:fontRef>
+            </p:style>
+            <p:txBody>
+              <a:bodyPr rtlCol="0" anchor="ctr"/>
+              <a:lstStyle/>
+              <a:p>
+                <a:pPr algn="ctr"/>
+                <a14:m>
+                  <m:oMathPara xmlns:m="http://schemas.openxmlformats.org/officeDocument/2006/math">
+                    <m:oMathParaPr>
+                      <m:jc m:val="centerGroup"/>
+                    </m:oMathParaPr>
+                    <m:oMath xmlns:m="http://schemas.openxmlformats.org/officeDocument/2006/math">
+                      <m:sSub>
+                        <m:sSubPr>
+                          <m:ctrlPr>
+                            <a:rPr lang="de-DE" sz="1400" b="0" i="1" smtClean="0">
+                              <a:solidFill>
+                                <a:schemeClr val="accent2"/>
+                              </a:solidFill>
+                              <a:latin typeface="Cambria Math" panose="02040503050406030204" pitchFamily="18" charset="0"/>
+                            </a:rPr>
+                          </m:ctrlPr>
+                        </m:sSubPr>
+                        <m:e>
+                          <m:r>
+                            <a:rPr lang="de-DE" sz="1400" b="0" i="1" smtClean="0">
+                              <a:solidFill>
+                                <a:schemeClr val="accent2"/>
+                              </a:solidFill>
+                              <a:latin typeface="Cambria Math" panose="02040503050406030204" pitchFamily="18" charset="0"/>
+                            </a:rPr>
+                            <m:t>𝐻</m:t>
+                          </m:r>
+                        </m:e>
+                        <m:sub>
+                          <m:r>
+                            <a:rPr lang="de-DE" sz="1400" b="0" i="1" smtClean="0">
+                              <a:solidFill>
+                                <a:schemeClr val="accent2"/>
+                              </a:solidFill>
+                              <a:latin typeface="Cambria Math" panose="02040503050406030204" pitchFamily="18" charset="0"/>
+                            </a:rPr>
+                            <m:t>𝑘</m:t>
+                          </m:r>
+                          <m:r>
+                            <a:rPr lang="de-DE" sz="1400" b="0" i="1" smtClean="0">
+                              <a:solidFill>
+                                <a:schemeClr val="accent2"/>
+                              </a:solidFill>
+                              <a:latin typeface="Cambria Math" panose="02040503050406030204" pitchFamily="18" charset="0"/>
+                            </a:rPr>
+                            <m:t>−2</m:t>
+                          </m:r>
+                        </m:sub>
+                      </m:sSub>
+                      <m:r>
+                        <a:rPr lang="de-DE" sz="1400" b="0" i="1" smtClean="0">
+                          <a:solidFill>
+                            <a:schemeClr val="bg1"/>
+                          </a:solidFill>
+                          <a:latin typeface="Cambria Math" panose="02040503050406030204" pitchFamily="18" charset="0"/>
+                        </a:rPr>
+                        <m:t>∈</m:t>
+                      </m:r>
+                      <m:sSup>
+                        <m:sSupPr>
+                          <m:ctrlPr>
+                            <a:rPr lang="de-DE" sz="1400" b="0" i="1" smtClean="0">
+                              <a:solidFill>
+                                <a:schemeClr val="bg1"/>
+                              </a:solidFill>
+                              <a:latin typeface="Cambria Math" panose="02040503050406030204" pitchFamily="18" charset="0"/>
+                            </a:rPr>
+                          </m:ctrlPr>
+                        </m:sSupPr>
+                        <m:e>
+                          <m:r>
+                            <a:rPr lang="de-DE" sz="1400" b="0" i="1" smtClean="0">
+                              <a:solidFill>
+                                <a:schemeClr val="bg1"/>
+                              </a:solidFill>
+                              <a:latin typeface="Cambria Math" panose="02040503050406030204" pitchFamily="18" charset="0"/>
+                            </a:rPr>
+                            <m:t>ℝ</m:t>
+                          </m:r>
+                        </m:e>
+                        <m:sup>
+                          <m:r>
+                            <a:rPr lang="de-DE" sz="1400" b="0" i="1" smtClean="0">
+                              <a:solidFill>
+                                <a:schemeClr val="bg1"/>
+                              </a:solidFill>
+                              <a:latin typeface="Cambria Math" panose="02040503050406030204" pitchFamily="18" charset="0"/>
+                            </a:rPr>
+                            <m:t>𝑇</m:t>
+                          </m:r>
+                          <m:r>
+                            <a:rPr lang="de-DE" sz="1400" i="1">
+                              <a:solidFill>
+                                <a:schemeClr val="bg1"/>
+                              </a:solidFill>
+                              <a:latin typeface="Cambria Math" panose="02040503050406030204" pitchFamily="18" charset="0"/>
+                            </a:rPr>
+                            <m:t>×</m:t>
+                          </m:r>
+                          <m:r>
+                            <a:rPr lang="de-DE" sz="1400" i="1">
+                              <a:solidFill>
+                                <a:schemeClr val="bg1"/>
+                              </a:solidFill>
+                              <a:latin typeface="Cambria Math" panose="02040503050406030204" pitchFamily="18" charset="0"/>
+                            </a:rPr>
+                            <m:t>𝑁</m:t>
+                          </m:r>
+                        </m:sup>
+                      </m:sSup>
+                    </m:oMath>
+                  </m:oMathPara>
+                </a14:m>
+                <a:endParaRPr lang="de-DE" sz="1400">
+                  <a:solidFill>
+                    <a:schemeClr val="bg1"/>
+                  </a:solidFill>
+                </a:endParaRPr>
+              </a:p>
+              <a:p>
+                <a:pPr algn="ctr"/>
+                <a:r>
+                  <a:rPr lang="de-DE" sz="1400">
+                    <a:solidFill>
+                      <a:schemeClr val="bg1"/>
+                    </a:solidFill>
+                  </a:rPr>
+                  <a:t>markov-matrix</a:t>
+                </a:r>
+              </a:p>
+            </p:txBody>
+          </p:sp>
+        </mc:Choice>
+        <mc:Fallback>
+          <p:sp>
+            <p:nvSpPr>
+              <p:cNvPr id="42" name="Rechteck 41">
+                <a:extLst>
+                  <a:ext uri="{FF2B5EF4-FFF2-40B4-BE49-F238E27FC236}">
+                    <a16:creationId xmlns:a16="http://schemas.microsoft.com/office/drawing/2014/main" id="{C3A7F614-B003-4E17-9341-EE02EED6ADE5}"/>
+                  </a:ext>
+                </a:extLst>
+              </p:cNvPr>
+              <p:cNvSpPr>
+                <a:spLocks noRot="1" noChangeAspect="1" noMove="1" noResize="1" noEditPoints="1" noAdjustHandles="1" noChangeArrowheads="1" noChangeShapeType="1" noTextEdit="1"/>
+              </p:cNvSpPr>
+              <p:nvPr/>
+            </p:nvSpPr>
+            <p:spPr>
+              <a:xfrm>
+                <a:off x="2744360" y="2385078"/>
+                <a:ext cx="1316466" cy="514902"/>
+              </a:xfrm>
+              <a:prstGeom prst="rect">
+                <a:avLst/>
+              </a:prstGeom>
+              <a:blipFill>
+                <a:blip r:embed="rId10"/>
+                <a:stretch>
+                  <a:fillRect b="-11765"/>
+                </a:stretch>
+              </a:blipFill>
+              <a:ln>
+                <a:noFill/>
+              </a:ln>
+            </p:spPr>
+            <p:txBody>
+              <a:bodyPr/>
+              <a:lstStyle/>
+              <a:p>
+                <a:r>
+                  <a:rPr lang="de-DE">
+                    <a:noFill/>
+                  </a:rPr>
+                  <a:t> </a:t>
+                </a:r>
+              </a:p>
+            </p:txBody>
+          </p:sp>
+        </mc:Fallback>
+      </mc:AlternateContent>
+      <p:sp>
+        <p:nvSpPr>
+          <p:cNvPr id="17" name="Textfeld 16">
+            <a:extLst>
+              <a:ext uri="{FF2B5EF4-FFF2-40B4-BE49-F238E27FC236}">
+                <a16:creationId xmlns:a16="http://schemas.microsoft.com/office/drawing/2014/main" id="{707BC292-FA0E-4F7D-AB4A-6DC5B84085B8}"/>
+              </a:ext>
+            </a:extLst>
+          </p:cNvPr>
+          <p:cNvSpPr txBox="1"/>
+          <p:nvPr/>
+        </p:nvSpPr>
+        <p:spPr>
+          <a:xfrm rot="16200000">
+            <a:off x="209553" y="3953651"/>
+            <a:ext cx="1352743" cy="646331"/>
+          </a:xfrm>
+          <a:prstGeom prst="rect">
+            <a:avLst/>
+          </a:prstGeom>
+          <a:noFill/>
+        </p:spPr>
+        <p:txBody>
+          <a:bodyPr wrap="none" rtlCol="0">
+            <a:spAutoFit/>
+          </a:bodyPr>
+          <a:lstStyle/>
+          <a:p>
+            <a:pPr algn="ctr"/>
+            <a:r>
+              <a:rPr lang="de-DE">
+                <a:solidFill>
+                  <a:schemeClr val="accent1"/>
+                </a:solidFill>
+              </a:rPr>
+              <a:t>transition</a:t>
+            </a:r>
+          </a:p>
+          <a:p>
+            <a:pPr algn="ctr"/>
+            <a:r>
+              <a:rPr lang="de-DE">
+                <a:solidFill>
+                  <a:schemeClr val="accent1"/>
+                </a:solidFill>
+              </a:rPr>
+              <a:t>probabilities</a:t>
+            </a:r>
+          </a:p>
+        </p:txBody>
+      </p:sp>
+      <p:cxnSp>
+        <p:nvCxnSpPr>
+          <p:cNvPr id="19" name="Verbinder: gewinkelt 18">
+            <a:extLst>
+              <a:ext uri="{FF2B5EF4-FFF2-40B4-BE49-F238E27FC236}">
+                <a16:creationId xmlns:a16="http://schemas.microsoft.com/office/drawing/2014/main" id="{E318031D-EC2E-4FEC-8DD9-7958B11CD36E}"/>
+              </a:ext>
+            </a:extLst>
+          </p:cNvPr>
+          <p:cNvCxnSpPr>
+            <a:cxnSpLocks/>
+            <a:stCxn id="17" idx="3"/>
+            <a:endCxn id="3" idx="1"/>
+          </p:cNvCxnSpPr>
+          <p:nvPr/>
+        </p:nvCxnSpPr>
+        <p:spPr>
+          <a:xfrm rot="5400000" flipH="1" flipV="1">
+            <a:off x="978949" y="3358403"/>
+            <a:ext cx="149019" cy="335067"/>
+          </a:xfrm>
+          <a:prstGeom prst="bentConnector2">
+            <a:avLst/>
+          </a:prstGeom>
+          <a:ln>
+            <a:solidFill>
+              <a:schemeClr val="accent1"/>
+            </a:solidFill>
+            <a:headEnd w="lg" len="lg"/>
+            <a:tailEnd type="triangle"/>
+          </a:ln>
+        </p:spPr>
+        <p:style>
+          <a:lnRef idx="1">
+            <a:schemeClr val="accent1"/>
+          </a:lnRef>
+          <a:fillRef idx="0">
+            <a:schemeClr val="accent1"/>
+          </a:fillRef>
+          <a:effectRef idx="0">
+            <a:schemeClr val="accent1"/>
+          </a:effectRef>
+          <a:fontRef idx="minor">
+            <a:schemeClr val="tx1"/>
+          </a:fontRef>
+        </p:style>
+      </p:cxnSp>
+      <p:cxnSp>
+        <p:nvCxnSpPr>
+          <p:cNvPr id="28" name="Verbinder: gewinkelt 27">
+            <a:extLst>
+              <a:ext uri="{FF2B5EF4-FFF2-40B4-BE49-F238E27FC236}">
+                <a16:creationId xmlns:a16="http://schemas.microsoft.com/office/drawing/2014/main" id="{A13350A7-8D73-4F63-B893-397209CCC683}"/>
+              </a:ext>
+            </a:extLst>
+          </p:cNvPr>
+          <p:cNvCxnSpPr>
+            <a:cxnSpLocks/>
+            <a:stCxn id="17" idx="1"/>
+            <a:endCxn id="34" idx="1"/>
+          </p:cNvCxnSpPr>
+          <p:nvPr/>
+        </p:nvCxnSpPr>
+        <p:spPr>
+          <a:xfrm rot="16200000" flipH="1">
+            <a:off x="984889" y="4854223"/>
+            <a:ext cx="156309" cy="354237"/>
+          </a:xfrm>
+          <a:prstGeom prst="bentConnector2">
+            <a:avLst/>
+          </a:prstGeom>
+          <a:ln>
+            <a:solidFill>
+              <a:schemeClr val="accent1"/>
+            </a:solidFill>
+            <a:headEnd w="lg" len="lg"/>
+            <a:tailEnd type="triangle"/>
+          </a:ln>
+        </p:spPr>
+        <p:style>
+          <a:lnRef idx="1">
+            <a:schemeClr val="accent1"/>
+          </a:lnRef>
+          <a:fillRef idx="0">
+            <a:schemeClr val="accent1"/>
+          </a:fillRef>
+          <a:effectRef idx="0">
+            <a:schemeClr val="accent1"/>
+          </a:effectRef>
+          <a:fontRef idx="minor">
+            <a:schemeClr val="tx1"/>
+          </a:fontRef>
+        </p:style>
+      </p:cxnSp>
+      <p:cxnSp>
+        <p:nvCxnSpPr>
+          <p:cNvPr id="49" name="Gerade Verbindung mit Pfeil 48">
+            <a:extLst>
+              <a:ext uri="{FF2B5EF4-FFF2-40B4-BE49-F238E27FC236}">
+                <a16:creationId xmlns:a16="http://schemas.microsoft.com/office/drawing/2014/main" id="{4BA91D87-BD6A-4E41-BA9F-BF9F5728172F}"/>
+              </a:ext>
+            </a:extLst>
+          </p:cNvPr>
+          <p:cNvCxnSpPr>
+            <a:stCxn id="14" idx="3"/>
+            <a:endCxn id="42" idx="1"/>
+          </p:cNvCxnSpPr>
+          <p:nvPr/>
+        </p:nvCxnSpPr>
+        <p:spPr>
+          <a:xfrm flipV="1">
+            <a:off x="2414822" y="2642529"/>
+            <a:ext cx="329538" cy="9424"/>
+          </a:xfrm>
+          <a:prstGeom prst="straightConnector1">
+            <a:avLst/>
+          </a:prstGeom>
+          <a:ln w="31750" cmpd="dbl">
+            <a:solidFill>
+              <a:schemeClr val="tx1"/>
+            </a:solidFill>
+            <a:headEnd w="lg" len="lg"/>
+            <a:tailEnd type="triangle" w="lg" len="lg"/>
+          </a:ln>
+        </p:spPr>
+        <p:style>
+          <a:lnRef idx="1">
+            <a:schemeClr val="accent1"/>
+          </a:lnRef>
+          <a:fillRef idx="0">
+            <a:schemeClr val="accent1"/>
+          </a:fillRef>
+          <a:effectRef idx="0">
+            <a:schemeClr val="accent1"/>
+          </a:effectRef>
+          <a:fontRef idx="minor">
+            <a:schemeClr val="tx1"/>
+          </a:fontRef>
+        </p:style>
+      </p:cxnSp>
+      <p:cxnSp>
+        <p:nvCxnSpPr>
+          <p:cNvPr id="52" name="Gerade Verbindung mit Pfeil 51">
+            <a:extLst>
+              <a:ext uri="{FF2B5EF4-FFF2-40B4-BE49-F238E27FC236}">
+                <a16:creationId xmlns:a16="http://schemas.microsoft.com/office/drawing/2014/main" id="{AF522100-3D41-4C44-B44B-75A98EE56323}"/>
+              </a:ext>
+            </a:extLst>
+          </p:cNvPr>
+          <p:cNvCxnSpPr>
+            <a:cxnSpLocks/>
+            <a:stCxn id="42" idx="3"/>
+            <a:endCxn id="7" idx="1"/>
+          </p:cNvCxnSpPr>
+          <p:nvPr/>
+        </p:nvCxnSpPr>
+        <p:spPr>
+          <a:xfrm flipV="1">
+            <a:off x="4060826" y="2639289"/>
+            <a:ext cx="297666" cy="3240"/>
+          </a:xfrm>
+          <a:prstGeom prst="straightConnector1">
+            <a:avLst/>
+          </a:prstGeom>
+          <a:ln w="31750" cmpd="dbl">
+            <a:solidFill>
+              <a:schemeClr val="tx1"/>
+            </a:solidFill>
+            <a:headEnd w="lg" len="lg"/>
+            <a:tailEnd type="triangle" w="lg" len="lg"/>
+          </a:ln>
+        </p:spPr>
+        <p:style>
+          <a:lnRef idx="1">
+            <a:schemeClr val="accent1"/>
+          </a:lnRef>
+          <a:fillRef idx="0">
+            <a:schemeClr val="accent1"/>
+          </a:fillRef>
+          <a:effectRef idx="0">
+            <a:schemeClr val="accent1"/>
+          </a:effectRef>
+          <a:fontRef idx="minor">
+            <a:schemeClr val="tx1"/>
+          </a:fontRef>
+        </p:style>
+      </p:cxnSp>
+      <p:sp>
+        <p:nvSpPr>
+          <p:cNvPr id="66" name="Textfeld 65">
+            <a:extLst>
+              <a:ext uri="{FF2B5EF4-FFF2-40B4-BE49-F238E27FC236}">
+                <a16:creationId xmlns:a16="http://schemas.microsoft.com/office/drawing/2014/main" id="{3B5011DA-9ABF-4557-9579-8CFA03CADE4E}"/>
+              </a:ext>
+            </a:extLst>
+          </p:cNvPr>
+          <p:cNvSpPr txBox="1"/>
+          <p:nvPr/>
+        </p:nvSpPr>
+        <p:spPr>
+          <a:xfrm>
+            <a:off x="2726221" y="3160707"/>
+            <a:ext cx="1352743" cy="646331"/>
+          </a:xfrm>
+          <a:prstGeom prst="rect">
+            <a:avLst/>
+          </a:prstGeom>
+          <a:noFill/>
+        </p:spPr>
+        <p:txBody>
+          <a:bodyPr wrap="none" rtlCol="0">
+            <a:spAutoFit/>
+          </a:bodyPr>
+          <a:lstStyle/>
+          <a:p>
+            <a:pPr algn="ctr"/>
+            <a:r>
+              <a:rPr lang="de-DE">
+                <a:solidFill>
+                  <a:schemeClr val="accent2"/>
+                </a:solidFill>
+              </a:rPr>
+              <a:t>emission</a:t>
+            </a:r>
+          </a:p>
+          <a:p>
+            <a:pPr algn="ctr"/>
+            <a:r>
+              <a:rPr lang="de-DE">
+                <a:solidFill>
+                  <a:schemeClr val="accent2"/>
+                </a:solidFill>
+              </a:rPr>
+              <a:t>probabilities</a:t>
+            </a:r>
+          </a:p>
+        </p:txBody>
+      </p:sp>
+      <p:cxnSp>
+        <p:nvCxnSpPr>
+          <p:cNvPr id="68" name="Gerade Verbindung mit Pfeil 67">
+            <a:extLst>
+              <a:ext uri="{FF2B5EF4-FFF2-40B4-BE49-F238E27FC236}">
+                <a16:creationId xmlns:a16="http://schemas.microsoft.com/office/drawing/2014/main" id="{9857571A-AA91-4287-901D-5B335C7CD693}"/>
+              </a:ext>
+            </a:extLst>
+          </p:cNvPr>
+          <p:cNvCxnSpPr>
+            <a:stCxn id="66" idx="0"/>
+            <a:endCxn id="42" idx="2"/>
+          </p:cNvCxnSpPr>
+          <p:nvPr/>
+        </p:nvCxnSpPr>
+        <p:spPr>
+          <a:xfrm flipV="1">
+            <a:off x="3402593" y="2899980"/>
+            <a:ext cx="0" cy="260727"/>
+          </a:xfrm>
+          <a:prstGeom prst="straightConnector1">
+            <a:avLst/>
+          </a:prstGeom>
+          <a:ln>
+            <a:solidFill>
+              <a:schemeClr val="accent2"/>
+            </a:solidFill>
+            <a:headEnd w="lg" len="lg"/>
+            <a:tailEnd type="triangle"/>
+          </a:ln>
+        </p:spPr>
+        <p:style>
+          <a:lnRef idx="1">
+            <a:schemeClr val="accent1"/>
+          </a:lnRef>
+          <a:fillRef idx="0">
+            <a:schemeClr val="accent1"/>
+          </a:fillRef>
+          <a:effectRef idx="0">
+            <a:schemeClr val="accent1"/>
+          </a:effectRef>
+          <a:fontRef idx="minor">
+            <a:schemeClr val="tx1"/>
+          </a:fontRef>
+        </p:style>
+      </p:cxnSp>
+      <mc:AlternateContent xmlns:mc="http://schemas.openxmlformats.org/markup-compatibility/2006">
+        <mc:Choice xmlns:a14="http://schemas.microsoft.com/office/drawing/2010/main" Requires="a14">
+          <p:sp>
+            <p:nvSpPr>
+              <p:cNvPr id="71" name="Rechteck: abgerundete Ecken 70">
+                <a:extLst>
+                  <a:ext uri="{FF2B5EF4-FFF2-40B4-BE49-F238E27FC236}">
+                    <a16:creationId xmlns:a16="http://schemas.microsoft.com/office/drawing/2014/main" id="{63D60F6D-327C-41BC-B513-AFE54A0DFE4A}"/>
+                  </a:ext>
+                </a:extLst>
+              </p:cNvPr>
+              <p:cNvSpPr/>
+              <p:nvPr/>
+            </p:nvSpPr>
+            <p:spPr>
+              <a:xfrm>
+                <a:off x="4358492" y="3946471"/>
+                <a:ext cx="1378109" cy="704868"/>
+              </a:xfrm>
+              <a:prstGeom prst="roundRect">
+                <a:avLst/>
+              </a:prstGeom>
+              <a:solidFill>
+                <a:schemeClr val="accent2"/>
+              </a:solidFill>
+              <a:ln>
+                <a:noFill/>
+              </a:ln>
+            </p:spPr>
+            <p:style>
+              <a:lnRef idx="2">
+                <a:schemeClr val="accent1">
+                  <a:shade val="50000"/>
+                </a:schemeClr>
+              </a:lnRef>
+              <a:fillRef idx="1">
+                <a:schemeClr val="accent1"/>
+              </a:fillRef>
+              <a:effectRef idx="0">
+                <a:schemeClr val="accent1"/>
+              </a:effectRef>
+              <a:fontRef idx="minor">
+                <a:schemeClr val="lt1"/>
+              </a:fontRef>
+            </p:style>
+            <p:txBody>
+              <a:bodyPr rtlCol="0" anchor="ctr"/>
+              <a:lstStyle/>
+              <a:p>
+                <a:pPr algn="ctr"/>
+                <a:r>
+                  <a:rPr lang="de-DE"/>
+                  <a:t>observation</a:t>
+                </a:r>
+              </a:p>
+              <a:p>
+                <a:pPr algn="ctr"/>
+                <a14:m>
+                  <m:oMathPara xmlns:m="http://schemas.openxmlformats.org/officeDocument/2006/math">
+                    <m:oMathParaPr>
+                      <m:jc m:val="centerGroup"/>
+                    </m:oMathParaPr>
+                    <m:oMath xmlns:m="http://schemas.openxmlformats.org/officeDocument/2006/math">
+                      <m:sSub>
+                        <m:sSubPr>
+                          <m:ctrlPr>
+                            <a:rPr lang="de-DE" b="0" i="1" smtClean="0">
+                              <a:latin typeface="Cambria Math" panose="02040503050406030204" pitchFamily="18" charset="0"/>
+                            </a:rPr>
+                          </m:ctrlPr>
+                        </m:sSubPr>
+                        <m:e>
+                          <m:r>
+                            <a:rPr lang="de-DE" b="0" i="1" smtClean="0">
+                              <a:latin typeface="Cambria Math" panose="02040503050406030204" pitchFamily="18" charset="0"/>
+                            </a:rPr>
+                            <m:t>𝑧</m:t>
+                          </m:r>
+                        </m:e>
+                        <m:sub>
+                          <m:r>
+                            <a:rPr lang="de-DE" b="0" i="1" smtClean="0">
+                              <a:latin typeface="Cambria Math" panose="02040503050406030204" pitchFamily="18" charset="0"/>
+                            </a:rPr>
+                            <m:t>𝑘</m:t>
+                          </m:r>
+                          <m:r>
+                            <a:rPr lang="de-DE" b="0" i="1" smtClean="0">
+                              <a:latin typeface="Cambria Math" panose="02040503050406030204" pitchFamily="18" charset="0"/>
+                            </a:rPr>
+                            <m:t>−1</m:t>
+                          </m:r>
+                        </m:sub>
+                      </m:sSub>
+                    </m:oMath>
+                  </m:oMathPara>
+                </a14:m>
+                <a:endParaRPr lang="de-DE"/>
+              </a:p>
+            </p:txBody>
+          </p:sp>
+        </mc:Choice>
+        <mc:Fallback>
+          <p:sp>
+            <p:nvSpPr>
+              <p:cNvPr id="71" name="Rechteck: abgerundete Ecken 70">
+                <a:extLst>
+                  <a:ext uri="{FF2B5EF4-FFF2-40B4-BE49-F238E27FC236}">
+                    <a16:creationId xmlns:a16="http://schemas.microsoft.com/office/drawing/2014/main" id="{63D60F6D-327C-41BC-B513-AFE54A0DFE4A}"/>
+                  </a:ext>
+                </a:extLst>
+              </p:cNvPr>
+              <p:cNvSpPr>
+                <a:spLocks noRot="1" noChangeAspect="1" noMove="1" noResize="1" noEditPoints="1" noAdjustHandles="1" noChangeArrowheads="1" noChangeShapeType="1" noTextEdit="1"/>
+              </p:cNvSpPr>
+              <p:nvPr/>
+            </p:nvSpPr>
+            <p:spPr>
+              <a:xfrm>
+                <a:off x="4358492" y="3946471"/>
+                <a:ext cx="1378109" cy="704868"/>
+              </a:xfrm>
+              <a:prstGeom prst="roundRect">
+                <a:avLst/>
+              </a:prstGeom>
+              <a:blipFill>
+                <a:blip r:embed="rId11"/>
+                <a:stretch>
+                  <a:fillRect l="-885" r="-885"/>
+                </a:stretch>
+              </a:blipFill>
+              <a:ln>
+                <a:noFill/>
+              </a:ln>
+            </p:spPr>
+            <p:txBody>
+              <a:bodyPr/>
+              <a:lstStyle/>
+              <a:p>
+                <a:r>
+                  <a:rPr lang="de-DE">
+                    <a:noFill/>
+                  </a:rPr>
+                  <a:t> </a:t>
+                </a:r>
+              </a:p>
+            </p:txBody>
+          </p:sp>
+        </mc:Fallback>
+      </mc:AlternateContent>
+      <p:cxnSp>
+        <p:nvCxnSpPr>
+          <p:cNvPr id="73" name="Gerade Verbindung mit Pfeil 72">
+            <a:extLst>
+              <a:ext uri="{FF2B5EF4-FFF2-40B4-BE49-F238E27FC236}">
+                <a16:creationId xmlns:a16="http://schemas.microsoft.com/office/drawing/2014/main" id="{17C1B207-CBF4-4300-8740-F816444D2A20}"/>
+              </a:ext>
+            </a:extLst>
+          </p:cNvPr>
+          <p:cNvCxnSpPr>
+            <a:cxnSpLocks/>
+            <a:stCxn id="33" idx="3"/>
+            <a:endCxn id="72" idx="1"/>
+          </p:cNvCxnSpPr>
+          <p:nvPr/>
+        </p:nvCxnSpPr>
+        <p:spPr>
+          <a:xfrm>
+            <a:off x="2410988" y="4290849"/>
+            <a:ext cx="333372" cy="11296"/>
+          </a:xfrm>
+          <a:prstGeom prst="straightConnector1">
+            <a:avLst/>
+          </a:prstGeom>
+          <a:ln w="31750" cmpd="dbl">
+            <a:solidFill>
+              <a:schemeClr val="tx1"/>
+            </a:solidFill>
+            <a:headEnd w="lg" len="lg"/>
+            <a:tailEnd type="triangle" w="lg" len="lg"/>
+          </a:ln>
+        </p:spPr>
+        <p:style>
+          <a:lnRef idx="1">
+            <a:schemeClr val="accent1"/>
+          </a:lnRef>
+          <a:fillRef idx="0">
+            <a:schemeClr val="accent1"/>
+          </a:fillRef>
+          <a:effectRef idx="0">
+            <a:schemeClr val="accent1"/>
+          </a:effectRef>
+          <a:fontRef idx="minor">
+            <a:schemeClr val="tx1"/>
+          </a:fontRef>
+        </p:style>
+      </p:cxnSp>
+      <p:cxnSp>
+        <p:nvCxnSpPr>
+          <p:cNvPr id="74" name="Gerade Verbindung mit Pfeil 73">
+            <a:extLst>
+              <a:ext uri="{FF2B5EF4-FFF2-40B4-BE49-F238E27FC236}">
+                <a16:creationId xmlns:a16="http://schemas.microsoft.com/office/drawing/2014/main" id="{DF6E2295-0E42-4129-B1AA-AB2460B38788}"/>
+              </a:ext>
+            </a:extLst>
+          </p:cNvPr>
+          <p:cNvCxnSpPr>
+            <a:cxnSpLocks/>
+            <a:stCxn id="72" idx="3"/>
+            <a:endCxn id="71" idx="1"/>
+          </p:cNvCxnSpPr>
+          <p:nvPr/>
+        </p:nvCxnSpPr>
+        <p:spPr>
+          <a:xfrm flipV="1">
+            <a:off x="4060826" y="4298905"/>
+            <a:ext cx="297666" cy="3240"/>
+          </a:xfrm>
+          <a:prstGeom prst="straightConnector1">
+            <a:avLst/>
+          </a:prstGeom>
+          <a:ln w="31750" cmpd="dbl">
+            <a:solidFill>
+              <a:schemeClr val="tx1"/>
+            </a:solidFill>
+            <a:headEnd w="lg" len="lg"/>
+            <a:tailEnd type="triangle" w="lg" len="lg"/>
+          </a:ln>
+        </p:spPr>
+        <p:style>
+          <a:lnRef idx="1">
+            <a:schemeClr val="accent1"/>
+          </a:lnRef>
+          <a:fillRef idx="0">
+            <a:schemeClr val="accent1"/>
+          </a:fillRef>
+          <a:effectRef idx="0">
+            <a:schemeClr val="accent1"/>
+          </a:effectRef>
+          <a:fontRef idx="minor">
+            <a:schemeClr val="tx1"/>
+          </a:fontRef>
+        </p:style>
+      </p:cxnSp>
+      <mc:AlternateContent xmlns:mc="http://schemas.openxmlformats.org/markup-compatibility/2006">
+        <mc:Choice xmlns:a14="http://schemas.microsoft.com/office/drawing/2010/main" Requires="a14">
+          <p:sp>
+            <p:nvSpPr>
+              <p:cNvPr id="75" name="Rechteck: abgerundete Ecken 74">
+                <a:extLst>
+                  <a:ext uri="{FF2B5EF4-FFF2-40B4-BE49-F238E27FC236}">
+                    <a16:creationId xmlns:a16="http://schemas.microsoft.com/office/drawing/2014/main" id="{352C4AF7-C4B7-4E8A-9D2B-BFD61928F6C5}"/>
+                  </a:ext>
+                </a:extLst>
+              </p:cNvPr>
+              <p:cNvSpPr/>
+              <p:nvPr/>
+            </p:nvSpPr>
+            <p:spPr>
+              <a:xfrm>
+                <a:off x="4369264" y="5551751"/>
+                <a:ext cx="1378109" cy="704868"/>
+              </a:xfrm>
+              <a:prstGeom prst="roundRect">
+                <a:avLst/>
+              </a:prstGeom>
+              <a:solidFill>
+                <a:schemeClr val="accent2"/>
+              </a:solidFill>
+              <a:ln>
+                <a:noFill/>
+              </a:ln>
+            </p:spPr>
+            <p:style>
+              <a:lnRef idx="2">
+                <a:schemeClr val="accent1">
+                  <a:shade val="50000"/>
+                </a:schemeClr>
+              </a:lnRef>
+              <a:fillRef idx="1">
+                <a:schemeClr val="accent1"/>
+              </a:fillRef>
+              <a:effectRef idx="0">
+                <a:schemeClr val="accent1"/>
+              </a:effectRef>
+              <a:fontRef idx="minor">
+                <a:schemeClr val="lt1"/>
+              </a:fontRef>
+            </p:style>
+            <p:txBody>
+              <a:bodyPr rtlCol="0" anchor="ctr"/>
+              <a:lstStyle/>
+              <a:p>
+                <a:pPr algn="ctr"/>
+                <a:r>
+                  <a:rPr lang="de-DE"/>
+                  <a:t>observation</a:t>
+                </a:r>
+              </a:p>
+              <a:p>
+                <a:pPr algn="ctr"/>
+                <a14:m>
+                  <m:oMathPara xmlns:m="http://schemas.openxmlformats.org/officeDocument/2006/math">
+                    <m:oMathParaPr>
+                      <m:jc m:val="centerGroup"/>
+                    </m:oMathParaPr>
+                    <m:oMath xmlns:m="http://schemas.openxmlformats.org/officeDocument/2006/math">
+                      <m:sSub>
+                        <m:sSubPr>
+                          <m:ctrlPr>
+                            <a:rPr lang="de-DE" b="0" i="1" smtClean="0">
+                              <a:latin typeface="Cambria Math" panose="02040503050406030204" pitchFamily="18" charset="0"/>
+                            </a:rPr>
+                          </m:ctrlPr>
+                        </m:sSubPr>
+                        <m:e>
+                          <m:r>
+                            <a:rPr lang="de-DE" b="0" i="1" smtClean="0">
+                              <a:latin typeface="Cambria Math" panose="02040503050406030204" pitchFamily="18" charset="0"/>
+                            </a:rPr>
+                            <m:t>𝑧</m:t>
+                          </m:r>
+                        </m:e>
+                        <m:sub>
+                          <m:r>
+                            <a:rPr lang="de-DE" b="0" i="1" smtClean="0">
+                              <a:latin typeface="Cambria Math" panose="02040503050406030204" pitchFamily="18" charset="0"/>
+                            </a:rPr>
+                            <m:t>𝑘</m:t>
+                          </m:r>
+                        </m:sub>
+                      </m:sSub>
+                    </m:oMath>
+                  </m:oMathPara>
+                </a14:m>
+                <a:endParaRPr lang="de-DE"/>
+              </a:p>
+            </p:txBody>
+          </p:sp>
+        </mc:Choice>
+        <mc:Fallback>
+          <p:sp>
+            <p:nvSpPr>
+              <p:cNvPr id="75" name="Rechteck: abgerundete Ecken 74">
+                <a:extLst>
+                  <a:ext uri="{FF2B5EF4-FFF2-40B4-BE49-F238E27FC236}">
+                    <a16:creationId xmlns:a16="http://schemas.microsoft.com/office/drawing/2014/main" id="{352C4AF7-C4B7-4E8A-9D2B-BFD61928F6C5}"/>
+                  </a:ext>
+                </a:extLst>
+              </p:cNvPr>
+              <p:cNvSpPr>
+                <a:spLocks noRot="1" noChangeAspect="1" noMove="1" noResize="1" noEditPoints="1" noAdjustHandles="1" noChangeArrowheads="1" noChangeShapeType="1" noTextEdit="1"/>
+              </p:cNvSpPr>
+              <p:nvPr/>
+            </p:nvSpPr>
+            <p:spPr>
+              <a:xfrm>
+                <a:off x="4369264" y="5551751"/>
+                <a:ext cx="1378109" cy="704868"/>
+              </a:xfrm>
+              <a:prstGeom prst="roundRect">
+                <a:avLst/>
+              </a:prstGeom>
+              <a:blipFill>
+                <a:blip r:embed="rId12"/>
+                <a:stretch>
+                  <a:fillRect l="-885" r="-885"/>
+                </a:stretch>
+              </a:blipFill>
+              <a:ln>
+                <a:noFill/>
+              </a:ln>
+            </p:spPr>
+            <p:txBody>
+              <a:bodyPr/>
+              <a:lstStyle/>
+              <a:p>
+                <a:r>
+                  <a:rPr lang="de-DE">
+                    <a:noFill/>
+                  </a:rPr>
+                  <a:t> </a:t>
+                </a:r>
+              </a:p>
+            </p:txBody>
+          </p:sp>
+        </mc:Fallback>
+      </mc:AlternateContent>
+      <mc:AlternateContent xmlns:mc="http://schemas.openxmlformats.org/markup-compatibility/2006">
+        <mc:Choice xmlns:a14="http://schemas.microsoft.com/office/drawing/2010/main" Requires="a14">
+          <p:sp>
+            <p:nvSpPr>
+              <p:cNvPr id="76" name="Rechteck 75">
+                <a:extLst>
+                  <a:ext uri="{FF2B5EF4-FFF2-40B4-BE49-F238E27FC236}">
+                    <a16:creationId xmlns:a16="http://schemas.microsoft.com/office/drawing/2014/main" id="{8429DA24-3F8F-4DE7-AFE1-C3BD878AD982}"/>
+                  </a:ext>
+                </a:extLst>
+              </p:cNvPr>
+              <p:cNvSpPr/>
+              <p:nvPr/>
+            </p:nvSpPr>
+            <p:spPr>
+              <a:xfrm>
+                <a:off x="2755132" y="5649974"/>
+                <a:ext cx="1316466" cy="514902"/>
+              </a:xfrm>
+              <a:prstGeom prst="rect">
+                <a:avLst/>
+              </a:prstGeom>
+              <a:solidFill>
+                <a:schemeClr val="tx1"/>
+              </a:solidFill>
+              <a:ln>
+                <a:noFill/>
+              </a:ln>
+            </p:spPr>
+            <p:style>
+              <a:lnRef idx="2">
+                <a:schemeClr val="accent1">
+                  <a:shade val="50000"/>
+                </a:schemeClr>
+              </a:lnRef>
+              <a:fillRef idx="1">
+                <a:schemeClr val="accent1"/>
+              </a:fillRef>
+              <a:effectRef idx="0">
+                <a:schemeClr val="accent1"/>
+              </a:effectRef>
+              <a:fontRef idx="minor">
+                <a:schemeClr val="lt1"/>
+              </a:fontRef>
+            </p:style>
+            <p:txBody>
+              <a:bodyPr rtlCol="0" anchor="ctr"/>
+              <a:lstStyle/>
+              <a:p>
+                <a:pPr algn="ctr"/>
+                <a14:m>
+                  <m:oMathPara xmlns:m="http://schemas.openxmlformats.org/officeDocument/2006/math">
+                    <m:oMathParaPr>
+                      <m:jc m:val="centerGroup"/>
+                    </m:oMathParaPr>
+                    <m:oMath xmlns:m="http://schemas.openxmlformats.org/officeDocument/2006/math">
+                      <m:sSub>
+                        <m:sSubPr>
+                          <m:ctrlPr>
+                            <a:rPr lang="de-DE" sz="1400" b="0" i="1" smtClean="0">
+                              <a:solidFill>
+                                <a:schemeClr val="accent2"/>
+                              </a:solidFill>
+                              <a:latin typeface="Cambria Math" panose="02040503050406030204" pitchFamily="18" charset="0"/>
+                            </a:rPr>
+                          </m:ctrlPr>
+                        </m:sSubPr>
+                        <m:e>
+                          <m:r>
+                            <a:rPr lang="de-DE" sz="1400" b="0" i="1" smtClean="0">
+                              <a:solidFill>
+                                <a:schemeClr val="accent2"/>
+                              </a:solidFill>
+                              <a:latin typeface="Cambria Math" panose="02040503050406030204" pitchFamily="18" charset="0"/>
+                            </a:rPr>
+                            <m:t>𝐻</m:t>
+                          </m:r>
+                        </m:e>
+                        <m:sub>
+                          <m:r>
+                            <a:rPr lang="de-DE" sz="1400" b="0" i="1" smtClean="0">
+                              <a:solidFill>
+                                <a:schemeClr val="accent2"/>
+                              </a:solidFill>
+                              <a:latin typeface="Cambria Math" panose="02040503050406030204" pitchFamily="18" charset="0"/>
+                            </a:rPr>
+                            <m:t>𝑘</m:t>
+                          </m:r>
+                        </m:sub>
+                      </m:sSub>
+                      <m:r>
+                        <a:rPr lang="de-DE" sz="1400" b="0" i="1" smtClean="0">
+                          <a:solidFill>
+                            <a:schemeClr val="bg1"/>
+                          </a:solidFill>
+                          <a:latin typeface="Cambria Math" panose="02040503050406030204" pitchFamily="18" charset="0"/>
+                        </a:rPr>
+                        <m:t>∈</m:t>
+                      </m:r>
+                      <m:sSup>
+                        <m:sSupPr>
+                          <m:ctrlPr>
+                            <a:rPr lang="de-DE" sz="1400" b="0" i="1" smtClean="0">
+                              <a:solidFill>
+                                <a:schemeClr val="bg1"/>
+                              </a:solidFill>
+                              <a:latin typeface="Cambria Math" panose="02040503050406030204" pitchFamily="18" charset="0"/>
+                            </a:rPr>
+                          </m:ctrlPr>
+                        </m:sSupPr>
+                        <m:e>
+                          <m:r>
+                            <a:rPr lang="de-DE" sz="1400" b="0" i="1" smtClean="0">
+                              <a:solidFill>
+                                <a:schemeClr val="bg1"/>
+                              </a:solidFill>
+                              <a:latin typeface="Cambria Math" panose="02040503050406030204" pitchFamily="18" charset="0"/>
+                            </a:rPr>
+                            <m:t>ℝ</m:t>
+                          </m:r>
+                        </m:e>
+                        <m:sup>
+                          <m:r>
+                            <a:rPr lang="de-DE" sz="1400" b="0" i="1" smtClean="0">
+                              <a:solidFill>
+                                <a:schemeClr val="bg1"/>
+                              </a:solidFill>
+                              <a:latin typeface="Cambria Math" panose="02040503050406030204" pitchFamily="18" charset="0"/>
+                            </a:rPr>
+                            <m:t>𝑇</m:t>
+                          </m:r>
+                          <m:r>
+                            <a:rPr lang="de-DE" sz="1400" i="1">
+                              <a:solidFill>
+                                <a:schemeClr val="bg1"/>
+                              </a:solidFill>
+                              <a:latin typeface="Cambria Math" panose="02040503050406030204" pitchFamily="18" charset="0"/>
+                            </a:rPr>
+                            <m:t>×</m:t>
+                          </m:r>
+                          <m:r>
+                            <a:rPr lang="de-DE" sz="1400" i="1">
+                              <a:solidFill>
+                                <a:schemeClr val="bg1"/>
+                              </a:solidFill>
+                              <a:latin typeface="Cambria Math" panose="02040503050406030204" pitchFamily="18" charset="0"/>
+                            </a:rPr>
+                            <m:t>𝑁</m:t>
+                          </m:r>
+                        </m:sup>
+                      </m:sSup>
+                    </m:oMath>
+                  </m:oMathPara>
+                </a14:m>
+                <a:endParaRPr lang="de-DE" sz="1400">
+                  <a:solidFill>
+                    <a:schemeClr val="bg1"/>
+                  </a:solidFill>
+                </a:endParaRPr>
+              </a:p>
+              <a:p>
+                <a:pPr algn="ctr"/>
+                <a:r>
+                  <a:rPr lang="de-DE" sz="1400">
+                    <a:solidFill>
+                      <a:schemeClr val="bg1"/>
+                    </a:solidFill>
+                  </a:rPr>
+                  <a:t>markov-matrix</a:t>
+                </a:r>
+              </a:p>
+            </p:txBody>
+          </p:sp>
+        </mc:Choice>
+        <mc:Fallback>
+          <p:sp>
+            <p:nvSpPr>
+              <p:cNvPr id="76" name="Rechteck 75">
+                <a:extLst>
+                  <a:ext uri="{FF2B5EF4-FFF2-40B4-BE49-F238E27FC236}">
+                    <a16:creationId xmlns:a16="http://schemas.microsoft.com/office/drawing/2014/main" id="{8429DA24-3F8F-4DE7-AFE1-C3BD878AD982}"/>
+                  </a:ext>
+                </a:extLst>
+              </p:cNvPr>
+              <p:cNvSpPr>
+                <a:spLocks noRot="1" noChangeAspect="1" noMove="1" noResize="1" noEditPoints="1" noAdjustHandles="1" noChangeArrowheads="1" noChangeShapeType="1" noTextEdit="1"/>
+              </p:cNvSpPr>
+              <p:nvPr/>
+            </p:nvSpPr>
+            <p:spPr>
+              <a:xfrm>
+                <a:off x="2755132" y="5649974"/>
+                <a:ext cx="1316466" cy="514902"/>
+              </a:xfrm>
+              <a:prstGeom prst="rect">
+                <a:avLst/>
+              </a:prstGeom>
+              <a:blipFill>
+                <a:blip r:embed="rId13"/>
+                <a:stretch>
+                  <a:fillRect b="-13095"/>
+                </a:stretch>
+              </a:blipFill>
+              <a:ln>
+                <a:noFill/>
+              </a:ln>
+            </p:spPr>
+            <p:txBody>
+              <a:bodyPr/>
+              <a:lstStyle/>
+              <a:p>
+                <a:r>
+                  <a:rPr lang="de-DE">
+                    <a:noFill/>
+                  </a:rPr>
+                  <a:t> </a:t>
+                </a:r>
+              </a:p>
+            </p:txBody>
+          </p:sp>
+        </mc:Fallback>
+      </mc:AlternateContent>
+      <p:cxnSp>
+        <p:nvCxnSpPr>
+          <p:cNvPr id="77" name="Gerade Verbindung mit Pfeil 76">
+            <a:extLst>
+              <a:ext uri="{FF2B5EF4-FFF2-40B4-BE49-F238E27FC236}">
+                <a16:creationId xmlns:a16="http://schemas.microsoft.com/office/drawing/2014/main" id="{C3B2EE12-2991-4993-921A-0622D930532F}"/>
+              </a:ext>
+            </a:extLst>
+          </p:cNvPr>
+          <p:cNvCxnSpPr>
+            <a:cxnSpLocks/>
+            <a:stCxn id="40" idx="3"/>
+            <a:endCxn id="76" idx="1"/>
+          </p:cNvCxnSpPr>
+          <p:nvPr/>
+        </p:nvCxnSpPr>
+        <p:spPr>
+          <a:xfrm flipV="1">
+            <a:off x="2410988" y="5907425"/>
+            <a:ext cx="344144" cy="20720"/>
+          </a:xfrm>
+          <a:prstGeom prst="straightConnector1">
+            <a:avLst/>
+          </a:prstGeom>
+          <a:ln w="31750" cmpd="dbl">
+            <a:solidFill>
+              <a:schemeClr val="tx1"/>
+            </a:solidFill>
+            <a:headEnd w="lg" len="lg"/>
+            <a:tailEnd type="triangle" w="lg" len="lg"/>
+          </a:ln>
+        </p:spPr>
+        <p:style>
+          <a:lnRef idx="1">
+            <a:schemeClr val="accent1"/>
+          </a:lnRef>
+          <a:fillRef idx="0">
+            <a:schemeClr val="accent1"/>
+          </a:fillRef>
+          <a:effectRef idx="0">
+            <a:schemeClr val="accent1"/>
+          </a:effectRef>
+          <a:fontRef idx="minor">
+            <a:schemeClr val="tx1"/>
+          </a:fontRef>
+        </p:style>
+      </p:cxnSp>
+      <p:cxnSp>
+        <p:nvCxnSpPr>
+          <p:cNvPr id="78" name="Gerade Verbindung mit Pfeil 77">
+            <a:extLst>
+              <a:ext uri="{FF2B5EF4-FFF2-40B4-BE49-F238E27FC236}">
+                <a16:creationId xmlns:a16="http://schemas.microsoft.com/office/drawing/2014/main" id="{D57ACA27-589E-43B5-9219-F2406FB0A071}"/>
+              </a:ext>
+            </a:extLst>
+          </p:cNvPr>
+          <p:cNvCxnSpPr>
+            <a:cxnSpLocks/>
+            <a:stCxn id="76" idx="3"/>
+            <a:endCxn id="75" idx="1"/>
+          </p:cNvCxnSpPr>
+          <p:nvPr/>
+        </p:nvCxnSpPr>
+        <p:spPr>
+          <a:xfrm flipV="1">
+            <a:off x="4071598" y="5904185"/>
+            <a:ext cx="297666" cy="3240"/>
+          </a:xfrm>
+          <a:prstGeom prst="straightConnector1">
+            <a:avLst/>
+          </a:prstGeom>
+          <a:ln w="31750" cmpd="dbl">
+            <a:solidFill>
+              <a:schemeClr val="tx1"/>
+            </a:solidFill>
+            <a:headEnd w="lg" len="lg"/>
+            <a:tailEnd type="triangle" w="lg" len="lg"/>
+          </a:ln>
+        </p:spPr>
+        <p:style>
+          <a:lnRef idx="1">
+            <a:schemeClr val="accent1"/>
+          </a:lnRef>
+          <a:fillRef idx="0">
+            <a:schemeClr val="accent1"/>
+          </a:fillRef>
+          <a:effectRef idx="0">
+            <a:schemeClr val="accent1"/>
+          </a:effectRef>
+          <a:fontRef idx="minor">
+            <a:schemeClr val="tx1"/>
+          </a:fontRef>
+        </p:style>
+      </p:cxnSp>
+      <p:cxnSp>
+        <p:nvCxnSpPr>
+          <p:cNvPr id="95" name="Gerade Verbindung mit Pfeil 94">
+            <a:extLst>
+              <a:ext uri="{FF2B5EF4-FFF2-40B4-BE49-F238E27FC236}">
+                <a16:creationId xmlns:a16="http://schemas.microsoft.com/office/drawing/2014/main" id="{CDFAC34F-C7FE-45A2-8DFD-499239493B4D}"/>
+              </a:ext>
+            </a:extLst>
+          </p:cNvPr>
+          <p:cNvCxnSpPr>
+            <a:cxnSpLocks/>
+            <a:stCxn id="66" idx="2"/>
+            <a:endCxn id="76" idx="0"/>
+          </p:cNvCxnSpPr>
+          <p:nvPr/>
+        </p:nvCxnSpPr>
+        <p:spPr>
+          <a:xfrm>
+            <a:off x="3402593" y="3807038"/>
+            <a:ext cx="10772" cy="1842936"/>
+          </a:xfrm>
+          <a:prstGeom prst="straightConnector1">
+            <a:avLst/>
+          </a:prstGeom>
+          <a:ln>
+            <a:solidFill>
+              <a:schemeClr val="accent2"/>
+            </a:solidFill>
+            <a:headEnd w="lg" len="lg"/>
+            <a:tailEnd type="triangle"/>
+          </a:ln>
+        </p:spPr>
+        <p:style>
+          <a:lnRef idx="1">
+            <a:schemeClr val="accent1"/>
+          </a:lnRef>
+          <a:fillRef idx="0">
+            <a:schemeClr val="accent1"/>
+          </a:fillRef>
+          <a:effectRef idx="0">
+            <a:schemeClr val="accent1"/>
+          </a:effectRef>
+          <a:fontRef idx="minor">
+            <a:schemeClr val="tx1"/>
+          </a:fontRef>
+        </p:style>
+      </p:cxnSp>
+      <p:cxnSp>
+        <p:nvCxnSpPr>
+          <p:cNvPr id="82" name="Gerade Verbindung mit Pfeil 81">
+            <a:extLst>
+              <a:ext uri="{FF2B5EF4-FFF2-40B4-BE49-F238E27FC236}">
+                <a16:creationId xmlns:a16="http://schemas.microsoft.com/office/drawing/2014/main" id="{CE90AC84-EB7C-4DAD-89CC-71C47CD4C296}"/>
+              </a:ext>
+            </a:extLst>
+          </p:cNvPr>
+          <p:cNvCxnSpPr>
+            <a:stCxn id="66" idx="2"/>
+            <a:endCxn id="72" idx="0"/>
+          </p:cNvCxnSpPr>
+          <p:nvPr/>
+        </p:nvCxnSpPr>
+        <p:spPr>
+          <a:xfrm>
+            <a:off x="3402593" y="3807038"/>
+            <a:ext cx="0" cy="237656"/>
+          </a:xfrm>
+          <a:prstGeom prst="straightConnector1">
+            <a:avLst/>
+          </a:prstGeom>
+          <a:ln>
+            <a:solidFill>
+              <a:schemeClr val="accent2"/>
+            </a:solidFill>
+            <a:headEnd w="lg" len="lg"/>
+            <a:tailEnd type="triangle"/>
+          </a:ln>
+        </p:spPr>
+        <p:style>
+          <a:lnRef idx="1">
+            <a:schemeClr val="accent1"/>
+          </a:lnRef>
+          <a:fillRef idx="0">
+            <a:schemeClr val="accent1"/>
+          </a:fillRef>
+          <a:effectRef idx="0">
+            <a:schemeClr val="accent1"/>
+          </a:effectRef>
+          <a:fontRef idx="minor">
+            <a:schemeClr val="tx1"/>
+          </a:fontRef>
+        </p:style>
+      </p:cxnSp>
+      <mc:AlternateContent xmlns:mc="http://schemas.openxmlformats.org/markup-compatibility/2006">
+        <mc:Choice xmlns:a14="http://schemas.microsoft.com/office/drawing/2010/main" Requires="a14">
+          <p:sp>
+            <p:nvSpPr>
+              <p:cNvPr id="72" name="Rechteck 71">
+                <a:extLst>
+                  <a:ext uri="{FF2B5EF4-FFF2-40B4-BE49-F238E27FC236}">
+                    <a16:creationId xmlns:a16="http://schemas.microsoft.com/office/drawing/2014/main" id="{ADEA14E4-B776-4D00-BD5D-15BB22AD7F2D}"/>
+                  </a:ext>
+                </a:extLst>
+              </p:cNvPr>
+              <p:cNvSpPr/>
+              <p:nvPr/>
+            </p:nvSpPr>
+            <p:spPr>
+              <a:xfrm>
+                <a:off x="2744360" y="4044694"/>
+                <a:ext cx="1316466" cy="514902"/>
+              </a:xfrm>
+              <a:prstGeom prst="rect">
+                <a:avLst/>
+              </a:prstGeom>
+              <a:solidFill>
+                <a:schemeClr val="tx1"/>
+              </a:solidFill>
+              <a:ln>
+                <a:noFill/>
+              </a:ln>
+            </p:spPr>
+            <p:style>
+              <a:lnRef idx="2">
+                <a:schemeClr val="accent1">
+                  <a:shade val="50000"/>
+                </a:schemeClr>
+              </a:lnRef>
+              <a:fillRef idx="1">
+                <a:schemeClr val="accent1"/>
+              </a:fillRef>
+              <a:effectRef idx="0">
+                <a:schemeClr val="accent1"/>
+              </a:effectRef>
+              <a:fontRef idx="minor">
+                <a:schemeClr val="lt1"/>
+              </a:fontRef>
+            </p:style>
+            <p:txBody>
+              <a:bodyPr rtlCol="0" anchor="ctr"/>
+              <a:lstStyle/>
+              <a:p>
+                <a:pPr algn="ctr"/>
+                <a14:m>
+                  <m:oMathPara xmlns:m="http://schemas.openxmlformats.org/officeDocument/2006/math">
+                    <m:oMathParaPr>
+                      <m:jc m:val="centerGroup"/>
+                    </m:oMathParaPr>
+                    <m:oMath xmlns:m="http://schemas.openxmlformats.org/officeDocument/2006/math">
+                      <m:sSub>
+                        <m:sSubPr>
+                          <m:ctrlPr>
+                            <a:rPr lang="de-DE" sz="1400" b="0" i="1" smtClean="0">
+                              <a:solidFill>
+                                <a:schemeClr val="accent2"/>
+                              </a:solidFill>
+                              <a:latin typeface="Cambria Math" panose="02040503050406030204" pitchFamily="18" charset="0"/>
+                            </a:rPr>
+                          </m:ctrlPr>
+                        </m:sSubPr>
+                        <m:e>
+                          <m:r>
+                            <a:rPr lang="de-DE" sz="1400" b="0" i="1" smtClean="0">
+                              <a:solidFill>
+                                <a:schemeClr val="accent2"/>
+                              </a:solidFill>
+                              <a:latin typeface="Cambria Math" panose="02040503050406030204" pitchFamily="18" charset="0"/>
+                            </a:rPr>
+                            <m:t>𝐻</m:t>
+                          </m:r>
+                        </m:e>
+                        <m:sub>
+                          <m:r>
+                            <a:rPr lang="de-DE" sz="1400" b="0" i="1" smtClean="0">
+                              <a:solidFill>
+                                <a:schemeClr val="accent2"/>
+                              </a:solidFill>
+                              <a:latin typeface="Cambria Math" panose="02040503050406030204" pitchFamily="18" charset="0"/>
+                            </a:rPr>
+                            <m:t>𝑘</m:t>
+                          </m:r>
+                          <m:r>
+                            <a:rPr lang="de-DE" sz="1400" b="0" i="1" smtClean="0">
+                              <a:solidFill>
+                                <a:schemeClr val="accent2"/>
+                              </a:solidFill>
+                              <a:latin typeface="Cambria Math" panose="02040503050406030204" pitchFamily="18" charset="0"/>
+                            </a:rPr>
+                            <m:t>−1</m:t>
+                          </m:r>
+                        </m:sub>
+                      </m:sSub>
+                      <m:r>
+                        <a:rPr lang="de-DE" sz="1400" b="0" i="1" smtClean="0">
+                          <a:solidFill>
+                            <a:schemeClr val="bg1"/>
+                          </a:solidFill>
+                          <a:latin typeface="Cambria Math" panose="02040503050406030204" pitchFamily="18" charset="0"/>
+                        </a:rPr>
+                        <m:t>∈</m:t>
+                      </m:r>
+                      <m:sSup>
+                        <m:sSupPr>
+                          <m:ctrlPr>
+                            <a:rPr lang="de-DE" sz="1400" b="0" i="1" smtClean="0">
+                              <a:solidFill>
+                                <a:schemeClr val="bg1"/>
+                              </a:solidFill>
+                              <a:latin typeface="Cambria Math" panose="02040503050406030204" pitchFamily="18" charset="0"/>
+                            </a:rPr>
+                          </m:ctrlPr>
+                        </m:sSupPr>
+                        <m:e>
+                          <m:r>
+                            <a:rPr lang="de-DE" sz="1400" b="0" i="1" smtClean="0">
+                              <a:solidFill>
+                                <a:schemeClr val="bg1"/>
+                              </a:solidFill>
+                              <a:latin typeface="Cambria Math" panose="02040503050406030204" pitchFamily="18" charset="0"/>
+                            </a:rPr>
+                            <m:t>ℝ</m:t>
+                          </m:r>
+                        </m:e>
+                        <m:sup>
+                          <m:r>
+                            <a:rPr lang="de-DE" sz="1400" b="0" i="1" smtClean="0">
+                              <a:solidFill>
+                                <a:schemeClr val="bg1"/>
+                              </a:solidFill>
+                              <a:latin typeface="Cambria Math" panose="02040503050406030204" pitchFamily="18" charset="0"/>
+                            </a:rPr>
+                            <m:t>𝑇</m:t>
+                          </m:r>
+                          <m:r>
+                            <a:rPr lang="de-DE" sz="1400" i="1">
+                              <a:solidFill>
+                                <a:schemeClr val="bg1"/>
+                              </a:solidFill>
+                              <a:latin typeface="Cambria Math" panose="02040503050406030204" pitchFamily="18" charset="0"/>
+                            </a:rPr>
+                            <m:t>×</m:t>
+                          </m:r>
+                          <m:r>
+                            <a:rPr lang="de-DE" sz="1400" i="1">
+                              <a:solidFill>
+                                <a:schemeClr val="bg1"/>
+                              </a:solidFill>
+                              <a:latin typeface="Cambria Math" panose="02040503050406030204" pitchFamily="18" charset="0"/>
+                            </a:rPr>
+                            <m:t>𝑁</m:t>
+                          </m:r>
+                        </m:sup>
+                      </m:sSup>
+                    </m:oMath>
+                  </m:oMathPara>
+                </a14:m>
+                <a:endParaRPr lang="de-DE" sz="1400">
+                  <a:solidFill>
+                    <a:schemeClr val="bg1"/>
+                  </a:solidFill>
+                </a:endParaRPr>
+              </a:p>
+              <a:p>
+                <a:pPr algn="ctr"/>
+                <a:r>
+                  <a:rPr lang="de-DE" sz="1400">
+                    <a:solidFill>
+                      <a:schemeClr val="bg1"/>
+                    </a:solidFill>
+                  </a:rPr>
+                  <a:t>markov-matrix</a:t>
+                </a:r>
+              </a:p>
+            </p:txBody>
+          </p:sp>
+        </mc:Choice>
+        <mc:Fallback>
+          <p:sp>
+            <p:nvSpPr>
+              <p:cNvPr id="72" name="Rechteck 71">
+                <a:extLst>
+                  <a:ext uri="{FF2B5EF4-FFF2-40B4-BE49-F238E27FC236}">
+                    <a16:creationId xmlns:a16="http://schemas.microsoft.com/office/drawing/2014/main" id="{ADEA14E4-B776-4D00-BD5D-15BB22AD7F2D}"/>
+                  </a:ext>
+                </a:extLst>
+              </p:cNvPr>
+              <p:cNvSpPr>
+                <a:spLocks noRot="1" noChangeAspect="1" noMove="1" noResize="1" noEditPoints="1" noAdjustHandles="1" noChangeArrowheads="1" noChangeShapeType="1" noTextEdit="1"/>
+              </p:cNvSpPr>
+              <p:nvPr/>
+            </p:nvSpPr>
+            <p:spPr>
+              <a:xfrm>
+                <a:off x="2744360" y="4044694"/>
+                <a:ext cx="1316466" cy="514902"/>
+              </a:xfrm>
+              <a:prstGeom prst="rect">
+                <a:avLst/>
+              </a:prstGeom>
+              <a:blipFill>
+                <a:blip r:embed="rId14"/>
+                <a:stretch>
+                  <a:fillRect b="-12941"/>
+                </a:stretch>
+              </a:blipFill>
+              <a:ln>
+                <a:noFill/>
+              </a:ln>
+            </p:spPr>
+            <p:txBody>
+              <a:bodyPr/>
+              <a:lstStyle/>
+              <a:p>
+                <a:r>
+                  <a:rPr lang="de-DE">
+                    <a:noFill/>
+                  </a:rPr>
+                  <a:t> </a:t>
+                </a:r>
+              </a:p>
+            </p:txBody>
+          </p:sp>
+        </mc:Fallback>
+      </mc:AlternateContent>
     </p:spTree>
     <p:extLst>
       <p:ext uri="{BB962C8B-B14F-4D97-AF65-F5344CB8AC3E}">
